--- a/NeurIPS L2D.pptx
+++ b/NeurIPS L2D.pptx
@@ -7203,7 +7203,7 @@
                 <a:latin typeface="Arial" panose="020B0604020202020204" pitchFamily="34" charset="0"/>
                 <a:cs typeface="Arial" panose="020B0604020202020204" pitchFamily="34" charset="0"/>
               </a:rPr>
-              <a:t>Job-Shop Scheduling Problem &amp; Dispatching Rules</a:t>
+              <a:t>Job-Shop Scheduling Problem &amp; Disjunctive Graphs</a:t>
             </a:r>
             <a:endParaRPr lang="en-SG" sz="2000" b="1" dirty="0">
               <a:solidFill>
@@ -7522,6 +7522,54 @@
               </a:rPr>
               <a:t>Background</a:t>
             </a:r>
+          </a:p>
+        </p:txBody>
+      </p:sp>
+      <p:sp>
+        <p:nvSpPr>
+          <p:cNvPr id="18" name="TextBox 17"/>
+          <p:cNvSpPr txBox="1"/>
+          <p:nvPr/>
+        </p:nvSpPr>
+        <p:spPr>
+          <a:xfrm>
+            <a:off x="142875" y="971550"/>
+            <a:ext cx="11896725" cy="646331"/>
+          </a:xfrm>
+          <a:prstGeom prst="rect">
+            <a:avLst/>
+          </a:prstGeom>
+          <a:noFill/>
+        </p:spPr>
+        <p:txBody>
+          <a:bodyPr wrap="square" rtlCol="0">
+            <a:spAutoFit/>
+          </a:bodyPr>
+          <a:lstStyle/>
+          <a:p>
+            <a:pPr marL="285750" indent="-285750">
+              <a:buFont typeface="Arial" panose="020B0604020202020204" pitchFamily="34" charset="0"/>
+              <a:buChar char="•"/>
+            </a:pPr>
+            <a:r>
+              <a:rPr lang="en-US" dirty="0" smtClean="0"/>
+              <a:t>Job-Shop Scheduling Problem (JSSP) is a well-known Combinatorial </a:t>
+            </a:r>
+            <a:r>
+              <a:rPr lang="en-US" dirty="0"/>
+              <a:t>O</a:t>
+            </a:r>
+            <a:r>
+              <a:rPr lang="en-US" dirty="0" smtClean="0"/>
+              <a:t>ptimization Problem (COP) that is NP-hard to solve.</a:t>
+            </a:r>
+          </a:p>
+          <a:p>
+            <a:pPr marL="285750" indent="-285750">
+              <a:buFont typeface="Arial" panose="020B0604020202020204" pitchFamily="34" charset="0"/>
+              <a:buChar char="•"/>
+            </a:pPr>
+            <a:endParaRPr lang="en-SG" dirty="0"/>
           </a:p>
         </p:txBody>
       </p:sp>
@@ -8496,6 +8544,350 @@
               </a:rPr>
               <a:t>L2D</a:t>
             </a:r>
+          </a:p>
+        </p:txBody>
+      </p:sp>
+      <p:sp>
+        <p:nvSpPr>
+          <p:cNvPr id="4" name="TextBox 3"/>
+          <p:cNvSpPr txBox="1"/>
+          <p:nvPr/>
+        </p:nvSpPr>
+        <p:spPr>
+          <a:xfrm>
+            <a:off x="142875" y="962025"/>
+            <a:ext cx="11896725" cy="2246769"/>
+          </a:xfrm>
+          <a:prstGeom prst="rect">
+            <a:avLst/>
+          </a:prstGeom>
+          <a:noFill/>
+        </p:spPr>
+        <p:txBody>
+          <a:bodyPr wrap="square" rtlCol="0">
+            <a:spAutoFit/>
+          </a:bodyPr>
+          <a:lstStyle/>
+          <a:p>
+            <a:pPr marL="285750" indent="-285750">
+              <a:buFont typeface="Wingdings" panose="05000000000000000000" pitchFamily="2" charset="2"/>
+              <a:buChar char="q"/>
+            </a:pPr>
+            <a:r>
+              <a:rPr lang="en-US" sz="2800" b="1" dirty="0" smtClean="0"/>
+              <a:t>Challenges</a:t>
+            </a:r>
+            <a:endParaRPr lang="en-SG" sz="2800" dirty="0" smtClean="0"/>
+          </a:p>
+          <a:p>
+            <a:pPr marL="742950" lvl="1" indent="-285750">
+              <a:buFont typeface="Wingdings" panose="05000000000000000000" pitchFamily="2" charset="2"/>
+              <a:buChar char="q"/>
+            </a:pPr>
+            <a:r>
+              <a:rPr lang="en-US" sz="2800" dirty="0" smtClean="0"/>
+              <a:t>Due to strong NP-hardness, h</a:t>
+            </a:r>
+            <a:r>
+              <a:rPr lang="en-US" sz="2800" dirty="0" smtClean="0"/>
+              <a:t>ow to search the PDR space efficiently in an </a:t>
+            </a:r>
+            <a:r>
+              <a:rPr lang="en-US" sz="2800" dirty="0" smtClean="0">
+                <a:solidFill>
+                  <a:srgbClr val="FF0000"/>
+                </a:solidFill>
+              </a:rPr>
+              <a:t>end-to-end &amp; un-supervised </a:t>
+            </a:r>
+            <a:r>
+              <a:rPr lang="en-US" sz="2800" dirty="0" smtClean="0"/>
+              <a:t>manner?</a:t>
+            </a:r>
+          </a:p>
+          <a:p>
+            <a:pPr marL="742950" lvl="1" indent="-285750">
+              <a:buFont typeface="Wingdings" panose="05000000000000000000" pitchFamily="2" charset="2"/>
+              <a:buChar char="q"/>
+            </a:pPr>
+            <a:r>
+              <a:rPr lang="en-US" sz="2800" dirty="0" smtClean="0"/>
+              <a:t>Can learned PDR be </a:t>
+            </a:r>
+            <a:r>
+              <a:rPr lang="en-US" sz="2800" dirty="0" smtClean="0">
+                <a:solidFill>
+                  <a:srgbClr val="FF0000"/>
+                </a:solidFill>
+              </a:rPr>
+              <a:t>size-agnostic</a:t>
+            </a:r>
+            <a:r>
+              <a:rPr lang="en-US" altLang="zh-CN" sz="2800" dirty="0" smtClean="0"/>
+              <a:t> so that it can </a:t>
+            </a:r>
+            <a:r>
+              <a:rPr lang="en-US" altLang="zh-CN" sz="2800" dirty="0" smtClean="0">
+                <a:solidFill>
+                  <a:srgbClr val="FF0000"/>
+                </a:solidFill>
+              </a:rPr>
+              <a:t>generalize</a:t>
+            </a:r>
+            <a:r>
+              <a:rPr lang="en-US" altLang="zh-CN" sz="2800" dirty="0" smtClean="0"/>
+              <a:t> to un-seen large-scale instances?</a:t>
+            </a:r>
+            <a:endParaRPr lang="en-US" sz="2800" dirty="0" smtClean="0"/>
+          </a:p>
+        </p:txBody>
+      </p:sp>
+      <p:pic>
+        <p:nvPicPr>
+          <p:cNvPr id="5" name="Picture 4"/>
+          <p:cNvPicPr>
+            <a:picLocks noChangeAspect="1"/>
+          </p:cNvPicPr>
+          <p:nvPr/>
+        </p:nvPicPr>
+        <p:blipFill>
+          <a:blip r:embed="rId4">
+            <a:extLst>
+              <a:ext uri="{28A0092B-C50C-407E-A947-70E740481C1C}">
+                <a14:useLocalDpi xmlns:a14="http://schemas.microsoft.com/office/drawing/2010/main" val="0"/>
+              </a:ext>
+            </a:extLst>
+          </a:blip>
+          <a:stretch>
+            <a:fillRect/>
+          </a:stretch>
+        </p:blipFill>
+        <p:spPr>
+          <a:xfrm>
+            <a:off x="142875" y="3271682"/>
+            <a:ext cx="5334000" cy="2057400"/>
+          </a:xfrm>
+          <a:prstGeom prst="rect">
+            <a:avLst/>
+          </a:prstGeom>
+        </p:spPr>
+      </p:pic>
+      <p:sp>
+        <p:nvSpPr>
+          <p:cNvPr id="6" name="TextBox 5"/>
+          <p:cNvSpPr txBox="1"/>
+          <p:nvPr/>
+        </p:nvSpPr>
+        <p:spPr>
+          <a:xfrm>
+            <a:off x="5855059" y="3800290"/>
+            <a:ext cx="472356" cy="830997"/>
+          </a:xfrm>
+          <a:prstGeom prst="rect">
+            <a:avLst/>
+          </a:prstGeom>
+          <a:noFill/>
+        </p:spPr>
+        <p:txBody>
+          <a:bodyPr wrap="square" rtlCol="0">
+            <a:spAutoFit/>
+          </a:bodyPr>
+          <a:lstStyle/>
+          <a:p>
+            <a:r>
+              <a:rPr lang="en-US" sz="4800" dirty="0" smtClean="0"/>
+              <a:t>+</a:t>
+            </a:r>
+            <a:endParaRPr lang="en-SG" sz="4800" dirty="0"/>
+          </a:p>
+        </p:txBody>
+      </p:sp>
+      <p:sp>
+        <p:nvSpPr>
+          <p:cNvPr id="9" name="TextBox 8"/>
+          <p:cNvSpPr txBox="1"/>
+          <p:nvPr/>
+        </p:nvSpPr>
+        <p:spPr>
+          <a:xfrm>
+            <a:off x="8831549" y="3582356"/>
+            <a:ext cx="2457450" cy="369332"/>
+          </a:xfrm>
+          <a:prstGeom prst="rect">
+            <a:avLst/>
+          </a:prstGeom>
+          <a:noFill/>
+        </p:spPr>
+        <p:txBody>
+          <a:bodyPr wrap="square" rtlCol="0">
+            <a:spAutoFit/>
+          </a:bodyPr>
+          <a:lstStyle/>
+          <a:p>
+            <a:r>
+              <a:rPr lang="en-US" dirty="0" smtClean="0"/>
+              <a:t>Graph Neural Networks</a:t>
+            </a:r>
+            <a:endParaRPr lang="en-SG" dirty="0"/>
+          </a:p>
+        </p:txBody>
+      </p:sp>
+      <p:pic>
+        <p:nvPicPr>
+          <p:cNvPr id="10" name="Picture 9"/>
+          <p:cNvPicPr>
+            <a:picLocks noChangeAspect="1"/>
+          </p:cNvPicPr>
+          <p:nvPr/>
+        </p:nvPicPr>
+        <p:blipFill>
+          <a:blip r:embed="rId5" cstate="print">
+            <a:extLst>
+              <a:ext uri="{28A0092B-C50C-407E-A947-70E740481C1C}">
+                <a14:useLocalDpi xmlns:a14="http://schemas.microsoft.com/office/drawing/2010/main" val="0"/>
+              </a:ext>
+            </a:extLst>
+          </a:blip>
+          <a:stretch>
+            <a:fillRect/>
+          </a:stretch>
+        </p:blipFill>
+        <p:spPr>
+          <a:xfrm>
+            <a:off x="7000550" y="3660300"/>
+            <a:ext cx="2386589" cy="1280163"/>
+          </a:xfrm>
+          <a:prstGeom prst="rect">
+            <a:avLst/>
+          </a:prstGeom>
+        </p:spPr>
+      </p:pic>
+      <p:cxnSp>
+        <p:nvCxnSpPr>
+          <p:cNvPr id="20" name="Elbow Connector 19"/>
+          <p:cNvCxnSpPr>
+            <a:stCxn id="5" idx="2"/>
+            <a:endCxn id="24" idx="1"/>
+          </p:cNvCxnSpPr>
+          <p:nvPr/>
+        </p:nvCxnSpPr>
+        <p:spPr>
+          <a:xfrm rot="16200000" flipH="1">
+            <a:off x="3135091" y="5003865"/>
+            <a:ext cx="842602" cy="1493035"/>
+          </a:xfrm>
+          <a:prstGeom prst="bentConnector2">
+            <a:avLst/>
+          </a:prstGeom>
+          <a:ln>
+            <a:tailEnd type="triangle"/>
+          </a:ln>
+        </p:spPr>
+        <p:style>
+          <a:lnRef idx="3">
+            <a:schemeClr val="dk1"/>
+          </a:lnRef>
+          <a:fillRef idx="0">
+            <a:schemeClr val="dk1"/>
+          </a:fillRef>
+          <a:effectRef idx="2">
+            <a:schemeClr val="dk1"/>
+          </a:effectRef>
+          <a:fontRef idx="minor">
+            <a:schemeClr val="tx1"/>
+          </a:fontRef>
+        </p:style>
+      </p:cxnSp>
+      <p:cxnSp>
+        <p:nvCxnSpPr>
+          <p:cNvPr id="22" name="Elbow Connector 21"/>
+          <p:cNvCxnSpPr>
+            <a:stCxn id="10" idx="2"/>
+            <a:endCxn id="24" idx="3"/>
+          </p:cNvCxnSpPr>
+          <p:nvPr/>
+        </p:nvCxnSpPr>
+        <p:spPr>
+          <a:xfrm rot="5400000">
+            <a:off x="6872851" y="4850689"/>
+            <a:ext cx="1231221" cy="1410769"/>
+          </a:xfrm>
+          <a:prstGeom prst="bentConnector2">
+            <a:avLst/>
+          </a:prstGeom>
+          <a:ln>
+            <a:tailEnd type="triangle"/>
+          </a:ln>
+        </p:spPr>
+        <p:style>
+          <a:lnRef idx="3">
+            <a:schemeClr val="dk1"/>
+          </a:lnRef>
+          <a:fillRef idx="0">
+            <a:schemeClr val="dk1"/>
+          </a:fillRef>
+          <a:effectRef idx="2">
+            <a:schemeClr val="dk1"/>
+          </a:effectRef>
+          <a:fontRef idx="minor">
+            <a:schemeClr val="tx1"/>
+          </a:fontRef>
+        </p:style>
+      </p:cxnSp>
+      <p:sp>
+        <p:nvSpPr>
+          <p:cNvPr id="24" name="Rectangle 23"/>
+          <p:cNvSpPr/>
+          <p:nvPr/>
+        </p:nvSpPr>
+        <p:spPr>
+          <a:xfrm>
+            <a:off x="4302910" y="5987018"/>
+            <a:ext cx="2480166" cy="369332"/>
+          </a:xfrm>
+          <a:prstGeom prst="rect">
+            <a:avLst/>
+          </a:prstGeom>
+          <a:effectLst/>
+        </p:spPr>
+        <p:txBody>
+          <a:bodyPr wrap="none">
+            <a:spAutoFit/>
+          </a:bodyPr>
+          <a:lstStyle/>
+          <a:p>
+            <a:pPr>
+              <a:buClr>
+                <a:srgbClr val="68448B"/>
+              </a:buClr>
+            </a:pPr>
+            <a:r>
+              <a:rPr lang="en-US" b="1" smtClean="0">
+                <a:solidFill>
+                  <a:srgbClr val="405067"/>
+                </a:solidFill>
+                <a:latin typeface="Arial" panose="020B0604020202020204" pitchFamily="34" charset="0"/>
+                <a:cs typeface="Arial" panose="020B0604020202020204" pitchFamily="34" charset="0"/>
+              </a:rPr>
+              <a:t>Learning to </a:t>
+            </a:r>
+            <a:r>
+              <a:rPr lang="en-US" b="1" dirty="0" smtClean="0">
+                <a:solidFill>
+                  <a:srgbClr val="405067"/>
+                </a:solidFill>
+                <a:latin typeface="Arial" panose="020B0604020202020204" pitchFamily="34" charset="0"/>
+                <a:cs typeface="Arial" panose="020B0604020202020204" pitchFamily="34" charset="0"/>
+              </a:rPr>
+              <a:t>Dispatch</a:t>
+            </a:r>
+            <a:endParaRPr lang="en-US" b="1" dirty="0">
+              <a:solidFill>
+                <a:srgbClr val="405067"/>
+              </a:solidFill>
+              <a:latin typeface="Arial" panose="020B0604020202020204" pitchFamily="34" charset="0"/>
+              <a:cs typeface="Arial" panose="020B0604020202020204" pitchFamily="34" charset="0"/>
+            </a:endParaRPr>
           </a:p>
         </p:txBody>
       </p:sp>

--- a/NeurIPS L2D.pptx
+++ b/NeurIPS L2D.pptx
@@ -123,6 +123,14 @@
       </a:defRPr>
     </a:lvl9pPr>
   </p:defaultTextStyle>
+  <p:extLst>
+    <p:ext uri="{EFAFB233-063F-42B5-8137-9DF3F51BA10A}">
+      <p15:sldGuideLst xmlns:p15="http://schemas.microsoft.com/office/powerpoint/2012/main"/>
+    </p:ext>
+    <p:ext uri="{2D200454-40CA-4A62-9FC3-DE9A4176ACB9}">
+      <p15:notesGuideLst xmlns:p15="http://schemas.microsoft.com/office/powerpoint/2012/main"/>
+    </p:ext>
+  </p:extLst>
 </p:presentation>
 </file>
 
@@ -4444,11 +4452,11 @@
   <p:clrMapOvr>
     <a:masterClrMapping/>
   </p:clrMapOvr>
-  <mc:AlternateContent xmlns:mc="http://schemas.openxmlformats.org/markup-compatibility/2006">
-    <mc:Choice xmlns:p14="http://schemas.microsoft.com/office/powerpoint/2010/main" Requires="p14">
+  <mc:AlternateContent xmlns:mc="http://schemas.openxmlformats.org/markup-compatibility/2006" xmlns:p14="http://schemas.microsoft.com/office/powerpoint/2010/main">
+    <mc:Choice Requires="p14">
       <p:transition spd="slow" p14:dur="2000"/>
     </mc:Choice>
-    <mc:Fallback>
+    <mc:Fallback xmlns="">
       <p:transition spd="slow"/>
     </mc:Fallback>
   </mc:AlternateContent>
@@ -8574,10 +8582,18 @@
               <a:buChar char="q"/>
             </a:pPr>
             <a:r>
-              <a:rPr lang="en-US" sz="2800" b="1" dirty="0" smtClean="0"/>
+              <a:rPr lang="en-US" sz="2800" b="1" dirty="0" smtClean="0">
+                <a:solidFill>
+                  <a:srgbClr val="405067"/>
+                </a:solidFill>
+              </a:rPr>
               <a:t>Challenges</a:t>
             </a:r>
-            <a:endParaRPr lang="en-SG" sz="2800" dirty="0" smtClean="0"/>
+            <a:endParaRPr lang="en-SG" sz="2800" dirty="0" smtClean="0">
+              <a:solidFill>
+                <a:srgbClr val="405067"/>
+              </a:solidFill>
+            </a:endParaRPr>
           </a:p>
           <a:p>
             <a:pPr marL="742950" lvl="1" indent="-285750">
@@ -8585,24 +8601,44 @@
               <a:buChar char="q"/>
             </a:pPr>
             <a:r>
-              <a:rPr lang="en-US" sz="2800" dirty="0" smtClean="0"/>
-              <a:t>Due to strong NP-hardness, h</a:t>
-            </a:r>
-            <a:r>
-              <a:rPr lang="en-US" sz="2800" dirty="0" smtClean="0"/>
-              <a:t>ow to search the PDR space efficiently in an </a:t>
-            </a:r>
-            <a:r>
               <a:rPr lang="en-US" sz="2800" dirty="0" smtClean="0">
                 <a:solidFill>
+                  <a:srgbClr val="405067"/>
+                </a:solidFill>
+              </a:rPr>
+              <a:t>Due to strong NP-hardness, how to search the PDR space efficiently in an </a:t>
+            </a:r>
+            <a:r>
+              <a:rPr lang="en-US" sz="2800" dirty="0" smtClean="0">
+                <a:solidFill>
                   <a:srgbClr val="FF0000"/>
                 </a:solidFill>
               </a:rPr>
-              <a:t>end-to-end &amp; un-supervised </a:t>
-            </a:r>
-            <a:r>
-              <a:rPr lang="en-US" sz="2800" dirty="0" smtClean="0"/>
-              <a:t>manner?</a:t>
+              <a:t>end-to-end</a:t>
+            </a:r>
+            <a:r>
+              <a:rPr lang="en-US" sz="2800" dirty="0" smtClean="0">
+                <a:solidFill>
+                  <a:srgbClr val="405067"/>
+                </a:solidFill>
+              </a:rPr>
+              <a:t> &amp; </a:t>
+            </a:r>
+            <a:r>
+              <a:rPr lang="en-US" sz="2800" dirty="0" smtClean="0">
+                <a:solidFill>
+                  <a:srgbClr val="FF0000"/>
+                </a:solidFill>
+              </a:rPr>
+              <a:t>un-supervised</a:t>
+            </a:r>
+            <a:r>
+              <a:rPr lang="en-US" sz="2800" dirty="0" smtClean="0">
+                <a:solidFill>
+                  <a:srgbClr val="405067"/>
+                </a:solidFill>
+              </a:rPr>
+              <a:t> manner?</a:t>
             </a:r>
           </a:p>
           <a:p>
@@ -8611,7 +8647,11 @@
               <a:buChar char="q"/>
             </a:pPr>
             <a:r>
-              <a:rPr lang="en-US" sz="2800" dirty="0" smtClean="0"/>
+              <a:rPr lang="en-US" sz="2800" dirty="0" smtClean="0">
+                <a:solidFill>
+                  <a:srgbClr val="405067"/>
+                </a:solidFill>
+              </a:rPr>
               <a:t>Can learned PDR be </a:t>
             </a:r>
             <a:r>
@@ -8623,7 +8663,11 @@
               <a:t>size-agnostic</a:t>
             </a:r>
             <a:r>
-              <a:rPr lang="en-US" altLang="zh-CN" sz="2800" dirty="0" smtClean="0"/>
+              <a:rPr lang="en-US" altLang="zh-CN" sz="2800" dirty="0" smtClean="0">
+                <a:solidFill>
+                  <a:srgbClr val="405067"/>
+                </a:solidFill>
+              </a:rPr>
               <a:t> so that it can </a:t>
             </a:r>
             <a:r>
@@ -8635,10 +8679,18 @@
               <a:t>generalize</a:t>
             </a:r>
             <a:r>
-              <a:rPr lang="en-US" altLang="zh-CN" sz="2800" dirty="0" smtClean="0"/>
+              <a:rPr lang="en-US" altLang="zh-CN" sz="2800" dirty="0" smtClean="0">
+                <a:solidFill>
+                  <a:srgbClr val="405067"/>
+                </a:solidFill>
+              </a:rPr>
               <a:t> to un-seen large-scale instances?</a:t>
             </a:r>
-            <a:endParaRPr lang="en-US" sz="2800" dirty="0" smtClean="0"/>
+            <a:endParaRPr lang="en-US" sz="2800" dirty="0" smtClean="0">
+              <a:solidFill>
+                <a:srgbClr val="405067"/>
+              </a:solidFill>
+            </a:endParaRPr>
           </a:p>
         </p:txBody>
       </p:sp>
@@ -8725,10 +8777,18 @@
           <a:lstStyle/>
           <a:p>
             <a:r>
-              <a:rPr lang="en-US" dirty="0" smtClean="0"/>
+              <a:rPr lang="en-US" dirty="0" smtClean="0">
+                <a:solidFill>
+                  <a:srgbClr val="405067"/>
+                </a:solidFill>
+              </a:rPr>
               <a:t>Graph Neural Networks</a:t>
             </a:r>
-            <a:endParaRPr lang="en-SG" dirty="0"/>
+            <a:endParaRPr lang="en-SG" dirty="0">
+              <a:solidFill>
+                <a:srgbClr val="405067"/>
+              </a:solidFill>
+            </a:endParaRPr>
           </a:p>
         </p:txBody>
       </p:sp>

--- a/NeurIPS L2D.pptx
+++ b/NeurIPS L2D.pptx
@@ -376,10 +376,9 @@
           </a:lstStyle>
           <a:p>
             <a:r>
-              <a:rPr lang="en-SG" smtClean="0"/>
+              <a:rPr lang="en-SG"/>
               <a:t>18/10/2020</a:t>
             </a:r>
-            <a:endParaRPr lang="en-SG"/>
           </a:p>
         </p:txBody>
       </p:sp>
@@ -441,35 +440,35 @@
           <a:p>
             <a:pPr lvl="0"/>
             <a:r>
-              <a:rPr lang="en-US" smtClean="0"/>
+              <a:rPr lang="en-US"/>
               <a:t>Edit Master text styles</a:t>
             </a:r>
           </a:p>
           <a:p>
             <a:pPr lvl="1"/>
             <a:r>
-              <a:rPr lang="en-US" smtClean="0"/>
+              <a:rPr lang="en-US"/>
               <a:t>Second level</a:t>
             </a:r>
           </a:p>
           <a:p>
             <a:pPr lvl="2"/>
             <a:r>
-              <a:rPr lang="en-US" smtClean="0"/>
+              <a:rPr lang="en-US"/>
               <a:t>Third level</a:t>
             </a:r>
           </a:p>
           <a:p>
             <a:pPr lvl="3"/>
             <a:r>
-              <a:rPr lang="en-US" smtClean="0"/>
+              <a:rPr lang="en-US"/>
               <a:t>Fourth level</a:t>
             </a:r>
           </a:p>
           <a:p>
             <a:pPr lvl="4"/>
             <a:r>
-              <a:rPr lang="en-US" smtClean="0"/>
+              <a:rPr lang="en-US"/>
               <a:t>Fifth level</a:t>
             </a:r>
             <a:endParaRPr lang="en-SG"/>
@@ -688,7 +687,7 @@
           </a:lstStyle>
           <a:p>
             <a:r>
-              <a:rPr lang="en-US" smtClean="0"/>
+              <a:rPr lang="en-US"/>
               <a:t>Click to edit Master title style</a:t>
             </a:r>
             <a:endParaRPr lang="en-SG"/>
@@ -753,7 +752,7 @@
           </a:lstStyle>
           <a:p>
             <a:r>
-              <a:rPr lang="en-US" smtClean="0"/>
+              <a:rPr lang="en-US"/>
               <a:t>Click to edit Master subtitle style</a:t>
             </a:r>
             <a:endParaRPr lang="en-SG"/>
@@ -777,7 +776,7 @@
           <a:p>
             <a:fld id="{EED81F00-D7D2-4276-9236-6C415B2986BC}" type="datetime1">
               <a:rPr lang="en-SG" smtClean="0"/>
-              <a:t>18/10/2020</a:t>
+              <a:t>19/10/2020</a:t>
             </a:fld>
             <a:endParaRPr lang="en-SG"/>
           </a:p>
@@ -871,7 +870,7 @@
           <a:lstStyle/>
           <a:p>
             <a:r>
-              <a:rPr lang="en-US" smtClean="0"/>
+              <a:rPr lang="en-US"/>
               <a:t>Click to edit Master title style</a:t>
             </a:r>
             <a:endParaRPr lang="en-SG"/>
@@ -895,35 +894,35 @@
           <a:p>
             <a:pPr lvl="0"/>
             <a:r>
-              <a:rPr lang="en-US" smtClean="0"/>
+              <a:rPr lang="en-US"/>
               <a:t>Edit Master text styles</a:t>
             </a:r>
           </a:p>
           <a:p>
             <a:pPr lvl="1"/>
             <a:r>
-              <a:rPr lang="en-US" smtClean="0"/>
+              <a:rPr lang="en-US"/>
               <a:t>Second level</a:t>
             </a:r>
           </a:p>
           <a:p>
             <a:pPr lvl="2"/>
             <a:r>
-              <a:rPr lang="en-US" smtClean="0"/>
+              <a:rPr lang="en-US"/>
               <a:t>Third level</a:t>
             </a:r>
           </a:p>
           <a:p>
             <a:pPr lvl="3"/>
             <a:r>
-              <a:rPr lang="en-US" smtClean="0"/>
+              <a:rPr lang="en-US"/>
               <a:t>Fourth level</a:t>
             </a:r>
           </a:p>
           <a:p>
             <a:pPr lvl="4"/>
             <a:r>
-              <a:rPr lang="en-US" smtClean="0"/>
+              <a:rPr lang="en-US"/>
               <a:t>Fifth level</a:t>
             </a:r>
             <a:endParaRPr lang="en-SG"/>
@@ -947,7 +946,7 @@
           <a:p>
             <a:fld id="{63473DC5-527E-4DAE-A489-8CEDD3823559}" type="datetime1">
               <a:rPr lang="en-SG" smtClean="0"/>
-              <a:t>18/10/2020</a:t>
+              <a:t>19/10/2020</a:t>
             </a:fld>
             <a:endParaRPr lang="en-SG"/>
           </a:p>
@@ -1046,7 +1045,7 @@
           <a:lstStyle/>
           <a:p>
             <a:r>
-              <a:rPr lang="en-US" smtClean="0"/>
+              <a:rPr lang="en-US"/>
               <a:t>Click to edit Master title style</a:t>
             </a:r>
             <a:endParaRPr lang="en-SG"/>
@@ -1075,35 +1074,35 @@
           <a:p>
             <a:pPr lvl="0"/>
             <a:r>
-              <a:rPr lang="en-US" smtClean="0"/>
+              <a:rPr lang="en-US"/>
               <a:t>Edit Master text styles</a:t>
             </a:r>
           </a:p>
           <a:p>
             <a:pPr lvl="1"/>
             <a:r>
-              <a:rPr lang="en-US" smtClean="0"/>
+              <a:rPr lang="en-US"/>
               <a:t>Second level</a:t>
             </a:r>
           </a:p>
           <a:p>
             <a:pPr lvl="2"/>
             <a:r>
-              <a:rPr lang="en-US" smtClean="0"/>
+              <a:rPr lang="en-US"/>
               <a:t>Third level</a:t>
             </a:r>
           </a:p>
           <a:p>
             <a:pPr lvl="3"/>
             <a:r>
-              <a:rPr lang="en-US" smtClean="0"/>
+              <a:rPr lang="en-US"/>
               <a:t>Fourth level</a:t>
             </a:r>
           </a:p>
           <a:p>
             <a:pPr lvl="4"/>
             <a:r>
-              <a:rPr lang="en-US" smtClean="0"/>
+              <a:rPr lang="en-US"/>
               <a:t>Fifth level</a:t>
             </a:r>
             <a:endParaRPr lang="en-SG"/>
@@ -1127,7 +1126,7 @@
           <a:p>
             <a:fld id="{679E24F8-3F57-4E96-90AC-6802B69A6265}" type="datetime1">
               <a:rPr lang="en-SG" smtClean="0"/>
-              <a:t>18/10/2020</a:t>
+              <a:t>19/10/2020</a:t>
             </a:fld>
             <a:endParaRPr lang="en-SG"/>
           </a:p>
@@ -1221,7 +1220,7 @@
           <a:lstStyle/>
           <a:p>
             <a:r>
-              <a:rPr lang="en-US" smtClean="0"/>
+              <a:rPr lang="en-US"/>
               <a:t>Click to edit Master title style</a:t>
             </a:r>
             <a:endParaRPr lang="en-SG"/>
@@ -1245,35 +1244,35 @@
           <a:p>
             <a:pPr lvl="0"/>
             <a:r>
-              <a:rPr lang="en-US" smtClean="0"/>
+              <a:rPr lang="en-US"/>
               <a:t>Edit Master text styles</a:t>
             </a:r>
           </a:p>
           <a:p>
             <a:pPr lvl="1"/>
             <a:r>
-              <a:rPr lang="en-US" smtClean="0"/>
+              <a:rPr lang="en-US"/>
               <a:t>Second level</a:t>
             </a:r>
           </a:p>
           <a:p>
             <a:pPr lvl="2"/>
             <a:r>
-              <a:rPr lang="en-US" smtClean="0"/>
+              <a:rPr lang="en-US"/>
               <a:t>Third level</a:t>
             </a:r>
           </a:p>
           <a:p>
             <a:pPr lvl="3"/>
             <a:r>
-              <a:rPr lang="en-US" smtClean="0"/>
+              <a:rPr lang="en-US"/>
               <a:t>Fourth level</a:t>
             </a:r>
           </a:p>
           <a:p>
             <a:pPr lvl="4"/>
             <a:r>
-              <a:rPr lang="en-US" smtClean="0"/>
+              <a:rPr lang="en-US"/>
               <a:t>Fifth level</a:t>
             </a:r>
             <a:endParaRPr lang="en-SG"/>
@@ -1297,7 +1296,7 @@
           <a:p>
             <a:fld id="{4C88CF4C-2D3C-488C-BFB0-DAC4A8BCEC52}" type="datetime1">
               <a:rPr lang="en-SG" smtClean="0"/>
-              <a:t>18/10/2020</a:t>
+              <a:t>19/10/2020</a:t>
             </a:fld>
             <a:endParaRPr lang="en-SG"/>
           </a:p>
@@ -1400,7 +1399,7 @@
           </a:lstStyle>
           <a:p>
             <a:r>
-              <a:rPr lang="en-US" smtClean="0"/>
+              <a:rPr lang="en-US"/>
               <a:t>Click to edit Master title style</a:t>
             </a:r>
             <a:endParaRPr lang="en-SG"/>
@@ -1520,7 +1519,7 @@
           <a:p>
             <a:pPr lvl="0"/>
             <a:r>
-              <a:rPr lang="en-US" smtClean="0"/>
+              <a:rPr lang="en-US"/>
               <a:t>Edit Master text styles</a:t>
             </a:r>
           </a:p>
@@ -1543,7 +1542,7 @@
           <a:p>
             <a:fld id="{F181D5C5-0EBB-4F49-A189-85D57AE182C9}" type="datetime1">
               <a:rPr lang="en-SG" smtClean="0"/>
-              <a:t>18/10/2020</a:t>
+              <a:t>19/10/2020</a:t>
             </a:fld>
             <a:endParaRPr lang="en-SG"/>
           </a:p>
@@ -1637,7 +1636,7 @@
           <a:lstStyle/>
           <a:p>
             <a:r>
-              <a:rPr lang="en-US" smtClean="0"/>
+              <a:rPr lang="en-US"/>
               <a:t>Click to edit Master title style</a:t>
             </a:r>
             <a:endParaRPr lang="en-SG"/>
@@ -1666,35 +1665,35 @@
           <a:p>
             <a:pPr lvl="0"/>
             <a:r>
-              <a:rPr lang="en-US" smtClean="0"/>
+              <a:rPr lang="en-US"/>
               <a:t>Edit Master text styles</a:t>
             </a:r>
           </a:p>
           <a:p>
             <a:pPr lvl="1"/>
             <a:r>
-              <a:rPr lang="en-US" smtClean="0"/>
+              <a:rPr lang="en-US"/>
               <a:t>Second level</a:t>
             </a:r>
           </a:p>
           <a:p>
             <a:pPr lvl="2"/>
             <a:r>
-              <a:rPr lang="en-US" smtClean="0"/>
+              <a:rPr lang="en-US"/>
               <a:t>Third level</a:t>
             </a:r>
           </a:p>
           <a:p>
             <a:pPr lvl="3"/>
             <a:r>
-              <a:rPr lang="en-US" smtClean="0"/>
+              <a:rPr lang="en-US"/>
               <a:t>Fourth level</a:t>
             </a:r>
           </a:p>
           <a:p>
             <a:pPr lvl="4"/>
             <a:r>
-              <a:rPr lang="en-US" smtClean="0"/>
+              <a:rPr lang="en-US"/>
               <a:t>Fifth level</a:t>
             </a:r>
             <a:endParaRPr lang="en-SG"/>
@@ -1723,35 +1722,35 @@
           <a:p>
             <a:pPr lvl="0"/>
             <a:r>
-              <a:rPr lang="en-US" smtClean="0"/>
+              <a:rPr lang="en-US"/>
               <a:t>Edit Master text styles</a:t>
             </a:r>
           </a:p>
           <a:p>
             <a:pPr lvl="1"/>
             <a:r>
-              <a:rPr lang="en-US" smtClean="0"/>
+              <a:rPr lang="en-US"/>
               <a:t>Second level</a:t>
             </a:r>
           </a:p>
           <a:p>
             <a:pPr lvl="2"/>
             <a:r>
-              <a:rPr lang="en-US" smtClean="0"/>
+              <a:rPr lang="en-US"/>
               <a:t>Third level</a:t>
             </a:r>
           </a:p>
           <a:p>
             <a:pPr lvl="3"/>
             <a:r>
-              <a:rPr lang="en-US" smtClean="0"/>
+              <a:rPr lang="en-US"/>
               <a:t>Fourth level</a:t>
             </a:r>
           </a:p>
           <a:p>
             <a:pPr lvl="4"/>
             <a:r>
-              <a:rPr lang="en-US" smtClean="0"/>
+              <a:rPr lang="en-US"/>
               <a:t>Fifth level</a:t>
             </a:r>
             <a:endParaRPr lang="en-SG"/>
@@ -1775,7 +1774,7 @@
           <a:p>
             <a:fld id="{255A1225-0E9D-4EC7-A01B-E20AA1EF0E9F}" type="datetime1">
               <a:rPr lang="en-SG" smtClean="0"/>
-              <a:t>18/10/2020</a:t>
+              <a:t>19/10/2020</a:t>
             </a:fld>
             <a:endParaRPr lang="en-SG"/>
           </a:p>
@@ -1874,7 +1873,7 @@
           <a:lstStyle/>
           <a:p>
             <a:r>
-              <a:rPr lang="en-US" smtClean="0"/>
+              <a:rPr lang="en-US"/>
               <a:t>Click to edit Master title style</a:t>
             </a:r>
             <a:endParaRPr lang="en-SG"/>
@@ -1940,7 +1939,7 @@
           <a:p>
             <a:pPr lvl="0"/>
             <a:r>
-              <a:rPr lang="en-US" smtClean="0"/>
+              <a:rPr lang="en-US"/>
               <a:t>Edit Master text styles</a:t>
             </a:r>
           </a:p>
@@ -1968,35 +1967,35 @@
           <a:p>
             <a:pPr lvl="0"/>
             <a:r>
-              <a:rPr lang="en-US" smtClean="0"/>
+              <a:rPr lang="en-US"/>
               <a:t>Edit Master text styles</a:t>
             </a:r>
           </a:p>
           <a:p>
             <a:pPr lvl="1"/>
             <a:r>
-              <a:rPr lang="en-US" smtClean="0"/>
+              <a:rPr lang="en-US"/>
               <a:t>Second level</a:t>
             </a:r>
           </a:p>
           <a:p>
             <a:pPr lvl="2"/>
             <a:r>
-              <a:rPr lang="en-US" smtClean="0"/>
+              <a:rPr lang="en-US"/>
               <a:t>Third level</a:t>
             </a:r>
           </a:p>
           <a:p>
             <a:pPr lvl="3"/>
             <a:r>
-              <a:rPr lang="en-US" smtClean="0"/>
+              <a:rPr lang="en-US"/>
               <a:t>Fourth level</a:t>
             </a:r>
           </a:p>
           <a:p>
             <a:pPr lvl="4"/>
             <a:r>
-              <a:rPr lang="en-US" smtClean="0"/>
+              <a:rPr lang="en-US"/>
               <a:t>Fifth level</a:t>
             </a:r>
             <a:endParaRPr lang="en-SG"/>
@@ -2062,7 +2061,7 @@
           <a:p>
             <a:pPr lvl="0"/>
             <a:r>
-              <a:rPr lang="en-US" smtClean="0"/>
+              <a:rPr lang="en-US"/>
               <a:t>Edit Master text styles</a:t>
             </a:r>
           </a:p>
@@ -2090,35 +2089,35 @@
           <a:p>
             <a:pPr lvl="0"/>
             <a:r>
-              <a:rPr lang="en-US" smtClean="0"/>
+              <a:rPr lang="en-US"/>
               <a:t>Edit Master text styles</a:t>
             </a:r>
           </a:p>
           <a:p>
             <a:pPr lvl="1"/>
             <a:r>
-              <a:rPr lang="en-US" smtClean="0"/>
+              <a:rPr lang="en-US"/>
               <a:t>Second level</a:t>
             </a:r>
           </a:p>
           <a:p>
             <a:pPr lvl="2"/>
             <a:r>
-              <a:rPr lang="en-US" smtClean="0"/>
+              <a:rPr lang="en-US"/>
               <a:t>Third level</a:t>
             </a:r>
           </a:p>
           <a:p>
             <a:pPr lvl="3"/>
             <a:r>
-              <a:rPr lang="en-US" smtClean="0"/>
+              <a:rPr lang="en-US"/>
               <a:t>Fourth level</a:t>
             </a:r>
           </a:p>
           <a:p>
             <a:pPr lvl="4"/>
             <a:r>
-              <a:rPr lang="en-US" smtClean="0"/>
+              <a:rPr lang="en-US"/>
               <a:t>Fifth level</a:t>
             </a:r>
             <a:endParaRPr lang="en-SG"/>
@@ -2142,7 +2141,7 @@
           <a:p>
             <a:fld id="{A05EBFDC-5DF2-4E02-BF33-105692332A2C}" type="datetime1">
               <a:rPr lang="en-SG" smtClean="0"/>
-              <a:t>18/10/2020</a:t>
+              <a:t>19/10/2020</a:t>
             </a:fld>
             <a:endParaRPr lang="en-SG"/>
           </a:p>
@@ -2236,7 +2235,7 @@
           <a:lstStyle/>
           <a:p>
             <a:r>
-              <a:rPr lang="en-US" smtClean="0"/>
+              <a:rPr lang="en-US"/>
               <a:t>Click to edit Master title style</a:t>
             </a:r>
             <a:endParaRPr lang="en-SG"/>
@@ -2260,7 +2259,7 @@
           <a:p>
             <a:fld id="{D7552840-1E7E-43FA-B1E4-8349D2CA7292}" type="datetime1">
               <a:rPr lang="en-SG" smtClean="0"/>
-              <a:t>18/10/2020</a:t>
+              <a:t>19/10/2020</a:t>
             </a:fld>
             <a:endParaRPr lang="en-SG"/>
           </a:p>
@@ -2355,7 +2354,7 @@
           <a:p>
             <a:fld id="{83E6FA9B-83E0-4184-BFE1-05BA7194F819}" type="datetime1">
               <a:rPr lang="en-SG" smtClean="0"/>
-              <a:t>18/10/2020</a:t>
+              <a:t>19/10/2020</a:t>
             </a:fld>
             <a:endParaRPr lang="en-SG"/>
           </a:p>
@@ -2458,7 +2457,7 @@
           </a:lstStyle>
           <a:p>
             <a:r>
-              <a:rPr lang="en-US" smtClean="0"/>
+              <a:rPr lang="en-US"/>
               <a:t>Click to edit Master title style</a:t>
             </a:r>
             <a:endParaRPr lang="en-SG"/>
@@ -2515,35 +2514,35 @@
           <a:p>
             <a:pPr lvl="0"/>
             <a:r>
-              <a:rPr lang="en-US" smtClean="0"/>
+              <a:rPr lang="en-US"/>
               <a:t>Edit Master text styles</a:t>
             </a:r>
           </a:p>
           <a:p>
             <a:pPr lvl="1"/>
             <a:r>
-              <a:rPr lang="en-US" smtClean="0"/>
+              <a:rPr lang="en-US"/>
               <a:t>Second level</a:t>
             </a:r>
           </a:p>
           <a:p>
             <a:pPr lvl="2"/>
             <a:r>
-              <a:rPr lang="en-US" smtClean="0"/>
+              <a:rPr lang="en-US"/>
               <a:t>Third level</a:t>
             </a:r>
           </a:p>
           <a:p>
             <a:pPr lvl="3"/>
             <a:r>
-              <a:rPr lang="en-US" smtClean="0"/>
+              <a:rPr lang="en-US"/>
               <a:t>Fourth level</a:t>
             </a:r>
           </a:p>
           <a:p>
             <a:pPr lvl="4"/>
             <a:r>
-              <a:rPr lang="en-US" smtClean="0"/>
+              <a:rPr lang="en-US"/>
               <a:t>Fifth level</a:t>
             </a:r>
             <a:endParaRPr lang="en-SG"/>
@@ -2609,7 +2608,7 @@
           <a:p>
             <a:pPr lvl="0"/>
             <a:r>
-              <a:rPr lang="en-US" smtClean="0"/>
+              <a:rPr lang="en-US"/>
               <a:t>Edit Master text styles</a:t>
             </a:r>
           </a:p>
@@ -2632,7 +2631,7 @@
           <a:p>
             <a:fld id="{52B01E83-0987-4880-9E56-49DDFF18AF7E}" type="datetime1">
               <a:rPr lang="en-SG" smtClean="0"/>
-              <a:t>18/10/2020</a:t>
+              <a:t>19/10/2020</a:t>
             </a:fld>
             <a:endParaRPr lang="en-SG"/>
           </a:p>
@@ -2735,7 +2734,7 @@
           </a:lstStyle>
           <a:p>
             <a:r>
-              <a:rPr lang="en-US" smtClean="0"/>
+              <a:rPr lang="en-US"/>
               <a:t>Click to edit Master title style</a:t>
             </a:r>
             <a:endParaRPr lang="en-SG"/>
@@ -2862,7 +2861,7 @@
           <a:p>
             <a:pPr lvl="0"/>
             <a:r>
-              <a:rPr lang="en-US" smtClean="0"/>
+              <a:rPr lang="en-US"/>
               <a:t>Edit Master text styles</a:t>
             </a:r>
           </a:p>
@@ -2885,7 +2884,7 @@
           <a:p>
             <a:fld id="{4525CE42-0A9F-4730-8923-5A384A039343}" type="datetime1">
               <a:rPr lang="en-SG" smtClean="0"/>
-              <a:t>18/10/2020</a:t>
+              <a:t>19/10/2020</a:t>
             </a:fld>
             <a:endParaRPr lang="en-SG"/>
           </a:p>
@@ -2994,7 +2993,7 @@
           <a:lstStyle/>
           <a:p>
             <a:r>
-              <a:rPr lang="en-US" smtClean="0"/>
+              <a:rPr lang="en-US"/>
               <a:t>Click to edit Master title style</a:t>
             </a:r>
             <a:endParaRPr lang="en-SG"/>
@@ -3028,35 +3027,35 @@
           <a:p>
             <a:pPr lvl="0"/>
             <a:r>
-              <a:rPr lang="en-US" smtClean="0"/>
+              <a:rPr lang="en-US"/>
               <a:t>Edit Master text styles</a:t>
             </a:r>
           </a:p>
           <a:p>
             <a:pPr lvl="1"/>
             <a:r>
-              <a:rPr lang="en-US" smtClean="0"/>
+              <a:rPr lang="en-US"/>
               <a:t>Second level</a:t>
             </a:r>
           </a:p>
           <a:p>
             <a:pPr lvl="2"/>
             <a:r>
-              <a:rPr lang="en-US" smtClean="0"/>
+              <a:rPr lang="en-US"/>
               <a:t>Third level</a:t>
             </a:r>
           </a:p>
           <a:p>
             <a:pPr lvl="3"/>
             <a:r>
-              <a:rPr lang="en-US" smtClean="0"/>
+              <a:rPr lang="en-US"/>
               <a:t>Fourth level</a:t>
             </a:r>
           </a:p>
           <a:p>
             <a:pPr lvl="4"/>
             <a:r>
-              <a:rPr lang="en-US" smtClean="0"/>
+              <a:rPr lang="en-US"/>
               <a:t>Fifth level</a:t>
             </a:r>
             <a:endParaRPr lang="en-SG"/>
@@ -3098,7 +3097,7 @@
           <a:p>
             <a:fld id="{4663BC0C-8601-4292-9058-63C2EF0DEC76}" type="datetime1">
               <a:rPr lang="en-SG" smtClean="0"/>
-              <a:t>18/10/2020</a:t>
+              <a:t>19/10/2020</a:t>
             </a:fld>
             <a:endParaRPr lang="en-SG"/>
           </a:p>
@@ -3627,27 +3626,7 @@
                 <a:latin typeface="Times New Roman" panose="02020603050405020304" pitchFamily="18" charset="0"/>
                 <a:cs typeface="Times New Roman" panose="02020603050405020304" pitchFamily="18" charset="0"/>
               </a:rPr>
-              <a:t>Learning to Dispatch for Job Shop Scheduling </a:t>
-            </a:r>
-            <a:r>
-              <a:rPr lang="en-SG" sz="4400" b="1" dirty="0" smtClean="0">
-                <a:solidFill>
-                  <a:srgbClr val="405067"/>
-                </a:solidFill>
-                <a:latin typeface="Times New Roman" panose="02020603050405020304" pitchFamily="18" charset="0"/>
-                <a:cs typeface="Times New Roman" panose="02020603050405020304" pitchFamily="18" charset="0"/>
-              </a:rPr>
-              <a:t>via Deep </a:t>
-            </a:r>
-            <a:r>
-              <a:rPr lang="en-SG" sz="4400" b="1" dirty="0">
-                <a:solidFill>
-                  <a:srgbClr val="405067"/>
-                </a:solidFill>
-                <a:latin typeface="Times New Roman" panose="02020603050405020304" pitchFamily="18" charset="0"/>
-                <a:cs typeface="Times New Roman" panose="02020603050405020304" pitchFamily="18" charset="0"/>
-              </a:rPr>
-              <a:t>Reinforcement Learning</a:t>
+              <a:t>Learning to Dispatch for Job Shop Scheduling via Deep Reinforcement Learning</a:t>
             </a:r>
           </a:p>
         </p:txBody>
@@ -3676,7 +3655,7 @@
           <a:p>
             <a:pPr algn="ctr"/>
             <a:r>
-              <a:rPr lang="en-US" b="1" dirty="0" smtClean="0">
+              <a:rPr lang="en-US" b="1" dirty="0">
                 <a:solidFill>
                   <a:srgbClr val="405067"/>
                 </a:solidFill>
@@ -3686,7 +3665,7 @@
               <a:t>Cong Zhang</a:t>
             </a:r>
             <a:r>
-              <a:rPr lang="en-US" baseline="30000" dirty="0" smtClean="0">
+              <a:rPr lang="en-US" baseline="30000" dirty="0">
                 <a:solidFill>
                   <a:srgbClr val="405067"/>
                 </a:solidFill>
@@ -3696,7 +3675,7 @@
               <a:t>1</a:t>
             </a:r>
             <a:r>
-              <a:rPr lang="en-US" dirty="0" smtClean="0">
+              <a:rPr lang="en-US" dirty="0">
                 <a:solidFill>
                   <a:srgbClr val="405067"/>
                 </a:solidFill>
@@ -3716,7 +3695,7 @@
               <a:t>2</a:t>
             </a:r>
             <a:r>
-              <a:rPr lang="en-US" dirty="0" smtClean="0">
+              <a:rPr lang="en-US" dirty="0">
                 <a:solidFill>
                   <a:srgbClr val="405067"/>
                 </a:solidFill>
@@ -3726,7 +3705,7 @@
               <a:t>, </a:t>
             </a:r>
             <a:r>
-              <a:rPr lang="en-US" dirty="0" err="1" smtClean="0">
+              <a:rPr lang="en-US" dirty="0" err="1">
                 <a:solidFill>
                   <a:srgbClr val="405067"/>
                 </a:solidFill>
@@ -3736,7 +3715,7 @@
               <a:t>Zhiguang</a:t>
             </a:r>
             <a:r>
-              <a:rPr lang="en-US" dirty="0" smtClean="0">
+              <a:rPr lang="en-US" dirty="0">
                 <a:solidFill>
                   <a:srgbClr val="405067"/>
                 </a:solidFill>
@@ -3756,7 +3735,7 @@
               <a:t>3</a:t>
             </a:r>
             <a:r>
-              <a:rPr lang="en-US" dirty="0" smtClean="0">
+              <a:rPr lang="en-US" dirty="0">
                 <a:solidFill>
                   <a:srgbClr val="405067"/>
                 </a:solidFill>
@@ -3766,7 +3745,7 @@
               <a:t>, </a:t>
             </a:r>
             <a:r>
-              <a:rPr lang="en-US" dirty="0" err="1" smtClean="0">
+              <a:rPr lang="en-US" dirty="0" err="1">
                 <a:solidFill>
                   <a:srgbClr val="405067"/>
                 </a:solidFill>
@@ -3776,7 +3755,7 @@
               <a:t>Jie</a:t>
             </a:r>
             <a:r>
-              <a:rPr lang="en-US" dirty="0" smtClean="0">
+              <a:rPr lang="en-US" dirty="0">
                 <a:solidFill>
                   <a:srgbClr val="405067"/>
                 </a:solidFill>
@@ -3796,7 +3775,7 @@
               <a:t>1</a:t>
             </a:r>
             <a:r>
-              <a:rPr lang="en-US" dirty="0" smtClean="0">
+              <a:rPr lang="en-US" dirty="0">
                 <a:solidFill>
                   <a:srgbClr val="405067"/>
                 </a:solidFill>
@@ -3806,7 +3785,7 @@
               <a:t>, </a:t>
             </a:r>
             <a:r>
-              <a:rPr lang="en-US" dirty="0" err="1" smtClean="0">
+              <a:rPr lang="en-US" dirty="0" err="1">
                 <a:solidFill>
                   <a:srgbClr val="405067"/>
                 </a:solidFill>
@@ -3816,7 +3795,7 @@
               <a:t>Puay</a:t>
             </a:r>
             <a:r>
-              <a:rPr lang="en-US" dirty="0" smtClean="0">
+              <a:rPr lang="en-US" dirty="0">
                 <a:solidFill>
                   <a:srgbClr val="405067"/>
                 </a:solidFill>
@@ -3836,7 +3815,7 @@
               <a:t>4</a:t>
             </a:r>
             <a:r>
-              <a:rPr lang="en-US" dirty="0" smtClean="0">
+              <a:rPr lang="en-US" dirty="0">
                 <a:solidFill>
                   <a:srgbClr val="405067"/>
                 </a:solidFill>
@@ -3886,16 +3865,6 @@
               <a:t>1</a:t>
             </a:r>
             <a:r>
-              <a:rPr lang="en-SG" dirty="0" smtClean="0">
-                <a:solidFill>
-                  <a:srgbClr val="405067"/>
-                </a:solidFill>
-                <a:latin typeface="Times New Roman" panose="02020603050405020304" pitchFamily="18" charset="0"/>
-                <a:cs typeface="Times New Roman" panose="02020603050405020304" pitchFamily="18" charset="0"/>
-              </a:rPr>
-              <a:t>Nanyang </a:t>
-            </a:r>
-            <a:r>
               <a:rPr lang="en-SG" dirty="0">
                 <a:solidFill>
                   <a:srgbClr val="405067"/>
@@ -3903,17 +3872,7 @@
                 <a:latin typeface="Times New Roman" panose="02020603050405020304" pitchFamily="18" charset="0"/>
                 <a:cs typeface="Times New Roman" panose="02020603050405020304" pitchFamily="18" charset="0"/>
               </a:rPr>
-              <a:t>Technological </a:t>
-            </a:r>
-            <a:r>
-              <a:rPr lang="en-SG" dirty="0" smtClean="0">
-                <a:solidFill>
-                  <a:srgbClr val="405067"/>
-                </a:solidFill>
-                <a:latin typeface="Times New Roman" panose="02020603050405020304" pitchFamily="18" charset="0"/>
-                <a:cs typeface="Times New Roman" panose="02020603050405020304" pitchFamily="18" charset="0"/>
-              </a:rPr>
-              <a:t>University</a:t>
+              <a:t>Nanyang Technological University</a:t>
             </a:r>
           </a:p>
           <a:p>
@@ -3929,16 +3888,6 @@
               <a:t>2</a:t>
             </a:r>
             <a:r>
-              <a:rPr lang="en-SG" dirty="0" smtClean="0">
-                <a:solidFill>
-                  <a:srgbClr val="405067"/>
-                </a:solidFill>
-                <a:latin typeface="Times New Roman" panose="02020603050405020304" pitchFamily="18" charset="0"/>
-                <a:cs typeface="Times New Roman" panose="02020603050405020304" pitchFamily="18" charset="0"/>
-              </a:rPr>
-              <a:t>Institute </a:t>
-            </a:r>
-            <a:r>
               <a:rPr lang="en-SG" dirty="0">
                 <a:solidFill>
                   <a:srgbClr val="405067"/>
@@ -3946,17 +3895,7 @@
                 <a:latin typeface="Times New Roman" panose="02020603050405020304" pitchFamily="18" charset="0"/>
                 <a:cs typeface="Times New Roman" panose="02020603050405020304" pitchFamily="18" charset="0"/>
               </a:rPr>
-              <a:t>of Marine Science and Technology, Shandong University, </a:t>
-            </a:r>
-            <a:r>
-              <a:rPr lang="en-SG" dirty="0" smtClean="0">
-                <a:solidFill>
-                  <a:srgbClr val="405067"/>
-                </a:solidFill>
-                <a:latin typeface="Times New Roman" panose="02020603050405020304" pitchFamily="18" charset="0"/>
-                <a:cs typeface="Times New Roman" panose="02020603050405020304" pitchFamily="18" charset="0"/>
-              </a:rPr>
-              <a:t>China</a:t>
+              <a:t>Institute of Marine Science and Technology, Shandong University, China</a:t>
             </a:r>
           </a:p>
           <a:p>
@@ -3972,16 +3911,6 @@
               <a:t>3</a:t>
             </a:r>
             <a:r>
-              <a:rPr lang="en-SG" dirty="0" smtClean="0">
-                <a:solidFill>
-                  <a:srgbClr val="405067"/>
-                </a:solidFill>
-                <a:latin typeface="Times New Roman" panose="02020603050405020304" pitchFamily="18" charset="0"/>
-                <a:cs typeface="Times New Roman" panose="02020603050405020304" pitchFamily="18" charset="0"/>
-              </a:rPr>
-              <a:t>National </a:t>
-            </a:r>
-            <a:r>
               <a:rPr lang="en-SG" dirty="0">
                 <a:solidFill>
                   <a:srgbClr val="405067"/>
@@ -3989,17 +3918,7 @@
                 <a:latin typeface="Times New Roman" panose="02020603050405020304" pitchFamily="18" charset="0"/>
                 <a:cs typeface="Times New Roman" panose="02020603050405020304" pitchFamily="18" charset="0"/>
               </a:rPr>
-              <a:t>University of </a:t>
-            </a:r>
-            <a:r>
-              <a:rPr lang="en-SG" dirty="0" smtClean="0">
-                <a:solidFill>
-                  <a:srgbClr val="405067"/>
-                </a:solidFill>
-                <a:latin typeface="Times New Roman" panose="02020603050405020304" pitchFamily="18" charset="0"/>
-                <a:cs typeface="Times New Roman" panose="02020603050405020304" pitchFamily="18" charset="0"/>
-              </a:rPr>
-              <a:t>Singapore</a:t>
+              <a:t>National University of Singapore</a:t>
             </a:r>
           </a:p>
           <a:p>
@@ -4015,16 +3934,6 @@
               <a:t>4</a:t>
             </a:r>
             <a:r>
-              <a:rPr lang="en-SG" dirty="0" smtClean="0">
-                <a:solidFill>
-                  <a:srgbClr val="405067"/>
-                </a:solidFill>
-                <a:latin typeface="Times New Roman" panose="02020603050405020304" pitchFamily="18" charset="0"/>
-                <a:cs typeface="Times New Roman" panose="02020603050405020304" pitchFamily="18" charset="0"/>
-              </a:rPr>
-              <a:t>Singapore </a:t>
-            </a:r>
-            <a:r>
               <a:rPr lang="en-SG" dirty="0">
                 <a:solidFill>
                   <a:srgbClr val="405067"/>
@@ -4032,7 +3941,7 @@
                 <a:latin typeface="Times New Roman" panose="02020603050405020304" pitchFamily="18" charset="0"/>
                 <a:cs typeface="Times New Roman" panose="02020603050405020304" pitchFamily="18" charset="0"/>
               </a:rPr>
-              <a:t>Institute of Manufacturing Technology, A*STAR</a:t>
+              <a:t>Singapore Institute of Manufacturing Technology, A*STAR</a:t>
             </a:r>
           </a:p>
         </p:txBody>
@@ -4452,21 +4361,6 @@
   <p:clrMapOvr>
     <a:masterClrMapping/>
   </p:clrMapOvr>
-  <mc:AlternateContent xmlns:mc="http://schemas.openxmlformats.org/markup-compatibility/2006" xmlns:p14="http://schemas.microsoft.com/office/powerpoint/2010/main">
-    <mc:Choice Requires="p14">
-      <p:transition spd="slow" p14:dur="2000"/>
-    </mc:Choice>
-    <mc:Fallback xmlns="">
-      <p:transition spd="slow"/>
-    </mc:Fallback>
-  </mc:AlternateContent>
-  <p:timing>
-    <p:tnLst>
-      <p:par>
-        <p:cTn id="1" dur="indefinite" restart="never" nodeType="tmRoot"/>
-      </p:par>
-    </p:tnLst>
-  </p:timing>
 </p:sld>
 </file>
 
@@ -4543,7 +4437,7 @@
           <a:p>
             <a:pPr algn="ctr"/>
             <a:r>
-              <a:rPr lang="en-US" sz="2000" b="1" dirty="0">
+              <a:rPr lang="en-US" sz="2000" b="1">
                 <a:solidFill>
                   <a:schemeClr val="bg1"/>
                 </a:solidFill>
@@ -4605,7 +4499,7 @@
           <a:p>
             <a:pPr algn="ctr"/>
             <a:r>
-              <a:rPr lang="en-US" sz="2000" b="1" dirty="0" smtClean="0">
+              <a:rPr lang="en-US" sz="2000" b="1">
                 <a:solidFill>
                   <a:schemeClr val="bg1"/>
                 </a:solidFill>
@@ -4922,7 +4816,7 @@
               </a:buClr>
             </a:pPr>
             <a:r>
-              <a:rPr lang="en-US" sz="2000" b="1" dirty="0">
+              <a:rPr lang="en-US" sz="2000" b="1">
                 <a:solidFill>
                   <a:srgbClr val="405067"/>
                 </a:solidFill>
@@ -4931,6 +4825,136 @@
               </a:rPr>
               <a:t>L2D</a:t>
             </a:r>
+            <a:endParaRPr lang="en-US" sz="2000" b="1" dirty="0">
+              <a:solidFill>
+                <a:srgbClr val="405067"/>
+              </a:solidFill>
+              <a:latin typeface="Arial" panose="020B0604020202020204" pitchFamily="34" charset="0"/>
+              <a:cs typeface="Arial" panose="020B0604020202020204" pitchFamily="34" charset="0"/>
+            </a:endParaRPr>
+          </a:p>
+        </p:txBody>
+      </p:sp>
+      <p:pic>
+        <p:nvPicPr>
+          <p:cNvPr id="5" name="图片 4">
+            <a:extLst>
+              <a:ext uri="{FF2B5EF4-FFF2-40B4-BE49-F238E27FC236}">
+                <a16:creationId xmlns:a16="http://schemas.microsoft.com/office/drawing/2014/main" id="{312CD27F-9E60-4DF9-A898-10E38D913E58}"/>
+              </a:ext>
+            </a:extLst>
+          </p:cNvPr>
+          <p:cNvPicPr>
+            <a:picLocks noChangeAspect="1"/>
+          </p:cNvPicPr>
+          <p:nvPr/>
+        </p:nvPicPr>
+        <p:blipFill>
+          <a:blip r:embed="rId4"/>
+          <a:stretch>
+            <a:fillRect/>
+          </a:stretch>
+        </p:blipFill>
+        <p:spPr>
+          <a:xfrm>
+            <a:off x="142875" y="709872"/>
+            <a:ext cx="6501228" cy="3927939"/>
+          </a:xfrm>
+          <a:prstGeom prst="rect">
+            <a:avLst/>
+          </a:prstGeom>
+        </p:spPr>
+      </p:pic>
+      <p:pic>
+        <p:nvPicPr>
+          <p:cNvPr id="9" name="图片 8">
+            <a:extLst>
+              <a:ext uri="{FF2B5EF4-FFF2-40B4-BE49-F238E27FC236}">
+                <a16:creationId xmlns:a16="http://schemas.microsoft.com/office/drawing/2014/main" id="{CFC233D4-322F-499E-BC26-9A1B97FF1E21}"/>
+              </a:ext>
+            </a:extLst>
+          </p:cNvPr>
+          <p:cNvPicPr>
+            <a:picLocks noChangeAspect="1"/>
+          </p:cNvPicPr>
+          <p:nvPr/>
+        </p:nvPicPr>
+        <p:blipFill>
+          <a:blip r:embed="rId5"/>
+          <a:stretch>
+            <a:fillRect/>
+          </a:stretch>
+        </p:blipFill>
+        <p:spPr>
+          <a:xfrm>
+            <a:off x="142874" y="4637811"/>
+            <a:ext cx="6532093" cy="1918632"/>
+          </a:xfrm>
+          <a:prstGeom prst="rect">
+            <a:avLst/>
+          </a:prstGeom>
+        </p:spPr>
+      </p:pic>
+      <p:sp>
+        <p:nvSpPr>
+          <p:cNvPr id="10" name="文本框 9">
+            <a:extLst>
+              <a:ext uri="{FF2B5EF4-FFF2-40B4-BE49-F238E27FC236}">
+                <a16:creationId xmlns:a16="http://schemas.microsoft.com/office/drawing/2014/main" id="{C679B443-4A74-4F46-9A69-86005603DE5A}"/>
+              </a:ext>
+            </a:extLst>
+          </p:cNvPr>
+          <p:cNvSpPr txBox="1"/>
+          <p:nvPr/>
+        </p:nvSpPr>
+        <p:spPr>
+          <a:xfrm>
+            <a:off x="7371761" y="829559"/>
+            <a:ext cx="4677364" cy="1477328"/>
+          </a:xfrm>
+          <a:prstGeom prst="rect">
+            <a:avLst/>
+          </a:prstGeom>
+          <a:noFill/>
+        </p:spPr>
+        <p:txBody>
+          <a:bodyPr wrap="square" rtlCol="0">
+            <a:spAutoFit/>
+          </a:bodyPr>
+          <a:lstStyle/>
+          <a:p>
+            <a:r>
+              <a:rPr lang="en-US" dirty="0">
+                <a:latin typeface="Abadi" panose="020B0604020104020204" pitchFamily="34" charset="0"/>
+              </a:rPr>
+              <a:t>We choose Proximal Policy Optimization as optimizer of our agent:</a:t>
+            </a:r>
+          </a:p>
+          <a:p>
+            <a:endParaRPr lang="en-US" dirty="0">
+              <a:latin typeface="Abadi" panose="020B0604020104020204" pitchFamily="34" charset="0"/>
+            </a:endParaRPr>
+          </a:p>
+          <a:p>
+            <a:pPr marL="285750" indent="-285750">
+              <a:buFont typeface="Wingdings" panose="05000000000000000000" pitchFamily="2" charset="2"/>
+              <a:buChar char="q"/>
+            </a:pPr>
+            <a:r>
+              <a:rPr lang="en-US" dirty="0">
+                <a:latin typeface="Abadi" panose="020B0604020104020204" pitchFamily="34" charset="0"/>
+              </a:rPr>
+              <a:t>Optimizing our agent over four independent JSSP instances </a:t>
+            </a:r>
+            <a:r>
+              <a:rPr lang="en-US">
+                <a:latin typeface="Abadi" panose="020B0604020104020204" pitchFamily="34" charset="0"/>
+              </a:rPr>
+              <a:t>per iteration;</a:t>
+            </a:r>
+            <a:endParaRPr lang="en-US" dirty="0">
+              <a:latin typeface="Abadi" panose="020B0604020104020204" pitchFamily="34" charset="0"/>
+            </a:endParaRPr>
           </a:p>
         </p:txBody>
       </p:sp>
@@ -4947,13 +4971,6 @@
   <p:transition spd="slow">
     <p:push dir="u"/>
   </p:transition>
-  <p:timing>
-    <p:tnLst>
-      <p:par>
-        <p:cTn id="1" dur="indefinite" restart="never" nodeType="tmRoot"/>
-      </p:par>
-    </p:tnLst>
-  </p:timing>
 </p:sld>
 </file>
 
@@ -5082,7 +5099,7 @@
           <a:lstStyle/>
           <a:p>
             <a:r>
-              <a:rPr lang="en-US" sz="5400" dirty="0" smtClean="0">
+              <a:rPr lang="en-US" sz="5400" dirty="0">
                 <a:solidFill>
                   <a:schemeClr val="bg1"/>
                 </a:solidFill>
@@ -5134,7 +5151,7 @@
               <a:buAutoNum type="arabicParenR"/>
             </a:pPr>
             <a:r>
-              <a:rPr lang="en-US" sz="3600" dirty="0" smtClean="0">
+              <a:rPr lang="en-US" sz="3600" dirty="0">
                 <a:solidFill>
                   <a:srgbClr val="405067"/>
                 </a:solidFill>
@@ -5153,7 +5170,7 @@
               <a:buAutoNum type="arabicParenR"/>
             </a:pPr>
             <a:r>
-              <a:rPr lang="en-US" sz="3600" dirty="0" smtClean="0">
+              <a:rPr lang="en-US" sz="3600" dirty="0">
                 <a:solidFill>
                   <a:srgbClr val="405067"/>
                 </a:solidFill>
@@ -5172,7 +5189,7 @@
               <a:buAutoNum type="arabicParenR"/>
             </a:pPr>
             <a:r>
-              <a:rPr lang="en-US" sz="3600" dirty="0" smtClean="0">
+              <a:rPr lang="en-US" sz="3600" dirty="0">
                 <a:solidFill>
                   <a:srgbClr val="405067"/>
                 </a:solidFill>
@@ -5182,7 +5199,7 @@
               <a:t>   </a:t>
             </a:r>
             <a:r>
-              <a:rPr lang="en-US" sz="3600" dirty="0" smtClean="0">
+              <a:rPr lang="en-US" sz="3600" dirty="0">
                 <a:solidFill>
                   <a:srgbClr val="C00000"/>
                 </a:solidFill>
@@ -5201,7 +5218,7 @@
               <a:buAutoNum type="arabicParenR"/>
             </a:pPr>
             <a:r>
-              <a:rPr lang="en-US" sz="3600" dirty="0" smtClean="0">
+              <a:rPr lang="en-US" sz="3600" dirty="0">
                 <a:solidFill>
                   <a:srgbClr val="405067"/>
                 </a:solidFill>
@@ -5233,13 +5250,6 @@
   <p:transition spd="slow">
     <p:push dir="u"/>
   </p:transition>
-  <p:timing>
-    <p:tnLst>
-      <p:par>
-        <p:cTn id="1" dur="indefinite" restart="never" nodeType="tmRoot"/>
-      </p:par>
-    </p:tnLst>
-  </p:timing>
 </p:sld>
 </file>
 
@@ -5378,7 +5388,7 @@
           <a:p>
             <a:pPr algn="ctr"/>
             <a:r>
-              <a:rPr lang="en-US" sz="2000" b="1" dirty="0" smtClean="0">
+              <a:rPr lang="en-US" sz="2000" b="1" dirty="0">
                 <a:solidFill>
                   <a:schemeClr val="bg1"/>
                 </a:solidFill>
@@ -5695,7 +5705,7 @@
               </a:buClr>
             </a:pPr>
             <a:r>
-              <a:rPr lang="en-US" sz="2000" b="1" dirty="0" smtClean="0">
+              <a:rPr lang="en-US" sz="2000" b="1" dirty="0">
                 <a:solidFill>
                   <a:srgbClr val="405067"/>
                 </a:solidFill>
@@ -5704,13 +5714,6 @@
               </a:rPr>
               <a:t>Experiment</a:t>
             </a:r>
-            <a:endParaRPr lang="en-US" sz="2000" b="1" dirty="0">
-              <a:solidFill>
-                <a:srgbClr val="405067"/>
-              </a:solidFill>
-              <a:latin typeface="Arial" panose="020B0604020202020204" pitchFamily="34" charset="0"/>
-              <a:cs typeface="Arial" panose="020B0604020202020204" pitchFamily="34" charset="0"/>
-            </a:endParaRPr>
           </a:p>
         </p:txBody>
       </p:sp>
@@ -5727,13 +5730,6 @@
   <p:transition spd="slow">
     <p:push dir="u"/>
   </p:transition>
-  <p:timing>
-    <p:tnLst>
-      <p:par>
-        <p:cTn id="1" dur="indefinite" restart="never" nodeType="tmRoot"/>
-      </p:par>
-    </p:tnLst>
-  </p:timing>
 </p:sld>
 </file>
 
@@ -5862,7 +5858,7 @@
           <a:lstStyle/>
           <a:p>
             <a:r>
-              <a:rPr lang="en-US" sz="5400" dirty="0" smtClean="0">
+              <a:rPr lang="en-US" sz="5400" dirty="0">
                 <a:solidFill>
                   <a:schemeClr val="bg1"/>
                 </a:solidFill>
@@ -5914,7 +5910,7 @@
               <a:buAutoNum type="arabicParenR"/>
             </a:pPr>
             <a:r>
-              <a:rPr lang="en-US" sz="3600" dirty="0" smtClean="0">
+              <a:rPr lang="en-US" sz="3600" dirty="0">
                 <a:solidFill>
                   <a:srgbClr val="405067"/>
                 </a:solidFill>
@@ -5933,7 +5929,7 @@
               <a:buAutoNum type="arabicParenR"/>
             </a:pPr>
             <a:r>
-              <a:rPr lang="en-US" sz="3600" dirty="0" smtClean="0">
+              <a:rPr lang="en-US" sz="3600" dirty="0">
                 <a:solidFill>
                   <a:srgbClr val="405067"/>
                 </a:solidFill>
@@ -5952,7 +5948,7 @@
               <a:buAutoNum type="arabicParenR"/>
             </a:pPr>
             <a:r>
-              <a:rPr lang="en-US" sz="3600" dirty="0" smtClean="0">
+              <a:rPr lang="en-US" sz="3600" dirty="0">
                 <a:solidFill>
                   <a:srgbClr val="405067"/>
                 </a:solidFill>
@@ -5971,7 +5967,7 @@
               <a:buAutoNum type="arabicParenR"/>
             </a:pPr>
             <a:r>
-              <a:rPr lang="en-US" sz="3600" dirty="0" smtClean="0">
+              <a:rPr lang="en-US" sz="3600" dirty="0">
                 <a:solidFill>
                   <a:srgbClr val="405067"/>
                 </a:solidFill>
@@ -5981,7 +5977,7 @@
               <a:t>   </a:t>
             </a:r>
             <a:r>
-              <a:rPr lang="en-US" sz="3600" dirty="0" smtClean="0">
+              <a:rPr lang="en-US" sz="3600" dirty="0">
                 <a:solidFill>
                   <a:srgbClr val="C00000"/>
                 </a:solidFill>
@@ -6013,13 +6009,6 @@
   <p:transition spd="slow">
     <p:push dir="u"/>
   </p:transition>
-  <p:timing>
-    <p:tnLst>
-      <p:par>
-        <p:cTn id="1" dur="indefinite" restart="never" nodeType="tmRoot"/>
-      </p:par>
-    </p:tnLst>
-  </p:timing>
 </p:sld>
 </file>
 
@@ -6096,7 +6085,7 @@
           <a:p>
             <a:pPr algn="ctr"/>
             <a:r>
-              <a:rPr lang="en-US" sz="2000" b="1" dirty="0" smtClean="0">
+              <a:rPr lang="en-US" sz="2000" b="1" dirty="0">
                 <a:solidFill>
                   <a:schemeClr val="bg1"/>
                 </a:solidFill>
@@ -6465,7 +6454,7 @@
               </a:buClr>
             </a:pPr>
             <a:r>
-              <a:rPr lang="en-US" sz="2000" b="1" dirty="0" smtClean="0">
+              <a:rPr lang="en-US" sz="2000" b="1" dirty="0">
                 <a:solidFill>
                   <a:srgbClr val="405067"/>
                 </a:solidFill>
@@ -6474,13 +6463,6 @@
               </a:rPr>
               <a:t>Conclusions</a:t>
             </a:r>
-            <a:endParaRPr lang="en-US" sz="2000" b="1" dirty="0">
-              <a:solidFill>
-                <a:srgbClr val="405067"/>
-              </a:solidFill>
-              <a:latin typeface="Arial" panose="020B0604020202020204" pitchFamily="34" charset="0"/>
-              <a:cs typeface="Arial" panose="020B0604020202020204" pitchFamily="34" charset="0"/>
-            </a:endParaRPr>
           </a:p>
         </p:txBody>
       </p:sp>
@@ -6497,13 +6479,6 @@
   <p:transition spd="slow">
     <p:push dir="u"/>
   </p:transition>
-  <p:timing>
-    <p:tnLst>
-      <p:par>
-        <p:cTn id="1" dur="indefinite" restart="never" nodeType="tmRoot"/>
-      </p:par>
-    </p:tnLst>
-  </p:timing>
 </p:sld>
 </file>
 
@@ -6632,7 +6607,7 @@
           <a:lstStyle/>
           <a:p>
             <a:r>
-              <a:rPr lang="en-US" sz="5400" dirty="0" smtClean="0">
+              <a:rPr lang="en-US" sz="5400" dirty="0">
                 <a:solidFill>
                   <a:schemeClr val="bg1"/>
                 </a:solidFill>
@@ -6684,7 +6659,7 @@
               <a:buAutoNum type="arabicParenR"/>
             </a:pPr>
             <a:r>
-              <a:rPr lang="en-US" sz="3600" dirty="0" smtClean="0">
+              <a:rPr lang="en-US" sz="3600" dirty="0">
                 <a:solidFill>
                   <a:srgbClr val="405067"/>
                 </a:solidFill>
@@ -6703,7 +6678,7 @@
               <a:buAutoNum type="arabicParenR"/>
             </a:pPr>
             <a:r>
-              <a:rPr lang="en-US" sz="3600" dirty="0" smtClean="0">
+              <a:rPr lang="en-US" sz="3600" dirty="0">
                 <a:solidFill>
                   <a:srgbClr val="405067"/>
                 </a:solidFill>
@@ -6722,7 +6697,7 @@
               <a:buAutoNum type="arabicParenR"/>
             </a:pPr>
             <a:r>
-              <a:rPr lang="en-US" sz="3600" dirty="0" smtClean="0">
+              <a:rPr lang="en-US" sz="3600" dirty="0">
                 <a:solidFill>
                   <a:srgbClr val="405067"/>
                 </a:solidFill>
@@ -6741,7 +6716,7 @@
               <a:buAutoNum type="arabicParenR"/>
             </a:pPr>
             <a:r>
-              <a:rPr lang="en-US" sz="3600" dirty="0" smtClean="0">
+              <a:rPr lang="en-US" sz="3600" dirty="0">
                 <a:solidFill>
                   <a:srgbClr val="405067"/>
                 </a:solidFill>
@@ -6773,13 +6748,6 @@
   <p:transition spd="slow">
     <p:push dir="u"/>
   </p:transition>
-  <p:timing>
-    <p:tnLst>
-      <p:par>
-        <p:cTn id="1" dur="indefinite" restart="never" nodeType="tmRoot"/>
-      </p:par>
-    </p:tnLst>
-  </p:timing>
 </p:sld>
 </file>
 
@@ -6908,7 +6876,7 @@
           <a:lstStyle/>
           <a:p>
             <a:r>
-              <a:rPr lang="en-US" sz="5400" dirty="0" smtClean="0">
+              <a:rPr lang="en-US" sz="5400" dirty="0">
                 <a:solidFill>
                   <a:schemeClr val="bg1"/>
                 </a:solidFill>
@@ -6960,7 +6928,7 @@
               <a:buAutoNum type="arabicParenR"/>
             </a:pPr>
             <a:r>
-              <a:rPr lang="en-US" sz="3600" dirty="0" smtClean="0">
+              <a:rPr lang="en-US" sz="3600" dirty="0">
                 <a:solidFill>
                   <a:srgbClr val="405067"/>
                 </a:solidFill>
@@ -6970,7 +6938,7 @@
               <a:t>   </a:t>
             </a:r>
             <a:r>
-              <a:rPr lang="en-US" sz="3600" dirty="0" smtClean="0">
+              <a:rPr lang="en-US" sz="3600" dirty="0">
                 <a:solidFill>
                   <a:srgbClr val="C00000"/>
                 </a:solidFill>
@@ -6989,7 +6957,7 @@
               <a:buAutoNum type="arabicParenR"/>
             </a:pPr>
             <a:r>
-              <a:rPr lang="en-US" sz="3600" dirty="0" smtClean="0">
+              <a:rPr lang="en-US" sz="3600" dirty="0">
                 <a:solidFill>
                   <a:srgbClr val="405067"/>
                 </a:solidFill>
@@ -7008,7 +6976,7 @@
               <a:buAutoNum type="arabicParenR"/>
             </a:pPr>
             <a:r>
-              <a:rPr lang="en-US" sz="3600" dirty="0" smtClean="0">
+              <a:rPr lang="en-US" sz="3600" dirty="0">
                 <a:solidFill>
                   <a:srgbClr val="405067"/>
                 </a:solidFill>
@@ -7027,7 +6995,7 @@
               <a:buAutoNum type="arabicParenR"/>
             </a:pPr>
             <a:r>
-              <a:rPr lang="en-US" sz="3600" dirty="0" smtClean="0">
+              <a:rPr lang="en-US" sz="3600" dirty="0">
                 <a:solidFill>
                   <a:srgbClr val="405067"/>
                 </a:solidFill>
@@ -7059,13 +7027,6 @@
   <p:transition spd="slow">
     <p:push dir="u"/>
   </p:transition>
-  <p:timing>
-    <p:tnLst>
-      <p:par>
-        <p:cTn id="1" dur="indefinite" restart="never" nodeType="tmRoot"/>
-      </p:par>
-    </p:tnLst>
-  </p:timing>
 </p:sld>
 </file>
 
@@ -7142,7 +7103,7 @@
           <a:p>
             <a:pPr algn="ctr"/>
             <a:r>
-              <a:rPr lang="en-US" sz="2000" b="1" dirty="0" smtClean="0">
+              <a:rPr lang="en-US" sz="2000" b="1" dirty="0">
                 <a:solidFill>
                   <a:schemeClr val="bg1"/>
                 </a:solidFill>
@@ -7204,7 +7165,7 @@
           <a:p>
             <a:pPr algn="ctr"/>
             <a:r>
-              <a:rPr lang="en-US" sz="2000" b="1" dirty="0" smtClean="0">
+              <a:rPr lang="en-US" sz="2000" b="1" dirty="0">
                 <a:solidFill>
                   <a:schemeClr val="bg1"/>
                 </a:solidFill>
@@ -7560,16 +7521,8 @@
               <a:buChar char="•"/>
             </a:pPr>
             <a:r>
-              <a:rPr lang="en-US" dirty="0" smtClean="0"/>
-              <a:t>Job-Shop Scheduling Problem (JSSP) is a well-known Combinatorial </a:t>
-            </a:r>
-            <a:r>
               <a:rPr lang="en-US" dirty="0"/>
-              <a:t>O</a:t>
-            </a:r>
-            <a:r>
-              <a:rPr lang="en-US" dirty="0" smtClean="0"/>
-              <a:t>ptimization Problem (COP) that is NP-hard to solve.</a:t>
+              <a:t>Job-Shop Scheduling Problem (JSSP) is a well-known Combinatorial Optimization Problem (COP) that is NP-hard to solve.</a:t>
             </a:r>
           </a:p>
           <a:p>
@@ -7594,13 +7547,6 @@
   <p:transition spd="slow">
     <p:push dir="u"/>
   </p:transition>
-  <p:timing>
-    <p:tnLst>
-      <p:par>
-        <p:cTn id="1" dur="indefinite" restart="never" nodeType="tmRoot"/>
-      </p:par>
-    </p:tnLst>
-  </p:timing>
 </p:sld>
 </file>
 
@@ -7677,7 +7623,7 @@
           <a:p>
             <a:pPr algn="ctr"/>
             <a:r>
-              <a:rPr lang="en-US" sz="2000" b="1" dirty="0" smtClean="0">
+              <a:rPr lang="en-US" sz="2000" b="1" dirty="0">
                 <a:solidFill>
                   <a:schemeClr val="bg1"/>
                 </a:solidFill>
@@ -7739,7 +7685,7 @@
           <a:p>
             <a:pPr algn="ctr"/>
             <a:r>
-              <a:rPr lang="en-US" sz="2000" b="1" dirty="0" smtClean="0">
+              <a:rPr lang="en-US" sz="2000" b="1" dirty="0">
                 <a:solidFill>
                   <a:schemeClr val="bg1"/>
                 </a:solidFill>
@@ -8081,13 +8027,6 @@
   <p:transition spd="slow">
     <p:push dir="u"/>
   </p:transition>
-  <p:timing>
-    <p:tnLst>
-      <p:par>
-        <p:cTn id="1" dur="indefinite" restart="never" nodeType="tmRoot"/>
-      </p:par>
-    </p:tnLst>
-  </p:timing>
 </p:sld>
 </file>
 
@@ -8164,7 +8103,7 @@
           <a:p>
             <a:pPr algn="ctr"/>
             <a:r>
-              <a:rPr lang="en-US" sz="2000" b="1" dirty="0" smtClean="0">
+              <a:rPr lang="en-US" sz="2000" b="1" dirty="0">
                 <a:solidFill>
                   <a:schemeClr val="bg1"/>
                 </a:solidFill>
@@ -8226,7 +8165,7 @@
           <a:p>
             <a:pPr algn="ctr"/>
             <a:r>
-              <a:rPr lang="en-US" sz="2000" b="1" dirty="0" smtClean="0">
+              <a:rPr lang="en-US" sz="2000" b="1" dirty="0">
                 <a:solidFill>
                   <a:schemeClr val="bg1"/>
                 </a:solidFill>
@@ -8582,14 +8521,14 @@
               <a:buChar char="q"/>
             </a:pPr>
             <a:r>
-              <a:rPr lang="en-US" sz="2800" b="1" dirty="0" smtClean="0">
+              <a:rPr lang="en-US" sz="2800" b="1" dirty="0">
                 <a:solidFill>
                   <a:srgbClr val="405067"/>
                 </a:solidFill>
               </a:rPr>
               <a:t>Challenges</a:t>
             </a:r>
-            <a:endParaRPr lang="en-SG" sz="2800" dirty="0" smtClean="0">
+            <a:endParaRPr lang="en-SG" sz="2800" dirty="0">
               <a:solidFill>
                 <a:srgbClr val="405067"/>
               </a:solidFill>
@@ -8601,7 +8540,7 @@
               <a:buChar char="q"/>
             </a:pPr>
             <a:r>
-              <a:rPr lang="en-US" sz="2800" dirty="0" smtClean="0">
+              <a:rPr lang="en-US" sz="2800" dirty="0">
                 <a:solidFill>
                   <a:srgbClr val="405067"/>
                 </a:solidFill>
@@ -8609,7 +8548,7 @@
               <a:t>Due to strong NP-hardness, how to search the PDR space efficiently in an </a:t>
             </a:r>
             <a:r>
-              <a:rPr lang="en-US" sz="2800" dirty="0" smtClean="0">
+              <a:rPr lang="en-US" sz="2800" dirty="0">
                 <a:solidFill>
                   <a:srgbClr val="FF0000"/>
                 </a:solidFill>
@@ -8617,7 +8556,7 @@
               <a:t>end-to-end</a:t>
             </a:r>
             <a:r>
-              <a:rPr lang="en-US" sz="2800" dirty="0" smtClean="0">
+              <a:rPr lang="en-US" sz="2800" dirty="0">
                 <a:solidFill>
                   <a:srgbClr val="405067"/>
                 </a:solidFill>
@@ -8625,7 +8564,7 @@
               <a:t> &amp; </a:t>
             </a:r>
             <a:r>
-              <a:rPr lang="en-US" sz="2800" dirty="0" smtClean="0">
+              <a:rPr lang="en-US" sz="2800" dirty="0">
                 <a:solidFill>
                   <a:srgbClr val="FF0000"/>
                 </a:solidFill>
@@ -8633,7 +8572,7 @@
               <a:t>un-supervised</a:t>
             </a:r>
             <a:r>
-              <a:rPr lang="en-US" sz="2800" dirty="0" smtClean="0">
+              <a:rPr lang="en-US" sz="2800" dirty="0">
                 <a:solidFill>
                   <a:srgbClr val="405067"/>
                 </a:solidFill>
@@ -8647,7 +8586,7 @@
               <a:buChar char="q"/>
             </a:pPr>
             <a:r>
-              <a:rPr lang="en-US" sz="2800" dirty="0" smtClean="0">
+              <a:rPr lang="en-US" sz="2800" dirty="0">
                 <a:solidFill>
                   <a:srgbClr val="405067"/>
                 </a:solidFill>
@@ -8655,7 +8594,7 @@
               <a:t>Can learned PDR be </a:t>
             </a:r>
             <a:r>
-              <a:rPr lang="en-US" sz="2800" dirty="0" smtClean="0">
+              <a:rPr lang="en-US" sz="2800" dirty="0">
                 <a:solidFill>
                   <a:srgbClr val="FF0000"/>
                 </a:solidFill>
@@ -8663,7 +8602,7 @@
               <a:t>size-agnostic</a:t>
             </a:r>
             <a:r>
-              <a:rPr lang="en-US" altLang="zh-CN" sz="2800" dirty="0" smtClean="0">
+              <a:rPr lang="en-US" altLang="zh-CN" sz="2800" dirty="0">
                 <a:solidFill>
                   <a:srgbClr val="405067"/>
                 </a:solidFill>
@@ -8671,7 +8610,7 @@
               <a:t> so that it can </a:t>
             </a:r>
             <a:r>
-              <a:rPr lang="en-US" altLang="zh-CN" sz="2800" dirty="0" smtClean="0">
+              <a:rPr lang="en-US" altLang="zh-CN" sz="2800" dirty="0">
                 <a:solidFill>
                   <a:srgbClr val="FF0000"/>
                 </a:solidFill>
@@ -8679,14 +8618,14 @@
               <a:t>generalize</a:t>
             </a:r>
             <a:r>
-              <a:rPr lang="en-US" altLang="zh-CN" sz="2800" dirty="0" smtClean="0">
+              <a:rPr lang="en-US" altLang="zh-CN" sz="2800" dirty="0">
                 <a:solidFill>
                   <a:srgbClr val="405067"/>
                 </a:solidFill>
               </a:rPr>
               <a:t> to un-seen large-scale instances?</a:t>
             </a:r>
-            <a:endParaRPr lang="en-US" sz="2800" dirty="0" smtClean="0">
+            <a:endParaRPr lang="en-US" sz="2800" dirty="0">
               <a:solidFill>
                 <a:srgbClr val="405067"/>
               </a:solidFill>
@@ -8747,7 +8686,7 @@
           <a:lstStyle/>
           <a:p>
             <a:r>
-              <a:rPr lang="en-US" sz="4800" dirty="0" smtClean="0"/>
+              <a:rPr lang="en-US" sz="4800" dirty="0"/>
               <a:t>+</a:t>
             </a:r>
             <a:endParaRPr lang="en-SG" sz="4800" dirty="0"/>
@@ -8777,7 +8716,7 @@
           <a:lstStyle/>
           <a:p>
             <a:r>
-              <a:rPr lang="en-US" dirty="0" smtClean="0">
+              <a:rPr lang="en-US" dirty="0">
                 <a:solidFill>
                   <a:srgbClr val="405067"/>
                 </a:solidFill>
@@ -8922,7 +8861,7 @@
               </a:buClr>
             </a:pPr>
             <a:r>
-              <a:rPr lang="en-US" b="1" smtClean="0">
+              <a:rPr lang="en-US" b="1">
                 <a:solidFill>
                   <a:srgbClr val="405067"/>
                 </a:solidFill>
@@ -8932,7 +8871,7 @@
               <a:t>Learning to </a:t>
             </a:r>
             <a:r>
-              <a:rPr lang="en-US" b="1" dirty="0" smtClean="0">
+              <a:rPr lang="en-US" b="1" dirty="0">
                 <a:solidFill>
                   <a:srgbClr val="405067"/>
                 </a:solidFill>
@@ -8941,13 +8880,6 @@
               </a:rPr>
               <a:t>Dispatch</a:t>
             </a:r>
-            <a:endParaRPr lang="en-US" b="1" dirty="0">
-              <a:solidFill>
-                <a:srgbClr val="405067"/>
-              </a:solidFill>
-              <a:latin typeface="Arial" panose="020B0604020202020204" pitchFamily="34" charset="0"/>
-              <a:cs typeface="Arial" panose="020B0604020202020204" pitchFamily="34" charset="0"/>
-            </a:endParaRPr>
           </a:p>
         </p:txBody>
       </p:sp>
@@ -8964,13 +8896,6 @@
   <p:transition spd="slow">
     <p:push dir="u"/>
   </p:transition>
-  <p:timing>
-    <p:tnLst>
-      <p:par>
-        <p:cTn id="1" dur="indefinite" restart="never" nodeType="tmRoot"/>
-      </p:par>
-    </p:tnLst>
-  </p:timing>
 </p:sld>
 </file>
 
@@ -9099,7 +9024,7 @@
           <a:lstStyle/>
           <a:p>
             <a:r>
-              <a:rPr lang="en-US" sz="5400" dirty="0" smtClean="0">
+              <a:rPr lang="en-US" sz="5400" dirty="0">
                 <a:solidFill>
                   <a:schemeClr val="bg1"/>
                 </a:solidFill>
@@ -9151,7 +9076,7 @@
               <a:buAutoNum type="arabicParenR"/>
             </a:pPr>
             <a:r>
-              <a:rPr lang="en-US" sz="3600" dirty="0" smtClean="0">
+              <a:rPr lang="en-US" sz="3600" dirty="0">
                 <a:solidFill>
                   <a:srgbClr val="405067"/>
                 </a:solidFill>
@@ -9170,7 +9095,7 @@
               <a:buAutoNum type="arabicParenR"/>
             </a:pPr>
             <a:r>
-              <a:rPr lang="en-US" sz="3600" dirty="0" smtClean="0">
+              <a:rPr lang="en-US" sz="3600" dirty="0">
                 <a:solidFill>
                   <a:srgbClr val="405067"/>
                 </a:solidFill>
@@ -9180,7 +9105,7 @@
               <a:t>   </a:t>
             </a:r>
             <a:r>
-              <a:rPr lang="en-US" sz="3600" dirty="0" smtClean="0">
+              <a:rPr lang="en-US" sz="3600" dirty="0">
                 <a:solidFill>
                   <a:srgbClr val="C00000"/>
                 </a:solidFill>
@@ -9199,7 +9124,7 @@
               <a:buAutoNum type="arabicParenR"/>
             </a:pPr>
             <a:r>
-              <a:rPr lang="en-US" sz="3600" dirty="0" smtClean="0">
+              <a:rPr lang="en-US" sz="3600" dirty="0">
                 <a:solidFill>
                   <a:srgbClr val="405067"/>
                 </a:solidFill>
@@ -9218,7 +9143,7 @@
               <a:buAutoNum type="arabicParenR"/>
             </a:pPr>
             <a:r>
-              <a:rPr lang="en-US" sz="3600" dirty="0" smtClean="0">
+              <a:rPr lang="en-US" sz="3600" dirty="0">
                 <a:solidFill>
                   <a:srgbClr val="405067"/>
                 </a:solidFill>
@@ -9250,13 +9175,6 @@
   <p:transition spd="slow">
     <p:push dir="u"/>
   </p:transition>
-  <p:timing>
-    <p:tnLst>
-      <p:par>
-        <p:cTn id="1" dur="indefinite" restart="never" nodeType="tmRoot"/>
-      </p:par>
-    </p:tnLst>
-  </p:timing>
 </p:sld>
 </file>
 
@@ -9395,7 +9313,7 @@
           <a:p>
             <a:pPr algn="ctr"/>
             <a:r>
-              <a:rPr lang="en-US" sz="2000" b="1" dirty="0" smtClean="0">
+              <a:rPr lang="en-US" sz="2000" b="1" dirty="0">
                 <a:solidFill>
                   <a:schemeClr val="bg1"/>
                 </a:solidFill>
@@ -9737,13 +9655,6 @@
   <p:transition spd="slow">
     <p:push dir="u"/>
   </p:transition>
-  <p:timing>
-    <p:tnLst>
-      <p:par>
-        <p:cTn id="1" dur="indefinite" restart="never" nodeType="tmRoot"/>
-      </p:par>
-    </p:tnLst>
-  </p:timing>
 </p:sld>
 </file>
 
@@ -9882,7 +9793,7 @@
           <a:p>
             <a:pPr algn="ctr"/>
             <a:r>
-              <a:rPr lang="en-US" sz="2000" b="1" dirty="0" smtClean="0">
+              <a:rPr lang="en-US" sz="2000" b="1" dirty="0">
                 <a:solidFill>
                   <a:schemeClr val="bg1"/>
                 </a:solidFill>
@@ -10224,13 +10135,6 @@
   <p:transition spd="slow">
     <p:push dir="u"/>
   </p:transition>
-  <p:timing>
-    <p:tnLst>
-      <p:par>
-        <p:cTn id="1" dur="indefinite" restart="never" nodeType="tmRoot"/>
-      </p:par>
-    </p:tnLst>
-  </p:timing>
 </p:sld>
 </file>
 

--- a/NeurIPS L2D.pptx
+++ b/NeurIPS L2D.pptx
@@ -5,10 +5,10 @@
     <p:sldMasterId id="2147483648" r:id="rId1"/>
   </p:sldMasterIdLst>
   <p:notesMasterIdLst>
-    <p:notesMasterId r:id="rId16"/>
+    <p:notesMasterId r:id="rId17"/>
   </p:notesMasterIdLst>
   <p:handoutMasterIdLst>
-    <p:handoutMasterId r:id="rId17"/>
+    <p:handoutMasterId r:id="rId18"/>
   </p:handoutMasterIdLst>
   <p:sldIdLst>
     <p:sldId id="256" r:id="rId2"/>
@@ -23,8 +23,9 @@
     <p:sldId id="264" r:id="rId11"/>
     <p:sldId id="270" r:id="rId12"/>
     <p:sldId id="271" r:id="rId13"/>
-    <p:sldId id="272" r:id="rId14"/>
-    <p:sldId id="273" r:id="rId15"/>
+    <p:sldId id="274" r:id="rId14"/>
+    <p:sldId id="272" r:id="rId15"/>
+    <p:sldId id="273" r:id="rId16"/>
   </p:sldIdLst>
   <p:sldSz cx="12192000" cy="6858000"/>
   <p:notesSz cx="6858000" cy="9144000"/>
@@ -643,6 +644,113 @@
     </a:lvl9pPr>
   </p:notesStyle>
 </p:notesMaster>
+</file>
+
+<file path=ppt/notesSlides/notesSlide1.xml><?xml version="1.0" encoding="utf-8"?>
+<p:notes xmlns:a="http://schemas.openxmlformats.org/drawingml/2006/main" xmlns:r="http://schemas.openxmlformats.org/officeDocument/2006/relationships" xmlns:p="http://schemas.openxmlformats.org/presentationml/2006/main">
+  <p:cSld>
+    <p:spTree>
+      <p:nvGrpSpPr>
+        <p:cNvPr id="1" name=""/>
+        <p:cNvGrpSpPr/>
+        <p:nvPr/>
+      </p:nvGrpSpPr>
+      <p:grpSpPr>
+        <a:xfrm>
+          <a:off x="0" y="0"/>
+          <a:ext cx="0" cy="0"/>
+          <a:chOff x="0" y="0"/>
+          <a:chExt cx="0" cy="0"/>
+        </a:xfrm>
+      </p:grpSpPr>
+      <p:sp>
+        <p:nvSpPr>
+          <p:cNvPr id="2" name="Slide Image Placeholder 1"/>
+          <p:cNvSpPr>
+            <a:spLocks noGrp="1" noRot="1" noChangeAspect="1"/>
+          </p:cNvSpPr>
+          <p:nvPr>
+            <p:ph type="sldImg"/>
+          </p:nvPr>
+        </p:nvSpPr>
+        <p:spPr/>
+      </p:sp>
+      <p:sp>
+        <p:nvSpPr>
+          <p:cNvPr id="3" name="Notes Placeholder 2"/>
+          <p:cNvSpPr>
+            <a:spLocks noGrp="1"/>
+          </p:cNvSpPr>
+          <p:nvPr>
+            <p:ph type="body" idx="1"/>
+          </p:nvPr>
+        </p:nvSpPr>
+        <p:spPr/>
+        <p:txBody>
+          <a:bodyPr/>
+          <a:lstStyle/>
+          <a:p>
+            <a:r>
+              <a:rPr lang="en-US" dirty="0" err="1" smtClean="0"/>
+              <a:t>asdasda</a:t>
+            </a:r>
+            <a:endParaRPr lang="en-SG" dirty="0"/>
+          </a:p>
+        </p:txBody>
+      </p:sp>
+      <p:sp>
+        <p:nvSpPr>
+          <p:cNvPr id="4" name="Header Placeholder 3"/>
+          <p:cNvSpPr>
+            <a:spLocks noGrp="1"/>
+          </p:cNvSpPr>
+          <p:nvPr>
+            <p:ph type="hdr" sz="quarter" idx="10"/>
+          </p:nvPr>
+        </p:nvSpPr>
+        <p:spPr/>
+        <p:txBody>
+          <a:bodyPr/>
+          <a:lstStyle/>
+          <a:p>
+            <a:endParaRPr lang="en-SG"/>
+          </a:p>
+        </p:txBody>
+      </p:sp>
+      <p:sp>
+        <p:nvSpPr>
+          <p:cNvPr id="5" name="Slide Number Placeholder 4"/>
+          <p:cNvSpPr>
+            <a:spLocks noGrp="1"/>
+          </p:cNvSpPr>
+          <p:nvPr>
+            <p:ph type="sldNum" sz="quarter" idx="11"/>
+          </p:nvPr>
+        </p:nvSpPr>
+        <p:spPr/>
+        <p:txBody>
+          <a:bodyPr/>
+          <a:lstStyle/>
+          <a:p>
+            <a:fld id="{DAA82CEB-BCB7-4959-92C7-896236C48CBA}" type="slidenum">
+              <a:rPr lang="en-SG" smtClean="0"/>
+              <a:t>5</a:t>
+            </a:fld>
+            <a:endParaRPr lang="en-SG"/>
+          </a:p>
+        </p:txBody>
+      </p:sp>
+    </p:spTree>
+    <p:extLst>
+      <p:ext uri="{BB962C8B-B14F-4D97-AF65-F5344CB8AC3E}">
+        <p14:creationId xmlns:p14="http://schemas.microsoft.com/office/powerpoint/2010/main" val="4103510038"/>
+      </p:ext>
+    </p:extLst>
+  </p:cSld>
+  <p:clrMapOvr>
+    <a:masterClrMapping/>
+  </p:clrMapOvr>
+</p:notes>
 </file>
 
 <file path=ppt/slideLayouts/slideLayout1.xml><?xml version="1.0" encoding="utf-8"?>
@@ -3620,9 +3728,6 @@
             <a:pPr algn="ctr"/>
             <a:r>
               <a:rPr lang="en-SG" sz="4400" b="1" dirty="0">
-                <a:solidFill>
-                  <a:srgbClr val="405067"/>
-                </a:solidFill>
                 <a:latin typeface="Times New Roman" panose="02020603050405020304" pitchFamily="18" charset="0"/>
                 <a:cs typeface="Times New Roman" panose="02020603050405020304" pitchFamily="18" charset="0"/>
               </a:rPr>
@@ -3656,9 +3761,6 @@
             <a:pPr algn="ctr"/>
             <a:r>
               <a:rPr lang="en-US" b="1" dirty="0">
-                <a:solidFill>
-                  <a:srgbClr val="405067"/>
-                </a:solidFill>
                 <a:latin typeface="Times New Roman" panose="02020603050405020304" pitchFamily="18" charset="0"/>
                 <a:cs typeface="Times New Roman" panose="02020603050405020304" pitchFamily="18" charset="0"/>
               </a:rPr>
@@ -3666,9 +3768,6 @@
             </a:r>
             <a:r>
               <a:rPr lang="en-US" baseline="30000" dirty="0">
-                <a:solidFill>
-                  <a:srgbClr val="405067"/>
-                </a:solidFill>
                 <a:latin typeface="Times New Roman" panose="02020603050405020304" pitchFamily="18" charset="0"/>
                 <a:cs typeface="Times New Roman" panose="02020603050405020304" pitchFamily="18" charset="0"/>
               </a:rPr>
@@ -3676,9 +3775,6 @@
             </a:r>
             <a:r>
               <a:rPr lang="en-US" dirty="0">
-                <a:solidFill>
-                  <a:srgbClr val="405067"/>
-                </a:solidFill>
                 <a:latin typeface="Times New Roman" panose="02020603050405020304" pitchFamily="18" charset="0"/>
                 <a:cs typeface="Times New Roman" panose="02020603050405020304" pitchFamily="18" charset="0"/>
               </a:rPr>
@@ -3686,9 +3782,6 @@
             </a:r>
             <a:r>
               <a:rPr lang="en-US" baseline="30000" dirty="0">
-                <a:solidFill>
-                  <a:srgbClr val="405067"/>
-                </a:solidFill>
                 <a:latin typeface="Times New Roman" panose="02020603050405020304" pitchFamily="18" charset="0"/>
                 <a:cs typeface="Times New Roman" panose="02020603050405020304" pitchFamily="18" charset="0"/>
               </a:rPr>
@@ -3696,9 +3789,6 @@
             </a:r>
             <a:r>
               <a:rPr lang="en-US" dirty="0">
-                <a:solidFill>
-                  <a:srgbClr val="405067"/>
-                </a:solidFill>
                 <a:latin typeface="Times New Roman" panose="02020603050405020304" pitchFamily="18" charset="0"/>
                 <a:cs typeface="Times New Roman" panose="02020603050405020304" pitchFamily="18" charset="0"/>
               </a:rPr>
@@ -3706,9 +3796,6 @@
             </a:r>
             <a:r>
               <a:rPr lang="en-US" dirty="0" err="1">
-                <a:solidFill>
-                  <a:srgbClr val="405067"/>
-                </a:solidFill>
                 <a:latin typeface="Times New Roman" panose="02020603050405020304" pitchFamily="18" charset="0"/>
                 <a:cs typeface="Times New Roman" panose="02020603050405020304" pitchFamily="18" charset="0"/>
               </a:rPr>
@@ -3716,9 +3803,6 @@
             </a:r>
             <a:r>
               <a:rPr lang="en-US" dirty="0">
-                <a:solidFill>
-                  <a:srgbClr val="405067"/>
-                </a:solidFill>
                 <a:latin typeface="Times New Roman" panose="02020603050405020304" pitchFamily="18" charset="0"/>
                 <a:cs typeface="Times New Roman" panose="02020603050405020304" pitchFamily="18" charset="0"/>
               </a:rPr>
@@ -3726,9 +3810,6 @@
             </a:r>
             <a:r>
               <a:rPr lang="en-US" baseline="30000" dirty="0">
-                <a:solidFill>
-                  <a:srgbClr val="405067"/>
-                </a:solidFill>
                 <a:latin typeface="Times New Roman" panose="02020603050405020304" pitchFamily="18" charset="0"/>
                 <a:cs typeface="Times New Roman" panose="02020603050405020304" pitchFamily="18" charset="0"/>
               </a:rPr>
@@ -3736,9 +3817,6 @@
             </a:r>
             <a:r>
               <a:rPr lang="en-US" dirty="0">
-                <a:solidFill>
-                  <a:srgbClr val="405067"/>
-                </a:solidFill>
                 <a:latin typeface="Times New Roman" panose="02020603050405020304" pitchFamily="18" charset="0"/>
                 <a:cs typeface="Times New Roman" panose="02020603050405020304" pitchFamily="18" charset="0"/>
               </a:rPr>
@@ -3746,9 +3824,6 @@
             </a:r>
             <a:r>
               <a:rPr lang="en-US" dirty="0" err="1">
-                <a:solidFill>
-                  <a:srgbClr val="405067"/>
-                </a:solidFill>
                 <a:latin typeface="Times New Roman" panose="02020603050405020304" pitchFamily="18" charset="0"/>
                 <a:cs typeface="Times New Roman" panose="02020603050405020304" pitchFamily="18" charset="0"/>
               </a:rPr>
@@ -3756,9 +3831,6 @@
             </a:r>
             <a:r>
               <a:rPr lang="en-US" dirty="0">
-                <a:solidFill>
-                  <a:srgbClr val="405067"/>
-                </a:solidFill>
                 <a:latin typeface="Times New Roman" panose="02020603050405020304" pitchFamily="18" charset="0"/>
                 <a:cs typeface="Times New Roman" panose="02020603050405020304" pitchFamily="18" charset="0"/>
               </a:rPr>
@@ -3766,9 +3838,6 @@
             </a:r>
             <a:r>
               <a:rPr lang="en-US" baseline="30000" dirty="0">
-                <a:solidFill>
-                  <a:srgbClr val="405067"/>
-                </a:solidFill>
                 <a:latin typeface="Times New Roman" panose="02020603050405020304" pitchFamily="18" charset="0"/>
                 <a:cs typeface="Times New Roman" panose="02020603050405020304" pitchFamily="18" charset="0"/>
               </a:rPr>
@@ -3776,9 +3845,6 @@
             </a:r>
             <a:r>
               <a:rPr lang="en-US" dirty="0">
-                <a:solidFill>
-                  <a:srgbClr val="405067"/>
-                </a:solidFill>
                 <a:latin typeface="Times New Roman" panose="02020603050405020304" pitchFamily="18" charset="0"/>
                 <a:cs typeface="Times New Roman" panose="02020603050405020304" pitchFamily="18" charset="0"/>
               </a:rPr>
@@ -3786,9 +3852,6 @@
             </a:r>
             <a:r>
               <a:rPr lang="en-US" dirty="0" err="1">
-                <a:solidFill>
-                  <a:srgbClr val="405067"/>
-                </a:solidFill>
                 <a:latin typeface="Times New Roman" panose="02020603050405020304" pitchFamily="18" charset="0"/>
                 <a:cs typeface="Times New Roman" panose="02020603050405020304" pitchFamily="18" charset="0"/>
               </a:rPr>
@@ -3796,9 +3859,6 @@
             </a:r>
             <a:r>
               <a:rPr lang="en-US" dirty="0">
-                <a:solidFill>
-                  <a:srgbClr val="405067"/>
-                </a:solidFill>
                 <a:latin typeface="Times New Roman" panose="02020603050405020304" pitchFamily="18" charset="0"/>
                 <a:cs typeface="Times New Roman" panose="02020603050405020304" pitchFamily="18" charset="0"/>
               </a:rPr>
@@ -3806,9 +3866,6 @@
             </a:r>
             <a:r>
               <a:rPr lang="en-US" baseline="30000" dirty="0">
-                <a:solidFill>
-                  <a:srgbClr val="405067"/>
-                </a:solidFill>
                 <a:latin typeface="Times New Roman" panose="02020603050405020304" pitchFamily="18" charset="0"/>
                 <a:cs typeface="Times New Roman" panose="02020603050405020304" pitchFamily="18" charset="0"/>
               </a:rPr>
@@ -3816,9 +3873,6 @@
             </a:r>
             <a:r>
               <a:rPr lang="en-US" dirty="0">
-                <a:solidFill>
-                  <a:srgbClr val="405067"/>
-                </a:solidFill>
                 <a:latin typeface="Times New Roman" panose="02020603050405020304" pitchFamily="18" charset="0"/>
                 <a:cs typeface="Times New Roman" panose="02020603050405020304" pitchFamily="18" charset="0"/>
               </a:rPr>
@@ -3826,18 +3880,12 @@
             </a:r>
             <a:r>
               <a:rPr lang="en-US" baseline="30000" dirty="0">
-                <a:solidFill>
-                  <a:srgbClr val="405067"/>
-                </a:solidFill>
                 <a:latin typeface="Times New Roman" panose="02020603050405020304" pitchFamily="18" charset="0"/>
                 <a:cs typeface="Times New Roman" panose="02020603050405020304" pitchFamily="18" charset="0"/>
               </a:rPr>
               <a:t>4</a:t>
             </a:r>
             <a:endParaRPr lang="en-SG" baseline="30000" dirty="0">
-              <a:solidFill>
-                <a:srgbClr val="405067"/>
-              </a:solidFill>
               <a:latin typeface="Times New Roman" panose="02020603050405020304" pitchFamily="18" charset="0"/>
               <a:cs typeface="Times New Roman" panose="02020603050405020304" pitchFamily="18" charset="0"/>
             </a:endParaRPr>
@@ -3845,9 +3893,6 @@
           <a:p>
             <a:pPr algn="ctr"/>
             <a:endParaRPr lang="en-SG" i="1" dirty="0">
-              <a:solidFill>
-                <a:srgbClr val="405067"/>
-              </a:solidFill>
               <a:latin typeface="Cambria Math" panose="02040503050406030204" pitchFamily="18" charset="0"/>
               <a:cs typeface="Times New Roman" panose="02020603050405020304" pitchFamily="18" charset="0"/>
             </a:endParaRPr>
@@ -3856,9 +3901,6 @@
             <a:pPr algn="ctr"/>
             <a:r>
               <a:rPr lang="en-SG" baseline="30000" dirty="0">
-                <a:solidFill>
-                  <a:srgbClr val="405067"/>
-                </a:solidFill>
                 <a:latin typeface="Times New Roman" panose="02020603050405020304" pitchFamily="18" charset="0"/>
                 <a:cs typeface="Times New Roman" panose="02020603050405020304" pitchFamily="18" charset="0"/>
               </a:rPr>
@@ -3866,9 +3908,6 @@
             </a:r>
             <a:r>
               <a:rPr lang="en-SG" dirty="0">
-                <a:solidFill>
-                  <a:srgbClr val="405067"/>
-                </a:solidFill>
                 <a:latin typeface="Times New Roman" panose="02020603050405020304" pitchFamily="18" charset="0"/>
                 <a:cs typeface="Times New Roman" panose="02020603050405020304" pitchFamily="18" charset="0"/>
               </a:rPr>
@@ -3879,9 +3918,6 @@
             <a:pPr algn="ctr"/>
             <a:r>
               <a:rPr lang="en-SG" baseline="30000" dirty="0">
-                <a:solidFill>
-                  <a:srgbClr val="405067"/>
-                </a:solidFill>
                 <a:latin typeface="Times New Roman" panose="02020603050405020304" pitchFamily="18" charset="0"/>
                 <a:cs typeface="Times New Roman" panose="02020603050405020304" pitchFamily="18" charset="0"/>
               </a:rPr>
@@ -3889,9 +3925,6 @@
             </a:r>
             <a:r>
               <a:rPr lang="en-SG" dirty="0">
-                <a:solidFill>
-                  <a:srgbClr val="405067"/>
-                </a:solidFill>
                 <a:latin typeface="Times New Roman" panose="02020603050405020304" pitchFamily="18" charset="0"/>
                 <a:cs typeface="Times New Roman" panose="02020603050405020304" pitchFamily="18" charset="0"/>
               </a:rPr>
@@ -3902,9 +3935,6 @@
             <a:pPr algn="ctr"/>
             <a:r>
               <a:rPr lang="en-SG" baseline="30000" dirty="0">
-                <a:solidFill>
-                  <a:srgbClr val="405067"/>
-                </a:solidFill>
                 <a:latin typeface="Times New Roman" panose="02020603050405020304" pitchFamily="18" charset="0"/>
                 <a:cs typeface="Times New Roman" panose="02020603050405020304" pitchFamily="18" charset="0"/>
               </a:rPr>
@@ -3912,9 +3942,6 @@
             </a:r>
             <a:r>
               <a:rPr lang="en-SG" dirty="0">
-                <a:solidFill>
-                  <a:srgbClr val="405067"/>
-                </a:solidFill>
                 <a:latin typeface="Times New Roman" panose="02020603050405020304" pitchFamily="18" charset="0"/>
                 <a:cs typeface="Times New Roman" panose="02020603050405020304" pitchFamily="18" charset="0"/>
               </a:rPr>
@@ -3925,9 +3952,6 @@
             <a:pPr algn="ctr"/>
             <a:r>
               <a:rPr lang="en-SG" baseline="30000" dirty="0">
-                <a:solidFill>
-                  <a:srgbClr val="405067"/>
-                </a:solidFill>
                 <a:latin typeface="Times New Roman" panose="02020603050405020304" pitchFamily="18" charset="0"/>
                 <a:cs typeface="Times New Roman" panose="02020603050405020304" pitchFamily="18" charset="0"/>
               </a:rPr>
@@ -3935,9 +3959,6 @@
             </a:r>
             <a:r>
               <a:rPr lang="en-SG" dirty="0">
-                <a:solidFill>
-                  <a:srgbClr val="405067"/>
-                </a:solidFill>
                 <a:latin typeface="Times New Roman" panose="02020603050405020304" pitchFamily="18" charset="0"/>
                 <a:cs typeface="Times New Roman" panose="02020603050405020304" pitchFamily="18" charset="0"/>
               </a:rPr>
@@ -4361,11 +4382,18 @@
   <p:clrMapOvr>
     <a:masterClrMapping/>
   </p:clrMapOvr>
+  <p:timing>
+    <p:tnLst>
+      <p:par>
+        <p:cTn id="1" dur="indefinite" restart="never" nodeType="tmRoot"/>
+      </p:par>
+    </p:tnLst>
+  </p:timing>
 </p:sld>
 </file>
 
 <file path=ppt/slides/slide10.xml><?xml version="1.0" encoding="utf-8"?>
-<p:sld xmlns:a="http://schemas.openxmlformats.org/drawingml/2006/main" xmlns:r="http://schemas.openxmlformats.org/officeDocument/2006/relationships" xmlns:p="http://schemas.openxmlformats.org/presentationml/2006/main">
+<p:sld xmlns:a="http://schemas.openxmlformats.org/drawingml/2006/main" xmlns:r="http://schemas.openxmlformats.org/officeDocument/2006/relationships" xmlns:p="http://schemas.openxmlformats.org/presentationml/2006/main" show="0">
   <p:cSld>
     <p:spTree>
       <p:nvGrpSpPr>
@@ -4816,22 +4844,12 @@
               </a:buClr>
             </a:pPr>
             <a:r>
-              <a:rPr lang="en-US" sz="2000" b="1">
-                <a:solidFill>
-                  <a:srgbClr val="405067"/>
-                </a:solidFill>
+              <a:rPr lang="en-US" sz="2000" b="1" dirty="0">
                 <a:latin typeface="Arial" panose="020B0604020202020204" pitchFamily="34" charset="0"/>
                 <a:cs typeface="Arial" panose="020B0604020202020204" pitchFamily="34" charset="0"/>
               </a:rPr>
               <a:t>L2D</a:t>
             </a:r>
-            <a:endParaRPr lang="en-US" sz="2000" b="1" dirty="0">
-              <a:solidFill>
-                <a:srgbClr val="405067"/>
-              </a:solidFill>
-              <a:latin typeface="Arial" panose="020B0604020202020204" pitchFamily="34" charset="0"/>
-              <a:cs typeface="Arial" panose="020B0604020202020204" pitchFamily="34" charset="0"/>
-            </a:endParaRPr>
           </a:p>
         </p:txBody>
       </p:sp>
@@ -4910,7 +4928,7 @@
         <p:spPr>
           <a:xfrm>
             <a:off x="7371761" y="829559"/>
-            <a:ext cx="4677364" cy="1477328"/>
+            <a:ext cx="4677364" cy="1754326"/>
           </a:xfrm>
           <a:prstGeom prst="rect">
             <a:avLst/>
@@ -4925,14 +4943,16 @@
           <a:p>
             <a:r>
               <a:rPr lang="en-US" dirty="0">
-                <a:latin typeface="Abadi" panose="020B0604020104020204" pitchFamily="34" charset="0"/>
+                <a:latin typeface="Arial" panose="020B0604020202020204" pitchFamily="34" charset="0"/>
+                <a:cs typeface="Arial" panose="020B0604020202020204" pitchFamily="34" charset="0"/>
               </a:rPr>
               <a:t>We choose Proximal Policy Optimization as optimizer of our agent:</a:t>
             </a:r>
           </a:p>
           <a:p>
             <a:endParaRPr lang="en-US" dirty="0">
-              <a:latin typeface="Abadi" panose="020B0604020104020204" pitchFamily="34" charset="0"/>
+              <a:latin typeface="Arial" panose="020B0604020202020204" pitchFamily="34" charset="0"/>
+              <a:cs typeface="Arial" panose="020B0604020202020204" pitchFamily="34" charset="0"/>
             </a:endParaRPr>
           </a:p>
           <a:p>
@@ -4942,19 +4962,11 @@
             </a:pPr>
             <a:r>
               <a:rPr lang="en-US" dirty="0">
-                <a:latin typeface="Abadi" panose="020B0604020104020204" pitchFamily="34" charset="0"/>
-              </a:rPr>
-              <a:t>Optimizing our agent over four independent JSSP instances </a:t>
-            </a:r>
-            <a:r>
-              <a:rPr lang="en-US">
-                <a:latin typeface="Abadi" panose="020B0604020104020204" pitchFamily="34" charset="0"/>
-              </a:rPr>
-              <a:t>per iteration;</a:t>
-            </a:r>
-            <a:endParaRPr lang="en-US" dirty="0">
-              <a:latin typeface="Abadi" panose="020B0604020104020204" pitchFamily="34" charset="0"/>
-            </a:endParaRPr>
+                <a:latin typeface="Arial" panose="020B0604020202020204" pitchFamily="34" charset="0"/>
+                <a:cs typeface="Arial" panose="020B0604020202020204" pitchFamily="34" charset="0"/>
+              </a:rPr>
+              <a:t>Optimizing our agent over four independent JSSP instances per iteration;</a:t>
+            </a:r>
           </a:p>
         </p:txBody>
       </p:sp>
@@ -4971,6 +4983,13 @@
   <p:transition spd="slow">
     <p:push dir="u"/>
   </p:transition>
+  <p:timing>
+    <p:tnLst>
+      <p:par>
+        <p:cTn id="1" dur="indefinite" restart="never" nodeType="tmRoot"/>
+      </p:par>
+    </p:tnLst>
+  </p:timing>
 </p:sld>
 </file>
 
@@ -5158,7 +5177,14 @@
                 <a:latin typeface="Arial" panose="020B0604020202020204" pitchFamily="34" charset="0"/>
                 <a:cs typeface="Arial" panose="020B0604020202020204" pitchFamily="34" charset="0"/>
               </a:rPr>
-              <a:t>   Background</a:t>
+              <a:t>   </a:t>
+            </a:r>
+            <a:r>
+              <a:rPr lang="en-US" sz="3600" dirty="0">
+                <a:latin typeface="Arial" panose="020B0604020202020204" pitchFamily="34" charset="0"/>
+                <a:cs typeface="Arial" panose="020B0604020202020204" pitchFamily="34" charset="0"/>
+              </a:rPr>
+              <a:t>Background</a:t>
             </a:r>
           </a:p>
           <a:p>
@@ -5171,9 +5197,6 @@
             </a:pPr>
             <a:r>
               <a:rPr lang="en-US" sz="3600" dirty="0">
-                <a:solidFill>
-                  <a:srgbClr val="405067"/>
-                </a:solidFill>
                 <a:latin typeface="Arial" panose="020B0604020202020204" pitchFamily="34" charset="0"/>
                 <a:cs typeface="Arial" panose="020B0604020202020204" pitchFamily="34" charset="0"/>
               </a:rPr>
@@ -5225,12 +5248,16 @@
                 <a:latin typeface="Arial" panose="020B0604020202020204" pitchFamily="34" charset="0"/>
                 <a:cs typeface="Arial" panose="020B0604020202020204" pitchFamily="34" charset="0"/>
               </a:rPr>
-              <a:t>   Conclusion</a:t>
+              <a:t>   </a:t>
+            </a:r>
+            <a:r>
+              <a:rPr lang="en-US" sz="3600" dirty="0">
+                <a:latin typeface="Arial" panose="020B0604020202020204" pitchFamily="34" charset="0"/>
+                <a:cs typeface="Arial" panose="020B0604020202020204" pitchFamily="34" charset="0"/>
+              </a:rPr>
+              <a:t>Conclusion</a:t>
             </a:r>
             <a:endParaRPr lang="en-SG" sz="3600" dirty="0">
-              <a:solidFill>
-                <a:srgbClr val="405067"/>
-              </a:solidFill>
               <a:latin typeface="Arial" panose="020B0604020202020204" pitchFamily="34" charset="0"/>
               <a:cs typeface="Arial" panose="020B0604020202020204" pitchFamily="34" charset="0"/>
             </a:endParaRPr>
@@ -5395,7 +5422,17 @@
                 <a:latin typeface="Arial" panose="020B0604020202020204" pitchFamily="34" charset="0"/>
                 <a:cs typeface="Arial" panose="020B0604020202020204" pitchFamily="34" charset="0"/>
               </a:rPr>
-              <a:t> Datasets &amp; Baselines &amp; Results</a:t>
+              <a:t> Datasets &amp; </a:t>
+            </a:r>
+            <a:r>
+              <a:rPr lang="en-US" sz="2000" b="1" dirty="0" smtClean="0">
+                <a:solidFill>
+                  <a:schemeClr val="bg1"/>
+                </a:solidFill>
+                <a:latin typeface="Arial" panose="020B0604020202020204" pitchFamily="34" charset="0"/>
+                <a:cs typeface="Arial" panose="020B0604020202020204" pitchFamily="34" charset="0"/>
+              </a:rPr>
+              <a:t>Baselines</a:t>
             </a:r>
             <a:endParaRPr lang="en-SG" sz="2000" b="1" dirty="0">
               <a:solidFill>
@@ -5706,9 +5743,6 @@
             </a:pPr>
             <a:r>
               <a:rPr lang="en-US" sz="2000" b="1" dirty="0">
-                <a:solidFill>
-                  <a:srgbClr val="405067"/>
-                </a:solidFill>
                 <a:latin typeface="Arial" panose="020B0604020202020204" pitchFamily="34" charset="0"/>
                 <a:cs typeface="Arial" panose="020B0604020202020204" pitchFamily="34" charset="0"/>
               </a:rPr>
@@ -5775,32 +5809,165 @@
       </p:sp>
       <p:sp>
         <p:nvSpPr>
-          <p:cNvPr id="9" name="Rectangle 8"/>
-          <p:cNvSpPr/>
-          <p:nvPr/>
-        </p:nvSpPr>
-        <p:spPr>
-          <a:xfrm rot="5400000">
-            <a:off x="-2757487" y="2757491"/>
-            <a:ext cx="6857997" cy="1343026"/>
-          </a:xfrm>
-          <a:prstGeom prst="rect">
-            <a:avLst/>
-          </a:prstGeom>
-          <a:gradFill flip="none" rotWithShape="1">
+          <p:cNvPr id="2" name="TextBox 1"/>
+          <p:cNvSpPr txBox="1"/>
+          <p:nvPr/>
+        </p:nvSpPr>
+        <p:spPr>
+          <a:xfrm>
+            <a:off x="142875" y="188353"/>
+            <a:ext cx="396875" cy="400110"/>
+          </a:xfrm>
+          <a:prstGeom prst="rect">
+            <a:avLst/>
+          </a:prstGeom>
+          <a:solidFill>
+            <a:srgbClr val="6E4B90"/>
+          </a:solidFill>
+          <a:effectLst>
+            <a:outerShdw blurRad="50800" dist="38100" dir="5400000" algn="t" rotWithShape="0">
+              <a:prstClr val="black">
+                <a:alpha val="40000"/>
+              </a:prstClr>
+            </a:outerShdw>
+          </a:effectLst>
+        </p:spPr>
+        <p:txBody>
+          <a:bodyPr wrap="square" rtlCol="0">
+            <a:spAutoFit/>
+          </a:bodyPr>
+          <a:lstStyle/>
+          <a:p>
+            <a:pPr algn="ctr"/>
+            <a:r>
+              <a:rPr lang="en-US" sz="2000" b="1" dirty="0">
+                <a:solidFill>
+                  <a:schemeClr val="bg1"/>
+                </a:solidFill>
+                <a:latin typeface="Arial" panose="020B0604020202020204" pitchFamily="34" charset="0"/>
+                <a:cs typeface="Arial" panose="020B0604020202020204" pitchFamily="34" charset="0"/>
+              </a:rPr>
+              <a:t>3</a:t>
+            </a:r>
+            <a:endParaRPr lang="en-SG" sz="2000" b="1" dirty="0">
+              <a:solidFill>
+                <a:schemeClr val="bg1"/>
+              </a:solidFill>
+              <a:latin typeface="Arial" panose="020B0604020202020204" pitchFamily="34" charset="0"/>
+              <a:cs typeface="Arial" panose="020B0604020202020204" pitchFamily="34" charset="0"/>
+            </a:endParaRPr>
+          </a:p>
+        </p:txBody>
+      </p:sp>
+      <p:sp>
+        <p:nvSpPr>
+          <p:cNvPr id="8" name="TextBox 7"/>
+          <p:cNvSpPr txBox="1"/>
+          <p:nvPr/>
+        </p:nvSpPr>
+        <p:spPr>
+          <a:xfrm>
+            <a:off x="2219632" y="188353"/>
+            <a:ext cx="7756218" cy="400110"/>
+          </a:xfrm>
+          <a:prstGeom prst="rect">
+            <a:avLst/>
+          </a:prstGeom>
+          <a:gradFill>
             <a:gsLst>
               <a:gs pos="0">
                 <a:srgbClr val="B59AC2"/>
               </a:gs>
-              <a:gs pos="100000">
+              <a:gs pos="60000">
                 <a:srgbClr val="68448B"/>
               </a:gs>
             </a:gsLst>
             <a:path path="circle">
               <a:fillToRect l="100000" b="100000"/>
             </a:path>
-            <a:tileRect t="-100000" r="-100000"/>
           </a:gradFill>
+          <a:effectLst>
+            <a:outerShdw blurRad="50800" dist="38100" dir="5400000" algn="t" rotWithShape="0">
+              <a:prstClr val="black">
+                <a:alpha val="40000"/>
+              </a:prstClr>
+            </a:outerShdw>
+          </a:effectLst>
+        </p:spPr>
+        <p:txBody>
+          <a:bodyPr wrap="square" rtlCol="0">
+            <a:spAutoFit/>
+          </a:bodyPr>
+          <a:lstStyle/>
+          <a:p>
+            <a:pPr algn="ctr"/>
+            <a:r>
+              <a:rPr lang="en-US" sz="2000" b="1" dirty="0" smtClean="0">
+                <a:solidFill>
+                  <a:schemeClr val="bg1"/>
+                </a:solidFill>
+                <a:latin typeface="Arial" panose="020B0604020202020204" pitchFamily="34" charset="0"/>
+                <a:cs typeface="Arial" panose="020B0604020202020204" pitchFamily="34" charset="0"/>
+              </a:rPr>
+              <a:t>Results</a:t>
+            </a:r>
+            <a:endParaRPr lang="en-SG" sz="2000" b="1" dirty="0">
+              <a:solidFill>
+                <a:schemeClr val="bg1"/>
+              </a:solidFill>
+              <a:latin typeface="Arial" panose="020B0604020202020204" pitchFamily="34" charset="0"/>
+              <a:cs typeface="Arial" panose="020B0604020202020204" pitchFamily="34" charset="0"/>
+            </a:endParaRPr>
+          </a:p>
+        </p:txBody>
+      </p:sp>
+      <p:pic>
+        <p:nvPicPr>
+          <p:cNvPr id="11" name="Picture 10"/>
+          <p:cNvPicPr>
+            <a:picLocks noChangeAspect="1"/>
+          </p:cNvPicPr>
+          <p:nvPr/>
+        </p:nvPicPr>
+        <p:blipFill>
+          <a:blip r:embed="rId2" cstate="print">
+            <a:extLst>
+              <a:ext uri="{28A0092B-C50C-407E-A947-70E740481C1C}">
+                <a14:useLocalDpi xmlns:a14="http://schemas.microsoft.com/office/drawing/2010/main" val="0"/>
+              </a:ext>
+            </a:extLst>
+          </a:blip>
+          <a:stretch>
+            <a:fillRect/>
+          </a:stretch>
+        </p:blipFill>
+        <p:spPr>
+          <a:xfrm>
+            <a:off x="10087100" y="200070"/>
+            <a:ext cx="657479" cy="400110"/>
+          </a:xfrm>
+          <a:prstGeom prst="rect">
+            <a:avLst/>
+          </a:prstGeom>
+        </p:spPr>
+      </p:pic>
+      <p:sp>
+        <p:nvSpPr>
+          <p:cNvPr id="12" name="Rectangle 11"/>
+          <p:cNvSpPr/>
+          <p:nvPr/>
+        </p:nvSpPr>
+        <p:spPr>
+          <a:xfrm>
+            <a:off x="11792705" y="176637"/>
+            <a:ext cx="399295" cy="90062"/>
+          </a:xfrm>
+          <a:prstGeom prst="rect">
+            <a:avLst/>
+          </a:prstGeom>
+          <a:solidFill>
+            <a:srgbClr val="6E4B90"/>
+          </a:solidFill>
           <a:ln>
             <a:noFill/>
           </a:ln>
@@ -5837,169 +6004,234 @@
       </p:sp>
       <p:sp>
         <p:nvSpPr>
-          <p:cNvPr id="10" name="TextBox 9"/>
-          <p:cNvSpPr txBox="1"/>
-          <p:nvPr/>
-        </p:nvSpPr>
-        <p:spPr>
-          <a:xfrm rot="5400000">
-            <a:off x="-2373316" y="2849859"/>
-            <a:ext cx="6089651" cy="923330"/>
-          </a:xfrm>
-          <a:prstGeom prst="rect">
-            <a:avLst/>
-          </a:prstGeom>
-          <a:noFill/>
-        </p:spPr>
-        <p:txBody>
-          <a:bodyPr wrap="square" rtlCol="0">
-            <a:spAutoFit/>
-          </a:bodyPr>
-          <a:lstStyle/>
-          <a:p>
-            <a:r>
-              <a:rPr lang="en-US" sz="5400" dirty="0">
-                <a:solidFill>
-                  <a:schemeClr val="bg1"/>
-                </a:solidFill>
-                <a:latin typeface="Arial" panose="020B0604020202020204" pitchFamily="34" charset="0"/>
-                <a:cs typeface="Arial" panose="020B0604020202020204" pitchFamily="34" charset="0"/>
-              </a:rPr>
-              <a:t>CONTENTS</a:t>
-            </a:r>
-            <a:endParaRPr lang="en-SG" sz="5400" dirty="0">
-              <a:solidFill>
-                <a:schemeClr val="bg1"/>
-              </a:solidFill>
-              <a:latin typeface="Arial" panose="020B0604020202020204" pitchFamily="34" charset="0"/>
-              <a:cs typeface="Arial" panose="020B0604020202020204" pitchFamily="34" charset="0"/>
-            </a:endParaRPr>
-          </a:p>
-        </p:txBody>
-      </p:sp>
-      <p:sp>
-        <p:nvSpPr>
-          <p:cNvPr id="16" name="TextBox 15"/>
-          <p:cNvSpPr txBox="1"/>
-          <p:nvPr/>
-        </p:nvSpPr>
-        <p:spPr>
-          <a:xfrm>
-            <a:off x="3552826" y="2157362"/>
-            <a:ext cx="9296400" cy="2308324"/>
-          </a:xfrm>
-          <a:prstGeom prst="rect">
-            <a:avLst/>
-          </a:prstGeom>
-          <a:noFill/>
+          <p:cNvPr id="13" name="Rectangle 12"/>
+          <p:cNvSpPr/>
+          <p:nvPr/>
+        </p:nvSpPr>
+        <p:spPr>
+          <a:xfrm>
+            <a:off x="11792703" y="496471"/>
+            <a:ext cx="399295" cy="91992"/>
+          </a:xfrm>
+          <a:prstGeom prst="rect">
+            <a:avLst/>
+          </a:prstGeom>
+          <a:solidFill>
+            <a:srgbClr val="B59AC2"/>
+          </a:solidFill>
           <a:ln>
             <a:noFill/>
           </a:ln>
-        </p:spPr>
-        <p:txBody>
-          <a:bodyPr wrap="square" rtlCol="0">
+          <a:effectLst>
+            <a:outerShdw blurRad="50800" dist="38100" dir="2700000" algn="tl" rotWithShape="0">
+              <a:prstClr val="black">
+                <a:alpha val="40000"/>
+              </a:prstClr>
+            </a:outerShdw>
+          </a:effectLst>
+        </p:spPr>
+        <p:style>
+          <a:lnRef idx="0">
+            <a:schemeClr val="accent3"/>
+          </a:lnRef>
+          <a:fillRef idx="3">
+            <a:schemeClr val="accent3"/>
+          </a:fillRef>
+          <a:effectRef idx="3">
+            <a:schemeClr val="accent3"/>
+          </a:effectRef>
+          <a:fontRef idx="minor">
+            <a:schemeClr val="lt1"/>
+          </a:fontRef>
+        </p:style>
+        <p:txBody>
+          <a:bodyPr rtlCol="0" anchor="ctr"/>
+          <a:lstStyle/>
+          <a:p>
+            <a:pPr algn="ctr"/>
+            <a:endParaRPr lang="en-SG"/>
+          </a:p>
+        </p:txBody>
+      </p:sp>
+      <p:sp>
+        <p:nvSpPr>
+          <p:cNvPr id="14" name="Rectangle 13"/>
+          <p:cNvSpPr/>
+          <p:nvPr/>
+        </p:nvSpPr>
+        <p:spPr>
+          <a:xfrm>
+            <a:off x="11792705" y="384297"/>
+            <a:ext cx="399295" cy="96758"/>
+          </a:xfrm>
+          <a:prstGeom prst="rect">
+            <a:avLst/>
+          </a:prstGeom>
+          <a:solidFill>
+            <a:srgbClr val="6E4B90"/>
+          </a:solidFill>
+          <a:ln>
+            <a:noFill/>
+          </a:ln>
+          <a:effectLst>
+            <a:outerShdw blurRad="50800" dist="38100" dir="2700000" algn="tl" rotWithShape="0">
+              <a:prstClr val="black">
+                <a:alpha val="40000"/>
+              </a:prstClr>
+            </a:outerShdw>
+          </a:effectLst>
+        </p:spPr>
+        <p:style>
+          <a:lnRef idx="0">
+            <a:schemeClr val="accent3"/>
+          </a:lnRef>
+          <a:fillRef idx="3">
+            <a:schemeClr val="accent3"/>
+          </a:fillRef>
+          <a:effectRef idx="3">
+            <a:schemeClr val="accent3"/>
+          </a:effectRef>
+          <a:fontRef idx="minor">
+            <a:schemeClr val="lt1"/>
+          </a:fontRef>
+        </p:style>
+        <p:txBody>
+          <a:bodyPr rtlCol="0" anchor="ctr"/>
+          <a:lstStyle/>
+          <a:p>
+            <a:pPr algn="ctr"/>
+            <a:endParaRPr lang="en-SG"/>
+          </a:p>
+        </p:txBody>
+      </p:sp>
+      <p:pic>
+        <p:nvPicPr>
+          <p:cNvPr id="15" name="Picture 14"/>
+          <p:cNvPicPr>
+            <a:picLocks noChangeAspect="1"/>
+          </p:cNvPicPr>
+          <p:nvPr/>
+        </p:nvPicPr>
+        <p:blipFill>
+          <a:blip r:embed="rId3" cstate="print">
+            <a:extLst>
+              <a:ext uri="{28A0092B-C50C-407E-A947-70E740481C1C}">
+                <a14:useLocalDpi xmlns:a14="http://schemas.microsoft.com/office/drawing/2010/main" val="0"/>
+              </a:ext>
+            </a:extLst>
+          </a:blip>
+          <a:stretch>
+            <a:fillRect/>
+          </a:stretch>
+        </p:blipFill>
+        <p:spPr>
+          <a:xfrm>
+            <a:off x="10855829" y="176636"/>
+            <a:ext cx="872426" cy="423544"/>
+          </a:xfrm>
+          <a:prstGeom prst="rect">
+            <a:avLst/>
+          </a:prstGeom>
+        </p:spPr>
+      </p:pic>
+      <p:sp>
+        <p:nvSpPr>
+          <p:cNvPr id="17" name="Rectangle 16"/>
+          <p:cNvSpPr/>
+          <p:nvPr/>
+        </p:nvSpPr>
+        <p:spPr>
+          <a:xfrm>
+            <a:off x="11792701" y="280467"/>
+            <a:ext cx="399295" cy="90062"/>
+          </a:xfrm>
+          <a:prstGeom prst="rect">
+            <a:avLst/>
+          </a:prstGeom>
+          <a:solidFill>
+            <a:srgbClr val="B59AC2"/>
+          </a:solidFill>
+          <a:ln>
+            <a:noFill/>
+          </a:ln>
+          <a:effectLst>
+            <a:outerShdw blurRad="50800" dist="38100" dir="2700000" algn="tl" rotWithShape="0">
+              <a:prstClr val="black">
+                <a:alpha val="40000"/>
+              </a:prstClr>
+            </a:outerShdw>
+          </a:effectLst>
+        </p:spPr>
+        <p:style>
+          <a:lnRef idx="0">
+            <a:schemeClr val="accent3"/>
+          </a:lnRef>
+          <a:fillRef idx="3">
+            <a:schemeClr val="accent3"/>
+          </a:fillRef>
+          <a:effectRef idx="3">
+            <a:schemeClr val="accent3"/>
+          </a:effectRef>
+          <a:fontRef idx="minor">
+            <a:schemeClr val="lt1"/>
+          </a:fontRef>
+        </p:style>
+        <p:txBody>
+          <a:bodyPr rtlCol="0" anchor="ctr"/>
+          <a:lstStyle/>
+          <a:p>
+            <a:pPr algn="ctr"/>
+            <a:endParaRPr lang="en-SG"/>
+          </a:p>
+        </p:txBody>
+      </p:sp>
+      <p:sp>
+        <p:nvSpPr>
+          <p:cNvPr id="3" name="Rectangle 2"/>
+          <p:cNvSpPr/>
+          <p:nvPr/>
+        </p:nvSpPr>
+        <p:spPr>
+          <a:xfrm>
+            <a:off x="589250" y="200070"/>
+            <a:ext cx="1580882" cy="400110"/>
+          </a:xfrm>
+          <a:prstGeom prst="rect">
+            <a:avLst/>
+          </a:prstGeom>
+          <a:effectLst>
+            <a:outerShdw blurRad="50800" dist="38100" dir="5400000" algn="t" rotWithShape="0">
+              <a:prstClr val="black">
+                <a:alpha val="40000"/>
+              </a:prstClr>
+            </a:outerShdw>
+          </a:effectLst>
+        </p:spPr>
+        <p:txBody>
+          <a:bodyPr wrap="none">
             <a:spAutoFit/>
           </a:bodyPr>
           <a:lstStyle/>
           <a:p>
-            <a:pPr marL="742950" indent="-742950">
+            <a:pPr>
               <a:buClr>
                 <a:srgbClr val="68448B"/>
               </a:buClr>
-              <a:buFont typeface="+mj-lt"/>
-              <a:buAutoNum type="arabicParenR"/>
             </a:pPr>
             <a:r>
-              <a:rPr lang="en-US" sz="3600" dirty="0">
-                <a:solidFill>
-                  <a:srgbClr val="405067"/>
-                </a:solidFill>
+              <a:rPr lang="en-US" sz="2000" b="1" dirty="0">
                 <a:latin typeface="Arial" panose="020B0604020202020204" pitchFamily="34" charset="0"/>
                 <a:cs typeface="Arial" panose="020B0604020202020204" pitchFamily="34" charset="0"/>
               </a:rPr>
-              <a:t>   Background</a:t>
-            </a:r>
-          </a:p>
-          <a:p>
-            <a:pPr marL="742950" indent="-742950">
-              <a:buClr>
-                <a:srgbClr val="68448B"/>
-              </a:buClr>
-              <a:buFont typeface="+mj-lt"/>
-              <a:buAutoNum type="arabicParenR"/>
-            </a:pPr>
-            <a:r>
-              <a:rPr lang="en-US" sz="3600" dirty="0">
-                <a:solidFill>
-                  <a:srgbClr val="405067"/>
-                </a:solidFill>
-                <a:latin typeface="Arial" panose="020B0604020202020204" pitchFamily="34" charset="0"/>
-                <a:cs typeface="Arial" panose="020B0604020202020204" pitchFamily="34" charset="0"/>
-              </a:rPr>
-              <a:t>   Learning to dispatch (L2D)</a:t>
-            </a:r>
-          </a:p>
-          <a:p>
-            <a:pPr marL="742950" indent="-742950">
-              <a:buClr>
-                <a:srgbClr val="68448B"/>
-              </a:buClr>
-              <a:buFont typeface="+mj-lt"/>
-              <a:buAutoNum type="arabicParenR"/>
-            </a:pPr>
-            <a:r>
-              <a:rPr lang="en-US" sz="3600" dirty="0">
-                <a:solidFill>
-                  <a:srgbClr val="405067"/>
-                </a:solidFill>
-                <a:latin typeface="Arial" panose="020B0604020202020204" pitchFamily="34" charset="0"/>
-                <a:cs typeface="Arial" panose="020B0604020202020204" pitchFamily="34" charset="0"/>
-              </a:rPr>
-              <a:t>   Experiment</a:t>
-            </a:r>
-          </a:p>
-          <a:p>
-            <a:pPr marL="742950" indent="-742950">
-              <a:buClr>
-                <a:srgbClr val="68448B"/>
-              </a:buClr>
-              <a:buFont typeface="+mj-lt"/>
-              <a:buAutoNum type="arabicParenR"/>
-            </a:pPr>
-            <a:r>
-              <a:rPr lang="en-US" sz="3600" dirty="0">
-                <a:solidFill>
-                  <a:srgbClr val="405067"/>
-                </a:solidFill>
-                <a:latin typeface="Arial" panose="020B0604020202020204" pitchFamily="34" charset="0"/>
-                <a:cs typeface="Arial" panose="020B0604020202020204" pitchFamily="34" charset="0"/>
-              </a:rPr>
-              <a:t>   </a:t>
-            </a:r>
-            <a:r>
-              <a:rPr lang="en-US" sz="3600" dirty="0">
-                <a:solidFill>
-                  <a:srgbClr val="C00000"/>
-                </a:solidFill>
-                <a:latin typeface="Arial" panose="020B0604020202020204" pitchFamily="34" charset="0"/>
-                <a:cs typeface="Arial" panose="020B0604020202020204" pitchFamily="34" charset="0"/>
-              </a:rPr>
-              <a:t>Conclusion</a:t>
-            </a:r>
-            <a:endParaRPr lang="en-SG" sz="3600" dirty="0">
-              <a:solidFill>
-                <a:srgbClr val="C00000"/>
-              </a:solidFill>
-              <a:latin typeface="Arial" panose="020B0604020202020204" pitchFamily="34" charset="0"/>
-              <a:cs typeface="Arial" panose="020B0604020202020204" pitchFamily="34" charset="0"/>
-            </a:endParaRPr>
+              <a:t>Experiment</a:t>
+            </a:r>
           </a:p>
         </p:txBody>
       </p:sp>
     </p:spTree>
     <p:extLst>
       <p:ext uri="{BB962C8B-B14F-4D97-AF65-F5344CB8AC3E}">
-        <p14:creationId xmlns:p14="http://schemas.microsoft.com/office/powerpoint/2010/main" val="979545673"/>
+        <p14:creationId xmlns:p14="http://schemas.microsoft.com/office/powerpoint/2010/main" val="733742987"/>
       </p:ext>
     </p:extLst>
   </p:cSld>
@@ -6054,6 +6286,286 @@
       </p:sp>
       <p:sp>
         <p:nvSpPr>
+          <p:cNvPr id="9" name="Rectangle 8"/>
+          <p:cNvSpPr/>
+          <p:nvPr/>
+        </p:nvSpPr>
+        <p:spPr>
+          <a:xfrm rot="5400000">
+            <a:off x="-2757487" y="2757491"/>
+            <a:ext cx="6857997" cy="1343026"/>
+          </a:xfrm>
+          <a:prstGeom prst="rect">
+            <a:avLst/>
+          </a:prstGeom>
+          <a:gradFill flip="none" rotWithShape="1">
+            <a:gsLst>
+              <a:gs pos="0">
+                <a:srgbClr val="B59AC2"/>
+              </a:gs>
+              <a:gs pos="100000">
+                <a:srgbClr val="68448B"/>
+              </a:gs>
+            </a:gsLst>
+            <a:path path="circle">
+              <a:fillToRect l="100000" b="100000"/>
+            </a:path>
+            <a:tileRect t="-100000" r="-100000"/>
+          </a:gradFill>
+          <a:ln>
+            <a:noFill/>
+          </a:ln>
+          <a:effectLst>
+            <a:outerShdw blurRad="50800" dist="38100" dir="2700000" algn="tl" rotWithShape="0">
+              <a:prstClr val="black">
+                <a:alpha val="40000"/>
+              </a:prstClr>
+            </a:outerShdw>
+          </a:effectLst>
+        </p:spPr>
+        <p:style>
+          <a:lnRef idx="0">
+            <a:schemeClr val="accent3"/>
+          </a:lnRef>
+          <a:fillRef idx="3">
+            <a:schemeClr val="accent3"/>
+          </a:fillRef>
+          <a:effectRef idx="3">
+            <a:schemeClr val="accent3"/>
+          </a:effectRef>
+          <a:fontRef idx="minor">
+            <a:schemeClr val="lt1"/>
+          </a:fontRef>
+        </p:style>
+        <p:txBody>
+          <a:bodyPr rtlCol="0" anchor="ctr"/>
+          <a:lstStyle/>
+          <a:p>
+            <a:pPr algn="ctr"/>
+            <a:endParaRPr lang="en-SG"/>
+          </a:p>
+        </p:txBody>
+      </p:sp>
+      <p:sp>
+        <p:nvSpPr>
+          <p:cNvPr id="10" name="TextBox 9"/>
+          <p:cNvSpPr txBox="1"/>
+          <p:nvPr/>
+        </p:nvSpPr>
+        <p:spPr>
+          <a:xfrm rot="5400000">
+            <a:off x="-2373316" y="2849859"/>
+            <a:ext cx="6089651" cy="923330"/>
+          </a:xfrm>
+          <a:prstGeom prst="rect">
+            <a:avLst/>
+          </a:prstGeom>
+          <a:noFill/>
+        </p:spPr>
+        <p:txBody>
+          <a:bodyPr wrap="square" rtlCol="0">
+            <a:spAutoFit/>
+          </a:bodyPr>
+          <a:lstStyle/>
+          <a:p>
+            <a:r>
+              <a:rPr lang="en-US" sz="5400" dirty="0">
+                <a:solidFill>
+                  <a:schemeClr val="bg1"/>
+                </a:solidFill>
+                <a:latin typeface="Arial" panose="020B0604020202020204" pitchFamily="34" charset="0"/>
+                <a:cs typeface="Arial" panose="020B0604020202020204" pitchFamily="34" charset="0"/>
+              </a:rPr>
+              <a:t>CONTENTS</a:t>
+            </a:r>
+            <a:endParaRPr lang="en-SG" sz="5400" dirty="0">
+              <a:solidFill>
+                <a:schemeClr val="bg1"/>
+              </a:solidFill>
+              <a:latin typeface="Arial" panose="020B0604020202020204" pitchFamily="34" charset="0"/>
+              <a:cs typeface="Arial" panose="020B0604020202020204" pitchFamily="34" charset="0"/>
+            </a:endParaRPr>
+          </a:p>
+        </p:txBody>
+      </p:sp>
+      <p:sp>
+        <p:nvSpPr>
+          <p:cNvPr id="16" name="TextBox 15"/>
+          <p:cNvSpPr txBox="1"/>
+          <p:nvPr/>
+        </p:nvSpPr>
+        <p:spPr>
+          <a:xfrm>
+            <a:off x="3552826" y="2157362"/>
+            <a:ext cx="9296400" cy="2308324"/>
+          </a:xfrm>
+          <a:prstGeom prst="rect">
+            <a:avLst/>
+          </a:prstGeom>
+          <a:noFill/>
+          <a:ln>
+            <a:noFill/>
+          </a:ln>
+        </p:spPr>
+        <p:txBody>
+          <a:bodyPr wrap="square" rtlCol="0">
+            <a:spAutoFit/>
+          </a:bodyPr>
+          <a:lstStyle/>
+          <a:p>
+            <a:pPr marL="742950" indent="-742950">
+              <a:buClr>
+                <a:srgbClr val="68448B"/>
+              </a:buClr>
+              <a:buFont typeface="+mj-lt"/>
+              <a:buAutoNum type="arabicParenR"/>
+            </a:pPr>
+            <a:r>
+              <a:rPr lang="en-US" sz="3600" dirty="0">
+                <a:solidFill>
+                  <a:srgbClr val="405067"/>
+                </a:solidFill>
+                <a:latin typeface="Arial" panose="020B0604020202020204" pitchFamily="34" charset="0"/>
+                <a:cs typeface="Arial" panose="020B0604020202020204" pitchFamily="34" charset="0"/>
+              </a:rPr>
+              <a:t>   </a:t>
+            </a:r>
+            <a:r>
+              <a:rPr lang="en-US" sz="3600" dirty="0">
+                <a:latin typeface="Arial" panose="020B0604020202020204" pitchFamily="34" charset="0"/>
+                <a:cs typeface="Arial" panose="020B0604020202020204" pitchFamily="34" charset="0"/>
+              </a:rPr>
+              <a:t>Background</a:t>
+            </a:r>
+          </a:p>
+          <a:p>
+            <a:pPr marL="742950" indent="-742950">
+              <a:buClr>
+                <a:srgbClr val="68448B"/>
+              </a:buClr>
+              <a:buFont typeface="+mj-lt"/>
+              <a:buAutoNum type="arabicParenR"/>
+            </a:pPr>
+            <a:r>
+              <a:rPr lang="en-US" sz="3600" dirty="0">
+                <a:latin typeface="Arial" panose="020B0604020202020204" pitchFamily="34" charset="0"/>
+                <a:cs typeface="Arial" panose="020B0604020202020204" pitchFamily="34" charset="0"/>
+              </a:rPr>
+              <a:t>   Learning to dispatch (L2D)</a:t>
+            </a:r>
+          </a:p>
+          <a:p>
+            <a:pPr marL="742950" indent="-742950">
+              <a:buClr>
+                <a:srgbClr val="68448B"/>
+              </a:buClr>
+              <a:buFont typeface="+mj-lt"/>
+              <a:buAutoNum type="arabicParenR"/>
+            </a:pPr>
+            <a:r>
+              <a:rPr lang="en-US" sz="3600" dirty="0">
+                <a:latin typeface="Arial" panose="020B0604020202020204" pitchFamily="34" charset="0"/>
+                <a:cs typeface="Arial" panose="020B0604020202020204" pitchFamily="34" charset="0"/>
+              </a:rPr>
+              <a:t>   Experiment</a:t>
+            </a:r>
+          </a:p>
+          <a:p>
+            <a:pPr marL="742950" indent="-742950">
+              <a:buClr>
+                <a:srgbClr val="68448B"/>
+              </a:buClr>
+              <a:buFont typeface="+mj-lt"/>
+              <a:buAutoNum type="arabicParenR"/>
+            </a:pPr>
+            <a:r>
+              <a:rPr lang="en-US" sz="3600" dirty="0">
+                <a:solidFill>
+                  <a:srgbClr val="405067"/>
+                </a:solidFill>
+                <a:latin typeface="Arial" panose="020B0604020202020204" pitchFamily="34" charset="0"/>
+                <a:cs typeface="Arial" panose="020B0604020202020204" pitchFamily="34" charset="0"/>
+              </a:rPr>
+              <a:t>   </a:t>
+            </a:r>
+            <a:r>
+              <a:rPr lang="en-US" sz="3600" dirty="0">
+                <a:solidFill>
+                  <a:srgbClr val="C00000"/>
+                </a:solidFill>
+                <a:latin typeface="Arial" panose="020B0604020202020204" pitchFamily="34" charset="0"/>
+                <a:cs typeface="Arial" panose="020B0604020202020204" pitchFamily="34" charset="0"/>
+              </a:rPr>
+              <a:t>Conclusion</a:t>
+            </a:r>
+            <a:endParaRPr lang="en-SG" sz="3600" dirty="0">
+              <a:solidFill>
+                <a:srgbClr val="C00000"/>
+              </a:solidFill>
+              <a:latin typeface="Arial" panose="020B0604020202020204" pitchFamily="34" charset="0"/>
+              <a:cs typeface="Arial" panose="020B0604020202020204" pitchFamily="34" charset="0"/>
+            </a:endParaRPr>
+          </a:p>
+        </p:txBody>
+      </p:sp>
+    </p:spTree>
+    <p:extLst>
+      <p:ext uri="{BB962C8B-B14F-4D97-AF65-F5344CB8AC3E}">
+        <p14:creationId xmlns:p14="http://schemas.microsoft.com/office/powerpoint/2010/main" val="979545673"/>
+      </p:ext>
+    </p:extLst>
+  </p:cSld>
+  <p:clrMapOvr>
+    <a:masterClrMapping/>
+  </p:clrMapOvr>
+  <p:transition spd="slow">
+    <p:push dir="u"/>
+  </p:transition>
+</p:sld>
+</file>
+
+<file path=ppt/slides/slide15.xml><?xml version="1.0" encoding="utf-8"?>
+<p:sld xmlns:a="http://schemas.openxmlformats.org/drawingml/2006/main" xmlns:r="http://schemas.openxmlformats.org/officeDocument/2006/relationships" xmlns:p="http://schemas.openxmlformats.org/presentationml/2006/main">
+  <p:cSld>
+    <p:spTree>
+      <p:nvGrpSpPr>
+        <p:cNvPr id="1" name=""/>
+        <p:cNvGrpSpPr/>
+        <p:nvPr/>
+      </p:nvGrpSpPr>
+      <p:grpSpPr>
+        <a:xfrm>
+          <a:off x="0" y="0"/>
+          <a:ext cx="0" cy="0"/>
+          <a:chOff x="0" y="0"/>
+          <a:chExt cx="0" cy="0"/>
+        </a:xfrm>
+      </p:grpSpPr>
+      <p:sp>
+        <p:nvSpPr>
+          <p:cNvPr id="7" name="Slide Number Placeholder 6"/>
+          <p:cNvSpPr>
+            <a:spLocks noGrp="1"/>
+          </p:cNvSpPr>
+          <p:nvPr>
+            <p:ph type="sldNum" sz="quarter" idx="12"/>
+          </p:nvPr>
+        </p:nvSpPr>
+        <p:spPr/>
+        <p:txBody>
+          <a:bodyPr/>
+          <a:lstStyle/>
+          <a:p>
+            <a:fld id="{74F36703-245E-43D9-83F0-7C4F74254504}" type="slidenum">
+              <a:rPr lang="en-SG" smtClean="0"/>
+              <a:t>15</a:t>
+            </a:fld>
+            <a:endParaRPr lang="en-SG"/>
+          </a:p>
+        </p:txBody>
+      </p:sp>
+      <p:sp>
+        <p:nvSpPr>
           <p:cNvPr id="2" name="TextBox 1"/>
           <p:cNvSpPr txBox="1"/>
           <p:nvPr/>
@@ -6455,14 +6967,133 @@
             </a:pPr>
             <a:r>
               <a:rPr lang="en-US" sz="2000" b="1" dirty="0">
+                <a:latin typeface="Arial" panose="020B0604020202020204" pitchFamily="34" charset="0"/>
+                <a:cs typeface="Arial" panose="020B0604020202020204" pitchFamily="34" charset="0"/>
+              </a:rPr>
+              <a:t>Conclusions</a:t>
+            </a:r>
+          </a:p>
+        </p:txBody>
+      </p:sp>
+      <p:sp>
+        <p:nvSpPr>
+          <p:cNvPr id="4" name="TextBox 3"/>
+          <p:cNvSpPr txBox="1"/>
+          <p:nvPr/>
+        </p:nvSpPr>
+        <p:spPr>
+          <a:xfrm>
+            <a:off x="142875" y="828431"/>
+            <a:ext cx="11892817" cy="2677656"/>
+          </a:xfrm>
+          <a:prstGeom prst="rect">
+            <a:avLst/>
+          </a:prstGeom>
+          <a:noFill/>
+        </p:spPr>
+        <p:txBody>
+          <a:bodyPr wrap="square" rtlCol="0">
+            <a:spAutoFit/>
+          </a:bodyPr>
+          <a:lstStyle/>
+          <a:p>
+            <a:pPr marL="457200" indent="-457200">
+              <a:buFont typeface="Wingdings" panose="05000000000000000000" pitchFamily="2" charset="2"/>
+              <a:buChar char="q"/>
+            </a:pPr>
+            <a:r>
+              <a:rPr lang="en-US" sz="2800" dirty="0" smtClean="0">
+                <a:latin typeface="Arial" panose="020B0604020202020204" pitchFamily="34" charset="0"/>
+                <a:cs typeface="Arial" panose="020B0604020202020204" pitchFamily="34" charset="0"/>
+              </a:rPr>
+              <a:t>It is </a:t>
+            </a:r>
+            <a:r>
+              <a:rPr lang="en-US" sz="2800" dirty="0">
                 <a:solidFill>
-                  <a:srgbClr val="405067"/>
+                  <a:srgbClr val="C00000"/>
                 </a:solidFill>
                 <a:latin typeface="Arial" panose="020B0604020202020204" pitchFamily="34" charset="0"/>
                 <a:cs typeface="Arial" panose="020B0604020202020204" pitchFamily="34" charset="0"/>
               </a:rPr>
-              <a:t>Conclusions</a:t>
-            </a:r>
+              <a:t>t</a:t>
+            </a:r>
+            <a:r>
+              <a:rPr lang="en-US" sz="2800" dirty="0" smtClean="0">
+                <a:solidFill>
+                  <a:srgbClr val="C00000"/>
+                </a:solidFill>
+                <a:latin typeface="Arial" panose="020B0604020202020204" pitchFamily="34" charset="0"/>
+                <a:cs typeface="Arial" panose="020B0604020202020204" pitchFamily="34" charset="0"/>
+              </a:rPr>
+              <a:t>he first attempt </a:t>
+            </a:r>
+            <a:r>
+              <a:rPr lang="en-US" sz="2800" dirty="0" smtClean="0">
+                <a:latin typeface="Arial" panose="020B0604020202020204" pitchFamily="34" charset="0"/>
+                <a:cs typeface="Arial" panose="020B0604020202020204" pitchFamily="34" charset="0"/>
+              </a:rPr>
+              <a:t>to directly learn strong PDRs based on disjunctive graph representation.</a:t>
+            </a:r>
+          </a:p>
+          <a:p>
+            <a:pPr marL="457200" indent="-457200">
+              <a:buFont typeface="Wingdings" panose="05000000000000000000" pitchFamily="2" charset="2"/>
+              <a:buChar char="q"/>
+            </a:pPr>
+            <a:endParaRPr lang="en-US" sz="2800" dirty="0">
+              <a:latin typeface="Arial" panose="020B0604020202020204" pitchFamily="34" charset="0"/>
+              <a:cs typeface="Arial" panose="020B0604020202020204" pitchFamily="34" charset="0"/>
+            </a:endParaRPr>
+          </a:p>
+          <a:p>
+            <a:pPr marL="457200" indent="-457200">
+              <a:buFont typeface="Wingdings" panose="05000000000000000000" pitchFamily="2" charset="2"/>
+              <a:buChar char="q"/>
+            </a:pPr>
+            <a:r>
+              <a:rPr lang="en-US" sz="2800" dirty="0" smtClean="0">
+                <a:latin typeface="Arial" panose="020B0604020202020204" pitchFamily="34" charset="0"/>
+                <a:cs typeface="Arial" panose="020B0604020202020204" pitchFamily="34" charset="0"/>
+              </a:rPr>
+              <a:t>Learned PDR has </a:t>
+            </a:r>
+            <a:r>
+              <a:rPr lang="en-US" sz="2800" dirty="0" smtClean="0">
+                <a:solidFill>
+                  <a:srgbClr val="C00000"/>
+                </a:solidFill>
+                <a:latin typeface="Arial" panose="020B0604020202020204" pitchFamily="34" charset="0"/>
+                <a:cs typeface="Arial" panose="020B0604020202020204" pitchFamily="34" charset="0"/>
+              </a:rPr>
+              <a:t>robust generalization.</a:t>
+            </a:r>
+          </a:p>
+          <a:p>
+            <a:pPr marL="457200" indent="-457200">
+              <a:buFont typeface="Wingdings" panose="05000000000000000000" pitchFamily="2" charset="2"/>
+              <a:buChar char="q"/>
+            </a:pPr>
+            <a:endParaRPr lang="en-US" sz="2800" dirty="0">
+              <a:solidFill>
+                <a:srgbClr val="C00000"/>
+              </a:solidFill>
+              <a:latin typeface="Arial" panose="020B0604020202020204" pitchFamily="34" charset="0"/>
+              <a:cs typeface="Arial" panose="020B0604020202020204" pitchFamily="34" charset="0"/>
+            </a:endParaRPr>
+          </a:p>
+          <a:p>
+            <a:pPr marL="457200" indent="-457200">
+              <a:buFont typeface="Wingdings" panose="05000000000000000000" pitchFamily="2" charset="2"/>
+              <a:buChar char="q"/>
+            </a:pPr>
+            <a:endParaRPr lang="en-SG" sz="2800" dirty="0">
+              <a:solidFill>
+                <a:srgbClr val="C00000"/>
+              </a:solidFill>
+              <a:latin typeface="Arial" panose="020B0604020202020204" pitchFamily="34" charset="0"/>
+              <a:cs typeface="Arial" panose="020B0604020202020204" pitchFamily="34" charset="0"/>
+            </a:endParaRPr>
           </a:p>
         </p:txBody>
       </p:sp>
@@ -6660,9 +7291,6 @@
             </a:pPr>
             <a:r>
               <a:rPr lang="en-US" sz="3600" dirty="0">
-                <a:solidFill>
-                  <a:srgbClr val="405067"/>
-                </a:solidFill>
                 <a:latin typeface="Arial" panose="020B0604020202020204" pitchFamily="34" charset="0"/>
                 <a:cs typeface="Arial" panose="020B0604020202020204" pitchFamily="34" charset="0"/>
               </a:rPr>
@@ -6679,9 +7307,6 @@
             </a:pPr>
             <a:r>
               <a:rPr lang="en-US" sz="3600" dirty="0">
-                <a:solidFill>
-                  <a:srgbClr val="405067"/>
-                </a:solidFill>
                 <a:latin typeface="Arial" panose="020B0604020202020204" pitchFamily="34" charset="0"/>
                 <a:cs typeface="Arial" panose="020B0604020202020204" pitchFamily="34" charset="0"/>
               </a:rPr>
@@ -6698,9 +7323,6 @@
             </a:pPr>
             <a:r>
               <a:rPr lang="en-US" sz="3600" dirty="0">
-                <a:solidFill>
-                  <a:srgbClr val="405067"/>
-                </a:solidFill>
                 <a:latin typeface="Arial" panose="020B0604020202020204" pitchFamily="34" charset="0"/>
                 <a:cs typeface="Arial" panose="020B0604020202020204" pitchFamily="34" charset="0"/>
               </a:rPr>
@@ -6717,18 +7339,12 @@
             </a:pPr>
             <a:r>
               <a:rPr lang="en-US" sz="3600" dirty="0">
-                <a:solidFill>
-                  <a:srgbClr val="405067"/>
-                </a:solidFill>
                 <a:latin typeface="Arial" panose="020B0604020202020204" pitchFamily="34" charset="0"/>
                 <a:cs typeface="Arial" panose="020B0604020202020204" pitchFamily="34" charset="0"/>
               </a:rPr>
               <a:t>   Conclusion</a:t>
             </a:r>
             <a:endParaRPr lang="en-SG" sz="3600" dirty="0">
-              <a:solidFill>
-                <a:srgbClr val="405067"/>
-              </a:solidFill>
               <a:latin typeface="Arial" panose="020B0604020202020204" pitchFamily="34" charset="0"/>
               <a:cs typeface="Arial" panose="020B0604020202020204" pitchFamily="34" charset="0"/>
             </a:endParaRPr>
@@ -6748,6 +7364,13 @@
   <p:transition spd="slow">
     <p:push dir="u"/>
   </p:transition>
+  <p:timing>
+    <p:tnLst>
+      <p:par>
+        <p:cTn id="1" dur="indefinite" restart="never" nodeType="tmRoot"/>
+      </p:par>
+    </p:tnLst>
+  </p:timing>
 </p:sld>
 </file>
 
@@ -6964,7 +7587,14 @@
                 <a:latin typeface="Arial" panose="020B0604020202020204" pitchFamily="34" charset="0"/>
                 <a:cs typeface="Arial" panose="020B0604020202020204" pitchFamily="34" charset="0"/>
               </a:rPr>
-              <a:t>   Learning to dispatch (L2D)</a:t>
+              <a:t>   </a:t>
+            </a:r>
+            <a:r>
+              <a:rPr lang="en-US" sz="3600" dirty="0">
+                <a:latin typeface="Arial" panose="020B0604020202020204" pitchFamily="34" charset="0"/>
+                <a:cs typeface="Arial" panose="020B0604020202020204" pitchFamily="34" charset="0"/>
+              </a:rPr>
+              <a:t>Learning to dispatch (L2D)</a:t>
             </a:r>
           </a:p>
           <a:p>
@@ -6977,9 +7607,6 @@
             </a:pPr>
             <a:r>
               <a:rPr lang="en-US" sz="3600" dirty="0">
-                <a:solidFill>
-                  <a:srgbClr val="405067"/>
-                </a:solidFill>
                 <a:latin typeface="Arial" panose="020B0604020202020204" pitchFamily="34" charset="0"/>
                 <a:cs typeface="Arial" panose="020B0604020202020204" pitchFamily="34" charset="0"/>
               </a:rPr>
@@ -6996,18 +7623,12 @@
             </a:pPr>
             <a:r>
               <a:rPr lang="en-US" sz="3600" dirty="0">
-                <a:solidFill>
-                  <a:srgbClr val="405067"/>
-                </a:solidFill>
                 <a:latin typeface="Arial" panose="020B0604020202020204" pitchFamily="34" charset="0"/>
                 <a:cs typeface="Arial" panose="020B0604020202020204" pitchFamily="34" charset="0"/>
               </a:rPr>
               <a:t>   Conclusion</a:t>
             </a:r>
             <a:endParaRPr lang="en-SG" sz="3600" dirty="0">
-              <a:solidFill>
-                <a:srgbClr val="405067"/>
-              </a:solidFill>
               <a:latin typeface="Arial" panose="020B0604020202020204" pitchFamily="34" charset="0"/>
               <a:cs typeface="Arial" panose="020B0604020202020204" pitchFamily="34" charset="0"/>
             </a:endParaRPr>
@@ -7027,6 +7648,13 @@
   <p:transition spd="slow">
     <p:push dir="u"/>
   </p:transition>
+  <p:timing>
+    <p:tnLst>
+      <p:par>
+        <p:cTn id="1" dur="indefinite" restart="never" nodeType="tmRoot"/>
+      </p:par>
+    </p:tnLst>
+  </p:timing>
 </p:sld>
 </file>
 
@@ -7066,7 +7694,7 @@
               <a:rPr lang="en-SG" smtClean="0"/>
               <a:t>4</a:t>
             </a:fld>
-            <a:endParaRPr lang="en-SG"/>
+            <a:endParaRPr lang="en-SG" dirty="0"/>
           </a:p>
         </p:txBody>
       </p:sp>
@@ -7483,9 +8111,6 @@
             </a:pPr>
             <a:r>
               <a:rPr lang="en-US" b="1" dirty="0">
-                <a:solidFill>
-                  <a:srgbClr val="405067"/>
-                </a:solidFill>
                 <a:latin typeface="Arial" panose="020B0604020202020204" pitchFamily="34" charset="0"/>
                 <a:cs typeface="Arial" panose="020B0604020202020204" pitchFamily="34" charset="0"/>
               </a:rPr>
@@ -7503,7 +8128,7 @@
         <p:spPr>
           <a:xfrm>
             <a:off x="142875" y="971550"/>
-            <a:ext cx="11896725" cy="646331"/>
+            <a:ext cx="11896725" cy="954107"/>
           </a:xfrm>
           <a:prstGeom prst="rect">
             <a:avLst/>
@@ -7516,24 +8141,1074 @@
           </a:bodyPr>
           <a:lstStyle/>
           <a:p>
-            <a:pPr marL="285750" indent="-285750">
-              <a:buFont typeface="Arial" panose="020B0604020202020204" pitchFamily="34" charset="0"/>
-              <a:buChar char="•"/>
+            <a:pPr marL="457200" indent="-457200">
+              <a:buFont typeface="Wingdings" panose="05000000000000000000" pitchFamily="2" charset="2"/>
+              <a:buChar char="q"/>
             </a:pPr>
             <a:r>
-              <a:rPr lang="en-US" dirty="0"/>
+              <a:rPr lang="en-US" sz="2800" dirty="0" smtClean="0">
+                <a:latin typeface="Arial" panose="020B0604020202020204" pitchFamily="34" charset="0"/>
+                <a:cs typeface="Arial" panose="020B0604020202020204" pitchFamily="34" charset="0"/>
+              </a:rPr>
               <a:t>Job-Shop Scheduling Problem (JSSP) is a well-known Combinatorial Optimization Problem (COP) that is NP-hard to solve.</a:t>
             </a:r>
           </a:p>
-          <a:p>
-            <a:pPr marL="285750" indent="-285750">
-              <a:buFont typeface="Arial" panose="020B0604020202020204" pitchFamily="34" charset="0"/>
-              <a:buChar char="•"/>
+        </p:txBody>
+      </p:sp>
+      <mc:AlternateContent xmlns:mc="http://schemas.openxmlformats.org/markup-compatibility/2006">
+        <mc:Choice xmlns:a14="http://schemas.microsoft.com/office/drawing/2010/main" Requires="a14">
+          <p:sp>
+            <p:nvSpPr>
+              <p:cNvPr id="4" name="TextBox 3"/>
+              <p:cNvSpPr txBox="1"/>
+              <p:nvPr/>
+            </p:nvSpPr>
+            <p:spPr>
+              <a:xfrm>
+                <a:off x="512291" y="2297027"/>
+                <a:ext cx="11569686" cy="440570"/>
+              </a:xfrm>
+              <a:prstGeom prst="rect">
+                <a:avLst/>
+              </a:prstGeom>
+              <a:noFill/>
+            </p:spPr>
+            <p:txBody>
+              <a:bodyPr wrap="square" lIns="0" tIns="0" rIns="0" bIns="0" rtlCol="0">
+                <a:spAutoFit/>
+              </a:bodyPr>
+              <a:lstStyle/>
+              <a:p>
+                <a14:m>
+                  <m:oMath xmlns:m="http://schemas.openxmlformats.org/officeDocument/2006/math">
+                    <m:r>
+                      <a:rPr lang="en-US" sz="2000" b="0" i="1" smtClean="0">
+                        <a:solidFill>
+                          <a:schemeClr val="tx1"/>
+                        </a:solidFill>
+                        <a:latin typeface="Cambria Math" panose="02040503050406030204" pitchFamily="18" charset="0"/>
+                        <a:ea typeface="Cambria Math" panose="02040503050406030204" pitchFamily="18" charset="0"/>
+                      </a:rPr>
+                      <m:t>𝒥</m:t>
+                    </m:r>
+                    <m:r>
+                      <a:rPr lang="en-US" sz="2000" b="0" i="1" smtClean="0">
+                        <a:solidFill>
+                          <a:schemeClr val="tx1"/>
+                        </a:solidFill>
+                        <a:latin typeface="Cambria Math" panose="02040503050406030204" pitchFamily="18" charset="0"/>
+                      </a:rPr>
+                      <m:t>={</m:t>
+                    </m:r>
+                    <m:sSub>
+                      <m:sSubPr>
+                        <m:ctrlPr>
+                          <a:rPr lang="en-US" sz="2000" b="0" i="1" smtClean="0">
+                            <a:solidFill>
+                              <a:schemeClr val="tx1"/>
+                            </a:solidFill>
+                            <a:latin typeface="Cambria Math" panose="02040503050406030204" pitchFamily="18" charset="0"/>
+                          </a:rPr>
+                        </m:ctrlPr>
+                      </m:sSubPr>
+                      <m:e>
+                        <m:r>
+                          <a:rPr lang="en-US" sz="2000" b="0" i="1" smtClean="0">
+                            <a:solidFill>
+                              <a:schemeClr val="tx1"/>
+                            </a:solidFill>
+                            <a:latin typeface="Cambria Math" panose="02040503050406030204" pitchFamily="18" charset="0"/>
+                          </a:rPr>
+                          <m:t>𝐽</m:t>
+                        </m:r>
+                      </m:e>
+                      <m:sub>
+                        <m:r>
+                          <a:rPr lang="en-US" sz="2000" b="0" i="1" smtClean="0">
+                            <a:solidFill>
+                              <a:schemeClr val="tx1"/>
+                            </a:solidFill>
+                            <a:latin typeface="Cambria Math" panose="02040503050406030204" pitchFamily="18" charset="0"/>
+                          </a:rPr>
+                          <m:t>1</m:t>
+                        </m:r>
+                      </m:sub>
+                    </m:sSub>
+                    <m:r>
+                      <a:rPr lang="en-US" sz="2000" b="0" i="1" smtClean="0">
+                        <a:solidFill>
+                          <a:schemeClr val="tx1"/>
+                        </a:solidFill>
+                        <a:latin typeface="Cambria Math" panose="02040503050406030204" pitchFamily="18" charset="0"/>
+                      </a:rPr>
+                      <m:t>, …, </m:t>
+                    </m:r>
+                    <m:sSub>
+                      <m:sSubPr>
+                        <m:ctrlPr>
+                          <a:rPr lang="en-US" sz="2000" b="0" i="1" smtClean="0">
+                            <a:solidFill>
+                              <a:schemeClr val="tx1"/>
+                            </a:solidFill>
+                            <a:latin typeface="Cambria Math" panose="02040503050406030204" pitchFamily="18" charset="0"/>
+                          </a:rPr>
+                        </m:ctrlPr>
+                      </m:sSubPr>
+                      <m:e>
+                        <m:r>
+                          <a:rPr lang="en-US" sz="2000" b="0" i="1" smtClean="0">
+                            <a:solidFill>
+                              <a:schemeClr val="tx1"/>
+                            </a:solidFill>
+                            <a:latin typeface="Cambria Math" panose="02040503050406030204" pitchFamily="18" charset="0"/>
+                          </a:rPr>
+                          <m:t>𝐽</m:t>
+                        </m:r>
+                      </m:e>
+                      <m:sub>
+                        <m:r>
+                          <a:rPr lang="en-US" sz="2000" b="0" i="1" smtClean="0">
+                            <a:solidFill>
+                              <a:schemeClr val="tx1"/>
+                            </a:solidFill>
+                            <a:latin typeface="Cambria Math" panose="02040503050406030204" pitchFamily="18" charset="0"/>
+                          </a:rPr>
+                          <m:t>𝑛</m:t>
+                        </m:r>
+                      </m:sub>
+                    </m:sSub>
+                    <m:r>
+                      <a:rPr lang="en-US" sz="2000" b="0" i="1" smtClean="0">
+                        <a:solidFill>
+                          <a:schemeClr val="tx1"/>
+                        </a:solidFill>
+                        <a:latin typeface="Cambria Math" panose="02040503050406030204" pitchFamily="18" charset="0"/>
+                      </a:rPr>
+                      <m:t>}</m:t>
+                    </m:r>
+                  </m:oMath>
+                </a14:m>
+                <a:r>
+                  <a:rPr lang="en-SG" sz="2000" dirty="0" smtClean="0">
+                    <a:solidFill>
+                      <a:schemeClr val="tx1"/>
+                    </a:solidFill>
+                  </a:rPr>
+                  <a:t>,  </a:t>
+                </a:r>
+                <a14:m>
+                  <m:oMath xmlns:m="http://schemas.openxmlformats.org/officeDocument/2006/math">
+                    <m:r>
+                      <a:rPr lang="en-US" sz="2000" i="1">
+                        <a:solidFill>
+                          <a:schemeClr val="tx1"/>
+                        </a:solidFill>
+                        <a:latin typeface="Cambria Math" panose="02040503050406030204" pitchFamily="18" charset="0"/>
+                        <a:ea typeface="Cambria Math" panose="02040503050406030204" pitchFamily="18" charset="0"/>
+                      </a:rPr>
+                      <m:t>ℳ</m:t>
+                    </m:r>
+                    <m:r>
+                      <a:rPr lang="en-US" sz="2000" i="1">
+                        <a:solidFill>
+                          <a:schemeClr val="tx1"/>
+                        </a:solidFill>
+                        <a:latin typeface="Cambria Math" panose="02040503050406030204" pitchFamily="18" charset="0"/>
+                      </a:rPr>
+                      <m:t>=</m:t>
+                    </m:r>
+                    <m:d>
+                      <m:dPr>
+                        <m:begChr m:val="{"/>
+                        <m:endChr m:val="}"/>
+                        <m:ctrlPr>
+                          <a:rPr lang="en-US" sz="2000" i="1">
+                            <a:solidFill>
+                              <a:schemeClr val="tx1"/>
+                            </a:solidFill>
+                            <a:latin typeface="Cambria Math" panose="02040503050406030204" pitchFamily="18" charset="0"/>
+                          </a:rPr>
+                        </m:ctrlPr>
+                      </m:dPr>
+                      <m:e>
+                        <m:sSub>
+                          <m:sSubPr>
+                            <m:ctrlPr>
+                              <a:rPr lang="en-US" sz="2000" i="1">
+                                <a:solidFill>
+                                  <a:schemeClr val="tx1"/>
+                                </a:solidFill>
+                                <a:latin typeface="Cambria Math" panose="02040503050406030204" pitchFamily="18" charset="0"/>
+                              </a:rPr>
+                            </m:ctrlPr>
+                          </m:sSubPr>
+                          <m:e>
+                            <m:r>
+                              <a:rPr lang="en-US" sz="2000" i="1">
+                                <a:solidFill>
+                                  <a:schemeClr val="tx1"/>
+                                </a:solidFill>
+                                <a:latin typeface="Cambria Math" panose="02040503050406030204" pitchFamily="18" charset="0"/>
+                              </a:rPr>
+                              <m:t>𝑀</m:t>
+                            </m:r>
+                          </m:e>
+                          <m:sub>
+                            <m:r>
+                              <a:rPr lang="en-US" sz="2000" i="1">
+                                <a:solidFill>
+                                  <a:schemeClr val="tx1"/>
+                                </a:solidFill>
+                                <a:latin typeface="Cambria Math" panose="02040503050406030204" pitchFamily="18" charset="0"/>
+                              </a:rPr>
+                              <m:t>1</m:t>
+                            </m:r>
+                          </m:sub>
+                        </m:sSub>
+                        <m:r>
+                          <a:rPr lang="en-US" sz="2000" i="1">
+                            <a:solidFill>
+                              <a:schemeClr val="tx1"/>
+                            </a:solidFill>
+                            <a:latin typeface="Cambria Math" panose="02040503050406030204" pitchFamily="18" charset="0"/>
+                          </a:rPr>
+                          <m:t>, …, </m:t>
+                        </m:r>
+                        <m:sSub>
+                          <m:sSubPr>
+                            <m:ctrlPr>
+                              <a:rPr lang="en-US" sz="2000" i="1">
+                                <a:solidFill>
+                                  <a:schemeClr val="tx1"/>
+                                </a:solidFill>
+                                <a:latin typeface="Cambria Math" panose="02040503050406030204" pitchFamily="18" charset="0"/>
+                              </a:rPr>
+                            </m:ctrlPr>
+                          </m:sSubPr>
+                          <m:e>
+                            <m:r>
+                              <a:rPr lang="en-US" sz="2000" i="1">
+                                <a:solidFill>
+                                  <a:schemeClr val="tx1"/>
+                                </a:solidFill>
+                                <a:latin typeface="Cambria Math" panose="02040503050406030204" pitchFamily="18" charset="0"/>
+                              </a:rPr>
+                              <m:t>𝑀</m:t>
+                            </m:r>
+                          </m:e>
+                          <m:sub>
+                            <m:r>
+                              <a:rPr lang="en-US" sz="2000" i="1">
+                                <a:solidFill>
+                                  <a:schemeClr val="tx1"/>
+                                </a:solidFill>
+                                <a:latin typeface="Cambria Math" panose="02040503050406030204" pitchFamily="18" charset="0"/>
+                              </a:rPr>
+                              <m:t>𝑚</m:t>
+                            </m:r>
+                          </m:sub>
+                        </m:sSub>
+                      </m:e>
+                    </m:d>
+                  </m:oMath>
+                </a14:m>
+                <a:r>
+                  <a:rPr lang="en-SG" sz="2000" dirty="0" smtClean="0">
+                    <a:solidFill>
+                      <a:schemeClr val="tx1"/>
+                    </a:solidFill>
+                  </a:rPr>
+                  <a:t>,  </a:t>
+                </a:r>
+                <a14:m>
+                  <m:oMath xmlns:m="http://schemas.openxmlformats.org/officeDocument/2006/math">
+                    <m:r>
+                      <a:rPr lang="en-US" sz="2000" i="1">
+                        <a:solidFill>
+                          <a:schemeClr val="tx1"/>
+                        </a:solidFill>
+                        <a:latin typeface="Cambria Math" panose="02040503050406030204" pitchFamily="18" charset="0"/>
+                        <a:ea typeface="Cambria Math" panose="02040503050406030204" pitchFamily="18" charset="0"/>
+                      </a:rPr>
+                      <m:t>ℱ</m:t>
+                    </m:r>
+                    <m:r>
+                      <a:rPr lang="en-US" sz="2000" i="1">
+                        <a:solidFill>
+                          <a:schemeClr val="tx1"/>
+                        </a:solidFill>
+                        <a:latin typeface="Cambria Math" panose="02040503050406030204" pitchFamily="18" charset="0"/>
+                      </a:rPr>
+                      <m:t>=</m:t>
+                    </m:r>
+                    <m:d>
+                      <m:dPr>
+                        <m:begChr m:val="{"/>
+                        <m:endChr m:val="}"/>
+                        <m:ctrlPr>
+                          <a:rPr lang="en-US" sz="2000" i="1">
+                            <a:solidFill>
+                              <a:schemeClr val="tx1"/>
+                            </a:solidFill>
+                            <a:latin typeface="Cambria Math" panose="02040503050406030204" pitchFamily="18" charset="0"/>
+                          </a:rPr>
+                        </m:ctrlPr>
+                      </m:dPr>
+                      <m:e>
+                        <m:sSub>
+                          <m:sSubPr>
+                            <m:ctrlPr>
+                              <a:rPr lang="en-US" sz="2000" i="1">
+                                <a:solidFill>
+                                  <a:schemeClr val="tx1"/>
+                                </a:solidFill>
+                                <a:latin typeface="Cambria Math" panose="02040503050406030204" pitchFamily="18" charset="0"/>
+                              </a:rPr>
+                            </m:ctrlPr>
+                          </m:sSubPr>
+                          <m:e>
+                            <m:r>
+                              <a:rPr lang="en-US" sz="2000" i="1">
+                                <a:solidFill>
+                                  <a:schemeClr val="tx1"/>
+                                </a:solidFill>
+                                <a:latin typeface="Cambria Math" panose="02040503050406030204" pitchFamily="18" charset="0"/>
+                              </a:rPr>
+                              <m:t>𝐹</m:t>
+                            </m:r>
+                          </m:e>
+                          <m:sub>
+                            <m:r>
+                              <a:rPr lang="en-US" sz="2000" i="1">
+                                <a:solidFill>
+                                  <a:schemeClr val="tx1"/>
+                                </a:solidFill>
+                                <a:latin typeface="Cambria Math" panose="02040503050406030204" pitchFamily="18" charset="0"/>
+                              </a:rPr>
+                              <m:t>1</m:t>
+                            </m:r>
+                          </m:sub>
+                        </m:sSub>
+                        <m:r>
+                          <a:rPr lang="en-US" sz="2000" i="1">
+                            <a:solidFill>
+                              <a:schemeClr val="tx1"/>
+                            </a:solidFill>
+                            <a:latin typeface="Cambria Math" panose="02040503050406030204" pitchFamily="18" charset="0"/>
+                          </a:rPr>
+                          <m:t>, …, </m:t>
+                        </m:r>
+                        <m:sSub>
+                          <m:sSubPr>
+                            <m:ctrlPr>
+                              <a:rPr lang="en-US" sz="2000" i="1">
+                                <a:solidFill>
+                                  <a:schemeClr val="tx1"/>
+                                </a:solidFill>
+                                <a:latin typeface="Cambria Math" panose="02040503050406030204" pitchFamily="18" charset="0"/>
+                              </a:rPr>
+                            </m:ctrlPr>
+                          </m:sSubPr>
+                          <m:e>
+                            <m:r>
+                              <a:rPr lang="en-US" sz="2000" i="1">
+                                <a:solidFill>
+                                  <a:schemeClr val="tx1"/>
+                                </a:solidFill>
+                                <a:latin typeface="Cambria Math" panose="02040503050406030204" pitchFamily="18" charset="0"/>
+                              </a:rPr>
+                              <m:t>𝐹</m:t>
+                            </m:r>
+                          </m:e>
+                          <m:sub>
+                            <m:r>
+                              <a:rPr lang="en-US" sz="2000" i="1">
+                                <a:solidFill>
+                                  <a:schemeClr val="tx1"/>
+                                </a:solidFill>
+                                <a:latin typeface="Cambria Math" panose="02040503050406030204" pitchFamily="18" charset="0"/>
+                              </a:rPr>
+                              <m:t>𝑛</m:t>
+                            </m:r>
+                          </m:sub>
+                        </m:sSub>
+                      </m:e>
+                    </m:d>
+                    <m:r>
+                      <a:rPr lang="en-US" sz="2000" i="1">
+                        <a:solidFill>
+                          <a:schemeClr val="tx1"/>
+                        </a:solidFill>
+                        <a:latin typeface="Cambria Math" panose="02040503050406030204" pitchFamily="18" charset="0"/>
+                      </a:rPr>
+                      <m:t>: </m:t>
+                    </m:r>
+                    <m:r>
+                      <a:rPr lang="en-US" sz="2000" i="1">
+                        <a:solidFill>
+                          <a:schemeClr val="tx1"/>
+                        </a:solidFill>
+                        <a:latin typeface="Cambria Math" panose="02040503050406030204" pitchFamily="18" charset="0"/>
+                        <a:ea typeface="Cambria Math" panose="02040503050406030204" pitchFamily="18" charset="0"/>
+                      </a:rPr>
+                      <m:t>𝒥</m:t>
+                    </m:r>
+                    <m:r>
+                      <a:rPr lang="en-US" sz="2000" i="1">
+                        <a:solidFill>
+                          <a:schemeClr val="tx1"/>
+                        </a:solidFill>
+                        <a:latin typeface="Cambria Math" panose="02040503050406030204" pitchFamily="18" charset="0"/>
+                        <a:ea typeface="Cambria Math" panose="02040503050406030204" pitchFamily="18" charset="0"/>
+                      </a:rPr>
+                      <m:t>→</m:t>
+                    </m:r>
+                    <m:sSup>
+                      <m:sSupPr>
+                        <m:ctrlPr>
+                          <a:rPr lang="en-US" sz="2000" i="1">
+                            <a:solidFill>
+                              <a:schemeClr val="tx1"/>
+                            </a:solidFill>
+                            <a:latin typeface="Cambria Math" panose="02040503050406030204" pitchFamily="18" charset="0"/>
+                            <a:ea typeface="Cambria Math" panose="02040503050406030204" pitchFamily="18" charset="0"/>
+                          </a:rPr>
+                        </m:ctrlPr>
+                      </m:sSupPr>
+                      <m:e>
+                        <m:r>
+                          <a:rPr lang="en-US" sz="2000" i="1">
+                            <a:solidFill>
+                              <a:schemeClr val="tx1"/>
+                            </a:solidFill>
+                            <a:latin typeface="Cambria Math" panose="02040503050406030204" pitchFamily="18" charset="0"/>
+                            <a:ea typeface="Cambria Math" panose="02040503050406030204" pitchFamily="18" charset="0"/>
+                          </a:rPr>
+                          <m:t>ℳ</m:t>
+                        </m:r>
+                      </m:e>
+                      <m:sup>
+                        <m:r>
+                          <a:rPr lang="en-US" sz="2000" i="1">
+                            <a:solidFill>
+                              <a:schemeClr val="tx1"/>
+                            </a:solidFill>
+                            <a:latin typeface="Cambria Math" panose="02040503050406030204" pitchFamily="18" charset="0"/>
+                            <a:ea typeface="Cambria Math" panose="02040503050406030204" pitchFamily="18" charset="0"/>
+                          </a:rPr>
+                          <m:t>𝑚</m:t>
+                        </m:r>
+                      </m:sup>
+                    </m:sSup>
+                  </m:oMath>
+                </a14:m>
+                <a:r>
+                  <a:rPr lang="en-SG" sz="2000" dirty="0" smtClean="0">
+                    <a:solidFill>
+                      <a:schemeClr val="tx1"/>
+                    </a:solidFill>
+                  </a:rPr>
+                  <a:t>,  </a:t>
+                </a:r>
+                <a14:m>
+                  <m:oMath xmlns:m="http://schemas.openxmlformats.org/officeDocument/2006/math">
+                    <m:r>
+                      <m:rPr>
+                        <m:sty m:val="p"/>
+                      </m:rPr>
+                      <a:rPr lang="en-US" sz="2000" b="0" i="0" smtClean="0">
+                        <a:solidFill>
+                          <a:schemeClr val="tx1"/>
+                        </a:solidFill>
+                        <a:latin typeface="Cambria Math" panose="02040503050406030204" pitchFamily="18" charset="0"/>
+                        <a:ea typeface="Cambria Math" panose="02040503050406030204" pitchFamily="18" charset="0"/>
+                      </a:rPr>
+                      <m:t>O</m:t>
+                    </m:r>
+                    <m:r>
+                      <a:rPr lang="en-US" sz="2000" i="1">
+                        <a:solidFill>
+                          <a:schemeClr val="tx1"/>
+                        </a:solidFill>
+                        <a:latin typeface="Cambria Math" panose="02040503050406030204" pitchFamily="18" charset="0"/>
+                        <a:ea typeface="Cambria Math" panose="02040503050406030204" pitchFamily="18" charset="0"/>
+                      </a:rPr>
+                      <m:t>𝑏𝑗</m:t>
+                    </m:r>
+                    <m:r>
+                      <a:rPr lang="en-US" sz="2000" i="1">
+                        <a:solidFill>
+                          <a:schemeClr val="tx1"/>
+                        </a:solidFill>
+                        <a:latin typeface="Cambria Math" panose="02040503050406030204" pitchFamily="18" charset="0"/>
+                        <a:ea typeface="Cambria Math" panose="02040503050406030204" pitchFamily="18" charset="0"/>
+                      </a:rPr>
+                      <m:t>: </m:t>
+                    </m:r>
+                    <m:func>
+                      <m:funcPr>
+                        <m:ctrlPr>
+                          <a:rPr lang="en-US" sz="2000" i="1">
+                            <a:solidFill>
+                              <a:schemeClr val="tx1"/>
+                            </a:solidFill>
+                            <a:latin typeface="Cambria Math" panose="02040503050406030204" pitchFamily="18" charset="0"/>
+                            <a:ea typeface="Cambria Math" panose="02040503050406030204" pitchFamily="18" charset="0"/>
+                          </a:rPr>
+                        </m:ctrlPr>
+                      </m:funcPr>
+                      <m:fName>
+                        <m:limLow>
+                          <m:limLowPr>
+                            <m:ctrlPr>
+                              <a:rPr lang="en-US" sz="2000" i="1">
+                                <a:solidFill>
+                                  <a:schemeClr val="tx1"/>
+                                </a:solidFill>
+                                <a:latin typeface="Cambria Math" panose="02040503050406030204" pitchFamily="18" charset="0"/>
+                                <a:ea typeface="Cambria Math" panose="02040503050406030204" pitchFamily="18" charset="0"/>
+                              </a:rPr>
+                            </m:ctrlPr>
+                          </m:limLowPr>
+                          <m:e>
+                            <m:r>
+                              <m:rPr>
+                                <m:sty m:val="p"/>
+                              </m:rPr>
+                              <a:rPr lang="en-US" sz="2000">
+                                <a:solidFill>
+                                  <a:schemeClr val="tx1"/>
+                                </a:solidFill>
+                                <a:latin typeface="Cambria Math" panose="02040503050406030204" pitchFamily="18" charset="0"/>
+                                <a:ea typeface="Cambria Math" panose="02040503050406030204" pitchFamily="18" charset="0"/>
+                              </a:rPr>
+                              <m:t>min</m:t>
+                            </m:r>
+                          </m:e>
+                          <m:lim>
+                            <m:r>
+                              <a:rPr lang="en-US" sz="2000" i="1">
+                                <a:solidFill>
+                                  <a:schemeClr val="tx1"/>
+                                </a:solidFill>
+                                <a:latin typeface="Cambria Math" panose="02040503050406030204" pitchFamily="18" charset="0"/>
+                                <a:ea typeface="Cambria Math" panose="02040503050406030204" pitchFamily="18" charset="0"/>
+                              </a:rPr>
+                              <m:t>∀1≤</m:t>
+                            </m:r>
+                            <m:r>
+                              <a:rPr lang="en-US" sz="2000" i="1">
+                                <a:solidFill>
+                                  <a:schemeClr val="tx1"/>
+                                </a:solidFill>
+                                <a:latin typeface="Cambria Math" panose="02040503050406030204" pitchFamily="18" charset="0"/>
+                                <a:ea typeface="Cambria Math" panose="02040503050406030204" pitchFamily="18" charset="0"/>
+                              </a:rPr>
+                              <m:t>𝑖</m:t>
+                            </m:r>
+                            <m:r>
+                              <a:rPr lang="en-US" sz="2000" i="1">
+                                <a:solidFill>
+                                  <a:schemeClr val="tx1"/>
+                                </a:solidFill>
+                                <a:latin typeface="Cambria Math" panose="02040503050406030204" pitchFamily="18" charset="0"/>
+                                <a:ea typeface="Cambria Math" panose="02040503050406030204" pitchFamily="18" charset="0"/>
+                              </a:rPr>
+                              <m:t>≤</m:t>
+                            </m:r>
+                            <m:r>
+                              <a:rPr lang="en-US" sz="2000" i="1">
+                                <a:solidFill>
+                                  <a:schemeClr val="tx1"/>
+                                </a:solidFill>
+                                <a:latin typeface="Cambria Math" panose="02040503050406030204" pitchFamily="18" charset="0"/>
+                                <a:ea typeface="Cambria Math" panose="02040503050406030204" pitchFamily="18" charset="0"/>
+                              </a:rPr>
+                              <m:t>𝑚</m:t>
+                            </m:r>
+                            <m:r>
+                              <a:rPr lang="en-US" sz="2000" i="1">
+                                <a:solidFill>
+                                  <a:schemeClr val="tx1"/>
+                                </a:solidFill>
+                                <a:latin typeface="Cambria Math" panose="02040503050406030204" pitchFamily="18" charset="0"/>
+                                <a:ea typeface="Cambria Math" panose="02040503050406030204" pitchFamily="18" charset="0"/>
+                              </a:rPr>
+                              <m:t>,   </m:t>
+                            </m:r>
+                            <m:r>
+                              <a:rPr lang="en-US" sz="2000" i="1">
+                                <a:solidFill>
+                                  <a:schemeClr val="tx1"/>
+                                </a:solidFill>
+                                <a:latin typeface="Cambria Math" panose="02040503050406030204" pitchFamily="18" charset="0"/>
+                                <a:ea typeface="Cambria Math" panose="02040503050406030204" pitchFamily="18" charset="0"/>
+                              </a:rPr>
+                              <m:t>𝑠𝑒𝑞</m:t>
+                            </m:r>
+                            <m:r>
+                              <a:rPr lang="en-US" sz="2000" i="1">
+                                <a:solidFill>
+                                  <a:schemeClr val="tx1"/>
+                                </a:solidFill>
+                                <a:latin typeface="Cambria Math" panose="02040503050406030204" pitchFamily="18" charset="0"/>
+                                <a:ea typeface="Cambria Math" panose="02040503050406030204" pitchFamily="18" charset="0"/>
+                              </a:rPr>
+                              <m:t>(</m:t>
+                            </m:r>
+                            <m:sSub>
+                              <m:sSubPr>
+                                <m:ctrlPr>
+                                  <a:rPr lang="en-US" sz="2000" i="1">
+                                    <a:solidFill>
+                                      <a:schemeClr val="tx1"/>
+                                    </a:solidFill>
+                                    <a:latin typeface="Cambria Math" panose="02040503050406030204" pitchFamily="18" charset="0"/>
+                                    <a:ea typeface="Cambria Math" panose="02040503050406030204" pitchFamily="18" charset="0"/>
+                                  </a:rPr>
+                                </m:ctrlPr>
+                              </m:sSubPr>
+                              <m:e>
+                                <m:r>
+                                  <a:rPr lang="en-US" sz="2000" i="1">
+                                    <a:solidFill>
+                                      <a:schemeClr val="tx1"/>
+                                    </a:solidFill>
+                                    <a:latin typeface="Cambria Math" panose="02040503050406030204" pitchFamily="18" charset="0"/>
+                                    <a:ea typeface="Cambria Math" panose="02040503050406030204" pitchFamily="18" charset="0"/>
+                                  </a:rPr>
+                                  <m:t>𝑀</m:t>
+                                </m:r>
+                              </m:e>
+                              <m:sub>
+                                <m:r>
+                                  <a:rPr lang="en-US" sz="2000" i="1">
+                                    <a:solidFill>
+                                      <a:schemeClr val="tx1"/>
+                                    </a:solidFill>
+                                    <a:latin typeface="Cambria Math" panose="02040503050406030204" pitchFamily="18" charset="0"/>
+                                    <a:ea typeface="Cambria Math" panose="02040503050406030204" pitchFamily="18" charset="0"/>
+                                  </a:rPr>
+                                  <m:t>𝑖</m:t>
+                                </m:r>
+                              </m:sub>
+                            </m:sSub>
+                            <m:r>
+                              <a:rPr lang="en-US" sz="2000" i="1">
+                                <a:solidFill>
+                                  <a:schemeClr val="tx1"/>
+                                </a:solidFill>
+                                <a:latin typeface="Cambria Math" panose="02040503050406030204" pitchFamily="18" charset="0"/>
+                                <a:ea typeface="Cambria Math" panose="02040503050406030204" pitchFamily="18" charset="0"/>
+                              </a:rPr>
+                              <m:t>)</m:t>
+                            </m:r>
+                          </m:lim>
+                        </m:limLow>
+                      </m:fName>
+                      <m:e>
+                        <m:sSub>
+                          <m:sSubPr>
+                            <m:ctrlPr>
+                              <a:rPr lang="en-US" sz="2000" i="1">
+                                <a:solidFill>
+                                  <a:schemeClr val="tx1"/>
+                                </a:solidFill>
+                                <a:latin typeface="Cambria Math" panose="02040503050406030204" pitchFamily="18" charset="0"/>
+                                <a:ea typeface="Cambria Math" panose="02040503050406030204" pitchFamily="18" charset="0"/>
+                              </a:rPr>
+                            </m:ctrlPr>
+                          </m:sSubPr>
+                          <m:e>
+                            <m:r>
+                              <a:rPr lang="en-US" sz="2000" i="1">
+                                <a:solidFill>
+                                  <a:schemeClr val="tx1"/>
+                                </a:solidFill>
+                                <a:latin typeface="Cambria Math" panose="02040503050406030204" pitchFamily="18" charset="0"/>
+                                <a:ea typeface="Cambria Math" panose="02040503050406030204" pitchFamily="18" charset="0"/>
+                              </a:rPr>
+                              <m:t>𝐶</m:t>
+                            </m:r>
+                          </m:e>
+                          <m:sub>
+                            <m:r>
+                              <a:rPr lang="en-US" sz="2000" i="1">
+                                <a:solidFill>
+                                  <a:schemeClr val="tx1"/>
+                                </a:solidFill>
+                                <a:latin typeface="Cambria Math" panose="02040503050406030204" pitchFamily="18" charset="0"/>
+                                <a:ea typeface="Cambria Math" panose="02040503050406030204" pitchFamily="18" charset="0"/>
+                              </a:rPr>
+                              <m:t>𝑚𝑎𝑥</m:t>
+                            </m:r>
+                          </m:sub>
+                        </m:sSub>
+                      </m:e>
+                    </m:func>
+                  </m:oMath>
+                </a14:m>
+                <a:r>
+                  <a:rPr lang="en-SG" sz="2000" dirty="0">
+                    <a:solidFill>
+                      <a:schemeClr val="tx1"/>
+                    </a:solidFill>
+                  </a:rPr>
+                  <a:t> </a:t>
+                </a:r>
+                <a:r>
+                  <a:rPr lang="en-SG" sz="2000" i="1" dirty="0">
+                    <a:solidFill>
+                      <a:schemeClr val="tx1"/>
+                    </a:solidFill>
+                    <a:latin typeface="Arial" panose="020B0604020202020204" pitchFamily="34" charset="0"/>
+                    <a:cs typeface="Arial" panose="020B0604020202020204" pitchFamily="34" charset="0"/>
+                  </a:rPr>
+                  <a:t>s.t</a:t>
+                </a:r>
+                <a:r>
+                  <a:rPr lang="en-SG" sz="2000" dirty="0">
+                    <a:solidFill>
+                      <a:schemeClr val="tx1"/>
+                    </a:solidFill>
+                  </a:rPr>
+                  <a:t> </a:t>
+                </a:r>
+                <a14:m>
+                  <m:oMath xmlns:m="http://schemas.openxmlformats.org/officeDocument/2006/math">
+                    <m:sSub>
+                      <m:sSubPr>
+                        <m:ctrlPr>
+                          <a:rPr lang="en-US" sz="2000" i="1">
+                            <a:solidFill>
+                              <a:schemeClr val="tx1"/>
+                            </a:solidFill>
+                            <a:latin typeface="Cambria Math" panose="02040503050406030204" pitchFamily="18" charset="0"/>
+                          </a:rPr>
+                        </m:ctrlPr>
+                      </m:sSubPr>
+                      <m:e>
+                        <m:r>
+                          <a:rPr lang="en-US" sz="2000" b="0" i="1" smtClean="0">
+                            <a:solidFill>
+                              <a:schemeClr val="tx1"/>
+                            </a:solidFill>
+                            <a:latin typeface="Cambria Math" panose="02040503050406030204" pitchFamily="18" charset="0"/>
+                          </a:rPr>
+                          <m:t> </m:t>
+                        </m:r>
+                        <m:r>
+                          <a:rPr lang="en-US" sz="2000" i="1">
+                            <a:solidFill>
+                              <a:schemeClr val="tx1"/>
+                            </a:solidFill>
+                            <a:latin typeface="Cambria Math" panose="02040503050406030204" pitchFamily="18" charset="0"/>
+                            <a:ea typeface="Cambria Math" panose="02040503050406030204" pitchFamily="18" charset="0"/>
+                          </a:rPr>
+                          <m:t>∀</m:t>
+                        </m:r>
+                        <m:r>
+                          <a:rPr lang="en-US" sz="2000" i="1">
+                            <a:solidFill>
+                              <a:schemeClr val="tx1"/>
+                            </a:solidFill>
+                            <a:latin typeface="Cambria Math" panose="02040503050406030204" pitchFamily="18" charset="0"/>
+                            <a:ea typeface="Cambria Math" panose="02040503050406030204" pitchFamily="18" charset="0"/>
+                          </a:rPr>
+                          <m:t>𝑗</m:t>
+                        </m:r>
+                        <m:r>
+                          <a:rPr lang="en-US" sz="2000" i="1">
+                            <a:solidFill>
+                              <a:schemeClr val="tx1"/>
+                            </a:solidFill>
+                            <a:latin typeface="Cambria Math" panose="02040503050406030204" pitchFamily="18" charset="0"/>
+                            <a:ea typeface="Cambria Math" panose="02040503050406030204" pitchFamily="18" charset="0"/>
+                          </a:rPr>
+                          <m:t>, </m:t>
+                        </m:r>
+                        <m:r>
+                          <a:rPr lang="en-US" sz="2000" i="1">
+                            <a:solidFill>
+                              <a:schemeClr val="tx1"/>
+                            </a:solidFill>
+                            <a:latin typeface="Cambria Math" panose="02040503050406030204" pitchFamily="18" charset="0"/>
+                          </a:rPr>
+                          <m:t>𝐹</m:t>
+                        </m:r>
+                      </m:e>
+                      <m:sub>
+                        <m:r>
+                          <a:rPr lang="en-US" sz="2000" i="1">
+                            <a:solidFill>
+                              <a:schemeClr val="tx1"/>
+                            </a:solidFill>
+                            <a:latin typeface="Cambria Math" panose="02040503050406030204" pitchFamily="18" charset="0"/>
+                          </a:rPr>
+                          <m:t>𝑗</m:t>
+                        </m:r>
+                      </m:sub>
+                    </m:sSub>
+                    <m:r>
+                      <a:rPr lang="en-US" sz="2000" i="1">
+                        <a:solidFill>
+                          <a:schemeClr val="tx1"/>
+                        </a:solidFill>
+                        <a:latin typeface="Cambria Math" panose="02040503050406030204" pitchFamily="18" charset="0"/>
+                        <a:ea typeface="Cambria Math" panose="02040503050406030204" pitchFamily="18" charset="0"/>
+                      </a:rPr>
+                      <m:t>∈</m:t>
+                    </m:r>
+                    <m:r>
+                      <a:rPr lang="en-US" sz="2000" i="1">
+                        <a:solidFill>
+                          <a:schemeClr val="tx1"/>
+                        </a:solidFill>
+                        <a:latin typeface="Cambria Math" panose="02040503050406030204" pitchFamily="18" charset="0"/>
+                        <a:ea typeface="Cambria Math" panose="02040503050406030204" pitchFamily="18" charset="0"/>
+                      </a:rPr>
+                      <m:t>ℱ</m:t>
+                    </m:r>
+                  </m:oMath>
+                </a14:m>
+                <a:r>
+                  <a:rPr lang="en-SG" sz="2000" dirty="0">
+                    <a:solidFill>
+                      <a:schemeClr val="tx1"/>
+                    </a:solidFill>
+                  </a:rPr>
+                  <a:t> </a:t>
+                </a:r>
+                <a:r>
+                  <a:rPr lang="en-SG" sz="2000" i="1" dirty="0" smtClean="0">
+                    <a:solidFill>
+                      <a:schemeClr val="tx1"/>
+                    </a:solidFill>
+                    <a:latin typeface="Arial" panose="020B0604020202020204" pitchFamily="34" charset="0"/>
+                    <a:cs typeface="Arial" panose="020B0604020202020204" pitchFamily="34" charset="0"/>
+                  </a:rPr>
+                  <a:t>holds</a:t>
+                </a:r>
+                <a:endParaRPr lang="en-SG" sz="2000" i="1" dirty="0">
+                  <a:solidFill>
+                    <a:schemeClr val="tx1"/>
+                  </a:solidFill>
+                  <a:latin typeface="Arial" panose="020B0604020202020204" pitchFamily="34" charset="0"/>
+                  <a:cs typeface="Arial" panose="020B0604020202020204" pitchFamily="34" charset="0"/>
+                </a:endParaRPr>
+              </a:p>
+            </p:txBody>
+          </p:sp>
+        </mc:Choice>
+        <mc:Fallback>
+          <p:sp>
+            <p:nvSpPr>
+              <p:cNvPr id="4" name="TextBox 3"/>
+              <p:cNvSpPr txBox="1">
+                <a:spLocks noRot="1" noChangeAspect="1" noMove="1" noResize="1" noEditPoints="1" noAdjustHandles="1" noChangeArrowheads="1" noChangeShapeType="1" noTextEdit="1"/>
+              </p:cNvSpPr>
+              <p:nvPr/>
+            </p:nvSpPr>
+            <p:spPr>
+              <a:xfrm>
+                <a:off x="512291" y="2297027"/>
+                <a:ext cx="11569686" cy="440570"/>
+              </a:xfrm>
+              <a:prstGeom prst="rect">
+                <a:avLst/>
+              </a:prstGeom>
+              <a:blipFill>
+                <a:blip r:embed="rId4"/>
+                <a:stretch>
+                  <a:fillRect l="-896" t="-18056" r="-738" b="-20833"/>
+                </a:stretch>
+              </a:blipFill>
+            </p:spPr>
+            <p:txBody>
+              <a:bodyPr/>
+              <a:lstStyle/>
+              <a:p>
+                <a:r>
+                  <a:rPr lang="en-SG">
+                    <a:noFill/>
+                  </a:rPr>
+                  <a:t> </a:t>
+                </a:r>
+              </a:p>
+            </p:txBody>
+          </p:sp>
+        </mc:Fallback>
+      </mc:AlternateContent>
+      <p:sp>
+        <p:nvSpPr>
+          <p:cNvPr id="20" name="TextBox 19"/>
+          <p:cNvSpPr txBox="1"/>
+          <p:nvPr/>
+        </p:nvSpPr>
+        <p:spPr>
+          <a:xfrm>
+            <a:off x="142875" y="2994005"/>
+            <a:ext cx="11896725" cy="954107"/>
+          </a:xfrm>
+          <a:prstGeom prst="rect">
+            <a:avLst/>
+          </a:prstGeom>
+          <a:noFill/>
+        </p:spPr>
+        <p:txBody>
+          <a:bodyPr wrap="square" rtlCol="0">
+            <a:spAutoFit/>
+          </a:bodyPr>
+          <a:lstStyle/>
+          <a:p>
+            <a:pPr marL="457200" indent="-457200">
+              <a:buFont typeface="Wingdings" panose="05000000000000000000" pitchFamily="2" charset="2"/>
+              <a:buChar char="q"/>
             </a:pPr>
-            <a:endParaRPr lang="en-SG" dirty="0"/>
-          </a:p>
-        </p:txBody>
-      </p:sp>
+            <a:r>
+              <a:rPr lang="en-US" sz="2800" dirty="0" smtClean="0">
+                <a:latin typeface="Arial" panose="020B0604020202020204" pitchFamily="34" charset="0"/>
+                <a:cs typeface="Arial" panose="020B0604020202020204" pitchFamily="34" charset="0"/>
+              </a:rPr>
+              <a:t>Disjunctive Graph (DG) is a concise way of representing combinatorial properties of JSSP and schedules.</a:t>
+            </a:r>
+          </a:p>
+        </p:txBody>
+      </p:sp>
+      <p:sp>
+        <p:nvSpPr>
+          <p:cNvPr id="24" name="TextBox 23"/>
+          <p:cNvSpPr txBox="1"/>
+          <p:nvPr/>
+        </p:nvSpPr>
+        <p:spPr>
+          <a:xfrm>
+            <a:off x="2016019" y="6488668"/>
+            <a:ext cx="2016370" cy="369332"/>
+          </a:xfrm>
+          <a:prstGeom prst="rect">
+            <a:avLst/>
+          </a:prstGeom>
+          <a:noFill/>
+        </p:spPr>
+        <p:txBody>
+          <a:bodyPr wrap="square" rtlCol="0">
+            <a:spAutoFit/>
+          </a:bodyPr>
+          <a:lstStyle/>
+          <a:p>
+            <a:pPr algn="ctr"/>
+            <a:r>
+              <a:rPr lang="en-US" dirty="0" smtClean="0">
+                <a:latin typeface="Arial" panose="020B0604020202020204" pitchFamily="34" charset="0"/>
+                <a:cs typeface="Arial" panose="020B0604020202020204" pitchFamily="34" charset="0"/>
+              </a:rPr>
+              <a:t>(a) JSSP instance</a:t>
+            </a:r>
+            <a:endParaRPr lang="en-SG" dirty="0">
+              <a:latin typeface="Arial" panose="020B0604020202020204" pitchFamily="34" charset="0"/>
+              <a:cs typeface="Arial" panose="020B0604020202020204" pitchFamily="34" charset="0"/>
+            </a:endParaRPr>
+          </a:p>
+        </p:txBody>
+      </p:sp>
+      <p:sp>
+        <p:nvSpPr>
+          <p:cNvPr id="25" name="TextBox 24"/>
+          <p:cNvSpPr txBox="1"/>
+          <p:nvPr/>
+        </p:nvSpPr>
+        <p:spPr>
+          <a:xfrm>
+            <a:off x="7543283" y="6488668"/>
+            <a:ext cx="2478719" cy="369332"/>
+          </a:xfrm>
+          <a:prstGeom prst="rect">
+            <a:avLst/>
+          </a:prstGeom>
+          <a:noFill/>
+        </p:spPr>
+        <p:txBody>
+          <a:bodyPr wrap="square" rtlCol="0">
+            <a:spAutoFit/>
+          </a:bodyPr>
+          <a:lstStyle/>
+          <a:p>
+            <a:pPr algn="ctr"/>
+            <a:r>
+              <a:rPr lang="en-US" dirty="0" smtClean="0">
+                <a:latin typeface="Arial" panose="020B0604020202020204" pitchFamily="34" charset="0"/>
+                <a:cs typeface="Arial" panose="020B0604020202020204" pitchFamily="34" charset="0"/>
+              </a:rPr>
+              <a:t>(b) Complete Solution</a:t>
+            </a:r>
+            <a:endParaRPr lang="en-SG" dirty="0">
+              <a:latin typeface="Arial" panose="020B0604020202020204" pitchFamily="34" charset="0"/>
+              <a:cs typeface="Arial" panose="020B0604020202020204" pitchFamily="34" charset="0"/>
+            </a:endParaRPr>
+          </a:p>
+        </p:txBody>
+      </p:sp>
+      <p:pic>
+        <p:nvPicPr>
+          <p:cNvPr id="26" name="Picture 25"/>
+          <p:cNvPicPr>
+            <a:picLocks noChangeAspect="1"/>
+          </p:cNvPicPr>
+          <p:nvPr/>
+        </p:nvPicPr>
+        <p:blipFill>
+          <a:blip r:embed="rId5" cstate="print">
+            <a:extLst>
+              <a:ext uri="{28A0092B-C50C-407E-A947-70E740481C1C}">
+                <a14:useLocalDpi xmlns:a14="http://schemas.microsoft.com/office/drawing/2010/main" val="0"/>
+              </a:ext>
+            </a:extLst>
+          </a:blip>
+          <a:stretch>
+            <a:fillRect/>
+          </a:stretch>
+        </p:blipFill>
+        <p:spPr>
+          <a:xfrm>
+            <a:off x="1120430" y="3809987"/>
+            <a:ext cx="3926130" cy="2816807"/>
+          </a:xfrm>
+          <a:prstGeom prst="rect">
+            <a:avLst/>
+          </a:prstGeom>
+        </p:spPr>
+      </p:pic>
+      <p:pic>
+        <p:nvPicPr>
+          <p:cNvPr id="27" name="Picture 26"/>
+          <p:cNvPicPr>
+            <a:picLocks noChangeAspect="1"/>
+          </p:cNvPicPr>
+          <p:nvPr/>
+        </p:nvPicPr>
+        <p:blipFill>
+          <a:blip r:embed="rId6" cstate="print">
+            <a:extLst>
+              <a:ext uri="{28A0092B-C50C-407E-A947-70E740481C1C}">
+                <a14:useLocalDpi xmlns:a14="http://schemas.microsoft.com/office/drawing/2010/main" val="0"/>
+              </a:ext>
+            </a:extLst>
+          </a:blip>
+          <a:stretch>
+            <a:fillRect/>
+          </a:stretch>
+        </p:blipFill>
+        <p:spPr>
+          <a:xfrm>
+            <a:off x="6717273" y="3809459"/>
+            <a:ext cx="3927600" cy="2817862"/>
+          </a:xfrm>
+          <a:prstGeom prst="rect">
+            <a:avLst/>
+          </a:prstGeom>
+        </p:spPr>
+      </p:pic>
     </p:spTree>
     <p:extLst>
       <p:ext uri="{BB962C8B-B14F-4D97-AF65-F5344CB8AC3E}">
@@ -7547,6 +9222,13 @@
   <p:transition spd="slow">
     <p:push dir="u"/>
   </p:transition>
+  <p:timing>
+    <p:tnLst>
+      <p:par>
+        <p:cTn id="1" dur="indefinite" restart="never" nodeType="tmRoot"/>
+      </p:par>
+    </p:tnLst>
+  </p:timing>
 </p:sld>
 </file>
 
@@ -7713,7 +9395,7 @@
           <p:nvPr/>
         </p:nvPicPr>
         <p:blipFill>
-          <a:blip r:embed="rId2" cstate="print">
+          <a:blip r:embed="rId3" cstate="print">
             <a:extLst>
               <a:ext uri="{28A0092B-C50C-407E-A947-70E740481C1C}">
                 <a14:useLocalDpi xmlns:a14="http://schemas.microsoft.com/office/drawing/2010/main" val="0"/>
@@ -7896,7 +9578,7 @@
           <p:nvPr/>
         </p:nvPicPr>
         <p:blipFill>
-          <a:blip r:embed="rId3" cstate="print">
+          <a:blip r:embed="rId4" cstate="print">
             <a:extLst>
               <a:ext uri="{28A0092B-C50C-407E-A947-70E740481C1C}">
                 <a14:useLocalDpi xmlns:a14="http://schemas.microsoft.com/office/drawing/2010/main" val="0"/>
@@ -8003,13 +9685,186 @@
             </a:pPr>
             <a:r>
               <a:rPr lang="en-US" b="1" dirty="0">
+                <a:latin typeface="Arial" panose="020B0604020202020204" pitchFamily="34" charset="0"/>
+                <a:cs typeface="Arial" panose="020B0604020202020204" pitchFamily="34" charset="0"/>
+              </a:rPr>
+              <a:t>Background</a:t>
+            </a:r>
+          </a:p>
+        </p:txBody>
+      </p:sp>
+      <p:sp>
+        <p:nvSpPr>
+          <p:cNvPr id="5" name="TextBox 4"/>
+          <p:cNvSpPr txBox="1"/>
+          <p:nvPr/>
+        </p:nvSpPr>
+        <p:spPr>
+          <a:xfrm>
+            <a:off x="142875" y="875323"/>
+            <a:ext cx="11900633" cy="5262979"/>
+          </a:xfrm>
+          <a:prstGeom prst="rect">
+            <a:avLst/>
+          </a:prstGeom>
+          <a:noFill/>
+        </p:spPr>
+        <p:txBody>
+          <a:bodyPr wrap="square" rtlCol="0">
+            <a:spAutoFit/>
+          </a:bodyPr>
+          <a:lstStyle/>
+          <a:p>
+            <a:pPr marL="457200" indent="-457200">
+              <a:buFont typeface="Wingdings" panose="05000000000000000000" pitchFamily="2" charset="2"/>
+              <a:buChar char="q"/>
+            </a:pPr>
+            <a:r>
+              <a:rPr lang="en-US" sz="2800" dirty="0" smtClean="0">
+                <a:latin typeface="Arial" panose="020B0604020202020204" pitchFamily="34" charset="0"/>
+                <a:cs typeface="Arial" panose="020B0604020202020204" pitchFamily="34" charset="0"/>
+              </a:rPr>
+              <a:t>Priority Dispatching Rule (PDR) is a class of heuristics that is widely used to solve real-world JSSP:</a:t>
+            </a:r>
+          </a:p>
+          <a:p>
+            <a:pPr marL="457200" indent="-457200">
+              <a:buFont typeface="Wingdings" panose="05000000000000000000" pitchFamily="2" charset="2"/>
+              <a:buChar char="q"/>
+            </a:pPr>
+            <a:endParaRPr lang="en-US" sz="2800" dirty="0">
+              <a:latin typeface="Arial" panose="020B0604020202020204" pitchFamily="34" charset="0"/>
+              <a:cs typeface="Arial" panose="020B0604020202020204" pitchFamily="34" charset="0"/>
+            </a:endParaRPr>
+          </a:p>
+          <a:p>
+            <a:pPr lvl="1"/>
+            <a:r>
+              <a:rPr lang="en-US" sz="2800" dirty="0" smtClean="0">
+                <a:latin typeface="Arial" panose="020B0604020202020204" pitchFamily="34" charset="0"/>
+                <a:cs typeface="Arial" panose="020B0604020202020204" pitchFamily="34" charset="0"/>
+              </a:rPr>
+              <a:t>Based on some calculated priority indices, it schedules, within the current waiting list, the job with highest index.</a:t>
+            </a:r>
+          </a:p>
+          <a:p>
+            <a:pPr lvl="1"/>
+            <a:endParaRPr lang="en-US" sz="2800" dirty="0" smtClean="0">
+              <a:latin typeface="Arial" panose="020B0604020202020204" pitchFamily="34" charset="0"/>
+              <a:cs typeface="Arial" panose="020B0604020202020204" pitchFamily="34" charset="0"/>
+            </a:endParaRPr>
+          </a:p>
+          <a:p>
+            <a:pPr marL="457200" indent="-457200">
+              <a:buFont typeface="Wingdings" panose="05000000000000000000" pitchFamily="2" charset="2"/>
+              <a:buChar char="q"/>
+            </a:pPr>
+            <a:r>
+              <a:rPr lang="en-US" sz="2800" dirty="0" smtClean="0">
+                <a:latin typeface="Arial" panose="020B0604020202020204" pitchFamily="34" charset="0"/>
+                <a:cs typeface="Arial" panose="020B0604020202020204" pitchFamily="34" charset="0"/>
+              </a:rPr>
+              <a:t>However, </a:t>
+            </a:r>
+            <a:r>
+              <a:rPr lang="en-SG" sz="2800" dirty="0">
+                <a:latin typeface="Arial" panose="020B0604020202020204" pitchFamily="34" charset="0"/>
+                <a:cs typeface="Arial" panose="020B0604020202020204" pitchFamily="34" charset="0"/>
+              </a:rPr>
+              <a:t>the design of effective PDRs is a </a:t>
+            </a:r>
+            <a:r>
+              <a:rPr lang="en-SG" sz="2800" dirty="0" smtClean="0">
+                <a:latin typeface="Arial" panose="020B0604020202020204" pitchFamily="34" charset="0"/>
+                <a:cs typeface="Arial" panose="020B0604020202020204" pitchFamily="34" charset="0"/>
+              </a:rPr>
+              <a:t>tedious task:</a:t>
+            </a:r>
+          </a:p>
+          <a:p>
+            <a:pPr marL="914400" lvl="1" indent="-457200">
+              <a:buFont typeface="Wingdings" panose="05000000000000000000" pitchFamily="2" charset="2"/>
+              <a:buChar char="q"/>
+            </a:pPr>
+            <a:r>
+              <a:rPr lang="en-SG" sz="2800" dirty="0" smtClean="0">
+                <a:latin typeface="Arial" panose="020B0604020202020204" pitchFamily="34" charset="0"/>
+                <a:cs typeface="Arial" panose="020B0604020202020204" pitchFamily="34" charset="0"/>
+              </a:rPr>
+              <a:t>Requiring </a:t>
+            </a:r>
+            <a:r>
+              <a:rPr lang="en-SG" sz="2800" dirty="0">
+                <a:latin typeface="Arial" panose="020B0604020202020204" pitchFamily="34" charset="0"/>
+                <a:cs typeface="Arial" panose="020B0604020202020204" pitchFamily="34" charset="0"/>
+              </a:rPr>
+              <a:t>a myriad of specialized </a:t>
+            </a:r>
+            <a:r>
+              <a:rPr lang="en-SG" sz="2800" dirty="0" smtClean="0">
+                <a:latin typeface="Arial" panose="020B0604020202020204" pitchFamily="34" charset="0"/>
+                <a:cs typeface="Arial" panose="020B0604020202020204" pitchFamily="34" charset="0"/>
+              </a:rPr>
+              <a:t>knowledge;</a:t>
+            </a:r>
+          </a:p>
+          <a:p>
+            <a:pPr marL="914400" lvl="1" indent="-457200">
+              <a:buFont typeface="Wingdings" panose="05000000000000000000" pitchFamily="2" charset="2"/>
+              <a:buChar char="q"/>
+            </a:pPr>
+            <a:r>
+              <a:rPr lang="en-US" altLang="zh-CN" sz="2800" dirty="0" smtClean="0">
+                <a:latin typeface="Arial" panose="020B0604020202020204" pitchFamily="34" charset="0"/>
+                <a:cs typeface="Arial" panose="020B0604020202020204" pitchFamily="34" charset="0"/>
+              </a:rPr>
+              <a:t>Delicate</a:t>
+            </a:r>
+            <a:r>
+              <a:rPr lang="en-US" sz="2800" dirty="0" smtClean="0">
+                <a:latin typeface="Arial" panose="020B0604020202020204" pitchFamily="34" charset="0"/>
+                <a:cs typeface="Arial" panose="020B0604020202020204" pitchFamily="34" charset="0"/>
+              </a:rPr>
+              <a:t> and limited performance </a:t>
+            </a:r>
+            <a:r>
+              <a:rPr lang="en-US" altLang="zh-CN" sz="2800" dirty="0" smtClean="0">
+                <a:latin typeface="Arial" panose="020B0604020202020204" pitchFamily="34" charset="0"/>
+                <a:cs typeface="Arial" panose="020B0604020202020204" pitchFamily="34" charset="0"/>
+              </a:rPr>
+              <a:t>for</a:t>
+            </a:r>
+            <a:r>
+              <a:rPr lang="en-US" sz="2800" dirty="0" smtClean="0">
+                <a:latin typeface="Arial" panose="020B0604020202020204" pitchFamily="34" charset="0"/>
+                <a:cs typeface="Arial" panose="020B0604020202020204" pitchFamily="34" charset="0"/>
+              </a:rPr>
+              <a:t> different JSSPs;</a:t>
+            </a:r>
+          </a:p>
+          <a:p>
+            <a:endParaRPr lang="en-US" sz="2800" dirty="0">
+              <a:latin typeface="Arial" panose="020B0604020202020204" pitchFamily="34" charset="0"/>
+              <a:cs typeface="Arial" panose="020B0604020202020204" pitchFamily="34" charset="0"/>
+            </a:endParaRPr>
+          </a:p>
+          <a:p>
+            <a:r>
+              <a:rPr lang="en-US" sz="2800" dirty="0" smtClean="0">
                 <a:solidFill>
-                  <a:srgbClr val="405067"/>
+                  <a:srgbClr val="FF0000"/>
                 </a:solidFill>
                 <a:latin typeface="Arial" panose="020B0604020202020204" pitchFamily="34" charset="0"/>
                 <a:cs typeface="Arial" panose="020B0604020202020204" pitchFamily="34" charset="0"/>
               </a:rPr>
-              <a:t>Background</a:t>
+              <a:t>Q:</a:t>
+            </a:r>
+            <a:r>
+              <a:rPr lang="en-US" sz="2800" dirty="0" smtClean="0">
+                <a:latin typeface="Arial" panose="020B0604020202020204" pitchFamily="34" charset="0"/>
+                <a:cs typeface="Arial" panose="020B0604020202020204" pitchFamily="34" charset="0"/>
+              </a:rPr>
+              <a:t> How to search the PDR space automatically to find PDR that has robust generalization and strong performance?</a:t>
             </a:r>
           </a:p>
         </p:txBody>
@@ -8027,6 +9882,13 @@
   <p:transition spd="slow">
     <p:push dir="u"/>
   </p:transition>
+  <p:timing>
+    <p:tnLst>
+      <p:par>
+        <p:cTn id="1" dur="indefinite" restart="never" nodeType="tmRoot"/>
+      </p:par>
+    </p:tnLst>
+  </p:timing>
 </p:sld>
 </file>
 
@@ -8483,56 +10345,142 @@
             </a:pPr>
             <a:r>
               <a:rPr lang="en-US" b="1" dirty="0">
+                <a:latin typeface="Arial" panose="020B0604020202020204" pitchFamily="34" charset="0"/>
+                <a:cs typeface="Arial" panose="020B0604020202020204" pitchFamily="34" charset="0"/>
+              </a:rPr>
+              <a:t>L2D</a:t>
+            </a:r>
+          </a:p>
+        </p:txBody>
+      </p:sp>
+      <p:sp>
+        <p:nvSpPr>
+          <p:cNvPr id="4" name="TextBox 3"/>
+          <p:cNvSpPr txBox="1"/>
+          <p:nvPr/>
+        </p:nvSpPr>
+        <p:spPr>
+          <a:xfrm>
+            <a:off x="142875" y="962025"/>
+            <a:ext cx="11896725" cy="2246769"/>
+          </a:xfrm>
+          <a:prstGeom prst="rect">
+            <a:avLst/>
+          </a:prstGeom>
+          <a:noFill/>
+        </p:spPr>
+        <p:txBody>
+          <a:bodyPr wrap="square" rtlCol="0">
+            <a:spAutoFit/>
+          </a:bodyPr>
+          <a:lstStyle/>
+          <a:p>
+            <a:pPr marL="285750" indent="-285750">
+              <a:buFont typeface="Wingdings" panose="05000000000000000000" pitchFamily="2" charset="2"/>
+              <a:buChar char="q"/>
+            </a:pPr>
+            <a:r>
+              <a:rPr lang="en-US" sz="2800" b="1" dirty="0">
+                <a:latin typeface="Arial" panose="020B0604020202020204" pitchFamily="34" charset="0"/>
+                <a:cs typeface="Arial" panose="020B0604020202020204" pitchFamily="34" charset="0"/>
+              </a:rPr>
+              <a:t>Challenges</a:t>
+            </a:r>
+            <a:endParaRPr lang="en-SG" sz="2800" dirty="0">
+              <a:latin typeface="Arial" panose="020B0604020202020204" pitchFamily="34" charset="0"/>
+              <a:cs typeface="Arial" panose="020B0604020202020204" pitchFamily="34" charset="0"/>
+            </a:endParaRPr>
+          </a:p>
+          <a:p>
+            <a:pPr marL="742950" lvl="1" indent="-285750">
+              <a:buFont typeface="Wingdings" panose="05000000000000000000" pitchFamily="2" charset="2"/>
+              <a:buChar char="q"/>
+            </a:pPr>
+            <a:r>
+              <a:rPr lang="en-US" sz="2800" dirty="0">
+                <a:latin typeface="Arial" panose="020B0604020202020204" pitchFamily="34" charset="0"/>
+                <a:cs typeface="Arial" panose="020B0604020202020204" pitchFamily="34" charset="0"/>
+              </a:rPr>
+              <a:t>Due to strong NP-hardness, how to search the PDR space </a:t>
+            </a:r>
+            <a:r>
+              <a:rPr lang="en-US" sz="2800" dirty="0" smtClean="0">
+                <a:latin typeface="Arial" panose="020B0604020202020204" pitchFamily="34" charset="0"/>
+                <a:cs typeface="Arial" panose="020B0604020202020204" pitchFamily="34" charset="0"/>
+              </a:rPr>
+              <a:t>efficiently and effectively </a:t>
+            </a:r>
+            <a:r>
+              <a:rPr lang="en-US" sz="2800" dirty="0">
+                <a:latin typeface="Arial" panose="020B0604020202020204" pitchFamily="34" charset="0"/>
+                <a:cs typeface="Arial" panose="020B0604020202020204" pitchFamily="34" charset="0"/>
+              </a:rPr>
+              <a:t>in an </a:t>
+            </a:r>
+            <a:r>
+              <a:rPr lang="en-US" sz="2800" dirty="0">
+                <a:solidFill>
+                  <a:srgbClr val="FF0000"/>
+                </a:solidFill>
+                <a:latin typeface="Arial" panose="020B0604020202020204" pitchFamily="34" charset="0"/>
+                <a:cs typeface="Arial" panose="020B0604020202020204" pitchFamily="34" charset="0"/>
+              </a:rPr>
+              <a:t>end-to-end</a:t>
+            </a:r>
+            <a:r>
+              <a:rPr lang="en-US" sz="2800" dirty="0">
                 <a:solidFill>
                   <a:srgbClr val="405067"/>
                 </a:solidFill>
                 <a:latin typeface="Arial" panose="020B0604020202020204" pitchFamily="34" charset="0"/>
                 <a:cs typeface="Arial" panose="020B0604020202020204" pitchFamily="34" charset="0"/>
               </a:rPr>
-              <a:t>L2D</a:t>
-            </a:r>
-          </a:p>
-        </p:txBody>
-      </p:sp>
-      <p:sp>
-        <p:nvSpPr>
-          <p:cNvPr id="4" name="TextBox 3"/>
-          <p:cNvSpPr txBox="1"/>
-          <p:nvPr/>
-        </p:nvSpPr>
-        <p:spPr>
-          <a:xfrm>
-            <a:off x="142875" y="962025"/>
-            <a:ext cx="11896725" cy="2246769"/>
-          </a:xfrm>
-          <a:prstGeom prst="rect">
-            <a:avLst/>
-          </a:prstGeom>
-          <a:noFill/>
-        </p:spPr>
-        <p:txBody>
-          <a:bodyPr wrap="square" rtlCol="0">
-            <a:spAutoFit/>
-          </a:bodyPr>
-          <a:lstStyle/>
-          <a:p>
-            <a:pPr marL="285750" indent="-285750">
-              <a:buFont typeface="Wingdings" panose="05000000000000000000" pitchFamily="2" charset="2"/>
-              <a:buChar char="q"/>
-            </a:pPr>
-            <a:r>
-              <a:rPr lang="en-US" sz="2800" b="1" dirty="0">
+              <a:t> </a:t>
+            </a:r>
+            <a:r>
+              <a:rPr lang="en-US" sz="2800" dirty="0">
+                <a:latin typeface="Arial" panose="020B0604020202020204" pitchFamily="34" charset="0"/>
+                <a:cs typeface="Arial" panose="020B0604020202020204" pitchFamily="34" charset="0"/>
+              </a:rPr>
+              <a:t>&amp;</a:t>
+            </a:r>
+            <a:r>
+              <a:rPr lang="en-US" sz="2800" dirty="0">
                 <a:solidFill>
                   <a:srgbClr val="405067"/>
                 </a:solidFill>
-              </a:rPr>
-              <a:t>Challenges</a:t>
-            </a:r>
-            <a:endParaRPr lang="en-SG" sz="2800" dirty="0">
-              <a:solidFill>
-                <a:srgbClr val="405067"/>
-              </a:solidFill>
-            </a:endParaRPr>
+                <a:latin typeface="Arial" panose="020B0604020202020204" pitchFamily="34" charset="0"/>
+                <a:cs typeface="Arial" panose="020B0604020202020204" pitchFamily="34" charset="0"/>
+              </a:rPr>
+              <a:t> </a:t>
+            </a:r>
+            <a:r>
+              <a:rPr lang="en-US" sz="2800" dirty="0">
+                <a:solidFill>
+                  <a:srgbClr val="FF0000"/>
+                </a:solidFill>
+                <a:latin typeface="Arial" panose="020B0604020202020204" pitchFamily="34" charset="0"/>
+                <a:cs typeface="Arial" panose="020B0604020202020204" pitchFamily="34" charset="0"/>
+              </a:rPr>
+              <a:t>un-supervised</a:t>
+            </a:r>
+            <a:r>
+              <a:rPr lang="en-US" sz="2800" dirty="0">
+                <a:solidFill>
+                  <a:srgbClr val="405067"/>
+                </a:solidFill>
+                <a:latin typeface="Arial" panose="020B0604020202020204" pitchFamily="34" charset="0"/>
+                <a:cs typeface="Arial" panose="020B0604020202020204" pitchFamily="34" charset="0"/>
+              </a:rPr>
+              <a:t> </a:t>
+            </a:r>
+            <a:r>
+              <a:rPr lang="en-US" sz="2800" dirty="0">
+                <a:latin typeface="Arial" panose="020B0604020202020204" pitchFamily="34" charset="0"/>
+                <a:cs typeface="Arial" panose="020B0604020202020204" pitchFamily="34" charset="0"/>
+              </a:rPr>
+              <a:t>manner?</a:t>
+            </a:r>
           </a:p>
           <a:p>
             <a:pPr marL="742950" lvl="1" indent="-285750">
@@ -8541,63 +10489,25 @@
             </a:pPr>
             <a:r>
               <a:rPr lang="en-US" sz="2800" dirty="0">
-                <a:solidFill>
-                  <a:srgbClr val="405067"/>
-                </a:solidFill>
-              </a:rPr>
-              <a:t>Due to strong NP-hardness, how to search the PDR space efficiently in an </a:t>
+                <a:latin typeface="Arial" panose="020B0604020202020204" pitchFamily="34" charset="0"/>
+                <a:cs typeface="Arial" panose="020B0604020202020204" pitchFamily="34" charset="0"/>
+              </a:rPr>
+              <a:t>Can </a:t>
+            </a:r>
+            <a:r>
+              <a:rPr lang="en-US" sz="2800" dirty="0" smtClean="0">
+                <a:latin typeface="Arial" panose="020B0604020202020204" pitchFamily="34" charset="0"/>
+                <a:cs typeface="Arial" panose="020B0604020202020204" pitchFamily="34" charset="0"/>
+              </a:rPr>
+              <a:t>learning be </a:t>
             </a:r>
             <a:r>
               <a:rPr lang="en-US" sz="2800" dirty="0">
                 <a:solidFill>
                   <a:srgbClr val="FF0000"/>
                 </a:solidFill>
-              </a:rPr>
-              <a:t>end-to-end</a:t>
-            </a:r>
-            <a:r>
-              <a:rPr lang="en-US" sz="2800" dirty="0">
-                <a:solidFill>
-                  <a:srgbClr val="405067"/>
-                </a:solidFill>
-              </a:rPr>
-              <a:t> &amp; </a:t>
-            </a:r>
-            <a:r>
-              <a:rPr lang="en-US" sz="2800" dirty="0">
-                <a:solidFill>
-                  <a:srgbClr val="FF0000"/>
-                </a:solidFill>
-              </a:rPr>
-              <a:t>un-supervised</a:t>
-            </a:r>
-            <a:r>
-              <a:rPr lang="en-US" sz="2800" dirty="0">
-                <a:solidFill>
-                  <a:srgbClr val="405067"/>
-                </a:solidFill>
-              </a:rPr>
-              <a:t> manner?</a:t>
-            </a:r>
-          </a:p>
-          <a:p>
-            <a:pPr marL="742950" lvl="1" indent="-285750">
-              <a:buFont typeface="Wingdings" panose="05000000000000000000" pitchFamily="2" charset="2"/>
-              <a:buChar char="q"/>
-            </a:pPr>
-            <a:r>
-              <a:rPr lang="en-US" sz="2800" dirty="0">
-                <a:solidFill>
-                  <a:srgbClr val="405067"/>
-                </a:solidFill>
-              </a:rPr>
-              <a:t>Can learned PDR be </a:t>
-            </a:r>
-            <a:r>
-              <a:rPr lang="en-US" sz="2800" dirty="0">
-                <a:solidFill>
-                  <a:srgbClr val="FF0000"/>
-                </a:solidFill>
+                <a:latin typeface="Arial" panose="020B0604020202020204" pitchFamily="34" charset="0"/>
+                <a:cs typeface="Arial" panose="020B0604020202020204" pitchFamily="34" charset="0"/>
               </a:rPr>
               <a:t>size-agnostic</a:t>
             </a:r>
@@ -8606,14 +10516,39 @@
                 <a:solidFill>
                   <a:srgbClr val="405067"/>
                 </a:solidFill>
-              </a:rPr>
-              <a:t> so that it can </a:t>
+                <a:latin typeface="Arial" panose="020B0604020202020204" pitchFamily="34" charset="0"/>
+                <a:cs typeface="Arial" panose="020B0604020202020204" pitchFamily="34" charset="0"/>
+              </a:rPr>
+              <a:t> </a:t>
+            </a:r>
+            <a:r>
+              <a:rPr lang="en-US" altLang="zh-CN" sz="2800" dirty="0">
+                <a:latin typeface="Arial" panose="020B0604020202020204" pitchFamily="34" charset="0"/>
+                <a:cs typeface="Arial" panose="020B0604020202020204" pitchFamily="34" charset="0"/>
+              </a:rPr>
+              <a:t>so that </a:t>
+            </a:r>
+            <a:r>
+              <a:rPr lang="en-US" sz="2800" dirty="0">
+                <a:latin typeface="Arial" panose="020B0604020202020204" pitchFamily="34" charset="0"/>
+                <a:cs typeface="Arial" panose="020B0604020202020204" pitchFamily="34" charset="0"/>
+              </a:rPr>
+              <a:t>learned PDR</a:t>
+            </a:r>
+            <a:r>
+              <a:rPr lang="en-US" altLang="zh-CN" sz="2800" dirty="0" smtClean="0">
+                <a:latin typeface="Arial" panose="020B0604020202020204" pitchFamily="34" charset="0"/>
+                <a:cs typeface="Arial" panose="020B0604020202020204" pitchFamily="34" charset="0"/>
+              </a:rPr>
+              <a:t> would </a:t>
             </a:r>
             <a:r>
               <a:rPr lang="en-US" altLang="zh-CN" sz="2800" dirty="0">
                 <a:solidFill>
                   <a:srgbClr val="FF0000"/>
                 </a:solidFill>
+                <a:latin typeface="Arial" panose="020B0604020202020204" pitchFamily="34" charset="0"/>
+                <a:cs typeface="Arial" panose="020B0604020202020204" pitchFamily="34" charset="0"/>
               </a:rPr>
               <a:t>generalize</a:t>
             </a:r>
@@ -8622,13 +10557,21 @@
                 <a:solidFill>
                   <a:srgbClr val="405067"/>
                 </a:solidFill>
-              </a:rPr>
-              <a:t> to un-seen large-scale instances?</a:t>
+                <a:latin typeface="Arial" panose="020B0604020202020204" pitchFamily="34" charset="0"/>
+                <a:cs typeface="Arial" panose="020B0604020202020204" pitchFamily="34" charset="0"/>
+              </a:rPr>
+              <a:t> </a:t>
+            </a:r>
+            <a:r>
+              <a:rPr lang="en-US" altLang="zh-CN" sz="2800" dirty="0">
+                <a:latin typeface="Arial" panose="020B0604020202020204" pitchFamily="34" charset="0"/>
+                <a:cs typeface="Arial" panose="020B0604020202020204" pitchFamily="34" charset="0"/>
+              </a:rPr>
+              <a:t>to un-seen large-scale instances?</a:t>
             </a:r>
             <a:endParaRPr lang="en-US" sz="2800" dirty="0">
-              <a:solidFill>
-                <a:srgbClr val="405067"/>
-              </a:solidFill>
+              <a:latin typeface="Arial" panose="020B0604020202020204" pitchFamily="34" charset="0"/>
+              <a:cs typeface="Arial" panose="020B0604020202020204" pitchFamily="34" charset="0"/>
             </a:endParaRPr>
           </a:p>
         </p:txBody>
@@ -8686,10 +10629,16 @@
           <a:lstStyle/>
           <a:p>
             <a:r>
-              <a:rPr lang="en-US" sz="4800" dirty="0"/>
+              <a:rPr lang="en-US" sz="4800" dirty="0">
+                <a:latin typeface="Arial" panose="020B0604020202020204" pitchFamily="34" charset="0"/>
+                <a:cs typeface="Arial" panose="020B0604020202020204" pitchFamily="34" charset="0"/>
+              </a:rPr>
               <a:t>+</a:t>
             </a:r>
-            <a:endParaRPr lang="en-SG" sz="4800" dirty="0"/>
+            <a:endParaRPr lang="en-SG" sz="4800" dirty="0">
+              <a:latin typeface="Arial" panose="020B0604020202020204" pitchFamily="34" charset="0"/>
+              <a:cs typeface="Arial" panose="020B0604020202020204" pitchFamily="34" charset="0"/>
+            </a:endParaRPr>
           </a:p>
         </p:txBody>
       </p:sp>
@@ -8702,7 +10651,7 @@
         <p:spPr>
           <a:xfrm>
             <a:off x="8831549" y="3582356"/>
-            <a:ext cx="2457450" cy="369332"/>
+            <a:ext cx="2457450" cy="646331"/>
           </a:xfrm>
           <a:prstGeom prst="rect">
             <a:avLst/>
@@ -8717,16 +10666,14 @@
           <a:p>
             <a:r>
               <a:rPr lang="en-US" dirty="0">
-                <a:solidFill>
-                  <a:srgbClr val="405067"/>
-                </a:solidFill>
+                <a:latin typeface="Arial" panose="020B0604020202020204" pitchFamily="34" charset="0"/>
+                <a:cs typeface="Arial" panose="020B0604020202020204" pitchFamily="34" charset="0"/>
               </a:rPr>
               <a:t>Graph Neural Networks</a:t>
             </a:r>
             <a:endParaRPr lang="en-SG" dirty="0">
-              <a:solidFill>
-                <a:srgbClr val="405067"/>
-              </a:solidFill>
+              <a:latin typeface="Arial" panose="020B0604020202020204" pitchFamily="34" charset="0"/>
+              <a:cs typeface="Arial" panose="020B0604020202020204" pitchFamily="34" charset="0"/>
             </a:endParaRPr>
           </a:p>
         </p:txBody>
@@ -8861,24 +10808,11 @@
               </a:buClr>
             </a:pPr>
             <a:r>
-              <a:rPr lang="en-US" b="1">
-                <a:solidFill>
-                  <a:srgbClr val="405067"/>
-                </a:solidFill>
+              <a:rPr lang="en-US" b="1" dirty="0">
                 <a:latin typeface="Arial" panose="020B0604020202020204" pitchFamily="34" charset="0"/>
                 <a:cs typeface="Arial" panose="020B0604020202020204" pitchFamily="34" charset="0"/>
               </a:rPr>
-              <a:t>Learning to </a:t>
-            </a:r>
-            <a:r>
-              <a:rPr lang="en-US" b="1" dirty="0">
-                <a:solidFill>
-                  <a:srgbClr val="405067"/>
-                </a:solidFill>
-                <a:latin typeface="Arial" panose="020B0604020202020204" pitchFamily="34" charset="0"/>
-                <a:cs typeface="Arial" panose="020B0604020202020204" pitchFamily="34" charset="0"/>
-              </a:rPr>
-              <a:t>Dispatch</a:t>
+              <a:t>Learning to Dispatch</a:t>
             </a:r>
           </a:p>
         </p:txBody>
@@ -8896,6 +10830,13 @@
   <p:transition spd="slow">
     <p:push dir="u"/>
   </p:transition>
+  <p:timing>
+    <p:tnLst>
+      <p:par>
+        <p:cTn id="1" dur="indefinite" restart="never" nodeType="tmRoot"/>
+      </p:par>
+    </p:tnLst>
+  </p:timing>
 </p:sld>
 </file>
 
@@ -9083,7 +11024,14 @@
                 <a:latin typeface="Arial" panose="020B0604020202020204" pitchFamily="34" charset="0"/>
                 <a:cs typeface="Arial" panose="020B0604020202020204" pitchFamily="34" charset="0"/>
               </a:rPr>
-              <a:t>   Background</a:t>
+              <a:t>   </a:t>
+            </a:r>
+            <a:r>
+              <a:rPr lang="en-US" sz="3600" dirty="0">
+                <a:latin typeface="Arial" panose="020B0604020202020204" pitchFamily="34" charset="0"/>
+                <a:cs typeface="Arial" panose="020B0604020202020204" pitchFamily="34" charset="0"/>
+              </a:rPr>
+              <a:t>Background</a:t>
             </a:r>
           </a:p>
           <a:p>
@@ -9131,7 +11079,14 @@
                 <a:latin typeface="Arial" panose="020B0604020202020204" pitchFamily="34" charset="0"/>
                 <a:cs typeface="Arial" panose="020B0604020202020204" pitchFamily="34" charset="0"/>
               </a:rPr>
-              <a:t>   Experiment</a:t>
+              <a:t>   </a:t>
+            </a:r>
+            <a:r>
+              <a:rPr lang="en-US" sz="3600" dirty="0">
+                <a:latin typeface="Arial" panose="020B0604020202020204" pitchFamily="34" charset="0"/>
+                <a:cs typeface="Arial" panose="020B0604020202020204" pitchFamily="34" charset="0"/>
+              </a:rPr>
+              <a:t>Experiment</a:t>
             </a:r>
           </a:p>
           <a:p>
@@ -9144,18 +11099,12 @@
             </a:pPr>
             <a:r>
               <a:rPr lang="en-US" sz="3600" dirty="0">
-                <a:solidFill>
-                  <a:srgbClr val="405067"/>
-                </a:solidFill>
                 <a:latin typeface="Arial" panose="020B0604020202020204" pitchFamily="34" charset="0"/>
                 <a:cs typeface="Arial" panose="020B0604020202020204" pitchFamily="34" charset="0"/>
               </a:rPr>
               <a:t>   Conclusion</a:t>
             </a:r>
             <a:endParaRPr lang="en-SG" sz="3600" dirty="0">
-              <a:solidFill>
-                <a:srgbClr val="405067"/>
-              </a:solidFill>
               <a:latin typeface="Arial" panose="020B0604020202020204" pitchFamily="34" charset="0"/>
               <a:cs typeface="Arial" panose="020B0604020202020204" pitchFamily="34" charset="0"/>
             </a:endParaRPr>
@@ -9175,6 +11124,13 @@
   <p:transition spd="slow">
     <p:push dir="u"/>
   </p:transition>
+  <p:timing>
+    <p:tnLst>
+      <p:par>
+        <p:cTn id="1" dur="indefinite" restart="never" nodeType="tmRoot"/>
+      </p:par>
+    </p:tnLst>
+  </p:timing>
 </p:sld>
 </file>
 
@@ -9631,9 +11587,6 @@
             </a:pPr>
             <a:r>
               <a:rPr lang="en-US" sz="2000" b="1" dirty="0">
-                <a:solidFill>
-                  <a:srgbClr val="405067"/>
-                </a:solidFill>
                 <a:latin typeface="Arial" panose="020B0604020202020204" pitchFamily="34" charset="0"/>
                 <a:cs typeface="Arial" panose="020B0604020202020204" pitchFamily="34" charset="0"/>
               </a:rPr>
@@ -9642,6 +11595,388 @@
           </a:p>
         </p:txBody>
       </p:sp>
+      <mc:AlternateContent xmlns:mc="http://schemas.openxmlformats.org/markup-compatibility/2006">
+        <mc:Choice xmlns:a14="http://schemas.microsoft.com/office/drawing/2010/main" Requires="a14">
+          <p:sp>
+            <p:nvSpPr>
+              <p:cNvPr id="4" name="TextBox 3"/>
+              <p:cNvSpPr txBox="1"/>
+              <p:nvPr/>
+            </p:nvSpPr>
+            <p:spPr>
+              <a:xfrm>
+                <a:off x="142875" y="851877"/>
+                <a:ext cx="11947525" cy="2677656"/>
+              </a:xfrm>
+              <a:prstGeom prst="rect">
+                <a:avLst/>
+              </a:prstGeom>
+              <a:noFill/>
+            </p:spPr>
+            <p:txBody>
+              <a:bodyPr wrap="square" rtlCol="0">
+                <a:spAutoFit/>
+              </a:bodyPr>
+              <a:lstStyle/>
+              <a:p>
+                <a:pPr marL="457200" indent="-457200">
+                  <a:buFont typeface="Wingdings" panose="05000000000000000000" pitchFamily="2" charset="2"/>
+                  <a:buChar char="q"/>
+                </a:pPr>
+                <a:r>
+                  <a:rPr lang="en-US" sz="2800" dirty="0" smtClean="0">
+                    <a:latin typeface="Arial" panose="020B0604020202020204" pitchFamily="34" charset="0"/>
+                    <a:cs typeface="Arial" panose="020B0604020202020204" pitchFamily="34" charset="0"/>
+                  </a:rPr>
+                  <a:t>State: disjunctive graph                                    presenting </a:t>
+                </a:r>
+                <a:r>
+                  <a:rPr lang="en-US" sz="2800" dirty="0">
+                    <a:latin typeface="Arial" panose="020B0604020202020204" pitchFamily="34" charset="0"/>
+                    <a:cs typeface="Arial" panose="020B0604020202020204" pitchFamily="34" charset="0"/>
+                  </a:rPr>
+                  <a:t>current </a:t>
+                </a:r>
+                <a:r>
+                  <a:rPr lang="en-US" sz="2800" dirty="0" smtClean="0">
+                    <a:latin typeface="Arial" panose="020B0604020202020204" pitchFamily="34" charset="0"/>
+                    <a:cs typeface="Arial" panose="020B0604020202020204" pitchFamily="34" charset="0"/>
+                  </a:rPr>
+                  <a:t>solution; initial state      is the DG of original JSSP; terminal state      is a complete solution;</a:t>
+                </a:r>
+              </a:p>
+              <a:p>
+                <a:pPr marL="457200" indent="-457200">
+                  <a:buFont typeface="Wingdings" panose="05000000000000000000" pitchFamily="2" charset="2"/>
+                  <a:buChar char="q"/>
+                </a:pPr>
+                <a:r>
+                  <a:rPr lang="en-US" sz="2800" dirty="0" smtClean="0">
+                    <a:latin typeface="Arial" panose="020B0604020202020204" pitchFamily="34" charset="0"/>
+                    <a:cs typeface="Arial" panose="020B0604020202020204" pitchFamily="34" charset="0"/>
+                  </a:rPr>
+                  <a:t>Action:             is an eligible operation at time   ;</a:t>
+                </a:r>
+              </a:p>
+              <a:p>
+                <a:pPr marL="457200" indent="-457200">
+                  <a:buFont typeface="Wingdings" panose="05000000000000000000" pitchFamily="2" charset="2"/>
+                  <a:buChar char="q"/>
+                </a:pPr>
+                <a:r>
+                  <a:rPr lang="en-US" sz="2800" dirty="0" smtClean="0">
+                    <a:latin typeface="Arial" panose="020B0604020202020204" pitchFamily="34" charset="0"/>
+                    <a:cs typeface="Arial" panose="020B0604020202020204" pitchFamily="34" charset="0"/>
+                  </a:rPr>
+                  <a:t>Reward:                                       where         is the lower bound of </a:t>
+                </a:r>
+                <a:r>
+                  <a:rPr lang="en-US" sz="2800" dirty="0" err="1" smtClean="0">
+                    <a:latin typeface="Arial" panose="020B0604020202020204" pitchFamily="34" charset="0"/>
+                    <a:cs typeface="Arial" panose="020B0604020202020204" pitchFamily="34" charset="0"/>
+                  </a:rPr>
+                  <a:t>makespan</a:t>
+                </a:r>
+                <a:r>
+                  <a:rPr lang="en-US" sz="2800" dirty="0" smtClean="0">
+                    <a:latin typeface="Arial" panose="020B0604020202020204" pitchFamily="34" charset="0"/>
+                    <a:cs typeface="Arial" panose="020B0604020202020204" pitchFamily="34" charset="0"/>
+                  </a:rPr>
+                  <a:t> </a:t>
+                </a:r>
+                <a14:m>
+                  <m:oMath xmlns:m="http://schemas.openxmlformats.org/officeDocument/2006/math">
+                    <m:sSub>
+                      <m:sSubPr>
+                        <m:ctrlPr>
+                          <a:rPr lang="en-US" sz="2800" i="1" smtClean="0">
+                            <a:solidFill>
+                              <a:schemeClr val="tx1"/>
+                            </a:solidFill>
+                            <a:latin typeface="Cambria Math" panose="02040503050406030204" pitchFamily="18" charset="0"/>
+                            <a:ea typeface="Cambria Math" panose="02040503050406030204" pitchFamily="18" charset="0"/>
+                          </a:rPr>
+                        </m:ctrlPr>
+                      </m:sSubPr>
+                      <m:e>
+                        <m:r>
+                          <a:rPr lang="en-US" sz="2800" i="1">
+                            <a:solidFill>
+                              <a:schemeClr val="tx1"/>
+                            </a:solidFill>
+                            <a:latin typeface="Cambria Math" panose="02040503050406030204" pitchFamily="18" charset="0"/>
+                            <a:ea typeface="Cambria Math" panose="02040503050406030204" pitchFamily="18" charset="0"/>
+                          </a:rPr>
+                          <m:t>𝐶</m:t>
+                        </m:r>
+                      </m:e>
+                      <m:sub>
+                        <m:r>
+                          <a:rPr lang="en-US" sz="2800" i="1">
+                            <a:solidFill>
+                              <a:schemeClr val="tx1"/>
+                            </a:solidFill>
+                            <a:latin typeface="Cambria Math" panose="02040503050406030204" pitchFamily="18" charset="0"/>
+                            <a:ea typeface="Cambria Math" panose="02040503050406030204" pitchFamily="18" charset="0"/>
+                          </a:rPr>
+                          <m:t>𝑚𝑎𝑥</m:t>
+                        </m:r>
+                      </m:sub>
+                    </m:sSub>
+                  </m:oMath>
+                </a14:m>
+                <a:r>
+                  <a:rPr lang="en-SG" sz="2800" dirty="0" smtClean="0">
+                    <a:latin typeface="Arial" panose="020B0604020202020204" pitchFamily="34" charset="0"/>
+                    <a:cs typeface="Arial" panose="020B0604020202020204" pitchFamily="34" charset="0"/>
+                  </a:rPr>
+                  <a:t>;</a:t>
+                </a:r>
+                <a:endParaRPr lang="en-SG" sz="2800" dirty="0">
+                  <a:latin typeface="Arial" panose="020B0604020202020204" pitchFamily="34" charset="0"/>
+                  <a:cs typeface="Arial" panose="020B0604020202020204" pitchFamily="34" charset="0"/>
+                </a:endParaRPr>
+              </a:p>
+            </p:txBody>
+          </p:sp>
+        </mc:Choice>
+        <mc:Fallback>
+          <p:sp>
+            <p:nvSpPr>
+              <p:cNvPr id="4" name="TextBox 3"/>
+              <p:cNvSpPr txBox="1">
+                <a:spLocks noRot="1" noChangeAspect="1" noMove="1" noResize="1" noEditPoints="1" noAdjustHandles="1" noChangeArrowheads="1" noChangeShapeType="1" noTextEdit="1"/>
+              </p:cNvSpPr>
+              <p:nvPr/>
+            </p:nvSpPr>
+            <p:spPr>
+              <a:xfrm>
+                <a:off x="142875" y="851877"/>
+                <a:ext cx="11947525" cy="2677656"/>
+              </a:xfrm>
+              <a:prstGeom prst="rect">
+                <a:avLst/>
+              </a:prstGeom>
+              <a:blipFill>
+                <a:blip r:embed="rId4"/>
+                <a:stretch>
+                  <a:fillRect l="-867" t="-2506" r="-1735" b="-5467"/>
+                </a:stretch>
+              </a:blipFill>
+            </p:spPr>
+            <p:txBody>
+              <a:bodyPr/>
+              <a:lstStyle/>
+              <a:p>
+                <a:r>
+                  <a:rPr lang="en-SG">
+                    <a:noFill/>
+                  </a:rPr>
+                  <a:t> </a:t>
+                </a:r>
+              </a:p>
+            </p:txBody>
+          </p:sp>
+        </mc:Fallback>
+      </mc:AlternateContent>
+      <p:pic>
+        <p:nvPicPr>
+          <p:cNvPr id="5" name="Picture 4"/>
+          <p:cNvPicPr>
+            <a:picLocks noChangeAspect="1"/>
+          </p:cNvPicPr>
+          <p:nvPr/>
+        </p:nvPicPr>
+        <p:blipFill>
+          <a:blip r:embed="rId5"/>
+          <a:stretch>
+            <a:fillRect/>
+          </a:stretch>
+        </p:blipFill>
+        <p:spPr>
+          <a:xfrm>
+            <a:off x="4421112" y="988192"/>
+            <a:ext cx="3412834" cy="340738"/>
+          </a:xfrm>
+          <a:prstGeom prst="rect">
+            <a:avLst/>
+          </a:prstGeom>
+        </p:spPr>
+      </p:pic>
+      <p:pic>
+        <p:nvPicPr>
+          <p:cNvPr id="6" name="Picture 5"/>
+          <p:cNvPicPr>
+            <a:picLocks noChangeAspect="1"/>
+          </p:cNvPicPr>
+          <p:nvPr/>
+        </p:nvPicPr>
+        <p:blipFill>
+          <a:blip r:embed="rId6"/>
+          <a:stretch>
+            <a:fillRect/>
+          </a:stretch>
+        </p:blipFill>
+        <p:spPr>
+          <a:xfrm>
+            <a:off x="3886810" y="1328930"/>
+            <a:ext cx="442912" cy="409575"/>
+          </a:xfrm>
+          <a:prstGeom prst="rect">
+            <a:avLst/>
+          </a:prstGeom>
+        </p:spPr>
+      </p:pic>
+      <p:pic>
+        <p:nvPicPr>
+          <p:cNvPr id="9" name="Picture 8"/>
+          <p:cNvPicPr>
+            <a:picLocks noChangeAspect="1"/>
+          </p:cNvPicPr>
+          <p:nvPr/>
+        </p:nvPicPr>
+        <p:blipFill>
+          <a:blip r:embed="rId7"/>
+          <a:stretch>
+            <a:fillRect/>
+          </a:stretch>
+        </p:blipFill>
+        <p:spPr>
+          <a:xfrm>
+            <a:off x="10874497" y="1416559"/>
+            <a:ext cx="479303" cy="312809"/>
+          </a:xfrm>
+          <a:prstGeom prst="rect">
+            <a:avLst/>
+          </a:prstGeom>
+        </p:spPr>
+      </p:pic>
+      <p:pic>
+        <p:nvPicPr>
+          <p:cNvPr id="10" name="Picture 9"/>
+          <p:cNvPicPr>
+            <a:picLocks noChangeAspect="1"/>
+          </p:cNvPicPr>
+          <p:nvPr/>
+        </p:nvPicPr>
+        <p:blipFill>
+          <a:blip r:embed="rId8"/>
+          <a:stretch>
+            <a:fillRect/>
+          </a:stretch>
+        </p:blipFill>
+        <p:spPr>
+          <a:xfrm>
+            <a:off x="1921486" y="2215558"/>
+            <a:ext cx="1038956" cy="359639"/>
+          </a:xfrm>
+          <a:prstGeom prst="rect">
+            <a:avLst/>
+          </a:prstGeom>
+        </p:spPr>
+      </p:pic>
+      <p:pic>
+        <p:nvPicPr>
+          <p:cNvPr id="16" name="Picture 15"/>
+          <p:cNvPicPr>
+            <a:picLocks noChangeAspect="1"/>
+          </p:cNvPicPr>
+          <p:nvPr/>
+        </p:nvPicPr>
+        <p:blipFill>
+          <a:blip r:embed="rId9"/>
+          <a:stretch>
+            <a:fillRect/>
+          </a:stretch>
+        </p:blipFill>
+        <p:spPr>
+          <a:xfrm>
+            <a:off x="7833946" y="2297723"/>
+            <a:ext cx="175247" cy="277474"/>
+          </a:xfrm>
+          <a:prstGeom prst="rect">
+            <a:avLst/>
+          </a:prstGeom>
+        </p:spPr>
+      </p:pic>
+      <p:pic>
+        <p:nvPicPr>
+          <p:cNvPr id="18" name="Picture 17"/>
+          <p:cNvPicPr>
+            <a:picLocks noChangeAspect="1"/>
+          </p:cNvPicPr>
+          <p:nvPr/>
+        </p:nvPicPr>
+        <p:blipFill>
+          <a:blip r:embed="rId10"/>
+          <a:stretch>
+            <a:fillRect/>
+          </a:stretch>
+        </p:blipFill>
+        <p:spPr>
+          <a:xfrm>
+            <a:off x="2134577" y="2665578"/>
+            <a:ext cx="3649053" cy="348143"/>
+          </a:xfrm>
+          <a:prstGeom prst="rect">
+            <a:avLst/>
+          </a:prstGeom>
+        </p:spPr>
+      </p:pic>
+      <p:pic>
+        <p:nvPicPr>
+          <p:cNvPr id="19" name="Picture 18"/>
+          <p:cNvPicPr>
+            <a:picLocks noChangeAspect="1"/>
+          </p:cNvPicPr>
+          <p:nvPr/>
+        </p:nvPicPr>
+        <p:blipFill>
+          <a:blip r:embed="rId11"/>
+          <a:stretch>
+            <a:fillRect/>
+          </a:stretch>
+        </p:blipFill>
+        <p:spPr>
+          <a:xfrm>
+            <a:off x="6896954" y="2665578"/>
+            <a:ext cx="781679" cy="348143"/>
+          </a:xfrm>
+          <a:prstGeom prst="rect">
+            <a:avLst/>
+          </a:prstGeom>
+        </p:spPr>
+      </p:pic>
+      <p:pic>
+        <p:nvPicPr>
+          <p:cNvPr id="20" name="Picture 19"/>
+          <p:cNvPicPr>
+            <a:picLocks noChangeAspect="1"/>
+          </p:cNvPicPr>
+          <p:nvPr/>
+        </p:nvPicPr>
+        <p:blipFill>
+          <a:blip r:embed="rId12" cstate="print">
+            <a:extLst>
+              <a:ext uri="{28A0092B-C50C-407E-A947-70E740481C1C}">
+                <a14:useLocalDpi xmlns:a14="http://schemas.microsoft.com/office/drawing/2010/main" val="0"/>
+              </a:ext>
+            </a:extLst>
+          </a:blip>
+          <a:stretch>
+            <a:fillRect/>
+          </a:stretch>
+        </p:blipFill>
+        <p:spPr>
+          <a:xfrm>
+            <a:off x="1581563" y="3342076"/>
+            <a:ext cx="7968837" cy="3613528"/>
+          </a:xfrm>
+          <a:prstGeom prst="rect">
+            <a:avLst/>
+          </a:prstGeom>
+        </p:spPr>
+      </p:pic>
     </p:spTree>
     <p:extLst>
       <p:ext uri="{BB962C8B-B14F-4D97-AF65-F5344CB8AC3E}">
@@ -9655,6 +11990,13 @@
   <p:transition spd="slow">
     <p:push dir="u"/>
   </p:transition>
+  <p:timing>
+    <p:tnLst>
+      <p:par>
+        <p:cTn id="1" dur="indefinite" restart="never" nodeType="tmRoot"/>
+      </p:par>
+    </p:tnLst>
+  </p:timing>
 </p:sld>
 </file>
 
@@ -10111,13 +12453,225 @@
             </a:pPr>
             <a:r>
               <a:rPr lang="en-US" sz="2000" b="1" dirty="0">
-                <a:solidFill>
-                  <a:srgbClr val="405067"/>
-                </a:solidFill>
                 <a:latin typeface="Arial" panose="020B0604020202020204" pitchFamily="34" charset="0"/>
                 <a:cs typeface="Arial" panose="020B0604020202020204" pitchFamily="34" charset="0"/>
               </a:rPr>
               <a:t>L2D</a:t>
+            </a:r>
+          </a:p>
+        </p:txBody>
+      </p:sp>
+      <p:sp>
+        <p:nvSpPr>
+          <p:cNvPr id="4" name="TextBox 3"/>
+          <p:cNvSpPr txBox="1"/>
+          <p:nvPr/>
+        </p:nvSpPr>
+        <p:spPr>
+          <a:xfrm>
+            <a:off x="142875" y="851877"/>
+            <a:ext cx="11900633" cy="954107"/>
+          </a:xfrm>
+          <a:prstGeom prst="rect">
+            <a:avLst/>
+          </a:prstGeom>
+          <a:noFill/>
+        </p:spPr>
+        <p:txBody>
+          <a:bodyPr wrap="square" rtlCol="0">
+            <a:spAutoFit/>
+          </a:bodyPr>
+          <a:lstStyle/>
+          <a:p>
+            <a:pPr marL="514350" indent="-514350">
+              <a:buFont typeface="Wingdings" panose="05000000000000000000" pitchFamily="2" charset="2"/>
+              <a:buChar char="q"/>
+            </a:pPr>
+            <a:r>
+              <a:rPr lang="en-US" sz="2800" dirty="0" smtClean="0">
+                <a:latin typeface="Arial" panose="020B0604020202020204" pitchFamily="34" charset="0"/>
+                <a:cs typeface="Arial" panose="020B0604020202020204" pitchFamily="34" charset="0"/>
+              </a:rPr>
+              <a:t>We use GIN as state embedding network as it is one of the strongest GNN for homogeneous graphs with proved discriminative power. </a:t>
+            </a:r>
+            <a:endParaRPr lang="en-SG" sz="2800" dirty="0">
+              <a:latin typeface="Arial" panose="020B0604020202020204" pitchFamily="34" charset="0"/>
+              <a:cs typeface="Arial" panose="020B0604020202020204" pitchFamily="34" charset="0"/>
+            </a:endParaRPr>
+          </a:p>
+        </p:txBody>
+      </p:sp>
+      <p:pic>
+        <p:nvPicPr>
+          <p:cNvPr id="5" name="Picture 4"/>
+          <p:cNvPicPr>
+            <a:picLocks noChangeAspect="1"/>
+          </p:cNvPicPr>
+          <p:nvPr/>
+        </p:nvPicPr>
+        <p:blipFill>
+          <a:blip r:embed="rId4"/>
+          <a:stretch>
+            <a:fillRect/>
+          </a:stretch>
+        </p:blipFill>
+        <p:spPr>
+          <a:xfrm>
+            <a:off x="3594100" y="2744501"/>
+            <a:ext cx="8449408" cy="879612"/>
+          </a:xfrm>
+          <a:prstGeom prst="rect">
+            <a:avLst/>
+          </a:prstGeom>
+        </p:spPr>
+      </p:pic>
+      <mc:AlternateContent xmlns:mc="http://schemas.openxmlformats.org/markup-compatibility/2006">
+        <mc:Choice xmlns:a14="http://schemas.microsoft.com/office/drawing/2010/main" Requires="a14">
+          <p:sp>
+            <p:nvSpPr>
+              <p:cNvPr id="6" name="TextBox 5"/>
+              <p:cNvSpPr txBox="1"/>
+              <p:nvPr/>
+            </p:nvSpPr>
+            <p:spPr>
+              <a:xfrm>
+                <a:off x="600808" y="2886003"/>
+                <a:ext cx="2993292" cy="523220"/>
+              </a:xfrm>
+              <a:prstGeom prst="rect">
+                <a:avLst/>
+              </a:prstGeom>
+              <a:noFill/>
+            </p:spPr>
+            <p:txBody>
+              <a:bodyPr wrap="square" rtlCol="0">
+                <a:spAutoFit/>
+              </a:bodyPr>
+              <a:lstStyle/>
+              <a:p>
+                <a:r>
+                  <a:rPr lang="en-US" sz="2800" dirty="0" smtClean="0">
+                    <a:latin typeface="Arial" panose="020B0604020202020204" pitchFamily="34" charset="0"/>
+                    <a:cs typeface="Arial" panose="020B0604020202020204" pitchFamily="34" charset="0"/>
+                  </a:rPr>
+                  <a:t>For each layer </a:t>
+                </a:r>
+                <a14:m>
+                  <m:oMath xmlns:m="http://schemas.openxmlformats.org/officeDocument/2006/math">
+                    <m:r>
+                      <a:rPr lang="en-US" sz="2800" b="0" i="1" smtClean="0">
+                        <a:latin typeface="Cambria Math" panose="02040503050406030204" pitchFamily="18" charset="0"/>
+                      </a:rPr>
+                      <m:t>𝑘</m:t>
+                    </m:r>
+                  </m:oMath>
+                </a14:m>
+                <a:r>
+                  <a:rPr lang="en-SG" sz="2800" dirty="0" smtClean="0">
+                    <a:latin typeface="Arial" panose="020B0604020202020204" pitchFamily="34" charset="0"/>
+                    <a:cs typeface="Arial" panose="020B0604020202020204" pitchFamily="34" charset="0"/>
+                  </a:rPr>
+                  <a:t>:</a:t>
+                </a:r>
+                <a:endParaRPr lang="en-SG" sz="2800" dirty="0">
+                  <a:latin typeface="Arial" panose="020B0604020202020204" pitchFamily="34" charset="0"/>
+                  <a:cs typeface="Arial" panose="020B0604020202020204" pitchFamily="34" charset="0"/>
+                </a:endParaRPr>
+              </a:p>
+            </p:txBody>
+          </p:sp>
+        </mc:Choice>
+        <mc:Fallback>
+          <p:sp>
+            <p:nvSpPr>
+              <p:cNvPr id="6" name="TextBox 5"/>
+              <p:cNvSpPr txBox="1">
+                <a:spLocks noRot="1" noChangeAspect="1" noMove="1" noResize="1" noEditPoints="1" noAdjustHandles="1" noChangeArrowheads="1" noChangeShapeType="1" noTextEdit="1"/>
+              </p:cNvSpPr>
+              <p:nvPr/>
+            </p:nvSpPr>
+            <p:spPr>
+              <a:xfrm>
+                <a:off x="600808" y="2886003"/>
+                <a:ext cx="2993292" cy="523220"/>
+              </a:xfrm>
+              <a:prstGeom prst="rect">
+                <a:avLst/>
+              </a:prstGeom>
+              <a:blipFill>
+                <a:blip r:embed="rId5"/>
+                <a:stretch>
+                  <a:fillRect l="-4277" t="-11628" b="-31395"/>
+                </a:stretch>
+              </a:blipFill>
+            </p:spPr>
+            <p:txBody>
+              <a:bodyPr/>
+              <a:lstStyle/>
+              <a:p>
+                <a:r>
+                  <a:rPr lang="en-SG">
+                    <a:noFill/>
+                  </a:rPr>
+                  <a:t> </a:t>
+                </a:r>
+              </a:p>
+            </p:txBody>
+          </p:sp>
+        </mc:Fallback>
+      </mc:AlternateContent>
+      <p:sp>
+        <p:nvSpPr>
+          <p:cNvPr id="19" name="文本框 9">
+            <a:extLst>
+              <a:ext uri="{FF2B5EF4-FFF2-40B4-BE49-F238E27FC236}">
+                <a16:creationId xmlns:a16="http://schemas.microsoft.com/office/drawing/2014/main" id="{C679B443-4A74-4F46-9A69-86005603DE5A}"/>
+              </a:ext>
+            </a:extLst>
+          </p:cNvPr>
+          <p:cNvSpPr txBox="1"/>
+          <p:nvPr/>
+        </p:nvSpPr>
+        <p:spPr>
+          <a:xfrm>
+            <a:off x="142875" y="4808146"/>
+            <a:ext cx="11900633" cy="523220"/>
+          </a:xfrm>
+          <a:prstGeom prst="rect">
+            <a:avLst/>
+          </a:prstGeom>
+          <a:noFill/>
+        </p:spPr>
+        <p:txBody>
+          <a:bodyPr wrap="square" rtlCol="0">
+            <a:spAutoFit/>
+          </a:bodyPr>
+          <a:lstStyle/>
+          <a:p>
+            <a:pPr marL="514350" indent="-514350">
+              <a:buFont typeface="Wingdings" panose="05000000000000000000" pitchFamily="2" charset="2"/>
+              <a:buChar char="q"/>
+            </a:pPr>
+            <a:r>
+              <a:rPr lang="en-US" sz="2800" dirty="0" smtClean="0">
+                <a:latin typeface="Arial" panose="020B0604020202020204" pitchFamily="34" charset="0"/>
+                <a:cs typeface="Arial" panose="020B0604020202020204" pitchFamily="34" charset="0"/>
+              </a:rPr>
+              <a:t>Proximal </a:t>
+            </a:r>
+            <a:r>
+              <a:rPr lang="en-US" sz="2800" dirty="0">
+                <a:latin typeface="Arial" panose="020B0604020202020204" pitchFamily="34" charset="0"/>
+                <a:cs typeface="Arial" panose="020B0604020202020204" pitchFamily="34" charset="0"/>
+              </a:rPr>
+              <a:t>Policy </a:t>
+            </a:r>
+            <a:r>
+              <a:rPr lang="en-US" sz="2800" dirty="0" smtClean="0">
+                <a:latin typeface="Arial" panose="020B0604020202020204" pitchFamily="34" charset="0"/>
+                <a:cs typeface="Arial" panose="020B0604020202020204" pitchFamily="34" charset="0"/>
+              </a:rPr>
+              <a:t>Optimization (PPO) as optimizer </a:t>
             </a:r>
           </a:p>
         </p:txBody>
@@ -10135,6 +12689,13 @@
   <p:transition spd="slow">
     <p:push dir="u"/>
   </p:transition>
+  <p:timing>
+    <p:tnLst>
+      <p:par>
+        <p:cTn id="1" dur="indefinite" restart="never" nodeType="tmRoot"/>
+      </p:par>
+    </p:tnLst>
+  </p:timing>
 </p:sld>
 </file>
 

--- a/NeurIPS L2D.pptx
+++ b/NeurIPS L2D.pptx
@@ -5,10 +5,10 @@
     <p:sldMasterId id="2147483648" r:id="rId1"/>
   </p:sldMasterIdLst>
   <p:notesMasterIdLst>
-    <p:notesMasterId r:id="rId17"/>
+    <p:notesMasterId r:id="rId19"/>
   </p:notesMasterIdLst>
   <p:handoutMasterIdLst>
-    <p:handoutMasterId r:id="rId18"/>
+    <p:handoutMasterId r:id="rId20"/>
   </p:handoutMasterIdLst>
   <p:sldIdLst>
     <p:sldId id="256" r:id="rId2"/>
@@ -24,8 +24,10 @@
     <p:sldId id="270" r:id="rId12"/>
     <p:sldId id="271" r:id="rId13"/>
     <p:sldId id="274" r:id="rId14"/>
-    <p:sldId id="272" r:id="rId15"/>
-    <p:sldId id="273" r:id="rId16"/>
+    <p:sldId id="275" r:id="rId15"/>
+    <p:sldId id="276" r:id="rId16"/>
+    <p:sldId id="272" r:id="rId17"/>
+    <p:sldId id="273" r:id="rId18"/>
   </p:sldIdLst>
   <p:sldSz cx="12192000" cy="6858000"/>
   <p:notesSz cx="6858000" cy="9144000"/>
@@ -5277,6 +5279,13 @@
   <p:transition spd="slow">
     <p:push dir="u"/>
   </p:transition>
+  <p:timing>
+    <p:tnLst>
+      <p:par>
+        <p:cTn id="1" dur="indefinite" restart="never" nodeType="tmRoot"/>
+      </p:par>
+    </p:tnLst>
+  </p:timing>
 </p:sld>
 </file>
 
@@ -5751,6 +5760,1096 @@
           </a:p>
         </p:txBody>
       </p:sp>
+      <mc:AlternateContent xmlns:mc="http://schemas.openxmlformats.org/markup-compatibility/2006">
+        <mc:Choice xmlns:a14="http://schemas.microsoft.com/office/drawing/2010/main" Requires="a14">
+          <p:sp>
+            <p:nvSpPr>
+              <p:cNvPr id="4" name="TextBox 3"/>
+              <p:cNvSpPr txBox="1"/>
+              <p:nvPr/>
+            </p:nvSpPr>
+            <p:spPr>
+              <a:xfrm>
+                <a:off x="142875" y="867508"/>
+                <a:ext cx="11916263" cy="4832092"/>
+              </a:xfrm>
+              <a:prstGeom prst="rect">
+                <a:avLst/>
+              </a:prstGeom>
+              <a:noFill/>
+            </p:spPr>
+            <p:txBody>
+              <a:bodyPr wrap="square" rtlCol="0">
+                <a:spAutoFit/>
+              </a:bodyPr>
+              <a:lstStyle/>
+              <a:p>
+                <a:pPr marL="457200" indent="-457200">
+                  <a:buFont typeface="Wingdings" panose="05000000000000000000" pitchFamily="2" charset="2"/>
+                  <a:buChar char="q"/>
+                </a:pPr>
+                <a:r>
+                  <a:rPr lang="en-US" sz="2800" dirty="0" smtClean="0">
+                    <a:latin typeface="Arial" panose="020B0604020202020204" pitchFamily="34" charset="0"/>
+                    <a:cs typeface="Arial" panose="020B0604020202020204" pitchFamily="34" charset="0"/>
+                  </a:rPr>
+                  <a:t>Datasets: (instances </a:t>
+                </a:r>
+                <a:r>
+                  <a:rPr lang="en-US" sz="2800" dirty="0">
+                    <a:latin typeface="Arial" panose="020B0604020202020204" pitchFamily="34" charset="0"/>
+                    <a:cs typeface="Arial" panose="020B0604020202020204" pitchFamily="34" charset="0"/>
+                  </a:rPr>
+                  <a:t>underscored </a:t>
+                </a:r>
+                <a:r>
+                  <a:rPr lang="en-US" sz="2800" dirty="0" smtClean="0">
+                    <a:latin typeface="Arial" panose="020B0604020202020204" pitchFamily="34" charset="0"/>
+                    <a:cs typeface="Arial" panose="020B0604020202020204" pitchFamily="34" charset="0"/>
+                  </a:rPr>
+                  <a:t>are used in generalization test)</a:t>
+                </a:r>
+              </a:p>
+              <a:p>
+                <a:pPr marL="914400" lvl="1" indent="-457200">
+                  <a:buFont typeface="Wingdings" panose="05000000000000000000" pitchFamily="2" charset="2"/>
+                  <a:buChar char="q"/>
+                </a:pPr>
+                <a:r>
+                  <a:rPr lang="en-US" sz="2800" dirty="0" smtClean="0">
+                    <a:latin typeface="Arial" panose="020B0604020202020204" pitchFamily="34" charset="0"/>
+                    <a:cs typeface="Arial" panose="020B0604020202020204" pitchFamily="34" charset="0"/>
+                  </a:rPr>
+                  <a:t>Synthetic dataset: </a:t>
+                </a:r>
+                <a14:m>
+                  <m:oMath xmlns:m="http://schemas.openxmlformats.org/officeDocument/2006/math">
+                    <m:r>
+                      <a:rPr lang="en-US" sz="2800" b="0" i="1" smtClean="0">
+                        <a:latin typeface="Cambria Math" panose="02040503050406030204" pitchFamily="18" charset="0"/>
+                        <a:cs typeface="Arial" panose="020B0604020202020204" pitchFamily="34" charset="0"/>
+                      </a:rPr>
+                      <m:t>6</m:t>
+                    </m:r>
+                    <m:r>
+                      <a:rPr lang="en-US" sz="2800" b="0" i="1" smtClean="0">
+                        <a:latin typeface="Cambria Math" panose="02040503050406030204" pitchFamily="18" charset="0"/>
+                        <a:ea typeface="Cambria Math" panose="02040503050406030204" pitchFamily="18" charset="0"/>
+                        <a:cs typeface="Arial" panose="020B0604020202020204" pitchFamily="34" charset="0"/>
+                      </a:rPr>
+                      <m:t>×6</m:t>
+                    </m:r>
+                  </m:oMath>
+                </a14:m>
+                <a:r>
+                  <a:rPr lang="en-SG" sz="2800" dirty="0" smtClean="0">
+                    <a:latin typeface="Arial" panose="020B0604020202020204" pitchFamily="34" charset="0"/>
+                    <a:cs typeface="Arial" panose="020B0604020202020204" pitchFamily="34" charset="0"/>
+                  </a:rPr>
+                  <a:t>, </a:t>
+                </a:r>
+                <a14:m>
+                  <m:oMath xmlns:m="http://schemas.openxmlformats.org/officeDocument/2006/math">
+                    <m:r>
+                      <a:rPr lang="en-US" sz="2800" i="1" dirty="0" smtClean="0">
+                        <a:latin typeface="Cambria Math" panose="02040503050406030204" pitchFamily="18" charset="0"/>
+                        <a:cs typeface="Arial" panose="020B0604020202020204" pitchFamily="34" charset="0"/>
+                      </a:rPr>
+                      <m:t>1</m:t>
+                    </m:r>
+                    <m:r>
+                      <a:rPr lang="en-US" sz="2800" b="0" i="1" dirty="0" smtClean="0">
+                        <a:latin typeface="Cambria Math" panose="02040503050406030204" pitchFamily="18" charset="0"/>
+                        <a:cs typeface="Arial" panose="020B0604020202020204" pitchFamily="34" charset="0"/>
+                      </a:rPr>
+                      <m:t>0</m:t>
+                    </m:r>
+                    <m:r>
+                      <a:rPr lang="en-US" sz="2800" i="1">
+                        <a:latin typeface="Cambria Math" panose="02040503050406030204" pitchFamily="18" charset="0"/>
+                        <a:ea typeface="Cambria Math" panose="02040503050406030204" pitchFamily="18" charset="0"/>
+                        <a:cs typeface="Arial" panose="020B0604020202020204" pitchFamily="34" charset="0"/>
+                      </a:rPr>
+                      <m:t>×</m:t>
+                    </m:r>
+                    <m:r>
+                      <a:rPr lang="en-US" sz="2800" b="0" i="1" smtClean="0">
+                        <a:latin typeface="Cambria Math" panose="02040503050406030204" pitchFamily="18" charset="0"/>
+                        <a:ea typeface="Cambria Math" panose="02040503050406030204" pitchFamily="18" charset="0"/>
+                        <a:cs typeface="Arial" panose="020B0604020202020204" pitchFamily="34" charset="0"/>
+                      </a:rPr>
+                      <m:t>10</m:t>
+                    </m:r>
+                  </m:oMath>
+                </a14:m>
+                <a:r>
+                  <a:rPr lang="en-SG" sz="2800" dirty="0" smtClean="0">
+                    <a:latin typeface="Arial" panose="020B0604020202020204" pitchFamily="34" charset="0"/>
+                    <a:cs typeface="Arial" panose="020B0604020202020204" pitchFamily="34" charset="0"/>
+                  </a:rPr>
+                  <a:t>, </a:t>
+                </a:r>
+                <a14:m>
+                  <m:oMath xmlns:m="http://schemas.openxmlformats.org/officeDocument/2006/math">
+                    <m:r>
+                      <a:rPr lang="en-US" sz="2800" b="0" i="1" smtClean="0">
+                        <a:latin typeface="Cambria Math" panose="02040503050406030204" pitchFamily="18" charset="0"/>
+                        <a:cs typeface="Arial" panose="020B0604020202020204" pitchFamily="34" charset="0"/>
+                      </a:rPr>
+                      <m:t>15</m:t>
+                    </m:r>
+                    <m:r>
+                      <a:rPr lang="en-US" sz="2800" i="1">
+                        <a:latin typeface="Cambria Math" panose="02040503050406030204" pitchFamily="18" charset="0"/>
+                        <a:ea typeface="Cambria Math" panose="02040503050406030204" pitchFamily="18" charset="0"/>
+                        <a:cs typeface="Arial" panose="020B0604020202020204" pitchFamily="34" charset="0"/>
+                      </a:rPr>
+                      <m:t>×</m:t>
+                    </m:r>
+                    <m:r>
+                      <a:rPr lang="en-US" sz="2800" b="0" i="1" smtClean="0">
+                        <a:latin typeface="Cambria Math" panose="02040503050406030204" pitchFamily="18" charset="0"/>
+                        <a:ea typeface="Cambria Math" panose="02040503050406030204" pitchFamily="18" charset="0"/>
+                        <a:cs typeface="Arial" panose="020B0604020202020204" pitchFamily="34" charset="0"/>
+                      </a:rPr>
+                      <m:t>15</m:t>
+                    </m:r>
+                  </m:oMath>
+                </a14:m>
+                <a:r>
+                  <a:rPr lang="en-SG" sz="2800" dirty="0" smtClean="0">
+                    <a:latin typeface="Arial" panose="020B0604020202020204" pitchFamily="34" charset="0"/>
+                    <a:cs typeface="Arial" panose="020B0604020202020204" pitchFamily="34" charset="0"/>
+                  </a:rPr>
+                  <a:t>, </a:t>
+                </a:r>
+                <a14:m>
+                  <m:oMath xmlns:m="http://schemas.openxmlformats.org/officeDocument/2006/math">
+                    <m:r>
+                      <a:rPr lang="en-US" sz="2800" i="1" dirty="0" smtClean="0">
+                        <a:latin typeface="Cambria Math" panose="02040503050406030204" pitchFamily="18" charset="0"/>
+                        <a:cs typeface="Arial" panose="020B0604020202020204" pitchFamily="34" charset="0"/>
+                      </a:rPr>
+                      <m:t>2</m:t>
+                    </m:r>
+                    <m:r>
+                      <a:rPr lang="en-US" sz="2800" b="0" i="1" dirty="0" smtClean="0">
+                        <a:latin typeface="Cambria Math" panose="02040503050406030204" pitchFamily="18" charset="0"/>
+                        <a:cs typeface="Arial" panose="020B0604020202020204" pitchFamily="34" charset="0"/>
+                      </a:rPr>
+                      <m:t>0</m:t>
+                    </m:r>
+                    <m:r>
+                      <a:rPr lang="en-US" sz="2800" i="1">
+                        <a:latin typeface="Cambria Math" panose="02040503050406030204" pitchFamily="18" charset="0"/>
+                        <a:ea typeface="Cambria Math" panose="02040503050406030204" pitchFamily="18" charset="0"/>
+                        <a:cs typeface="Arial" panose="020B0604020202020204" pitchFamily="34" charset="0"/>
+                      </a:rPr>
+                      <m:t>×</m:t>
+                    </m:r>
+                    <m:r>
+                      <a:rPr lang="en-US" sz="2800" b="0" i="1" smtClean="0">
+                        <a:latin typeface="Cambria Math" panose="02040503050406030204" pitchFamily="18" charset="0"/>
+                        <a:ea typeface="Cambria Math" panose="02040503050406030204" pitchFamily="18" charset="0"/>
+                        <a:cs typeface="Arial" panose="020B0604020202020204" pitchFamily="34" charset="0"/>
+                      </a:rPr>
+                      <m:t>20</m:t>
+                    </m:r>
+                  </m:oMath>
+                </a14:m>
+                <a:r>
+                  <a:rPr lang="en-SG" sz="2800" dirty="0" smtClean="0">
+                    <a:latin typeface="Arial" panose="020B0604020202020204" pitchFamily="34" charset="0"/>
+                    <a:cs typeface="Arial" panose="020B0604020202020204" pitchFamily="34" charset="0"/>
+                  </a:rPr>
+                  <a:t>, </a:t>
+                </a:r>
+                <a14:m>
+                  <m:oMath xmlns:m="http://schemas.openxmlformats.org/officeDocument/2006/math">
+                    <m:r>
+                      <a:rPr lang="en-US" sz="2800" i="1" dirty="0" smtClean="0">
+                        <a:latin typeface="Cambria Math" panose="02040503050406030204" pitchFamily="18" charset="0"/>
+                        <a:cs typeface="Arial" panose="020B0604020202020204" pitchFamily="34" charset="0"/>
+                      </a:rPr>
+                      <m:t>3</m:t>
+                    </m:r>
+                    <m:r>
+                      <a:rPr lang="en-US" sz="2800" b="0" i="1" dirty="0" smtClean="0">
+                        <a:latin typeface="Cambria Math" panose="02040503050406030204" pitchFamily="18" charset="0"/>
+                        <a:cs typeface="Arial" panose="020B0604020202020204" pitchFamily="34" charset="0"/>
+                      </a:rPr>
+                      <m:t>0</m:t>
+                    </m:r>
+                    <m:r>
+                      <a:rPr lang="en-US" sz="2800" i="1">
+                        <a:latin typeface="Cambria Math" panose="02040503050406030204" pitchFamily="18" charset="0"/>
+                        <a:ea typeface="Cambria Math" panose="02040503050406030204" pitchFamily="18" charset="0"/>
+                        <a:cs typeface="Arial" panose="020B0604020202020204" pitchFamily="34" charset="0"/>
+                      </a:rPr>
+                      <m:t>×</m:t>
+                    </m:r>
+                    <m:r>
+                      <a:rPr lang="en-US" sz="2800" b="0" i="1" smtClean="0">
+                        <a:latin typeface="Cambria Math" panose="02040503050406030204" pitchFamily="18" charset="0"/>
+                        <a:ea typeface="Cambria Math" panose="02040503050406030204" pitchFamily="18" charset="0"/>
+                        <a:cs typeface="Arial" panose="020B0604020202020204" pitchFamily="34" charset="0"/>
+                      </a:rPr>
+                      <m:t>20</m:t>
+                    </m:r>
+                  </m:oMath>
+                </a14:m>
+                <a:r>
+                  <a:rPr lang="en-SG" sz="2800" dirty="0" smtClean="0">
+                    <a:latin typeface="Arial" panose="020B0604020202020204" pitchFamily="34" charset="0"/>
+                    <a:cs typeface="Arial" panose="020B0604020202020204" pitchFamily="34" charset="0"/>
+                  </a:rPr>
+                  <a:t>, </a:t>
+                </a:r>
+                <a14:m>
+                  <m:oMath xmlns:m="http://schemas.openxmlformats.org/officeDocument/2006/math">
+                    <m:r>
+                      <a:rPr lang="en-US" sz="2800" i="1" u="sng" dirty="0">
+                        <a:latin typeface="Cambria Math" panose="02040503050406030204" pitchFamily="18" charset="0"/>
+                        <a:cs typeface="Arial" panose="020B0604020202020204" pitchFamily="34" charset="0"/>
+                      </a:rPr>
+                      <m:t>50</m:t>
+                    </m:r>
+                    <m:r>
+                      <a:rPr lang="en-US" sz="2800" i="1" u="sng">
+                        <a:latin typeface="Cambria Math" panose="02040503050406030204" pitchFamily="18" charset="0"/>
+                        <a:cs typeface="Arial" panose="020B0604020202020204" pitchFamily="34" charset="0"/>
+                      </a:rPr>
+                      <m:t>×20</m:t>
+                    </m:r>
+                  </m:oMath>
+                </a14:m>
+                <a:r>
+                  <a:rPr lang="en-SG" sz="2800" dirty="0" smtClean="0">
+                    <a:latin typeface="Arial" panose="020B0604020202020204" pitchFamily="34" charset="0"/>
+                    <a:cs typeface="Arial" panose="020B0604020202020204" pitchFamily="34" charset="0"/>
+                  </a:rPr>
+                  <a:t>, </a:t>
+                </a:r>
+                <a14:m>
+                  <m:oMath xmlns:m="http://schemas.openxmlformats.org/officeDocument/2006/math">
+                    <m:r>
+                      <a:rPr lang="en-US" sz="2800" i="1" u="sng" dirty="0" smtClean="0">
+                        <a:latin typeface="Cambria Math" panose="02040503050406030204" pitchFamily="18" charset="0"/>
+                        <a:cs typeface="Arial" panose="020B0604020202020204" pitchFamily="34" charset="0"/>
+                      </a:rPr>
+                      <m:t>1</m:t>
+                    </m:r>
+                    <m:r>
+                      <a:rPr lang="en-US" sz="2800" b="0" i="1" u="sng" dirty="0" smtClean="0">
+                        <a:latin typeface="Cambria Math" panose="02040503050406030204" pitchFamily="18" charset="0"/>
+                        <a:cs typeface="Arial" panose="020B0604020202020204" pitchFamily="34" charset="0"/>
+                      </a:rPr>
+                      <m:t>00</m:t>
+                    </m:r>
+                    <m:r>
+                      <a:rPr lang="en-US" sz="2800" i="1" u="sng">
+                        <a:latin typeface="Cambria Math" panose="02040503050406030204" pitchFamily="18" charset="0"/>
+                        <a:ea typeface="Cambria Math" panose="02040503050406030204" pitchFamily="18" charset="0"/>
+                        <a:cs typeface="Arial" panose="020B0604020202020204" pitchFamily="34" charset="0"/>
+                      </a:rPr>
+                      <m:t>×</m:t>
+                    </m:r>
+                    <m:r>
+                      <a:rPr lang="en-US" sz="2800" b="0" i="1" u="sng" smtClean="0">
+                        <a:latin typeface="Cambria Math" panose="02040503050406030204" pitchFamily="18" charset="0"/>
+                        <a:ea typeface="Cambria Math" panose="02040503050406030204" pitchFamily="18" charset="0"/>
+                        <a:cs typeface="Arial" panose="020B0604020202020204" pitchFamily="34" charset="0"/>
+                      </a:rPr>
+                      <m:t>20</m:t>
+                    </m:r>
+                  </m:oMath>
+                </a14:m>
+                <a:r>
+                  <a:rPr lang="en-SG" sz="2800" dirty="0" smtClean="0">
+                    <a:latin typeface="Arial" panose="020B0604020202020204" pitchFamily="34" charset="0"/>
+                    <a:cs typeface="Arial" panose="020B0604020202020204" pitchFamily="34" charset="0"/>
+                  </a:rPr>
+                  <a:t>.</a:t>
+                </a:r>
+              </a:p>
+              <a:p>
+                <a:pPr marL="914400" lvl="1" indent="-457200">
+                  <a:buFont typeface="Wingdings" panose="05000000000000000000" pitchFamily="2" charset="2"/>
+                  <a:buChar char="q"/>
+                </a:pPr>
+                <a:r>
+                  <a:rPr lang="en-US" sz="2800" dirty="0" smtClean="0">
+                    <a:latin typeface="Arial" panose="020B0604020202020204" pitchFamily="34" charset="0"/>
+                    <a:cs typeface="Arial" panose="020B0604020202020204" pitchFamily="34" charset="0"/>
+                  </a:rPr>
+                  <a:t>Open Benchmark:</a:t>
+                </a:r>
+              </a:p>
+              <a:p>
+                <a:pPr marL="1371600" lvl="2" indent="-457200">
+                  <a:buFont typeface="Wingdings" panose="05000000000000000000" pitchFamily="2" charset="2"/>
+                  <a:buChar char="q"/>
+                </a:pPr>
+                <a:r>
+                  <a:rPr lang="en-US" sz="2800" dirty="0" err="1" smtClean="0">
+                    <a:latin typeface="Arial" panose="020B0604020202020204" pitchFamily="34" charset="0"/>
+                    <a:cs typeface="Arial" panose="020B0604020202020204" pitchFamily="34" charset="0"/>
+                  </a:rPr>
+                  <a:t>Taillard’s</a:t>
+                </a:r>
+                <a:r>
+                  <a:rPr lang="en-US" sz="2800" dirty="0" smtClean="0">
+                    <a:latin typeface="Arial" panose="020B0604020202020204" pitchFamily="34" charset="0"/>
+                    <a:cs typeface="Arial" panose="020B0604020202020204" pitchFamily="34" charset="0"/>
+                  </a:rPr>
+                  <a:t> instances: </a:t>
+                </a:r>
+                <a14:m>
+                  <m:oMath xmlns:m="http://schemas.openxmlformats.org/officeDocument/2006/math">
+                    <m:r>
+                      <a:rPr lang="en-US" sz="2800" i="1">
+                        <a:latin typeface="Cambria Math" panose="02040503050406030204" pitchFamily="18" charset="0"/>
+                        <a:cs typeface="Arial" panose="020B0604020202020204" pitchFamily="34" charset="0"/>
+                      </a:rPr>
+                      <m:t>15</m:t>
+                    </m:r>
+                    <m:r>
+                      <a:rPr lang="en-US" sz="2800" i="1">
+                        <a:latin typeface="Cambria Math" panose="02040503050406030204" pitchFamily="18" charset="0"/>
+                        <a:ea typeface="Cambria Math" panose="02040503050406030204" pitchFamily="18" charset="0"/>
+                        <a:cs typeface="Arial" panose="020B0604020202020204" pitchFamily="34" charset="0"/>
+                      </a:rPr>
+                      <m:t>×</m:t>
+                    </m:r>
+                    <m:r>
+                      <a:rPr lang="en-US" sz="2800" i="1">
+                        <a:latin typeface="Cambria Math" panose="02040503050406030204" pitchFamily="18" charset="0"/>
+                        <a:ea typeface="Cambria Math" panose="02040503050406030204" pitchFamily="18" charset="0"/>
+                        <a:cs typeface="Arial" panose="020B0604020202020204" pitchFamily="34" charset="0"/>
+                      </a:rPr>
+                      <m:t>15</m:t>
+                    </m:r>
+                  </m:oMath>
+                </a14:m>
+                <a:r>
+                  <a:rPr lang="en-SG" sz="2800" dirty="0" smtClean="0">
+                    <a:latin typeface="Arial" panose="020B0604020202020204" pitchFamily="34" charset="0"/>
+                    <a:cs typeface="Arial" panose="020B0604020202020204" pitchFamily="34" charset="0"/>
+                  </a:rPr>
+                  <a:t>, </a:t>
+                </a:r>
+                <a14:m>
+                  <m:oMath xmlns:m="http://schemas.openxmlformats.org/officeDocument/2006/math">
+                    <m:r>
+                      <a:rPr lang="en-US" sz="2800" i="1" dirty="0" smtClean="0">
+                        <a:latin typeface="Cambria Math" panose="02040503050406030204" pitchFamily="18" charset="0"/>
+                        <a:cs typeface="Arial" panose="020B0604020202020204" pitchFamily="34" charset="0"/>
+                      </a:rPr>
+                      <m:t>2</m:t>
+                    </m:r>
+                    <m:r>
+                      <a:rPr lang="en-US" sz="2800" b="0" i="1" dirty="0" smtClean="0">
+                        <a:latin typeface="Cambria Math" panose="02040503050406030204" pitchFamily="18" charset="0"/>
+                        <a:cs typeface="Arial" panose="020B0604020202020204" pitchFamily="34" charset="0"/>
+                      </a:rPr>
+                      <m:t>0</m:t>
+                    </m:r>
+                    <m:r>
+                      <a:rPr lang="en-US" sz="2800" i="1">
+                        <a:latin typeface="Cambria Math" panose="02040503050406030204" pitchFamily="18" charset="0"/>
+                        <a:ea typeface="Cambria Math" panose="02040503050406030204" pitchFamily="18" charset="0"/>
+                        <a:cs typeface="Arial" panose="020B0604020202020204" pitchFamily="34" charset="0"/>
+                      </a:rPr>
+                      <m:t>×</m:t>
+                    </m:r>
+                    <m:r>
+                      <a:rPr lang="en-US" sz="2800" i="1">
+                        <a:latin typeface="Cambria Math" panose="02040503050406030204" pitchFamily="18" charset="0"/>
+                        <a:ea typeface="Cambria Math" panose="02040503050406030204" pitchFamily="18" charset="0"/>
+                        <a:cs typeface="Arial" panose="020B0604020202020204" pitchFamily="34" charset="0"/>
+                      </a:rPr>
+                      <m:t>15</m:t>
+                    </m:r>
+                  </m:oMath>
+                </a14:m>
+                <a:r>
+                  <a:rPr lang="en-SG" sz="2800" dirty="0" smtClean="0">
+                    <a:latin typeface="Arial" panose="020B0604020202020204" pitchFamily="34" charset="0"/>
+                    <a:cs typeface="Arial" panose="020B0604020202020204" pitchFamily="34" charset="0"/>
+                  </a:rPr>
+                  <a:t>, </a:t>
+                </a:r>
+                <a14:m>
+                  <m:oMath xmlns:m="http://schemas.openxmlformats.org/officeDocument/2006/math">
+                    <m:r>
+                      <a:rPr lang="en-US" sz="2800" i="1" dirty="0" smtClean="0">
+                        <a:latin typeface="Cambria Math" panose="02040503050406030204" pitchFamily="18" charset="0"/>
+                        <a:cs typeface="Arial" panose="020B0604020202020204" pitchFamily="34" charset="0"/>
+                      </a:rPr>
+                      <m:t>2</m:t>
+                    </m:r>
+                    <m:r>
+                      <a:rPr lang="en-US" sz="2800" b="0" i="1" dirty="0" smtClean="0">
+                        <a:latin typeface="Cambria Math" panose="02040503050406030204" pitchFamily="18" charset="0"/>
+                        <a:cs typeface="Arial" panose="020B0604020202020204" pitchFamily="34" charset="0"/>
+                      </a:rPr>
+                      <m:t>0</m:t>
+                    </m:r>
+                    <m:r>
+                      <a:rPr lang="en-US" sz="2800" i="1">
+                        <a:latin typeface="Cambria Math" panose="02040503050406030204" pitchFamily="18" charset="0"/>
+                        <a:ea typeface="Cambria Math" panose="02040503050406030204" pitchFamily="18" charset="0"/>
+                        <a:cs typeface="Arial" panose="020B0604020202020204" pitchFamily="34" charset="0"/>
+                      </a:rPr>
+                      <m:t>×</m:t>
+                    </m:r>
+                    <m:r>
+                      <a:rPr lang="en-US" sz="2800" b="0" i="1" smtClean="0">
+                        <a:latin typeface="Cambria Math" panose="02040503050406030204" pitchFamily="18" charset="0"/>
+                        <a:ea typeface="Cambria Math" panose="02040503050406030204" pitchFamily="18" charset="0"/>
+                        <a:cs typeface="Arial" panose="020B0604020202020204" pitchFamily="34" charset="0"/>
+                      </a:rPr>
+                      <m:t>20</m:t>
+                    </m:r>
+                  </m:oMath>
+                </a14:m>
+                <a:r>
+                  <a:rPr lang="en-SG" sz="2800" dirty="0" smtClean="0">
+                    <a:latin typeface="Arial" panose="020B0604020202020204" pitchFamily="34" charset="0"/>
+                    <a:cs typeface="Arial" panose="020B0604020202020204" pitchFamily="34" charset="0"/>
+                  </a:rPr>
+                  <a:t>, </a:t>
+                </a:r>
+                <a14:m>
+                  <m:oMath xmlns:m="http://schemas.openxmlformats.org/officeDocument/2006/math">
+                    <m:r>
+                      <a:rPr lang="en-US" sz="2800" i="1" dirty="0" smtClean="0">
+                        <a:latin typeface="Cambria Math" panose="02040503050406030204" pitchFamily="18" charset="0"/>
+                        <a:cs typeface="Arial" panose="020B0604020202020204" pitchFamily="34" charset="0"/>
+                      </a:rPr>
+                      <m:t>3</m:t>
+                    </m:r>
+                    <m:r>
+                      <a:rPr lang="en-US" sz="2800" b="0" i="1" dirty="0" smtClean="0">
+                        <a:latin typeface="Cambria Math" panose="02040503050406030204" pitchFamily="18" charset="0"/>
+                        <a:cs typeface="Arial" panose="020B0604020202020204" pitchFamily="34" charset="0"/>
+                      </a:rPr>
+                      <m:t>0</m:t>
+                    </m:r>
+                    <m:r>
+                      <a:rPr lang="en-US" sz="2800" i="1">
+                        <a:latin typeface="Cambria Math" panose="02040503050406030204" pitchFamily="18" charset="0"/>
+                        <a:ea typeface="Cambria Math" panose="02040503050406030204" pitchFamily="18" charset="0"/>
+                        <a:cs typeface="Arial" panose="020B0604020202020204" pitchFamily="34" charset="0"/>
+                      </a:rPr>
+                      <m:t>×</m:t>
+                    </m:r>
+                    <m:r>
+                      <a:rPr lang="en-US" sz="2800" i="1">
+                        <a:latin typeface="Cambria Math" panose="02040503050406030204" pitchFamily="18" charset="0"/>
+                        <a:ea typeface="Cambria Math" panose="02040503050406030204" pitchFamily="18" charset="0"/>
+                        <a:cs typeface="Arial" panose="020B0604020202020204" pitchFamily="34" charset="0"/>
+                      </a:rPr>
+                      <m:t>15</m:t>
+                    </m:r>
+                  </m:oMath>
+                </a14:m>
+                <a:r>
+                  <a:rPr lang="en-SG" sz="2800" dirty="0" smtClean="0">
+                    <a:latin typeface="Arial" panose="020B0604020202020204" pitchFamily="34" charset="0"/>
+                    <a:cs typeface="Arial" panose="020B0604020202020204" pitchFamily="34" charset="0"/>
+                  </a:rPr>
+                  <a:t>, </a:t>
+                </a:r>
+                <a14:m>
+                  <m:oMath xmlns:m="http://schemas.openxmlformats.org/officeDocument/2006/math">
+                    <m:r>
+                      <a:rPr lang="en-US" sz="2800" i="1" dirty="0" smtClean="0">
+                        <a:latin typeface="Cambria Math" panose="02040503050406030204" pitchFamily="18" charset="0"/>
+                        <a:cs typeface="Arial" panose="020B0604020202020204" pitchFamily="34" charset="0"/>
+                      </a:rPr>
+                      <m:t>3</m:t>
+                    </m:r>
+                    <m:r>
+                      <a:rPr lang="en-US" sz="2800" b="0" i="1" dirty="0" smtClean="0">
+                        <a:latin typeface="Cambria Math" panose="02040503050406030204" pitchFamily="18" charset="0"/>
+                        <a:cs typeface="Arial" panose="020B0604020202020204" pitchFamily="34" charset="0"/>
+                      </a:rPr>
+                      <m:t>0</m:t>
+                    </m:r>
+                    <m:r>
+                      <a:rPr lang="en-US" sz="2800" i="1">
+                        <a:latin typeface="Cambria Math" panose="02040503050406030204" pitchFamily="18" charset="0"/>
+                        <a:ea typeface="Cambria Math" panose="02040503050406030204" pitchFamily="18" charset="0"/>
+                        <a:cs typeface="Arial" panose="020B0604020202020204" pitchFamily="34" charset="0"/>
+                      </a:rPr>
+                      <m:t>×</m:t>
+                    </m:r>
+                    <m:r>
+                      <a:rPr lang="en-US" sz="2800" b="0" i="1" smtClean="0">
+                        <a:latin typeface="Cambria Math" panose="02040503050406030204" pitchFamily="18" charset="0"/>
+                        <a:ea typeface="Cambria Math" panose="02040503050406030204" pitchFamily="18" charset="0"/>
+                        <a:cs typeface="Arial" panose="020B0604020202020204" pitchFamily="34" charset="0"/>
+                      </a:rPr>
+                      <m:t>20</m:t>
+                    </m:r>
+                  </m:oMath>
+                </a14:m>
+                <a:r>
+                  <a:rPr lang="en-SG" sz="2800" dirty="0" smtClean="0">
+                    <a:latin typeface="Arial" panose="020B0604020202020204" pitchFamily="34" charset="0"/>
+                    <a:cs typeface="Arial" panose="020B0604020202020204" pitchFamily="34" charset="0"/>
+                  </a:rPr>
+                  <a:t>, </a:t>
+                </a:r>
+                <a14:m>
+                  <m:oMath xmlns:m="http://schemas.openxmlformats.org/officeDocument/2006/math">
+                    <m:r>
+                      <a:rPr lang="en-US" sz="2800" i="1" u="sng" dirty="0" smtClean="0">
+                        <a:latin typeface="Cambria Math" panose="02040503050406030204" pitchFamily="18" charset="0"/>
+                        <a:cs typeface="Arial" panose="020B0604020202020204" pitchFamily="34" charset="0"/>
+                      </a:rPr>
+                      <m:t>5</m:t>
+                    </m:r>
+                    <m:r>
+                      <a:rPr lang="en-US" sz="2800" b="0" i="1" u="sng" dirty="0" smtClean="0">
+                        <a:latin typeface="Cambria Math" panose="02040503050406030204" pitchFamily="18" charset="0"/>
+                        <a:cs typeface="Arial" panose="020B0604020202020204" pitchFamily="34" charset="0"/>
+                      </a:rPr>
+                      <m:t>0</m:t>
+                    </m:r>
+                    <m:r>
+                      <a:rPr lang="en-US" sz="2800" i="1" u="sng">
+                        <a:latin typeface="Cambria Math" panose="02040503050406030204" pitchFamily="18" charset="0"/>
+                        <a:ea typeface="Cambria Math" panose="02040503050406030204" pitchFamily="18" charset="0"/>
+                        <a:cs typeface="Arial" panose="020B0604020202020204" pitchFamily="34" charset="0"/>
+                      </a:rPr>
+                      <m:t>×</m:t>
+                    </m:r>
+                    <m:r>
+                      <a:rPr lang="en-US" sz="2800" i="1" u="sng">
+                        <a:latin typeface="Cambria Math" panose="02040503050406030204" pitchFamily="18" charset="0"/>
+                        <a:ea typeface="Cambria Math" panose="02040503050406030204" pitchFamily="18" charset="0"/>
+                        <a:cs typeface="Arial" panose="020B0604020202020204" pitchFamily="34" charset="0"/>
+                      </a:rPr>
+                      <m:t>15</m:t>
+                    </m:r>
+                  </m:oMath>
+                </a14:m>
+                <a:r>
+                  <a:rPr lang="en-SG" sz="2800" dirty="0" smtClean="0">
+                    <a:latin typeface="Arial" panose="020B0604020202020204" pitchFamily="34" charset="0"/>
+                    <a:cs typeface="Arial" panose="020B0604020202020204" pitchFamily="34" charset="0"/>
+                  </a:rPr>
+                  <a:t>, </a:t>
+                </a:r>
+                <a14:m>
+                  <m:oMath xmlns:m="http://schemas.openxmlformats.org/officeDocument/2006/math">
+                    <m:r>
+                      <a:rPr lang="en-US" sz="2800" i="1" dirty="0" smtClean="0">
+                        <a:latin typeface="Cambria Math" panose="02040503050406030204" pitchFamily="18" charset="0"/>
+                        <a:cs typeface="Arial" panose="020B0604020202020204" pitchFamily="34" charset="0"/>
+                      </a:rPr>
+                      <m:t>5</m:t>
+                    </m:r>
+                    <m:r>
+                      <a:rPr lang="en-US" sz="2800" b="0" i="1" dirty="0" smtClean="0">
+                        <a:latin typeface="Cambria Math" panose="02040503050406030204" pitchFamily="18" charset="0"/>
+                        <a:cs typeface="Arial" panose="020B0604020202020204" pitchFamily="34" charset="0"/>
+                      </a:rPr>
+                      <m:t>0</m:t>
+                    </m:r>
+                    <m:r>
+                      <a:rPr lang="en-US" sz="2800" i="1">
+                        <a:latin typeface="Cambria Math" panose="02040503050406030204" pitchFamily="18" charset="0"/>
+                        <a:ea typeface="Cambria Math" panose="02040503050406030204" pitchFamily="18" charset="0"/>
+                        <a:cs typeface="Arial" panose="020B0604020202020204" pitchFamily="34" charset="0"/>
+                      </a:rPr>
+                      <m:t>×</m:t>
+                    </m:r>
+                    <m:r>
+                      <a:rPr lang="en-US" sz="2800" b="0" i="1" smtClean="0">
+                        <a:latin typeface="Cambria Math" panose="02040503050406030204" pitchFamily="18" charset="0"/>
+                        <a:ea typeface="Cambria Math" panose="02040503050406030204" pitchFamily="18" charset="0"/>
+                        <a:cs typeface="Arial" panose="020B0604020202020204" pitchFamily="34" charset="0"/>
+                      </a:rPr>
+                      <m:t>20</m:t>
+                    </m:r>
+                  </m:oMath>
+                </a14:m>
+                <a:r>
+                  <a:rPr lang="en-SG" sz="2800" dirty="0" smtClean="0">
+                    <a:latin typeface="Arial" panose="020B0604020202020204" pitchFamily="34" charset="0"/>
+                    <a:cs typeface="Arial" panose="020B0604020202020204" pitchFamily="34" charset="0"/>
+                  </a:rPr>
+                  <a:t>, </a:t>
+                </a:r>
+                <a14:m>
+                  <m:oMath xmlns:m="http://schemas.openxmlformats.org/officeDocument/2006/math">
+                    <m:r>
+                      <a:rPr lang="en-US" sz="2800" i="1" dirty="0" smtClean="0">
+                        <a:latin typeface="Cambria Math" panose="02040503050406030204" pitchFamily="18" charset="0"/>
+                        <a:cs typeface="Arial" panose="020B0604020202020204" pitchFamily="34" charset="0"/>
+                      </a:rPr>
+                      <m:t>1</m:t>
+                    </m:r>
+                    <m:r>
+                      <a:rPr lang="en-US" sz="2800" b="0" i="1" dirty="0" smtClean="0">
+                        <a:latin typeface="Cambria Math" panose="02040503050406030204" pitchFamily="18" charset="0"/>
+                        <a:cs typeface="Arial" panose="020B0604020202020204" pitchFamily="34" charset="0"/>
+                      </a:rPr>
+                      <m:t>00</m:t>
+                    </m:r>
+                    <m:r>
+                      <a:rPr lang="en-US" sz="2800" i="1">
+                        <a:latin typeface="Cambria Math" panose="02040503050406030204" pitchFamily="18" charset="0"/>
+                        <a:ea typeface="Cambria Math" panose="02040503050406030204" pitchFamily="18" charset="0"/>
+                        <a:cs typeface="Arial" panose="020B0604020202020204" pitchFamily="34" charset="0"/>
+                      </a:rPr>
+                      <m:t>×</m:t>
+                    </m:r>
+                    <m:r>
+                      <a:rPr lang="en-US" sz="2800" b="0" i="1" smtClean="0">
+                        <a:latin typeface="Cambria Math" panose="02040503050406030204" pitchFamily="18" charset="0"/>
+                        <a:ea typeface="Cambria Math" panose="02040503050406030204" pitchFamily="18" charset="0"/>
+                        <a:cs typeface="Arial" panose="020B0604020202020204" pitchFamily="34" charset="0"/>
+                      </a:rPr>
+                      <m:t>20</m:t>
+                    </m:r>
+                  </m:oMath>
+                </a14:m>
+                <a:r>
+                  <a:rPr lang="en-SG" sz="2800" dirty="0" smtClean="0">
+                    <a:latin typeface="Arial" panose="020B0604020202020204" pitchFamily="34" charset="0"/>
+                    <a:cs typeface="Arial" panose="020B0604020202020204" pitchFamily="34" charset="0"/>
+                  </a:rPr>
+                  <a:t>.</a:t>
+                </a:r>
+              </a:p>
+              <a:p>
+                <a:pPr marL="1371600" lvl="2" indent="-457200">
+                  <a:buFont typeface="Wingdings" panose="05000000000000000000" pitchFamily="2" charset="2"/>
+                  <a:buChar char="q"/>
+                </a:pPr>
+                <a:r>
+                  <a:rPr lang="en-US" sz="2800" dirty="0" smtClean="0">
+                    <a:latin typeface="Arial" panose="020B0604020202020204" pitchFamily="34" charset="0"/>
+                    <a:cs typeface="Arial" panose="020B0604020202020204" pitchFamily="34" charset="0"/>
+                  </a:rPr>
+                  <a:t>DMU instances: </a:t>
+                </a:r>
+                <a14:m>
+                  <m:oMath xmlns:m="http://schemas.openxmlformats.org/officeDocument/2006/math">
+                    <m:r>
+                      <a:rPr lang="en-US" sz="2800" i="1" dirty="0" smtClean="0">
+                        <a:latin typeface="Cambria Math" panose="02040503050406030204" pitchFamily="18" charset="0"/>
+                        <a:cs typeface="Arial" panose="020B0604020202020204" pitchFamily="34" charset="0"/>
+                      </a:rPr>
+                      <m:t>2</m:t>
+                    </m:r>
+                    <m:r>
+                      <a:rPr lang="en-US" sz="2800" b="0" i="1" dirty="0" smtClean="0">
+                        <a:latin typeface="Cambria Math" panose="02040503050406030204" pitchFamily="18" charset="0"/>
+                        <a:cs typeface="Arial" panose="020B0604020202020204" pitchFamily="34" charset="0"/>
+                      </a:rPr>
+                      <m:t>0</m:t>
+                    </m:r>
+                    <m:r>
+                      <a:rPr lang="en-US" sz="2800" i="1">
+                        <a:latin typeface="Cambria Math" panose="02040503050406030204" pitchFamily="18" charset="0"/>
+                        <a:ea typeface="Cambria Math" panose="02040503050406030204" pitchFamily="18" charset="0"/>
+                        <a:cs typeface="Arial" panose="020B0604020202020204" pitchFamily="34" charset="0"/>
+                      </a:rPr>
+                      <m:t>×</m:t>
+                    </m:r>
+                    <m:r>
+                      <a:rPr lang="en-US" sz="2800" i="1">
+                        <a:latin typeface="Cambria Math" panose="02040503050406030204" pitchFamily="18" charset="0"/>
+                        <a:ea typeface="Cambria Math" panose="02040503050406030204" pitchFamily="18" charset="0"/>
+                        <a:cs typeface="Arial" panose="020B0604020202020204" pitchFamily="34" charset="0"/>
+                      </a:rPr>
+                      <m:t>15</m:t>
+                    </m:r>
+                  </m:oMath>
+                </a14:m>
+                <a:r>
+                  <a:rPr lang="en-SG" sz="2800" dirty="0" smtClean="0">
+                    <a:latin typeface="Arial" panose="020B0604020202020204" pitchFamily="34" charset="0"/>
+                    <a:cs typeface="Arial" panose="020B0604020202020204" pitchFamily="34" charset="0"/>
+                  </a:rPr>
+                  <a:t>, </a:t>
+                </a:r>
+                <a14:m>
+                  <m:oMath xmlns:m="http://schemas.openxmlformats.org/officeDocument/2006/math">
+                    <m:r>
+                      <a:rPr lang="en-US" sz="2800" i="1" dirty="0" smtClean="0">
+                        <a:latin typeface="Cambria Math" panose="02040503050406030204" pitchFamily="18" charset="0"/>
+                        <a:cs typeface="Arial" panose="020B0604020202020204" pitchFamily="34" charset="0"/>
+                      </a:rPr>
+                      <m:t>2</m:t>
+                    </m:r>
+                    <m:r>
+                      <a:rPr lang="en-US" sz="2800" b="0" i="1" dirty="0" smtClean="0">
+                        <a:latin typeface="Cambria Math" panose="02040503050406030204" pitchFamily="18" charset="0"/>
+                        <a:cs typeface="Arial" panose="020B0604020202020204" pitchFamily="34" charset="0"/>
+                      </a:rPr>
+                      <m:t>0</m:t>
+                    </m:r>
+                    <m:r>
+                      <a:rPr lang="en-US" sz="2800" i="1">
+                        <a:latin typeface="Cambria Math" panose="02040503050406030204" pitchFamily="18" charset="0"/>
+                        <a:ea typeface="Cambria Math" panose="02040503050406030204" pitchFamily="18" charset="0"/>
+                        <a:cs typeface="Arial" panose="020B0604020202020204" pitchFamily="34" charset="0"/>
+                      </a:rPr>
+                      <m:t>×</m:t>
+                    </m:r>
+                    <m:r>
+                      <a:rPr lang="en-US" sz="2800" b="0" i="1" smtClean="0">
+                        <a:latin typeface="Cambria Math" panose="02040503050406030204" pitchFamily="18" charset="0"/>
+                        <a:ea typeface="Cambria Math" panose="02040503050406030204" pitchFamily="18" charset="0"/>
+                        <a:cs typeface="Arial" panose="020B0604020202020204" pitchFamily="34" charset="0"/>
+                      </a:rPr>
+                      <m:t>20</m:t>
+                    </m:r>
+                  </m:oMath>
+                </a14:m>
+                <a:r>
+                  <a:rPr lang="en-SG" sz="2800" dirty="0" smtClean="0">
+                    <a:latin typeface="Arial" panose="020B0604020202020204" pitchFamily="34" charset="0"/>
+                    <a:cs typeface="Arial" panose="020B0604020202020204" pitchFamily="34" charset="0"/>
+                  </a:rPr>
+                  <a:t>, </a:t>
+                </a:r>
+                <a14:m>
+                  <m:oMath xmlns:m="http://schemas.openxmlformats.org/officeDocument/2006/math">
+                    <m:r>
+                      <a:rPr lang="en-US" sz="2800" i="1" dirty="0" smtClean="0">
+                        <a:latin typeface="Cambria Math" panose="02040503050406030204" pitchFamily="18" charset="0"/>
+                        <a:cs typeface="Arial" panose="020B0604020202020204" pitchFamily="34" charset="0"/>
+                      </a:rPr>
+                      <m:t>3</m:t>
+                    </m:r>
+                    <m:r>
+                      <a:rPr lang="en-US" sz="2800" b="0" i="1" dirty="0" smtClean="0">
+                        <a:latin typeface="Cambria Math" panose="02040503050406030204" pitchFamily="18" charset="0"/>
+                        <a:cs typeface="Arial" panose="020B0604020202020204" pitchFamily="34" charset="0"/>
+                      </a:rPr>
+                      <m:t>0</m:t>
+                    </m:r>
+                    <m:r>
+                      <a:rPr lang="en-US" sz="2800" i="1">
+                        <a:latin typeface="Cambria Math" panose="02040503050406030204" pitchFamily="18" charset="0"/>
+                        <a:ea typeface="Cambria Math" panose="02040503050406030204" pitchFamily="18" charset="0"/>
+                        <a:cs typeface="Arial" panose="020B0604020202020204" pitchFamily="34" charset="0"/>
+                      </a:rPr>
+                      <m:t>×</m:t>
+                    </m:r>
+                    <m:r>
+                      <a:rPr lang="en-US" sz="2800" i="1">
+                        <a:latin typeface="Cambria Math" panose="02040503050406030204" pitchFamily="18" charset="0"/>
+                        <a:ea typeface="Cambria Math" panose="02040503050406030204" pitchFamily="18" charset="0"/>
+                        <a:cs typeface="Arial" panose="020B0604020202020204" pitchFamily="34" charset="0"/>
+                      </a:rPr>
+                      <m:t>15</m:t>
+                    </m:r>
+                  </m:oMath>
+                </a14:m>
+                <a:r>
+                  <a:rPr lang="en-SG" sz="2800" dirty="0" smtClean="0">
+                    <a:latin typeface="Arial" panose="020B0604020202020204" pitchFamily="34" charset="0"/>
+                    <a:cs typeface="Arial" panose="020B0604020202020204" pitchFamily="34" charset="0"/>
+                  </a:rPr>
+                  <a:t>, </a:t>
+                </a:r>
+                <a14:m>
+                  <m:oMath xmlns:m="http://schemas.openxmlformats.org/officeDocument/2006/math">
+                    <m:r>
+                      <a:rPr lang="en-US" sz="2800" i="1" dirty="0" smtClean="0">
+                        <a:latin typeface="Cambria Math" panose="02040503050406030204" pitchFamily="18" charset="0"/>
+                        <a:cs typeface="Arial" panose="020B0604020202020204" pitchFamily="34" charset="0"/>
+                      </a:rPr>
+                      <m:t>3</m:t>
+                    </m:r>
+                    <m:r>
+                      <a:rPr lang="en-US" sz="2800" b="0" i="1" dirty="0" smtClean="0">
+                        <a:latin typeface="Cambria Math" panose="02040503050406030204" pitchFamily="18" charset="0"/>
+                        <a:cs typeface="Arial" panose="020B0604020202020204" pitchFamily="34" charset="0"/>
+                      </a:rPr>
+                      <m:t>0</m:t>
+                    </m:r>
+                    <m:r>
+                      <a:rPr lang="en-US" sz="2800" i="1">
+                        <a:latin typeface="Cambria Math" panose="02040503050406030204" pitchFamily="18" charset="0"/>
+                        <a:ea typeface="Cambria Math" panose="02040503050406030204" pitchFamily="18" charset="0"/>
+                        <a:cs typeface="Arial" panose="020B0604020202020204" pitchFamily="34" charset="0"/>
+                      </a:rPr>
+                      <m:t>×</m:t>
+                    </m:r>
+                    <m:r>
+                      <a:rPr lang="en-US" sz="2800" b="0" i="1" smtClean="0">
+                        <a:latin typeface="Cambria Math" panose="02040503050406030204" pitchFamily="18" charset="0"/>
+                        <a:ea typeface="Cambria Math" panose="02040503050406030204" pitchFamily="18" charset="0"/>
+                        <a:cs typeface="Arial" panose="020B0604020202020204" pitchFamily="34" charset="0"/>
+                      </a:rPr>
+                      <m:t>20</m:t>
+                    </m:r>
+                  </m:oMath>
+                </a14:m>
+                <a:r>
+                  <a:rPr lang="en-SG" sz="2800" dirty="0" smtClean="0">
+                    <a:latin typeface="Arial" panose="020B0604020202020204" pitchFamily="34" charset="0"/>
+                    <a:cs typeface="Arial" panose="020B0604020202020204" pitchFamily="34" charset="0"/>
+                  </a:rPr>
+                  <a:t>, </a:t>
+                </a:r>
+                <a14:m>
+                  <m:oMath xmlns:m="http://schemas.openxmlformats.org/officeDocument/2006/math">
+                    <m:r>
+                      <a:rPr lang="en-US" sz="2800" i="1" u="sng" dirty="0" smtClean="0">
+                        <a:latin typeface="Cambria Math" panose="02040503050406030204" pitchFamily="18" charset="0"/>
+                        <a:cs typeface="Arial" panose="020B0604020202020204" pitchFamily="34" charset="0"/>
+                      </a:rPr>
+                      <m:t>4</m:t>
+                    </m:r>
+                    <m:r>
+                      <a:rPr lang="en-US" sz="2800" b="0" i="1" u="sng" dirty="0" smtClean="0">
+                        <a:latin typeface="Cambria Math" panose="02040503050406030204" pitchFamily="18" charset="0"/>
+                        <a:cs typeface="Arial" panose="020B0604020202020204" pitchFamily="34" charset="0"/>
+                      </a:rPr>
+                      <m:t>0</m:t>
+                    </m:r>
+                    <m:r>
+                      <a:rPr lang="en-US" sz="2800" i="1" u="sng">
+                        <a:latin typeface="Cambria Math" panose="02040503050406030204" pitchFamily="18" charset="0"/>
+                        <a:ea typeface="Cambria Math" panose="02040503050406030204" pitchFamily="18" charset="0"/>
+                        <a:cs typeface="Arial" panose="020B0604020202020204" pitchFamily="34" charset="0"/>
+                      </a:rPr>
+                      <m:t>×</m:t>
+                    </m:r>
+                    <m:r>
+                      <a:rPr lang="en-US" sz="2800" i="1" u="sng">
+                        <a:latin typeface="Cambria Math" panose="02040503050406030204" pitchFamily="18" charset="0"/>
+                        <a:ea typeface="Cambria Math" panose="02040503050406030204" pitchFamily="18" charset="0"/>
+                        <a:cs typeface="Arial" panose="020B0604020202020204" pitchFamily="34" charset="0"/>
+                      </a:rPr>
+                      <m:t>15</m:t>
+                    </m:r>
+                  </m:oMath>
+                </a14:m>
+                <a:r>
+                  <a:rPr lang="en-SG" sz="2800" dirty="0" smtClean="0">
+                    <a:latin typeface="Arial" panose="020B0604020202020204" pitchFamily="34" charset="0"/>
+                    <a:cs typeface="Arial" panose="020B0604020202020204" pitchFamily="34" charset="0"/>
+                  </a:rPr>
+                  <a:t>, </a:t>
+                </a:r>
+                <a14:m>
+                  <m:oMath xmlns:m="http://schemas.openxmlformats.org/officeDocument/2006/math">
+                    <m:r>
+                      <a:rPr lang="en-US" sz="2800" i="1" u="sng" dirty="0" smtClean="0">
+                        <a:latin typeface="Cambria Math" panose="02040503050406030204" pitchFamily="18" charset="0"/>
+                        <a:cs typeface="Arial" panose="020B0604020202020204" pitchFamily="34" charset="0"/>
+                      </a:rPr>
+                      <m:t>4</m:t>
+                    </m:r>
+                    <m:r>
+                      <a:rPr lang="en-US" sz="2800" b="0" i="1" u="sng" dirty="0" smtClean="0">
+                        <a:latin typeface="Cambria Math" panose="02040503050406030204" pitchFamily="18" charset="0"/>
+                        <a:cs typeface="Arial" panose="020B0604020202020204" pitchFamily="34" charset="0"/>
+                      </a:rPr>
+                      <m:t>0</m:t>
+                    </m:r>
+                    <m:r>
+                      <a:rPr lang="en-US" sz="2800" i="1" u="sng">
+                        <a:latin typeface="Cambria Math" panose="02040503050406030204" pitchFamily="18" charset="0"/>
+                        <a:ea typeface="Cambria Math" panose="02040503050406030204" pitchFamily="18" charset="0"/>
+                        <a:cs typeface="Arial" panose="020B0604020202020204" pitchFamily="34" charset="0"/>
+                      </a:rPr>
+                      <m:t>×</m:t>
+                    </m:r>
+                    <m:r>
+                      <a:rPr lang="en-US" sz="2800" b="0" i="1" u="sng" smtClean="0">
+                        <a:latin typeface="Cambria Math" panose="02040503050406030204" pitchFamily="18" charset="0"/>
+                        <a:ea typeface="Cambria Math" panose="02040503050406030204" pitchFamily="18" charset="0"/>
+                        <a:cs typeface="Arial" panose="020B0604020202020204" pitchFamily="34" charset="0"/>
+                      </a:rPr>
+                      <m:t>20</m:t>
+                    </m:r>
+                  </m:oMath>
+                </a14:m>
+                <a:r>
+                  <a:rPr lang="en-SG" sz="2800" dirty="0" smtClean="0">
+                    <a:latin typeface="Arial" panose="020B0604020202020204" pitchFamily="34" charset="0"/>
+                    <a:cs typeface="Arial" panose="020B0604020202020204" pitchFamily="34" charset="0"/>
+                  </a:rPr>
+                  <a:t>, </a:t>
+                </a:r>
+                <a14:m>
+                  <m:oMath xmlns:m="http://schemas.openxmlformats.org/officeDocument/2006/math">
+                    <m:r>
+                      <a:rPr lang="en-US" sz="2800" i="1" dirty="0" smtClean="0">
+                        <a:latin typeface="Cambria Math" panose="02040503050406030204" pitchFamily="18" charset="0"/>
+                        <a:cs typeface="Arial" panose="020B0604020202020204" pitchFamily="34" charset="0"/>
+                      </a:rPr>
+                      <m:t>5</m:t>
+                    </m:r>
+                    <m:r>
+                      <a:rPr lang="en-US" sz="2800" b="0" i="1" dirty="0" smtClean="0">
+                        <a:latin typeface="Cambria Math" panose="02040503050406030204" pitchFamily="18" charset="0"/>
+                        <a:cs typeface="Arial" panose="020B0604020202020204" pitchFamily="34" charset="0"/>
+                      </a:rPr>
+                      <m:t>0</m:t>
+                    </m:r>
+                    <m:r>
+                      <a:rPr lang="en-US" sz="2800" i="1">
+                        <a:latin typeface="Cambria Math" panose="02040503050406030204" pitchFamily="18" charset="0"/>
+                        <a:ea typeface="Cambria Math" panose="02040503050406030204" pitchFamily="18" charset="0"/>
+                        <a:cs typeface="Arial" panose="020B0604020202020204" pitchFamily="34" charset="0"/>
+                      </a:rPr>
+                      <m:t>×</m:t>
+                    </m:r>
+                    <m:r>
+                      <a:rPr lang="en-US" sz="2800" i="1">
+                        <a:latin typeface="Cambria Math" panose="02040503050406030204" pitchFamily="18" charset="0"/>
+                        <a:ea typeface="Cambria Math" panose="02040503050406030204" pitchFamily="18" charset="0"/>
+                        <a:cs typeface="Arial" panose="020B0604020202020204" pitchFamily="34" charset="0"/>
+                      </a:rPr>
+                      <m:t>15</m:t>
+                    </m:r>
+                  </m:oMath>
+                </a14:m>
+                <a:r>
+                  <a:rPr lang="en-SG" sz="2800" dirty="0" smtClean="0">
+                    <a:latin typeface="Arial" panose="020B0604020202020204" pitchFamily="34" charset="0"/>
+                    <a:cs typeface="Arial" panose="020B0604020202020204" pitchFamily="34" charset="0"/>
+                  </a:rPr>
+                  <a:t>, </a:t>
+                </a:r>
+                <a14:m>
+                  <m:oMath xmlns:m="http://schemas.openxmlformats.org/officeDocument/2006/math">
+                    <m:r>
+                      <a:rPr lang="en-US" sz="2800" i="1" dirty="0" smtClean="0">
+                        <a:latin typeface="Cambria Math" panose="02040503050406030204" pitchFamily="18" charset="0"/>
+                        <a:cs typeface="Arial" panose="020B0604020202020204" pitchFamily="34" charset="0"/>
+                      </a:rPr>
+                      <m:t>5</m:t>
+                    </m:r>
+                    <m:r>
+                      <a:rPr lang="en-US" sz="2800" b="0" i="1" dirty="0" smtClean="0">
+                        <a:latin typeface="Cambria Math" panose="02040503050406030204" pitchFamily="18" charset="0"/>
+                        <a:cs typeface="Arial" panose="020B0604020202020204" pitchFamily="34" charset="0"/>
+                      </a:rPr>
+                      <m:t>0</m:t>
+                    </m:r>
+                    <m:r>
+                      <a:rPr lang="en-US" sz="2800" i="1">
+                        <a:latin typeface="Cambria Math" panose="02040503050406030204" pitchFamily="18" charset="0"/>
+                        <a:ea typeface="Cambria Math" panose="02040503050406030204" pitchFamily="18" charset="0"/>
+                        <a:cs typeface="Arial" panose="020B0604020202020204" pitchFamily="34" charset="0"/>
+                      </a:rPr>
+                      <m:t>×</m:t>
+                    </m:r>
+                    <m:r>
+                      <a:rPr lang="en-US" sz="2800" b="0" i="1" smtClean="0">
+                        <a:latin typeface="Cambria Math" panose="02040503050406030204" pitchFamily="18" charset="0"/>
+                        <a:ea typeface="Cambria Math" panose="02040503050406030204" pitchFamily="18" charset="0"/>
+                        <a:cs typeface="Arial" panose="020B0604020202020204" pitchFamily="34" charset="0"/>
+                      </a:rPr>
+                      <m:t>20</m:t>
+                    </m:r>
+                  </m:oMath>
+                </a14:m>
+                <a:endParaRPr lang="en-SG" sz="2800" dirty="0" smtClean="0">
+                  <a:latin typeface="Arial" panose="020B0604020202020204" pitchFamily="34" charset="0"/>
+                  <a:cs typeface="Arial" panose="020B0604020202020204" pitchFamily="34" charset="0"/>
+                </a:endParaRPr>
+              </a:p>
+              <a:p>
+                <a:pPr marL="1371600" lvl="2" indent="-457200">
+                  <a:buFont typeface="Wingdings" panose="05000000000000000000" pitchFamily="2" charset="2"/>
+                  <a:buChar char="q"/>
+                </a:pPr>
+                <a:endParaRPr lang="en-US" sz="2800" dirty="0">
+                  <a:latin typeface="Arial" panose="020B0604020202020204" pitchFamily="34" charset="0"/>
+                  <a:cs typeface="Arial" panose="020B0604020202020204" pitchFamily="34" charset="0"/>
+                </a:endParaRPr>
+              </a:p>
+              <a:p>
+                <a:pPr marL="457200" indent="-457200">
+                  <a:buFont typeface="Wingdings" panose="05000000000000000000" pitchFamily="2" charset="2"/>
+                  <a:buChar char="q"/>
+                </a:pPr>
+                <a:r>
+                  <a:rPr lang="en-US" sz="2800" dirty="0" smtClean="0">
+                    <a:latin typeface="Arial" panose="020B0604020202020204" pitchFamily="34" charset="0"/>
+                    <a:cs typeface="Arial" panose="020B0604020202020204" pitchFamily="34" charset="0"/>
+                  </a:rPr>
+                  <a:t>Baselines:</a:t>
+                </a:r>
+                <a:r>
+                  <a:rPr lang="en-SG" sz="2800" dirty="0" smtClean="0">
+                    <a:latin typeface="Arial" panose="020B0604020202020204" pitchFamily="34" charset="0"/>
+                    <a:cs typeface="Arial" panose="020B0604020202020204" pitchFamily="34" charset="0"/>
+                  </a:rPr>
+                  <a:t> </a:t>
+                </a:r>
+                <a:endParaRPr lang="en-SG" sz="2800" dirty="0">
+                  <a:latin typeface="Arial" panose="020B0604020202020204" pitchFamily="34" charset="0"/>
+                  <a:cs typeface="Arial" panose="020B0604020202020204" pitchFamily="34" charset="0"/>
+                </a:endParaRPr>
+              </a:p>
+              <a:p>
+                <a:pPr lvl="1"/>
+                <a:r>
+                  <a:rPr lang="en-US" sz="2800" dirty="0" smtClean="0">
+                    <a:latin typeface="Arial" panose="020B0604020202020204" pitchFamily="34" charset="0"/>
+                    <a:cs typeface="Arial" panose="020B0604020202020204" pitchFamily="34" charset="0"/>
+                  </a:rPr>
+                  <a:t>Four existing strongest PDRs: SPT, MWKR, FDD/MWKR, MOPNR</a:t>
+                </a:r>
+              </a:p>
+            </p:txBody>
+          </p:sp>
+        </mc:Choice>
+        <mc:Fallback>
+          <p:sp>
+            <p:nvSpPr>
+              <p:cNvPr id="4" name="TextBox 3"/>
+              <p:cNvSpPr txBox="1">
+                <a:spLocks noRot="1" noChangeAspect="1" noMove="1" noResize="1" noEditPoints="1" noAdjustHandles="1" noChangeArrowheads="1" noChangeShapeType="1" noTextEdit="1"/>
+              </p:cNvSpPr>
+              <p:nvPr/>
+            </p:nvSpPr>
+            <p:spPr>
+              <a:xfrm>
+                <a:off x="142875" y="867508"/>
+                <a:ext cx="11916263" cy="4832092"/>
+              </a:xfrm>
+              <a:prstGeom prst="rect">
+                <a:avLst/>
+              </a:prstGeom>
+              <a:blipFill>
+                <a:blip r:embed="rId4"/>
+                <a:stretch>
+                  <a:fillRect l="-870" t="-1261" r="-1893" b="-2522"/>
+                </a:stretch>
+              </a:blipFill>
+            </p:spPr>
+            <p:txBody>
+              <a:bodyPr/>
+              <a:lstStyle/>
+              <a:p>
+                <a:r>
+                  <a:rPr lang="en-SG">
+                    <a:noFill/>
+                  </a:rPr>
+                  <a:t> </a:t>
+                </a:r>
+              </a:p>
+            </p:txBody>
+          </p:sp>
+        </mc:Fallback>
+      </mc:AlternateContent>
     </p:spTree>
     <p:extLst>
       <p:ext uri="{BB962C8B-B14F-4D97-AF65-F5344CB8AC3E}">
@@ -5764,6 +6863,13 @@
   <p:transition spd="slow">
     <p:push dir="u"/>
   </p:transition>
+  <p:timing>
+    <p:tnLst>
+      <p:par>
+        <p:cTn id="1" dur="indefinite" restart="never" nodeType="tmRoot"/>
+      </p:par>
+    </p:tnLst>
+  </p:timing>
 </p:sld>
 </file>
 
@@ -5909,7 +7015,7 @@
                 <a:latin typeface="Arial" panose="020B0604020202020204" pitchFamily="34" charset="0"/>
                 <a:cs typeface="Arial" panose="020B0604020202020204" pitchFamily="34" charset="0"/>
               </a:rPr>
-              <a:t>Results</a:t>
+              <a:t>Results on Synthetic Dataset</a:t>
             </a:r>
             <a:endParaRPr lang="en-SG" sz="2000" b="1" dirty="0">
               <a:solidFill>
@@ -6228,6 +7334,160 @@
           </a:p>
         </p:txBody>
       </p:sp>
+      <p:pic>
+        <p:nvPicPr>
+          <p:cNvPr id="4" name="Picture 3"/>
+          <p:cNvPicPr>
+            <a:picLocks noChangeAspect="1"/>
+          </p:cNvPicPr>
+          <p:nvPr/>
+        </p:nvPicPr>
+        <p:blipFill>
+          <a:blip r:embed="rId4"/>
+          <a:stretch>
+            <a:fillRect/>
+          </a:stretch>
+        </p:blipFill>
+        <p:spPr>
+          <a:xfrm>
+            <a:off x="2116589" y="656033"/>
+            <a:ext cx="7962304" cy="3931263"/>
+          </a:xfrm>
+          <a:prstGeom prst="rect">
+            <a:avLst/>
+          </a:prstGeom>
+        </p:spPr>
+      </p:pic>
+      <p:sp>
+        <p:nvSpPr>
+          <p:cNvPr id="5" name="Rectangle 4"/>
+          <p:cNvSpPr/>
+          <p:nvPr/>
+        </p:nvSpPr>
+        <p:spPr>
+          <a:xfrm>
+            <a:off x="7632275" y="679467"/>
+            <a:ext cx="715533" cy="3486813"/>
+          </a:xfrm>
+          <a:prstGeom prst="rect">
+            <a:avLst/>
+          </a:prstGeom>
+          <a:noFill/>
+          <a:ln w="38100">
+            <a:solidFill>
+              <a:srgbClr val="FF0000"/>
+            </a:solidFill>
+            <a:prstDash val="sysDash"/>
+          </a:ln>
+        </p:spPr>
+        <p:style>
+          <a:lnRef idx="2">
+            <a:schemeClr val="accent1">
+              <a:shade val="50000"/>
+            </a:schemeClr>
+          </a:lnRef>
+          <a:fillRef idx="1">
+            <a:schemeClr val="accent1"/>
+          </a:fillRef>
+          <a:effectRef idx="0">
+            <a:schemeClr val="accent1"/>
+          </a:effectRef>
+          <a:fontRef idx="minor">
+            <a:schemeClr val="lt1"/>
+          </a:fontRef>
+        </p:style>
+        <p:txBody>
+          <a:bodyPr rtlCol="0" anchor="ctr"/>
+          <a:lstStyle/>
+          <a:p>
+            <a:pPr algn="ctr"/>
+            <a:endParaRPr lang="en-SG">
+              <a:ln w="28575">
+                <a:solidFill>
+                  <a:schemeClr val="tx1"/>
+                </a:solidFill>
+              </a:ln>
+            </a:endParaRPr>
+          </a:p>
+        </p:txBody>
+      </p:sp>
+      <p:pic>
+        <p:nvPicPr>
+          <p:cNvPr id="6" name="Picture 5"/>
+          <p:cNvPicPr>
+            <a:picLocks noChangeAspect="1"/>
+          </p:cNvPicPr>
+          <p:nvPr/>
+        </p:nvPicPr>
+        <p:blipFill>
+          <a:blip r:embed="rId5"/>
+          <a:stretch>
+            <a:fillRect/>
+          </a:stretch>
+        </p:blipFill>
+        <p:spPr>
+          <a:xfrm>
+            <a:off x="2116589" y="4628292"/>
+            <a:ext cx="7776175" cy="2167982"/>
+          </a:xfrm>
+          <a:prstGeom prst="rect">
+            <a:avLst/>
+          </a:prstGeom>
+        </p:spPr>
+      </p:pic>
+      <p:sp>
+        <p:nvSpPr>
+          <p:cNvPr id="16" name="Rectangle 15"/>
+          <p:cNvSpPr/>
+          <p:nvPr/>
+        </p:nvSpPr>
+        <p:spPr>
+          <a:xfrm>
+            <a:off x="7942278" y="4654866"/>
+            <a:ext cx="811059" cy="1717981"/>
+          </a:xfrm>
+          <a:prstGeom prst="rect">
+            <a:avLst/>
+          </a:prstGeom>
+          <a:noFill/>
+          <a:ln w="38100">
+            <a:solidFill>
+              <a:srgbClr val="FF0000"/>
+            </a:solidFill>
+            <a:prstDash val="sysDash"/>
+          </a:ln>
+        </p:spPr>
+        <p:style>
+          <a:lnRef idx="2">
+            <a:schemeClr val="accent1">
+              <a:shade val="50000"/>
+            </a:schemeClr>
+          </a:lnRef>
+          <a:fillRef idx="1">
+            <a:schemeClr val="accent1"/>
+          </a:fillRef>
+          <a:effectRef idx="0">
+            <a:schemeClr val="accent1"/>
+          </a:effectRef>
+          <a:fontRef idx="minor">
+            <a:schemeClr val="lt1"/>
+          </a:fontRef>
+        </p:style>
+        <p:txBody>
+          <a:bodyPr rtlCol="0" anchor="ctr"/>
+          <a:lstStyle/>
+          <a:p>
+            <a:pPr algn="ctr"/>
+            <a:endParaRPr lang="en-SG">
+              <a:ln w="28575">
+                <a:solidFill>
+                  <a:schemeClr val="tx1"/>
+                </a:solidFill>
+              </a:ln>
+            </a:endParaRPr>
+          </a:p>
+        </p:txBody>
+      </p:sp>
     </p:spTree>
     <p:extLst>
       <p:ext uri="{BB962C8B-B14F-4D97-AF65-F5344CB8AC3E}">
@@ -6241,6 +7501,13 @@
   <p:transition spd="slow">
     <p:push dir="u"/>
   </p:transition>
+  <p:timing>
+    <p:tnLst>
+      <p:par>
+        <p:cTn id="1" dur="indefinite" restart="never" nodeType="tmRoot"/>
+      </p:par>
+    </p:tnLst>
+  </p:timing>
 </p:sld>
 </file>
 
@@ -6279,6 +7546,1191 @@
             <a:fld id="{74F36703-245E-43D9-83F0-7C4F74254504}" type="slidenum">
               <a:rPr lang="en-SG" smtClean="0"/>
               <a:t>14</a:t>
+            </a:fld>
+            <a:endParaRPr lang="en-SG"/>
+          </a:p>
+        </p:txBody>
+      </p:sp>
+      <p:sp>
+        <p:nvSpPr>
+          <p:cNvPr id="2" name="TextBox 1"/>
+          <p:cNvSpPr txBox="1"/>
+          <p:nvPr/>
+        </p:nvSpPr>
+        <p:spPr>
+          <a:xfrm>
+            <a:off x="142875" y="188353"/>
+            <a:ext cx="396875" cy="400110"/>
+          </a:xfrm>
+          <a:prstGeom prst="rect">
+            <a:avLst/>
+          </a:prstGeom>
+          <a:solidFill>
+            <a:srgbClr val="6E4B90"/>
+          </a:solidFill>
+          <a:effectLst>
+            <a:outerShdw blurRad="50800" dist="38100" dir="5400000" algn="t" rotWithShape="0">
+              <a:prstClr val="black">
+                <a:alpha val="40000"/>
+              </a:prstClr>
+            </a:outerShdw>
+          </a:effectLst>
+        </p:spPr>
+        <p:txBody>
+          <a:bodyPr wrap="square" rtlCol="0">
+            <a:spAutoFit/>
+          </a:bodyPr>
+          <a:lstStyle/>
+          <a:p>
+            <a:pPr algn="ctr"/>
+            <a:r>
+              <a:rPr lang="en-US" sz="2000" b="1" dirty="0">
+                <a:solidFill>
+                  <a:schemeClr val="bg1"/>
+                </a:solidFill>
+                <a:latin typeface="Arial" panose="020B0604020202020204" pitchFamily="34" charset="0"/>
+                <a:cs typeface="Arial" panose="020B0604020202020204" pitchFamily="34" charset="0"/>
+              </a:rPr>
+              <a:t>3</a:t>
+            </a:r>
+            <a:endParaRPr lang="en-SG" sz="2000" b="1" dirty="0">
+              <a:solidFill>
+                <a:schemeClr val="bg1"/>
+              </a:solidFill>
+              <a:latin typeface="Arial" panose="020B0604020202020204" pitchFamily="34" charset="0"/>
+              <a:cs typeface="Arial" panose="020B0604020202020204" pitchFamily="34" charset="0"/>
+            </a:endParaRPr>
+          </a:p>
+        </p:txBody>
+      </p:sp>
+      <p:sp>
+        <p:nvSpPr>
+          <p:cNvPr id="8" name="TextBox 7"/>
+          <p:cNvSpPr txBox="1"/>
+          <p:nvPr/>
+        </p:nvSpPr>
+        <p:spPr>
+          <a:xfrm>
+            <a:off x="2219632" y="188353"/>
+            <a:ext cx="7756218" cy="400110"/>
+          </a:xfrm>
+          <a:prstGeom prst="rect">
+            <a:avLst/>
+          </a:prstGeom>
+          <a:gradFill>
+            <a:gsLst>
+              <a:gs pos="0">
+                <a:srgbClr val="B59AC2"/>
+              </a:gs>
+              <a:gs pos="60000">
+                <a:srgbClr val="68448B"/>
+              </a:gs>
+            </a:gsLst>
+            <a:path path="circle">
+              <a:fillToRect l="100000" b="100000"/>
+            </a:path>
+          </a:gradFill>
+          <a:effectLst>
+            <a:outerShdw blurRad="50800" dist="38100" dir="5400000" algn="t" rotWithShape="0">
+              <a:prstClr val="black">
+                <a:alpha val="40000"/>
+              </a:prstClr>
+            </a:outerShdw>
+          </a:effectLst>
+        </p:spPr>
+        <p:txBody>
+          <a:bodyPr wrap="square" rtlCol="0">
+            <a:spAutoFit/>
+          </a:bodyPr>
+          <a:lstStyle/>
+          <a:p>
+            <a:pPr algn="ctr"/>
+            <a:r>
+              <a:rPr lang="en-US" sz="2000" b="1" dirty="0" smtClean="0">
+                <a:solidFill>
+                  <a:schemeClr val="bg1"/>
+                </a:solidFill>
+                <a:latin typeface="Arial" panose="020B0604020202020204" pitchFamily="34" charset="0"/>
+                <a:cs typeface="Arial" panose="020B0604020202020204" pitchFamily="34" charset="0"/>
+              </a:rPr>
+              <a:t>Results on Open Benchmarks - </a:t>
+            </a:r>
+            <a:r>
+              <a:rPr lang="en-US" sz="2000" b="1" dirty="0" err="1" smtClean="0">
+                <a:solidFill>
+                  <a:schemeClr val="bg1"/>
+                </a:solidFill>
+                <a:latin typeface="Arial" panose="020B0604020202020204" pitchFamily="34" charset="0"/>
+                <a:cs typeface="Arial" panose="020B0604020202020204" pitchFamily="34" charset="0"/>
+              </a:rPr>
+              <a:t>Taillard</a:t>
+            </a:r>
+            <a:endParaRPr lang="en-SG" sz="2000" b="1" dirty="0">
+              <a:solidFill>
+                <a:schemeClr val="bg1"/>
+              </a:solidFill>
+              <a:latin typeface="Arial" panose="020B0604020202020204" pitchFamily="34" charset="0"/>
+              <a:cs typeface="Arial" panose="020B0604020202020204" pitchFamily="34" charset="0"/>
+            </a:endParaRPr>
+          </a:p>
+        </p:txBody>
+      </p:sp>
+      <p:pic>
+        <p:nvPicPr>
+          <p:cNvPr id="11" name="Picture 10"/>
+          <p:cNvPicPr>
+            <a:picLocks noChangeAspect="1"/>
+          </p:cNvPicPr>
+          <p:nvPr/>
+        </p:nvPicPr>
+        <p:blipFill>
+          <a:blip r:embed="rId2" cstate="print">
+            <a:extLst>
+              <a:ext uri="{28A0092B-C50C-407E-A947-70E740481C1C}">
+                <a14:useLocalDpi xmlns:a14="http://schemas.microsoft.com/office/drawing/2010/main" val="0"/>
+              </a:ext>
+            </a:extLst>
+          </a:blip>
+          <a:stretch>
+            <a:fillRect/>
+          </a:stretch>
+        </p:blipFill>
+        <p:spPr>
+          <a:xfrm>
+            <a:off x="10087100" y="200070"/>
+            <a:ext cx="657479" cy="400110"/>
+          </a:xfrm>
+          <a:prstGeom prst="rect">
+            <a:avLst/>
+          </a:prstGeom>
+        </p:spPr>
+      </p:pic>
+      <p:sp>
+        <p:nvSpPr>
+          <p:cNvPr id="12" name="Rectangle 11"/>
+          <p:cNvSpPr/>
+          <p:nvPr/>
+        </p:nvSpPr>
+        <p:spPr>
+          <a:xfrm>
+            <a:off x="11792705" y="176637"/>
+            <a:ext cx="399295" cy="90062"/>
+          </a:xfrm>
+          <a:prstGeom prst="rect">
+            <a:avLst/>
+          </a:prstGeom>
+          <a:solidFill>
+            <a:srgbClr val="6E4B90"/>
+          </a:solidFill>
+          <a:ln>
+            <a:noFill/>
+          </a:ln>
+          <a:effectLst>
+            <a:outerShdw blurRad="50800" dist="38100" dir="2700000" algn="tl" rotWithShape="0">
+              <a:prstClr val="black">
+                <a:alpha val="40000"/>
+              </a:prstClr>
+            </a:outerShdw>
+          </a:effectLst>
+        </p:spPr>
+        <p:style>
+          <a:lnRef idx="0">
+            <a:schemeClr val="accent3"/>
+          </a:lnRef>
+          <a:fillRef idx="3">
+            <a:schemeClr val="accent3"/>
+          </a:fillRef>
+          <a:effectRef idx="3">
+            <a:schemeClr val="accent3"/>
+          </a:effectRef>
+          <a:fontRef idx="minor">
+            <a:schemeClr val="lt1"/>
+          </a:fontRef>
+        </p:style>
+        <p:txBody>
+          <a:bodyPr rtlCol="0" anchor="ctr"/>
+          <a:lstStyle/>
+          <a:p>
+            <a:pPr algn="ctr"/>
+            <a:endParaRPr lang="en-SG"/>
+          </a:p>
+        </p:txBody>
+      </p:sp>
+      <p:sp>
+        <p:nvSpPr>
+          <p:cNvPr id="13" name="Rectangle 12"/>
+          <p:cNvSpPr/>
+          <p:nvPr/>
+        </p:nvSpPr>
+        <p:spPr>
+          <a:xfrm>
+            <a:off x="11792703" y="496471"/>
+            <a:ext cx="399295" cy="91992"/>
+          </a:xfrm>
+          <a:prstGeom prst="rect">
+            <a:avLst/>
+          </a:prstGeom>
+          <a:solidFill>
+            <a:srgbClr val="B59AC2"/>
+          </a:solidFill>
+          <a:ln>
+            <a:noFill/>
+          </a:ln>
+          <a:effectLst>
+            <a:outerShdw blurRad="50800" dist="38100" dir="2700000" algn="tl" rotWithShape="0">
+              <a:prstClr val="black">
+                <a:alpha val="40000"/>
+              </a:prstClr>
+            </a:outerShdw>
+          </a:effectLst>
+        </p:spPr>
+        <p:style>
+          <a:lnRef idx="0">
+            <a:schemeClr val="accent3"/>
+          </a:lnRef>
+          <a:fillRef idx="3">
+            <a:schemeClr val="accent3"/>
+          </a:fillRef>
+          <a:effectRef idx="3">
+            <a:schemeClr val="accent3"/>
+          </a:effectRef>
+          <a:fontRef idx="minor">
+            <a:schemeClr val="lt1"/>
+          </a:fontRef>
+        </p:style>
+        <p:txBody>
+          <a:bodyPr rtlCol="0" anchor="ctr"/>
+          <a:lstStyle/>
+          <a:p>
+            <a:pPr algn="ctr"/>
+            <a:endParaRPr lang="en-SG"/>
+          </a:p>
+        </p:txBody>
+      </p:sp>
+      <p:sp>
+        <p:nvSpPr>
+          <p:cNvPr id="14" name="Rectangle 13"/>
+          <p:cNvSpPr/>
+          <p:nvPr/>
+        </p:nvSpPr>
+        <p:spPr>
+          <a:xfrm>
+            <a:off x="11792705" y="384297"/>
+            <a:ext cx="399295" cy="96758"/>
+          </a:xfrm>
+          <a:prstGeom prst="rect">
+            <a:avLst/>
+          </a:prstGeom>
+          <a:solidFill>
+            <a:srgbClr val="6E4B90"/>
+          </a:solidFill>
+          <a:ln>
+            <a:noFill/>
+          </a:ln>
+          <a:effectLst>
+            <a:outerShdw blurRad="50800" dist="38100" dir="2700000" algn="tl" rotWithShape="0">
+              <a:prstClr val="black">
+                <a:alpha val="40000"/>
+              </a:prstClr>
+            </a:outerShdw>
+          </a:effectLst>
+        </p:spPr>
+        <p:style>
+          <a:lnRef idx="0">
+            <a:schemeClr val="accent3"/>
+          </a:lnRef>
+          <a:fillRef idx="3">
+            <a:schemeClr val="accent3"/>
+          </a:fillRef>
+          <a:effectRef idx="3">
+            <a:schemeClr val="accent3"/>
+          </a:effectRef>
+          <a:fontRef idx="minor">
+            <a:schemeClr val="lt1"/>
+          </a:fontRef>
+        </p:style>
+        <p:txBody>
+          <a:bodyPr rtlCol="0" anchor="ctr"/>
+          <a:lstStyle/>
+          <a:p>
+            <a:pPr algn="ctr"/>
+            <a:endParaRPr lang="en-SG"/>
+          </a:p>
+        </p:txBody>
+      </p:sp>
+      <p:pic>
+        <p:nvPicPr>
+          <p:cNvPr id="15" name="Picture 14"/>
+          <p:cNvPicPr>
+            <a:picLocks noChangeAspect="1"/>
+          </p:cNvPicPr>
+          <p:nvPr/>
+        </p:nvPicPr>
+        <p:blipFill>
+          <a:blip r:embed="rId3" cstate="print">
+            <a:extLst>
+              <a:ext uri="{28A0092B-C50C-407E-A947-70E740481C1C}">
+                <a14:useLocalDpi xmlns:a14="http://schemas.microsoft.com/office/drawing/2010/main" val="0"/>
+              </a:ext>
+            </a:extLst>
+          </a:blip>
+          <a:stretch>
+            <a:fillRect/>
+          </a:stretch>
+        </p:blipFill>
+        <p:spPr>
+          <a:xfrm>
+            <a:off x="10855829" y="176636"/>
+            <a:ext cx="872426" cy="423544"/>
+          </a:xfrm>
+          <a:prstGeom prst="rect">
+            <a:avLst/>
+          </a:prstGeom>
+        </p:spPr>
+      </p:pic>
+      <p:sp>
+        <p:nvSpPr>
+          <p:cNvPr id="17" name="Rectangle 16"/>
+          <p:cNvSpPr/>
+          <p:nvPr/>
+        </p:nvSpPr>
+        <p:spPr>
+          <a:xfrm>
+            <a:off x="11792701" y="280467"/>
+            <a:ext cx="399295" cy="90062"/>
+          </a:xfrm>
+          <a:prstGeom prst="rect">
+            <a:avLst/>
+          </a:prstGeom>
+          <a:solidFill>
+            <a:srgbClr val="B59AC2"/>
+          </a:solidFill>
+          <a:ln>
+            <a:noFill/>
+          </a:ln>
+          <a:effectLst>
+            <a:outerShdw blurRad="50800" dist="38100" dir="2700000" algn="tl" rotWithShape="0">
+              <a:prstClr val="black">
+                <a:alpha val="40000"/>
+              </a:prstClr>
+            </a:outerShdw>
+          </a:effectLst>
+        </p:spPr>
+        <p:style>
+          <a:lnRef idx="0">
+            <a:schemeClr val="accent3"/>
+          </a:lnRef>
+          <a:fillRef idx="3">
+            <a:schemeClr val="accent3"/>
+          </a:fillRef>
+          <a:effectRef idx="3">
+            <a:schemeClr val="accent3"/>
+          </a:effectRef>
+          <a:fontRef idx="minor">
+            <a:schemeClr val="lt1"/>
+          </a:fontRef>
+        </p:style>
+        <p:txBody>
+          <a:bodyPr rtlCol="0" anchor="ctr"/>
+          <a:lstStyle/>
+          <a:p>
+            <a:pPr algn="ctr"/>
+            <a:endParaRPr lang="en-SG"/>
+          </a:p>
+        </p:txBody>
+      </p:sp>
+      <p:sp>
+        <p:nvSpPr>
+          <p:cNvPr id="3" name="Rectangle 2"/>
+          <p:cNvSpPr/>
+          <p:nvPr/>
+        </p:nvSpPr>
+        <p:spPr>
+          <a:xfrm>
+            <a:off x="589250" y="200070"/>
+            <a:ext cx="1580882" cy="400110"/>
+          </a:xfrm>
+          <a:prstGeom prst="rect">
+            <a:avLst/>
+          </a:prstGeom>
+          <a:effectLst>
+            <a:outerShdw blurRad="50800" dist="38100" dir="5400000" algn="t" rotWithShape="0">
+              <a:prstClr val="black">
+                <a:alpha val="40000"/>
+              </a:prstClr>
+            </a:outerShdw>
+          </a:effectLst>
+        </p:spPr>
+        <p:txBody>
+          <a:bodyPr wrap="none">
+            <a:spAutoFit/>
+          </a:bodyPr>
+          <a:lstStyle/>
+          <a:p>
+            <a:pPr>
+              <a:buClr>
+                <a:srgbClr val="68448B"/>
+              </a:buClr>
+            </a:pPr>
+            <a:r>
+              <a:rPr lang="en-US" sz="2000" b="1" dirty="0">
+                <a:latin typeface="Arial" panose="020B0604020202020204" pitchFamily="34" charset="0"/>
+                <a:cs typeface="Arial" panose="020B0604020202020204" pitchFamily="34" charset="0"/>
+              </a:rPr>
+              <a:t>Experiment</a:t>
+            </a:r>
+          </a:p>
+        </p:txBody>
+      </p:sp>
+      <p:pic>
+        <p:nvPicPr>
+          <p:cNvPr id="6" name="Picture 5"/>
+          <p:cNvPicPr>
+            <a:picLocks noChangeAspect="1"/>
+          </p:cNvPicPr>
+          <p:nvPr/>
+        </p:nvPicPr>
+        <p:blipFill>
+          <a:blip r:embed="rId4"/>
+          <a:stretch>
+            <a:fillRect/>
+          </a:stretch>
+        </p:blipFill>
+        <p:spPr>
+          <a:xfrm>
+            <a:off x="1921676" y="660133"/>
+            <a:ext cx="8352129" cy="6061342"/>
+          </a:xfrm>
+          <a:prstGeom prst="rect">
+            <a:avLst/>
+          </a:prstGeom>
+        </p:spPr>
+      </p:pic>
+      <p:sp>
+        <p:nvSpPr>
+          <p:cNvPr id="16" name="Rectangle 15"/>
+          <p:cNvSpPr/>
+          <p:nvPr/>
+        </p:nvSpPr>
+        <p:spPr>
+          <a:xfrm>
+            <a:off x="8698064" y="4376615"/>
+            <a:ext cx="715533" cy="2045811"/>
+          </a:xfrm>
+          <a:prstGeom prst="rect">
+            <a:avLst/>
+          </a:prstGeom>
+          <a:noFill/>
+          <a:ln w="38100">
+            <a:solidFill>
+              <a:srgbClr val="FF0000"/>
+            </a:solidFill>
+            <a:prstDash val="sysDash"/>
+          </a:ln>
+        </p:spPr>
+        <p:style>
+          <a:lnRef idx="2">
+            <a:schemeClr val="accent1">
+              <a:shade val="50000"/>
+            </a:schemeClr>
+          </a:lnRef>
+          <a:fillRef idx="1">
+            <a:schemeClr val="accent1"/>
+          </a:fillRef>
+          <a:effectRef idx="0">
+            <a:schemeClr val="accent1"/>
+          </a:effectRef>
+          <a:fontRef idx="minor">
+            <a:schemeClr val="lt1"/>
+          </a:fontRef>
+        </p:style>
+        <p:txBody>
+          <a:bodyPr rtlCol="0" anchor="ctr"/>
+          <a:lstStyle/>
+          <a:p>
+            <a:pPr algn="ctr"/>
+            <a:endParaRPr lang="en-SG">
+              <a:ln w="28575">
+                <a:solidFill>
+                  <a:schemeClr val="tx1"/>
+                </a:solidFill>
+              </a:ln>
+            </a:endParaRPr>
+          </a:p>
+        </p:txBody>
+      </p:sp>
+      <p:sp>
+        <p:nvSpPr>
+          <p:cNvPr id="18" name="Rectangle 17"/>
+          <p:cNvSpPr/>
+          <p:nvPr/>
+        </p:nvSpPr>
+        <p:spPr>
+          <a:xfrm>
+            <a:off x="6979691" y="660133"/>
+            <a:ext cx="715533" cy="3739929"/>
+          </a:xfrm>
+          <a:prstGeom prst="rect">
+            <a:avLst/>
+          </a:prstGeom>
+          <a:noFill/>
+          <a:ln w="38100">
+            <a:solidFill>
+              <a:srgbClr val="FF0000"/>
+            </a:solidFill>
+            <a:prstDash val="sysDash"/>
+          </a:ln>
+        </p:spPr>
+        <p:style>
+          <a:lnRef idx="2">
+            <a:schemeClr val="accent1">
+              <a:shade val="50000"/>
+            </a:schemeClr>
+          </a:lnRef>
+          <a:fillRef idx="1">
+            <a:schemeClr val="accent1"/>
+          </a:fillRef>
+          <a:effectRef idx="0">
+            <a:schemeClr val="accent1"/>
+          </a:effectRef>
+          <a:fontRef idx="minor">
+            <a:schemeClr val="lt1"/>
+          </a:fontRef>
+        </p:style>
+        <p:txBody>
+          <a:bodyPr rtlCol="0" anchor="ctr"/>
+          <a:lstStyle/>
+          <a:p>
+            <a:pPr algn="ctr"/>
+            <a:endParaRPr lang="en-SG">
+              <a:ln w="28575">
+                <a:solidFill>
+                  <a:schemeClr val="tx1"/>
+                </a:solidFill>
+              </a:ln>
+            </a:endParaRPr>
+          </a:p>
+        </p:txBody>
+      </p:sp>
+    </p:spTree>
+    <p:extLst>
+      <p:ext uri="{BB962C8B-B14F-4D97-AF65-F5344CB8AC3E}">
+        <p14:creationId xmlns:p14="http://schemas.microsoft.com/office/powerpoint/2010/main" val="258273417"/>
+      </p:ext>
+    </p:extLst>
+  </p:cSld>
+  <p:clrMapOvr>
+    <a:masterClrMapping/>
+  </p:clrMapOvr>
+  <p:transition spd="slow">
+    <p:push dir="u"/>
+  </p:transition>
+  <p:timing>
+    <p:tnLst>
+      <p:par>
+        <p:cTn id="1" dur="indefinite" restart="never" nodeType="tmRoot"/>
+      </p:par>
+    </p:tnLst>
+  </p:timing>
+</p:sld>
+</file>
+
+<file path=ppt/slides/slide15.xml><?xml version="1.0" encoding="utf-8"?>
+<p:sld xmlns:a="http://schemas.openxmlformats.org/drawingml/2006/main" xmlns:r="http://schemas.openxmlformats.org/officeDocument/2006/relationships" xmlns:p="http://schemas.openxmlformats.org/presentationml/2006/main">
+  <p:cSld>
+    <p:spTree>
+      <p:nvGrpSpPr>
+        <p:cNvPr id="1" name=""/>
+        <p:cNvGrpSpPr/>
+        <p:nvPr/>
+      </p:nvGrpSpPr>
+      <p:grpSpPr>
+        <a:xfrm>
+          <a:off x="0" y="0"/>
+          <a:ext cx="0" cy="0"/>
+          <a:chOff x="0" y="0"/>
+          <a:chExt cx="0" cy="0"/>
+        </a:xfrm>
+      </p:grpSpPr>
+      <p:sp>
+        <p:nvSpPr>
+          <p:cNvPr id="7" name="Slide Number Placeholder 6"/>
+          <p:cNvSpPr>
+            <a:spLocks noGrp="1"/>
+          </p:cNvSpPr>
+          <p:nvPr>
+            <p:ph type="sldNum" sz="quarter" idx="12"/>
+          </p:nvPr>
+        </p:nvSpPr>
+        <p:spPr/>
+        <p:txBody>
+          <a:bodyPr/>
+          <a:lstStyle/>
+          <a:p>
+            <a:fld id="{74F36703-245E-43D9-83F0-7C4F74254504}" type="slidenum">
+              <a:rPr lang="en-SG" smtClean="0"/>
+              <a:t>15</a:t>
+            </a:fld>
+            <a:endParaRPr lang="en-SG"/>
+          </a:p>
+        </p:txBody>
+      </p:sp>
+      <p:sp>
+        <p:nvSpPr>
+          <p:cNvPr id="2" name="TextBox 1"/>
+          <p:cNvSpPr txBox="1"/>
+          <p:nvPr/>
+        </p:nvSpPr>
+        <p:spPr>
+          <a:xfrm>
+            <a:off x="142875" y="188353"/>
+            <a:ext cx="396875" cy="400110"/>
+          </a:xfrm>
+          <a:prstGeom prst="rect">
+            <a:avLst/>
+          </a:prstGeom>
+          <a:solidFill>
+            <a:srgbClr val="6E4B90"/>
+          </a:solidFill>
+          <a:effectLst>
+            <a:outerShdw blurRad="50800" dist="38100" dir="5400000" algn="t" rotWithShape="0">
+              <a:prstClr val="black">
+                <a:alpha val="40000"/>
+              </a:prstClr>
+            </a:outerShdw>
+          </a:effectLst>
+        </p:spPr>
+        <p:txBody>
+          <a:bodyPr wrap="square" rtlCol="0">
+            <a:spAutoFit/>
+          </a:bodyPr>
+          <a:lstStyle/>
+          <a:p>
+            <a:pPr algn="ctr"/>
+            <a:r>
+              <a:rPr lang="en-US" sz="2000" b="1" dirty="0">
+                <a:solidFill>
+                  <a:schemeClr val="bg1"/>
+                </a:solidFill>
+                <a:latin typeface="Arial" panose="020B0604020202020204" pitchFamily="34" charset="0"/>
+                <a:cs typeface="Arial" panose="020B0604020202020204" pitchFamily="34" charset="0"/>
+              </a:rPr>
+              <a:t>3</a:t>
+            </a:r>
+            <a:endParaRPr lang="en-SG" sz="2000" b="1" dirty="0">
+              <a:solidFill>
+                <a:schemeClr val="bg1"/>
+              </a:solidFill>
+              <a:latin typeface="Arial" panose="020B0604020202020204" pitchFamily="34" charset="0"/>
+              <a:cs typeface="Arial" panose="020B0604020202020204" pitchFamily="34" charset="0"/>
+            </a:endParaRPr>
+          </a:p>
+        </p:txBody>
+      </p:sp>
+      <p:sp>
+        <p:nvSpPr>
+          <p:cNvPr id="8" name="TextBox 7"/>
+          <p:cNvSpPr txBox="1"/>
+          <p:nvPr/>
+        </p:nvSpPr>
+        <p:spPr>
+          <a:xfrm>
+            <a:off x="2219632" y="188353"/>
+            <a:ext cx="7756218" cy="400110"/>
+          </a:xfrm>
+          <a:prstGeom prst="rect">
+            <a:avLst/>
+          </a:prstGeom>
+          <a:gradFill>
+            <a:gsLst>
+              <a:gs pos="0">
+                <a:srgbClr val="B59AC2"/>
+              </a:gs>
+              <a:gs pos="60000">
+                <a:srgbClr val="68448B"/>
+              </a:gs>
+            </a:gsLst>
+            <a:path path="circle">
+              <a:fillToRect l="100000" b="100000"/>
+            </a:path>
+          </a:gradFill>
+          <a:effectLst>
+            <a:outerShdw blurRad="50800" dist="38100" dir="5400000" algn="t" rotWithShape="0">
+              <a:prstClr val="black">
+                <a:alpha val="40000"/>
+              </a:prstClr>
+            </a:outerShdw>
+          </a:effectLst>
+        </p:spPr>
+        <p:txBody>
+          <a:bodyPr wrap="square" rtlCol="0">
+            <a:spAutoFit/>
+          </a:bodyPr>
+          <a:lstStyle/>
+          <a:p>
+            <a:pPr algn="ctr"/>
+            <a:r>
+              <a:rPr lang="en-US" sz="2000" b="1" dirty="0" smtClean="0">
+                <a:solidFill>
+                  <a:schemeClr val="bg1"/>
+                </a:solidFill>
+                <a:latin typeface="Arial" panose="020B0604020202020204" pitchFamily="34" charset="0"/>
+                <a:cs typeface="Arial" panose="020B0604020202020204" pitchFamily="34" charset="0"/>
+              </a:rPr>
+              <a:t>Results on Open Benchmarks - DMU</a:t>
+            </a:r>
+            <a:endParaRPr lang="en-SG" sz="2000" b="1" dirty="0">
+              <a:solidFill>
+                <a:schemeClr val="bg1"/>
+              </a:solidFill>
+              <a:latin typeface="Arial" panose="020B0604020202020204" pitchFamily="34" charset="0"/>
+              <a:cs typeface="Arial" panose="020B0604020202020204" pitchFamily="34" charset="0"/>
+            </a:endParaRPr>
+          </a:p>
+        </p:txBody>
+      </p:sp>
+      <p:pic>
+        <p:nvPicPr>
+          <p:cNvPr id="11" name="Picture 10"/>
+          <p:cNvPicPr>
+            <a:picLocks noChangeAspect="1"/>
+          </p:cNvPicPr>
+          <p:nvPr/>
+        </p:nvPicPr>
+        <p:blipFill>
+          <a:blip r:embed="rId2" cstate="print">
+            <a:extLst>
+              <a:ext uri="{28A0092B-C50C-407E-A947-70E740481C1C}">
+                <a14:useLocalDpi xmlns:a14="http://schemas.microsoft.com/office/drawing/2010/main" val="0"/>
+              </a:ext>
+            </a:extLst>
+          </a:blip>
+          <a:stretch>
+            <a:fillRect/>
+          </a:stretch>
+        </p:blipFill>
+        <p:spPr>
+          <a:xfrm>
+            <a:off x="10087100" y="200070"/>
+            <a:ext cx="657479" cy="400110"/>
+          </a:xfrm>
+          <a:prstGeom prst="rect">
+            <a:avLst/>
+          </a:prstGeom>
+        </p:spPr>
+      </p:pic>
+      <p:sp>
+        <p:nvSpPr>
+          <p:cNvPr id="12" name="Rectangle 11"/>
+          <p:cNvSpPr/>
+          <p:nvPr/>
+        </p:nvSpPr>
+        <p:spPr>
+          <a:xfrm>
+            <a:off x="11792705" y="176637"/>
+            <a:ext cx="399295" cy="90062"/>
+          </a:xfrm>
+          <a:prstGeom prst="rect">
+            <a:avLst/>
+          </a:prstGeom>
+          <a:solidFill>
+            <a:srgbClr val="6E4B90"/>
+          </a:solidFill>
+          <a:ln>
+            <a:noFill/>
+          </a:ln>
+          <a:effectLst>
+            <a:outerShdw blurRad="50800" dist="38100" dir="2700000" algn="tl" rotWithShape="0">
+              <a:prstClr val="black">
+                <a:alpha val="40000"/>
+              </a:prstClr>
+            </a:outerShdw>
+          </a:effectLst>
+        </p:spPr>
+        <p:style>
+          <a:lnRef idx="0">
+            <a:schemeClr val="accent3"/>
+          </a:lnRef>
+          <a:fillRef idx="3">
+            <a:schemeClr val="accent3"/>
+          </a:fillRef>
+          <a:effectRef idx="3">
+            <a:schemeClr val="accent3"/>
+          </a:effectRef>
+          <a:fontRef idx="minor">
+            <a:schemeClr val="lt1"/>
+          </a:fontRef>
+        </p:style>
+        <p:txBody>
+          <a:bodyPr rtlCol="0" anchor="ctr"/>
+          <a:lstStyle/>
+          <a:p>
+            <a:pPr algn="ctr"/>
+            <a:endParaRPr lang="en-SG"/>
+          </a:p>
+        </p:txBody>
+      </p:sp>
+      <p:sp>
+        <p:nvSpPr>
+          <p:cNvPr id="13" name="Rectangle 12"/>
+          <p:cNvSpPr/>
+          <p:nvPr/>
+        </p:nvSpPr>
+        <p:spPr>
+          <a:xfrm>
+            <a:off x="11792703" y="496471"/>
+            <a:ext cx="399295" cy="91992"/>
+          </a:xfrm>
+          <a:prstGeom prst="rect">
+            <a:avLst/>
+          </a:prstGeom>
+          <a:solidFill>
+            <a:srgbClr val="B59AC2"/>
+          </a:solidFill>
+          <a:ln>
+            <a:noFill/>
+          </a:ln>
+          <a:effectLst>
+            <a:outerShdw blurRad="50800" dist="38100" dir="2700000" algn="tl" rotWithShape="0">
+              <a:prstClr val="black">
+                <a:alpha val="40000"/>
+              </a:prstClr>
+            </a:outerShdw>
+          </a:effectLst>
+        </p:spPr>
+        <p:style>
+          <a:lnRef idx="0">
+            <a:schemeClr val="accent3"/>
+          </a:lnRef>
+          <a:fillRef idx="3">
+            <a:schemeClr val="accent3"/>
+          </a:fillRef>
+          <a:effectRef idx="3">
+            <a:schemeClr val="accent3"/>
+          </a:effectRef>
+          <a:fontRef idx="minor">
+            <a:schemeClr val="lt1"/>
+          </a:fontRef>
+        </p:style>
+        <p:txBody>
+          <a:bodyPr rtlCol="0" anchor="ctr"/>
+          <a:lstStyle/>
+          <a:p>
+            <a:pPr algn="ctr"/>
+            <a:endParaRPr lang="en-SG"/>
+          </a:p>
+        </p:txBody>
+      </p:sp>
+      <p:sp>
+        <p:nvSpPr>
+          <p:cNvPr id="14" name="Rectangle 13"/>
+          <p:cNvSpPr/>
+          <p:nvPr/>
+        </p:nvSpPr>
+        <p:spPr>
+          <a:xfrm>
+            <a:off x="11792705" y="384297"/>
+            <a:ext cx="399295" cy="96758"/>
+          </a:xfrm>
+          <a:prstGeom prst="rect">
+            <a:avLst/>
+          </a:prstGeom>
+          <a:solidFill>
+            <a:srgbClr val="6E4B90"/>
+          </a:solidFill>
+          <a:ln>
+            <a:noFill/>
+          </a:ln>
+          <a:effectLst>
+            <a:outerShdw blurRad="50800" dist="38100" dir="2700000" algn="tl" rotWithShape="0">
+              <a:prstClr val="black">
+                <a:alpha val="40000"/>
+              </a:prstClr>
+            </a:outerShdw>
+          </a:effectLst>
+        </p:spPr>
+        <p:style>
+          <a:lnRef idx="0">
+            <a:schemeClr val="accent3"/>
+          </a:lnRef>
+          <a:fillRef idx="3">
+            <a:schemeClr val="accent3"/>
+          </a:fillRef>
+          <a:effectRef idx="3">
+            <a:schemeClr val="accent3"/>
+          </a:effectRef>
+          <a:fontRef idx="minor">
+            <a:schemeClr val="lt1"/>
+          </a:fontRef>
+        </p:style>
+        <p:txBody>
+          <a:bodyPr rtlCol="0" anchor="ctr"/>
+          <a:lstStyle/>
+          <a:p>
+            <a:pPr algn="ctr"/>
+            <a:endParaRPr lang="en-SG"/>
+          </a:p>
+        </p:txBody>
+      </p:sp>
+      <p:pic>
+        <p:nvPicPr>
+          <p:cNvPr id="15" name="Picture 14"/>
+          <p:cNvPicPr>
+            <a:picLocks noChangeAspect="1"/>
+          </p:cNvPicPr>
+          <p:nvPr/>
+        </p:nvPicPr>
+        <p:blipFill>
+          <a:blip r:embed="rId3" cstate="print">
+            <a:extLst>
+              <a:ext uri="{28A0092B-C50C-407E-A947-70E740481C1C}">
+                <a14:useLocalDpi xmlns:a14="http://schemas.microsoft.com/office/drawing/2010/main" val="0"/>
+              </a:ext>
+            </a:extLst>
+          </a:blip>
+          <a:stretch>
+            <a:fillRect/>
+          </a:stretch>
+        </p:blipFill>
+        <p:spPr>
+          <a:xfrm>
+            <a:off x="10855829" y="176636"/>
+            <a:ext cx="872426" cy="423544"/>
+          </a:xfrm>
+          <a:prstGeom prst="rect">
+            <a:avLst/>
+          </a:prstGeom>
+        </p:spPr>
+      </p:pic>
+      <p:sp>
+        <p:nvSpPr>
+          <p:cNvPr id="17" name="Rectangle 16"/>
+          <p:cNvSpPr/>
+          <p:nvPr/>
+        </p:nvSpPr>
+        <p:spPr>
+          <a:xfrm>
+            <a:off x="11792701" y="280467"/>
+            <a:ext cx="399295" cy="90062"/>
+          </a:xfrm>
+          <a:prstGeom prst="rect">
+            <a:avLst/>
+          </a:prstGeom>
+          <a:solidFill>
+            <a:srgbClr val="B59AC2"/>
+          </a:solidFill>
+          <a:ln>
+            <a:noFill/>
+          </a:ln>
+          <a:effectLst>
+            <a:outerShdw blurRad="50800" dist="38100" dir="2700000" algn="tl" rotWithShape="0">
+              <a:prstClr val="black">
+                <a:alpha val="40000"/>
+              </a:prstClr>
+            </a:outerShdw>
+          </a:effectLst>
+        </p:spPr>
+        <p:style>
+          <a:lnRef idx="0">
+            <a:schemeClr val="accent3"/>
+          </a:lnRef>
+          <a:fillRef idx="3">
+            <a:schemeClr val="accent3"/>
+          </a:fillRef>
+          <a:effectRef idx="3">
+            <a:schemeClr val="accent3"/>
+          </a:effectRef>
+          <a:fontRef idx="minor">
+            <a:schemeClr val="lt1"/>
+          </a:fontRef>
+        </p:style>
+        <p:txBody>
+          <a:bodyPr rtlCol="0" anchor="ctr"/>
+          <a:lstStyle/>
+          <a:p>
+            <a:pPr algn="ctr"/>
+            <a:endParaRPr lang="en-SG"/>
+          </a:p>
+        </p:txBody>
+      </p:sp>
+      <p:sp>
+        <p:nvSpPr>
+          <p:cNvPr id="3" name="Rectangle 2"/>
+          <p:cNvSpPr/>
+          <p:nvPr/>
+        </p:nvSpPr>
+        <p:spPr>
+          <a:xfrm>
+            <a:off x="589250" y="200070"/>
+            <a:ext cx="1580882" cy="400110"/>
+          </a:xfrm>
+          <a:prstGeom prst="rect">
+            <a:avLst/>
+          </a:prstGeom>
+          <a:effectLst>
+            <a:outerShdw blurRad="50800" dist="38100" dir="5400000" algn="t" rotWithShape="0">
+              <a:prstClr val="black">
+                <a:alpha val="40000"/>
+              </a:prstClr>
+            </a:outerShdw>
+          </a:effectLst>
+        </p:spPr>
+        <p:txBody>
+          <a:bodyPr wrap="none">
+            <a:spAutoFit/>
+          </a:bodyPr>
+          <a:lstStyle/>
+          <a:p>
+            <a:pPr>
+              <a:buClr>
+                <a:srgbClr val="68448B"/>
+              </a:buClr>
+            </a:pPr>
+            <a:r>
+              <a:rPr lang="en-US" sz="2000" b="1" dirty="0">
+                <a:latin typeface="Arial" panose="020B0604020202020204" pitchFamily="34" charset="0"/>
+                <a:cs typeface="Arial" panose="020B0604020202020204" pitchFamily="34" charset="0"/>
+              </a:rPr>
+              <a:t>Experiment</a:t>
+            </a:r>
+          </a:p>
+        </p:txBody>
+      </p:sp>
+      <p:pic>
+        <p:nvPicPr>
+          <p:cNvPr id="4" name="Picture 3"/>
+          <p:cNvPicPr>
+            <a:picLocks noChangeAspect="1"/>
+          </p:cNvPicPr>
+          <p:nvPr/>
+        </p:nvPicPr>
+        <p:blipFill>
+          <a:blip r:embed="rId4"/>
+          <a:stretch>
+            <a:fillRect/>
+          </a:stretch>
+        </p:blipFill>
+        <p:spPr>
+          <a:xfrm>
+            <a:off x="283552" y="1535597"/>
+            <a:ext cx="11385550" cy="3885335"/>
+          </a:xfrm>
+          <a:prstGeom prst="rect">
+            <a:avLst/>
+          </a:prstGeom>
+        </p:spPr>
+      </p:pic>
+      <p:sp>
+        <p:nvSpPr>
+          <p:cNvPr id="16" name="Rectangle 15"/>
+          <p:cNvSpPr/>
+          <p:nvPr/>
+        </p:nvSpPr>
+        <p:spPr>
+          <a:xfrm>
+            <a:off x="8610600" y="1535597"/>
+            <a:ext cx="1034562" cy="3513141"/>
+          </a:xfrm>
+          <a:prstGeom prst="rect">
+            <a:avLst/>
+          </a:prstGeom>
+          <a:noFill/>
+          <a:ln w="38100">
+            <a:solidFill>
+              <a:srgbClr val="FF0000"/>
+            </a:solidFill>
+            <a:prstDash val="sysDash"/>
+          </a:ln>
+        </p:spPr>
+        <p:style>
+          <a:lnRef idx="2">
+            <a:schemeClr val="accent1">
+              <a:shade val="50000"/>
+            </a:schemeClr>
+          </a:lnRef>
+          <a:fillRef idx="1">
+            <a:schemeClr val="accent1"/>
+          </a:fillRef>
+          <a:effectRef idx="0">
+            <a:schemeClr val="accent1"/>
+          </a:effectRef>
+          <a:fontRef idx="minor">
+            <a:schemeClr val="lt1"/>
+          </a:fontRef>
+        </p:style>
+        <p:txBody>
+          <a:bodyPr rtlCol="0" anchor="ctr"/>
+          <a:lstStyle/>
+          <a:p>
+            <a:pPr algn="ctr"/>
+            <a:endParaRPr lang="en-SG">
+              <a:ln w="28575">
+                <a:solidFill>
+                  <a:schemeClr val="tx1"/>
+                </a:solidFill>
+              </a:ln>
+            </a:endParaRPr>
+          </a:p>
+        </p:txBody>
+      </p:sp>
+    </p:spTree>
+    <p:extLst>
+      <p:ext uri="{BB962C8B-B14F-4D97-AF65-F5344CB8AC3E}">
+        <p14:creationId xmlns:p14="http://schemas.microsoft.com/office/powerpoint/2010/main" val="1963921238"/>
+      </p:ext>
+    </p:extLst>
+  </p:cSld>
+  <p:clrMapOvr>
+    <a:masterClrMapping/>
+  </p:clrMapOvr>
+  <p:transition spd="slow">
+    <p:push dir="u"/>
+  </p:transition>
+  <p:timing>
+    <p:tnLst>
+      <p:par>
+        <p:cTn id="1" dur="indefinite" restart="never" nodeType="tmRoot"/>
+      </p:par>
+    </p:tnLst>
+  </p:timing>
+</p:sld>
+</file>
+
+<file path=ppt/slides/slide16.xml><?xml version="1.0" encoding="utf-8"?>
+<p:sld xmlns:a="http://schemas.openxmlformats.org/drawingml/2006/main" xmlns:r="http://schemas.openxmlformats.org/officeDocument/2006/relationships" xmlns:p="http://schemas.openxmlformats.org/presentationml/2006/main">
+  <p:cSld>
+    <p:spTree>
+      <p:nvGrpSpPr>
+        <p:cNvPr id="1" name=""/>
+        <p:cNvGrpSpPr/>
+        <p:nvPr/>
+      </p:nvGrpSpPr>
+      <p:grpSpPr>
+        <a:xfrm>
+          <a:off x="0" y="0"/>
+          <a:ext cx="0" cy="0"/>
+          <a:chOff x="0" y="0"/>
+          <a:chExt cx="0" cy="0"/>
+        </a:xfrm>
+      </p:grpSpPr>
+      <p:sp>
+        <p:nvSpPr>
+          <p:cNvPr id="7" name="Slide Number Placeholder 6"/>
+          <p:cNvSpPr>
+            <a:spLocks noGrp="1"/>
+          </p:cNvSpPr>
+          <p:nvPr>
+            <p:ph type="sldNum" sz="quarter" idx="12"/>
+          </p:nvPr>
+        </p:nvSpPr>
+        <p:spPr/>
+        <p:txBody>
+          <a:bodyPr/>
+          <a:lstStyle/>
+          <a:p>
+            <a:fld id="{74F36703-245E-43D9-83F0-7C4F74254504}" type="slidenum">
+              <a:rPr lang="en-SG" smtClean="0"/>
+              <a:t>16</a:t>
             </a:fld>
             <a:endParaRPr lang="en-SG"/>
           </a:p>
@@ -6521,10 +8973,17 @@
   <p:transition spd="slow">
     <p:push dir="u"/>
   </p:transition>
+  <p:timing>
+    <p:tnLst>
+      <p:par>
+        <p:cTn id="1" dur="indefinite" restart="never" nodeType="tmRoot"/>
+      </p:par>
+    </p:tnLst>
+  </p:timing>
 </p:sld>
 </file>
 
-<file path=ppt/slides/slide15.xml><?xml version="1.0" encoding="utf-8"?>
+<file path=ppt/slides/slide17.xml><?xml version="1.0" encoding="utf-8"?>
 <p:sld xmlns:a="http://schemas.openxmlformats.org/drawingml/2006/main" xmlns:r="http://schemas.openxmlformats.org/officeDocument/2006/relationships" xmlns:p="http://schemas.openxmlformats.org/presentationml/2006/main">
   <p:cSld>
     <p:spTree>
@@ -6558,7 +9017,7 @@
           <a:p>
             <a:fld id="{74F36703-245E-43D9-83F0-7C4F74254504}" type="slidenum">
               <a:rPr lang="en-SG" smtClean="0"/>
-              <a:t>15</a:t>
+              <a:t>17</a:t>
             </a:fld>
             <a:endParaRPr lang="en-SG"/>
           </a:p>
@@ -7110,6 +9569,13 @@
   <p:transition spd="slow">
     <p:push dir="u"/>
   </p:transition>
+  <p:timing>
+    <p:tnLst>
+      <p:par>
+        <p:cTn id="1" dur="indefinite" restart="never" nodeType="tmRoot"/>
+      </p:par>
+    </p:tnLst>
+  </p:timing>
 </p:sld>
 </file>
 
@@ -12517,7 +14983,7 @@
         </p:blipFill>
         <p:spPr>
           <a:xfrm>
-            <a:off x="3594100" y="2744501"/>
+            <a:off x="3594100" y="1948628"/>
             <a:ext cx="8449408" cy="879612"/>
           </a:xfrm>
           <a:prstGeom prst="rect">
@@ -12535,7 +15001,7 @@
             </p:nvSpPr>
             <p:spPr>
               <a:xfrm>
-                <a:off x="600808" y="2886003"/>
+                <a:off x="600808" y="2056866"/>
                 <a:ext cx="2993292" cy="523220"/>
               </a:xfrm>
               <a:prstGeom prst="rect">
@@ -12592,7 +15058,7 @@
             </p:nvSpPr>
             <p:spPr>
               <a:xfrm>
-                <a:off x="600808" y="2886003"/>
+                <a:off x="600808" y="2056866"/>
                 <a:ext cx="2993292" cy="523220"/>
               </a:xfrm>
               <a:prstGeom prst="rect">
@@ -12634,7 +15100,7 @@
         </p:nvSpPr>
         <p:spPr>
           <a:xfrm>
-            <a:off x="142875" y="4808146"/>
+            <a:off x="142875" y="5833130"/>
             <a:ext cx="11900633" cy="523220"/>
           </a:xfrm>
           <a:prstGeom prst="rect">
@@ -12676,6 +15142,528 @@
           </a:p>
         </p:txBody>
       </p:sp>
+      <p:pic>
+        <p:nvPicPr>
+          <p:cNvPr id="22" name="Picture 21"/>
+          <p:cNvPicPr>
+            <a:picLocks noChangeAspect="1"/>
+          </p:cNvPicPr>
+          <p:nvPr/>
+        </p:nvPicPr>
+        <p:blipFill>
+          <a:blip r:embed="rId6" cstate="print">
+            <a:extLst>
+              <a:ext uri="{28A0092B-C50C-407E-A947-70E740481C1C}">
+                <a14:useLocalDpi xmlns:a14="http://schemas.microsoft.com/office/drawing/2010/main" val="0"/>
+              </a:ext>
+            </a:extLst>
+          </a:blip>
+          <a:stretch>
+            <a:fillRect/>
+          </a:stretch>
+        </p:blipFill>
+        <p:spPr>
+          <a:xfrm>
+            <a:off x="842340" y="3103306"/>
+            <a:ext cx="3066452" cy="2200031"/>
+          </a:xfrm>
+          <a:prstGeom prst="rect">
+            <a:avLst/>
+          </a:prstGeom>
+        </p:spPr>
+      </p:pic>
+      <p:cxnSp>
+        <p:nvCxnSpPr>
+          <p:cNvPr id="24" name="Straight Arrow Connector 23"/>
+          <p:cNvCxnSpPr>
+            <a:stCxn id="22" idx="3"/>
+            <a:endCxn id="25" idx="1"/>
+          </p:cNvCxnSpPr>
+          <p:nvPr/>
+        </p:nvCxnSpPr>
+        <p:spPr>
+          <a:xfrm flipV="1">
+            <a:off x="3908792" y="4203321"/>
+            <a:ext cx="1046712" cy="1"/>
+          </a:xfrm>
+          <a:prstGeom prst="straightConnector1">
+            <a:avLst/>
+          </a:prstGeom>
+          <a:ln w="28575">
+            <a:solidFill>
+              <a:schemeClr val="tx1"/>
+            </a:solidFill>
+            <a:tailEnd type="triangle"/>
+          </a:ln>
+          <a:effectLst>
+            <a:outerShdw blurRad="50800" dist="38100" dir="2700000" algn="tl" rotWithShape="0">
+              <a:prstClr val="black">
+                <a:alpha val="40000"/>
+              </a:prstClr>
+            </a:outerShdw>
+          </a:effectLst>
+        </p:spPr>
+        <p:style>
+          <a:lnRef idx="1">
+            <a:schemeClr val="accent1"/>
+          </a:lnRef>
+          <a:fillRef idx="0">
+            <a:schemeClr val="accent1"/>
+          </a:fillRef>
+          <a:effectRef idx="0">
+            <a:schemeClr val="accent1"/>
+          </a:effectRef>
+          <a:fontRef idx="minor">
+            <a:schemeClr val="tx1"/>
+          </a:fontRef>
+        </p:style>
+      </p:cxnSp>
+      <mc:AlternateContent xmlns:mc="http://schemas.openxmlformats.org/markup-compatibility/2006">
+        <mc:Choice xmlns:a14="http://schemas.microsoft.com/office/drawing/2010/main" Requires="a14">
+          <p:sp>
+            <p:nvSpPr>
+              <p:cNvPr id="25" name="Rectangle 24"/>
+              <p:cNvSpPr/>
+              <p:nvPr/>
+            </p:nvSpPr>
+            <p:spPr>
+              <a:xfrm>
+                <a:off x="4955504" y="4018655"/>
+                <a:ext cx="645561" cy="369332"/>
+              </a:xfrm>
+              <a:prstGeom prst="rect">
+                <a:avLst/>
+              </a:prstGeom>
+            </p:spPr>
+            <p:txBody>
+              <a:bodyPr wrap="none">
+                <a:spAutoFit/>
+              </a:bodyPr>
+              <a:lstStyle/>
+              <a:p>
+                <a14:m>
+                  <m:oMathPara xmlns:m="http://schemas.openxmlformats.org/officeDocument/2006/math">
+                    <m:oMathParaPr>
+                      <m:jc m:val="centerGroup"/>
+                    </m:oMathParaPr>
+                    <m:oMath xmlns:m="http://schemas.openxmlformats.org/officeDocument/2006/math">
+                      <m:r>
+                        <a:rPr lang="en-US" b="0" i="1" smtClean="0">
+                          <a:latin typeface="Cambria Math" panose="02040503050406030204" pitchFamily="18" charset="0"/>
+                        </a:rPr>
+                        <m:t>𝐺𝐼𝑁</m:t>
+                      </m:r>
+                    </m:oMath>
+                  </m:oMathPara>
+                </a14:m>
+                <a:endParaRPr lang="en-SG" dirty="0"/>
+              </a:p>
+            </p:txBody>
+          </p:sp>
+        </mc:Choice>
+        <mc:Fallback>
+          <p:sp>
+            <p:nvSpPr>
+              <p:cNvPr id="25" name="Rectangle 24"/>
+              <p:cNvSpPr>
+                <a:spLocks noRot="1" noChangeAspect="1" noMove="1" noResize="1" noEditPoints="1" noAdjustHandles="1" noChangeArrowheads="1" noChangeShapeType="1" noTextEdit="1"/>
+              </p:cNvSpPr>
+              <p:nvPr/>
+            </p:nvSpPr>
+            <p:spPr>
+              <a:xfrm>
+                <a:off x="4955504" y="4018655"/>
+                <a:ext cx="645561" cy="369332"/>
+              </a:xfrm>
+              <a:prstGeom prst="rect">
+                <a:avLst/>
+              </a:prstGeom>
+              <a:blipFill>
+                <a:blip r:embed="rId7"/>
+                <a:stretch>
+                  <a:fillRect/>
+                </a:stretch>
+              </a:blipFill>
+            </p:spPr>
+            <p:txBody>
+              <a:bodyPr/>
+              <a:lstStyle/>
+              <a:p>
+                <a:r>
+                  <a:rPr lang="en-SG">
+                    <a:noFill/>
+                  </a:rPr>
+                  <a:t> </a:t>
+                </a:r>
+              </a:p>
+            </p:txBody>
+          </p:sp>
+        </mc:Fallback>
+      </mc:AlternateContent>
+      <p:cxnSp>
+        <p:nvCxnSpPr>
+          <p:cNvPr id="28" name="Straight Arrow Connector 27"/>
+          <p:cNvCxnSpPr>
+            <a:stCxn id="25" idx="3"/>
+            <a:endCxn id="29" idx="1"/>
+          </p:cNvCxnSpPr>
+          <p:nvPr/>
+        </p:nvCxnSpPr>
+        <p:spPr>
+          <a:xfrm>
+            <a:off x="5601065" y="4203321"/>
+            <a:ext cx="1229631" cy="0"/>
+          </a:xfrm>
+          <a:prstGeom prst="straightConnector1">
+            <a:avLst/>
+          </a:prstGeom>
+          <a:ln w="28575">
+            <a:solidFill>
+              <a:schemeClr val="tx1"/>
+            </a:solidFill>
+            <a:tailEnd type="triangle"/>
+          </a:ln>
+          <a:effectLst>
+            <a:outerShdw blurRad="50800" dist="38100" dir="2700000" algn="tl" rotWithShape="0">
+              <a:prstClr val="black">
+                <a:alpha val="40000"/>
+              </a:prstClr>
+            </a:outerShdw>
+          </a:effectLst>
+        </p:spPr>
+        <p:style>
+          <a:lnRef idx="1">
+            <a:schemeClr val="accent1"/>
+          </a:lnRef>
+          <a:fillRef idx="0">
+            <a:schemeClr val="accent1"/>
+          </a:fillRef>
+          <a:effectRef idx="0">
+            <a:schemeClr val="accent1"/>
+          </a:effectRef>
+          <a:fontRef idx="minor">
+            <a:schemeClr val="tx1"/>
+          </a:fontRef>
+        </p:style>
+      </p:cxnSp>
+      <mc:AlternateContent xmlns:mc="http://schemas.openxmlformats.org/markup-compatibility/2006">
+        <mc:Choice xmlns:a14="http://schemas.microsoft.com/office/drawing/2010/main" Requires="a14">
+          <p:sp>
+            <p:nvSpPr>
+              <p:cNvPr id="29" name="Rectangle 28"/>
+              <p:cNvSpPr/>
+              <p:nvPr/>
+            </p:nvSpPr>
+            <p:spPr>
+              <a:xfrm>
+                <a:off x="6830696" y="4018655"/>
+                <a:ext cx="1553630" cy="369332"/>
+              </a:xfrm>
+              <a:prstGeom prst="rect">
+                <a:avLst/>
+              </a:prstGeom>
+            </p:spPr>
+            <p:txBody>
+              <a:bodyPr wrap="none">
+                <a:spAutoFit/>
+              </a:bodyPr>
+              <a:lstStyle/>
+              <a:p>
+                <a14:m>
+                  <m:oMathPara xmlns:m="http://schemas.openxmlformats.org/officeDocument/2006/math">
+                    <m:oMathParaPr>
+                      <m:jc m:val="centerGroup"/>
+                    </m:oMathParaPr>
+                    <m:oMath xmlns:m="http://schemas.openxmlformats.org/officeDocument/2006/math">
+                      <m:r>
+                        <a:rPr lang="en-US" i="1" dirty="0" smtClean="0">
+                          <a:latin typeface="Cambria Math" panose="02040503050406030204" pitchFamily="18" charset="0"/>
+                          <a:ea typeface="Cambria Math" panose="02040503050406030204" pitchFamily="18" charset="0"/>
+                          <a:cs typeface="Arial" panose="020B0604020202020204" pitchFamily="34" charset="0"/>
+                        </a:rPr>
+                        <m:t>𝜋</m:t>
+                      </m:r>
+                      <m:r>
+                        <a:rPr lang="en-US" b="0" i="1" dirty="0" smtClean="0">
+                          <a:latin typeface="Cambria Math" panose="02040503050406030204" pitchFamily="18" charset="0"/>
+                          <a:ea typeface="Cambria Math" panose="02040503050406030204" pitchFamily="18" charset="0"/>
+                          <a:cs typeface="Arial" panose="020B0604020202020204" pitchFamily="34" charset="0"/>
+                        </a:rPr>
+                        <m:t>(</m:t>
+                      </m:r>
+                      <m:sSub>
+                        <m:sSubPr>
+                          <m:ctrlPr>
+                            <a:rPr lang="en-US" b="0" i="1" dirty="0" smtClean="0">
+                              <a:latin typeface="Cambria Math" panose="02040503050406030204" pitchFamily="18" charset="0"/>
+                              <a:ea typeface="Cambria Math" panose="02040503050406030204" pitchFamily="18" charset="0"/>
+                              <a:cs typeface="Arial" panose="020B0604020202020204" pitchFamily="34" charset="0"/>
+                            </a:rPr>
+                          </m:ctrlPr>
+                        </m:sSubPr>
+                        <m:e>
+                          <m:r>
+                            <a:rPr lang="en-US" b="0" i="1" dirty="0" smtClean="0">
+                              <a:latin typeface="Cambria Math" panose="02040503050406030204" pitchFamily="18" charset="0"/>
+                              <a:ea typeface="Cambria Math" panose="02040503050406030204" pitchFamily="18" charset="0"/>
+                              <a:cs typeface="Arial" panose="020B0604020202020204" pitchFamily="34" charset="0"/>
+                            </a:rPr>
+                            <m:t>𝑎</m:t>
+                          </m:r>
+                        </m:e>
+                        <m:sub>
+                          <m:r>
+                            <a:rPr lang="en-US" b="0" i="1" dirty="0" smtClean="0">
+                              <a:latin typeface="Cambria Math" panose="02040503050406030204" pitchFamily="18" charset="0"/>
+                              <a:ea typeface="Cambria Math" panose="02040503050406030204" pitchFamily="18" charset="0"/>
+                              <a:cs typeface="Arial" panose="020B0604020202020204" pitchFamily="34" charset="0"/>
+                            </a:rPr>
+                            <m:t>4</m:t>
+                          </m:r>
+                        </m:sub>
+                      </m:sSub>
+                      <m:r>
+                        <a:rPr lang="en-US" b="0" i="1" dirty="0" smtClean="0">
+                          <a:latin typeface="Cambria Math" panose="02040503050406030204" pitchFamily="18" charset="0"/>
+                          <a:ea typeface="Cambria Math" panose="02040503050406030204" pitchFamily="18" charset="0"/>
+                          <a:cs typeface="Arial" panose="020B0604020202020204" pitchFamily="34" charset="0"/>
+                        </a:rPr>
+                        <m:t>|</m:t>
+                      </m:r>
+                      <m:sSub>
+                        <m:sSubPr>
+                          <m:ctrlPr>
+                            <a:rPr lang="en-US" b="0" i="1" dirty="0" smtClean="0">
+                              <a:latin typeface="Cambria Math" panose="02040503050406030204" pitchFamily="18" charset="0"/>
+                              <a:ea typeface="Cambria Math" panose="02040503050406030204" pitchFamily="18" charset="0"/>
+                              <a:cs typeface="Arial" panose="020B0604020202020204" pitchFamily="34" charset="0"/>
+                            </a:rPr>
+                          </m:ctrlPr>
+                        </m:sSubPr>
+                        <m:e>
+                          <m:r>
+                            <a:rPr lang="en-US" b="0" i="1" dirty="0" smtClean="0">
+                              <a:latin typeface="Cambria Math" panose="02040503050406030204" pitchFamily="18" charset="0"/>
+                              <a:ea typeface="Cambria Math" panose="02040503050406030204" pitchFamily="18" charset="0"/>
+                              <a:cs typeface="Arial" panose="020B0604020202020204" pitchFamily="34" charset="0"/>
+                            </a:rPr>
+                            <m:t>𝑒𝑚𝑏𝑑</m:t>
+                          </m:r>
+                        </m:e>
+                        <m:sub>
+                          <m:r>
+                            <a:rPr lang="en-US" b="0" i="1" dirty="0" smtClean="0">
+                              <a:latin typeface="Cambria Math" panose="02040503050406030204" pitchFamily="18" charset="0"/>
+                              <a:ea typeface="Cambria Math" panose="02040503050406030204" pitchFamily="18" charset="0"/>
+                              <a:cs typeface="Arial" panose="020B0604020202020204" pitchFamily="34" charset="0"/>
+                            </a:rPr>
+                            <m:t>4</m:t>
+                          </m:r>
+                        </m:sub>
+                      </m:sSub>
+                      <m:r>
+                        <a:rPr lang="en-US" b="0" i="1" dirty="0" smtClean="0">
+                          <a:latin typeface="Cambria Math" panose="02040503050406030204" pitchFamily="18" charset="0"/>
+                          <a:ea typeface="Cambria Math" panose="02040503050406030204" pitchFamily="18" charset="0"/>
+                          <a:cs typeface="Arial" panose="020B0604020202020204" pitchFamily="34" charset="0"/>
+                        </a:rPr>
+                        <m:t>)</m:t>
+                      </m:r>
+                    </m:oMath>
+                  </m:oMathPara>
+                </a14:m>
+                <a:endParaRPr lang="en-SG" dirty="0"/>
+              </a:p>
+            </p:txBody>
+          </p:sp>
+        </mc:Choice>
+        <mc:Fallback>
+          <p:sp>
+            <p:nvSpPr>
+              <p:cNvPr id="29" name="Rectangle 28"/>
+              <p:cNvSpPr>
+                <a:spLocks noRot="1" noChangeAspect="1" noMove="1" noResize="1" noEditPoints="1" noAdjustHandles="1" noChangeArrowheads="1" noChangeShapeType="1" noTextEdit="1"/>
+              </p:cNvSpPr>
+              <p:nvPr/>
+            </p:nvSpPr>
+            <p:spPr>
+              <a:xfrm>
+                <a:off x="6830696" y="4018655"/>
+                <a:ext cx="1553630" cy="369332"/>
+              </a:xfrm>
+              <a:prstGeom prst="rect">
+                <a:avLst/>
+              </a:prstGeom>
+              <a:blipFill>
+                <a:blip r:embed="rId8"/>
+                <a:stretch>
+                  <a:fillRect b="-13115"/>
+                </a:stretch>
+              </a:blipFill>
+            </p:spPr>
+            <p:txBody>
+              <a:bodyPr/>
+              <a:lstStyle/>
+              <a:p>
+                <a:r>
+                  <a:rPr lang="en-SG">
+                    <a:noFill/>
+                  </a:rPr>
+                  <a:t> </a:t>
+                </a:r>
+              </a:p>
+            </p:txBody>
+          </p:sp>
+        </mc:Fallback>
+      </mc:AlternateContent>
+      <mc:AlternateContent xmlns:mc="http://schemas.openxmlformats.org/markup-compatibility/2006">
+        <mc:Choice xmlns:a14="http://schemas.microsoft.com/office/drawing/2010/main" Requires="a14">
+          <p:sp>
+            <p:nvSpPr>
+              <p:cNvPr id="37" name="Rectangle 36"/>
+              <p:cNvSpPr/>
+              <p:nvPr/>
+            </p:nvSpPr>
+            <p:spPr>
+              <a:xfrm>
+                <a:off x="9613958" y="4018655"/>
+                <a:ext cx="473142" cy="369332"/>
+              </a:xfrm>
+              <a:prstGeom prst="rect">
+                <a:avLst/>
+              </a:prstGeom>
+            </p:spPr>
+            <p:txBody>
+              <a:bodyPr wrap="none">
+                <a:spAutoFit/>
+              </a:bodyPr>
+              <a:lstStyle/>
+              <a:p>
+                <a:pPr/>
+                <a14:m>
+                  <m:oMathPara xmlns:m="http://schemas.openxmlformats.org/officeDocument/2006/math">
+                    <m:oMathParaPr>
+                      <m:jc m:val="centerGroup"/>
+                    </m:oMathParaPr>
+                    <m:oMath xmlns:m="http://schemas.openxmlformats.org/officeDocument/2006/math">
+                      <m:sSub>
+                        <m:sSubPr>
+                          <m:ctrlPr>
+                            <a:rPr lang="en-SG" i="1">
+                              <a:latin typeface="Cambria Math" panose="02040503050406030204" pitchFamily="18" charset="0"/>
+                            </a:rPr>
+                          </m:ctrlPr>
+                        </m:sSubPr>
+                        <m:e>
+                          <m:r>
+                            <a:rPr lang="en-US" i="1">
+                              <a:latin typeface="Cambria Math" panose="02040503050406030204" pitchFamily="18" charset="0"/>
+                            </a:rPr>
+                            <m:t>𝑎</m:t>
+                          </m:r>
+                        </m:e>
+                        <m:sub>
+                          <m:r>
+                            <a:rPr lang="en-US" i="1">
+                              <a:latin typeface="Cambria Math" panose="02040503050406030204" pitchFamily="18" charset="0"/>
+                            </a:rPr>
+                            <m:t>4</m:t>
+                          </m:r>
+                        </m:sub>
+                      </m:sSub>
+                    </m:oMath>
+                  </m:oMathPara>
+                </a14:m>
+                <a:endParaRPr lang="en-SG" dirty="0"/>
+              </a:p>
+            </p:txBody>
+          </p:sp>
+        </mc:Choice>
+        <mc:Fallback>
+          <p:sp>
+            <p:nvSpPr>
+              <p:cNvPr id="37" name="Rectangle 36"/>
+              <p:cNvSpPr>
+                <a:spLocks noRot="1" noChangeAspect="1" noMove="1" noResize="1" noEditPoints="1" noAdjustHandles="1" noChangeArrowheads="1" noChangeShapeType="1" noTextEdit="1"/>
+              </p:cNvSpPr>
+              <p:nvPr/>
+            </p:nvSpPr>
+            <p:spPr>
+              <a:xfrm>
+                <a:off x="9613958" y="4018655"/>
+                <a:ext cx="473142" cy="369332"/>
+              </a:xfrm>
+              <a:prstGeom prst="rect">
+                <a:avLst/>
+              </a:prstGeom>
+              <a:blipFill>
+                <a:blip r:embed="rId9"/>
+                <a:stretch>
+                  <a:fillRect/>
+                </a:stretch>
+              </a:blipFill>
+            </p:spPr>
+            <p:txBody>
+              <a:bodyPr/>
+              <a:lstStyle/>
+              <a:p>
+                <a:r>
+                  <a:rPr lang="en-SG">
+                    <a:noFill/>
+                  </a:rPr>
+                  <a:t> </a:t>
+                </a:r>
+              </a:p>
+            </p:txBody>
+          </p:sp>
+        </mc:Fallback>
+      </mc:AlternateContent>
+      <p:cxnSp>
+        <p:nvCxnSpPr>
+          <p:cNvPr id="43" name="Straight Arrow Connector 42"/>
+          <p:cNvCxnSpPr>
+            <a:stCxn id="29" idx="3"/>
+            <a:endCxn id="37" idx="1"/>
+          </p:cNvCxnSpPr>
+          <p:nvPr/>
+        </p:nvCxnSpPr>
+        <p:spPr>
+          <a:xfrm>
+            <a:off x="8384326" y="4203321"/>
+            <a:ext cx="1229632" cy="0"/>
+          </a:xfrm>
+          <a:prstGeom prst="straightConnector1">
+            <a:avLst/>
+          </a:prstGeom>
+          <a:ln w="28575">
+            <a:solidFill>
+              <a:schemeClr val="tx1"/>
+            </a:solidFill>
+            <a:tailEnd type="triangle"/>
+          </a:ln>
+          <a:effectLst>
+            <a:outerShdw blurRad="50800" dist="38100" dir="2700000" algn="tl" rotWithShape="0">
+              <a:prstClr val="black">
+                <a:alpha val="40000"/>
+              </a:prstClr>
+            </a:outerShdw>
+          </a:effectLst>
+        </p:spPr>
+        <p:style>
+          <a:lnRef idx="1">
+            <a:schemeClr val="accent1"/>
+          </a:lnRef>
+          <a:fillRef idx="0">
+            <a:schemeClr val="accent1"/>
+          </a:fillRef>
+          <a:effectRef idx="0">
+            <a:schemeClr val="accent1"/>
+          </a:effectRef>
+          <a:fontRef idx="minor">
+            <a:schemeClr val="tx1"/>
+          </a:fontRef>
+        </p:style>
+      </p:cxnSp>
     </p:spTree>
     <p:extLst>
       <p:ext uri="{BB962C8B-B14F-4D97-AF65-F5344CB8AC3E}">

--- a/NeurIPS L2D.pptx
+++ b/NeurIPS L2D.pptx
@@ -5,10 +5,10 @@
     <p:sldMasterId id="2147483648" r:id="rId1"/>
   </p:sldMasterIdLst>
   <p:notesMasterIdLst>
-    <p:notesMasterId r:id="rId19"/>
+    <p:notesMasterId r:id="rId20"/>
   </p:notesMasterIdLst>
   <p:handoutMasterIdLst>
-    <p:handoutMasterId r:id="rId20"/>
+    <p:handoutMasterId r:id="rId21"/>
   </p:handoutMasterIdLst>
   <p:sldIdLst>
     <p:sldId id="256" r:id="rId2"/>
@@ -28,6 +28,7 @@
     <p:sldId id="276" r:id="rId16"/>
     <p:sldId id="272" r:id="rId17"/>
     <p:sldId id="273" r:id="rId18"/>
+    <p:sldId id="277" r:id="rId19"/>
   </p:sldIdLst>
   <p:sldSz cx="12192000" cy="6858000"/>
   <p:notesSz cx="6858000" cy="9144000"/>
@@ -9579,6 +9580,577 @@
 </p:sld>
 </file>
 
+<file path=ppt/slides/slide18.xml><?xml version="1.0" encoding="utf-8"?>
+<p:sld xmlns:a="http://schemas.openxmlformats.org/drawingml/2006/main" xmlns:r="http://schemas.openxmlformats.org/officeDocument/2006/relationships" xmlns:p="http://schemas.openxmlformats.org/presentationml/2006/main">
+  <p:cSld>
+    <p:spTree>
+      <p:nvGrpSpPr>
+        <p:cNvPr id="1" name=""/>
+        <p:cNvGrpSpPr/>
+        <p:nvPr/>
+      </p:nvGrpSpPr>
+      <p:grpSpPr>
+        <a:xfrm>
+          <a:off x="0" y="0"/>
+          <a:ext cx="0" cy="0"/>
+          <a:chOff x="0" y="0"/>
+          <a:chExt cx="0" cy="0"/>
+        </a:xfrm>
+      </p:grpSpPr>
+      <p:sp>
+        <p:nvSpPr>
+          <p:cNvPr id="8" name="Rectangle 7"/>
+          <p:cNvSpPr/>
+          <p:nvPr/>
+        </p:nvSpPr>
+        <p:spPr>
+          <a:xfrm>
+            <a:off x="1774587" y="125045"/>
+            <a:ext cx="8693464" cy="650810"/>
+          </a:xfrm>
+          <a:prstGeom prst="rect">
+            <a:avLst/>
+          </a:prstGeom>
+          <a:gradFill flip="none" rotWithShape="1">
+            <a:gsLst>
+              <a:gs pos="0">
+                <a:srgbClr val="B59AC2"/>
+              </a:gs>
+              <a:gs pos="100000">
+                <a:srgbClr val="68448B"/>
+              </a:gs>
+            </a:gsLst>
+            <a:path path="circle">
+              <a:fillToRect l="100000" b="100000"/>
+            </a:path>
+            <a:tileRect t="-100000" r="-100000"/>
+          </a:gradFill>
+          <a:ln>
+            <a:noFill/>
+          </a:ln>
+          <a:effectLst>
+            <a:outerShdw blurRad="50800" dist="38100" dir="2700000" algn="tl" rotWithShape="0">
+              <a:prstClr val="black">
+                <a:alpha val="40000"/>
+              </a:prstClr>
+            </a:outerShdw>
+          </a:effectLst>
+        </p:spPr>
+        <p:style>
+          <a:lnRef idx="0">
+            <a:schemeClr val="accent3"/>
+          </a:lnRef>
+          <a:fillRef idx="3">
+            <a:schemeClr val="accent3"/>
+          </a:fillRef>
+          <a:effectRef idx="3">
+            <a:schemeClr val="accent3"/>
+          </a:effectRef>
+          <a:fontRef idx="minor">
+            <a:schemeClr val="lt1"/>
+          </a:fontRef>
+        </p:style>
+        <p:txBody>
+          <a:bodyPr rtlCol="0" anchor="ctr"/>
+          <a:lstStyle/>
+          <a:p>
+            <a:pPr algn="ctr"/>
+            <a:endParaRPr lang="en-SG"/>
+          </a:p>
+        </p:txBody>
+      </p:sp>
+      <p:pic>
+        <p:nvPicPr>
+          <p:cNvPr id="19" name="Picture 18"/>
+          <p:cNvPicPr>
+            <a:picLocks noChangeAspect="1"/>
+          </p:cNvPicPr>
+          <p:nvPr/>
+        </p:nvPicPr>
+        <p:blipFill>
+          <a:blip r:embed="rId2" cstate="print">
+            <a:extLst>
+              <a:ext uri="{28A0092B-C50C-407E-A947-70E740481C1C}">
+                <a14:useLocalDpi xmlns:a14="http://schemas.microsoft.com/office/drawing/2010/main" val="0"/>
+              </a:ext>
+            </a:extLst>
+          </a:blip>
+          <a:stretch>
+            <a:fillRect/>
+          </a:stretch>
+        </p:blipFill>
+        <p:spPr>
+          <a:xfrm>
+            <a:off x="0" y="125044"/>
+            <a:ext cx="1721300" cy="774585"/>
+          </a:xfrm>
+          <a:prstGeom prst="rect">
+            <a:avLst/>
+          </a:prstGeom>
+        </p:spPr>
+      </p:pic>
+      <p:sp>
+        <p:nvSpPr>
+          <p:cNvPr id="20" name="TextBox 19"/>
+          <p:cNvSpPr txBox="1"/>
+          <p:nvPr/>
+        </p:nvSpPr>
+        <p:spPr>
+          <a:xfrm>
+            <a:off x="196769" y="2108726"/>
+            <a:ext cx="11849100" cy="769441"/>
+          </a:xfrm>
+          <a:prstGeom prst="rect">
+            <a:avLst/>
+          </a:prstGeom>
+          <a:noFill/>
+        </p:spPr>
+        <p:txBody>
+          <a:bodyPr wrap="square" rtlCol="0">
+            <a:spAutoFit/>
+          </a:bodyPr>
+          <a:lstStyle/>
+          <a:p>
+            <a:pPr algn="ctr"/>
+            <a:r>
+              <a:rPr lang="en-SG" sz="4400" b="1" dirty="0" smtClean="0">
+                <a:latin typeface="Times New Roman" panose="02020603050405020304" pitchFamily="18" charset="0"/>
+                <a:cs typeface="Times New Roman" panose="02020603050405020304" pitchFamily="18" charset="0"/>
+              </a:rPr>
+              <a:t>Thank you !</a:t>
+            </a:r>
+            <a:endParaRPr lang="en-SG" sz="4400" b="1" dirty="0">
+              <a:latin typeface="Times New Roman" panose="02020603050405020304" pitchFamily="18" charset="0"/>
+              <a:cs typeface="Times New Roman" panose="02020603050405020304" pitchFamily="18" charset="0"/>
+            </a:endParaRPr>
+          </a:p>
+        </p:txBody>
+      </p:sp>
+      <p:pic>
+        <p:nvPicPr>
+          <p:cNvPr id="27" name="Picture 26"/>
+          <p:cNvPicPr>
+            <a:picLocks noChangeAspect="1"/>
+          </p:cNvPicPr>
+          <p:nvPr/>
+        </p:nvPicPr>
+        <p:blipFill>
+          <a:blip r:embed="rId3">
+            <a:extLst>
+              <a:ext uri="{28A0092B-C50C-407E-A947-70E740481C1C}">
+                <a14:useLocalDpi xmlns:a14="http://schemas.microsoft.com/office/drawing/2010/main" val="0"/>
+              </a:ext>
+            </a:extLst>
+          </a:blip>
+          <a:stretch>
+            <a:fillRect/>
+          </a:stretch>
+        </p:blipFill>
+        <p:spPr>
+          <a:xfrm>
+            <a:off x="8732455" y="3761667"/>
+            <a:ext cx="2761844" cy="1040844"/>
+          </a:xfrm>
+          <a:prstGeom prst="rect">
+            <a:avLst/>
+          </a:prstGeom>
+        </p:spPr>
+      </p:pic>
+      <p:pic>
+        <p:nvPicPr>
+          <p:cNvPr id="28" name="Picture 27"/>
+          <p:cNvPicPr>
+            <a:picLocks noChangeAspect="1"/>
+          </p:cNvPicPr>
+          <p:nvPr/>
+        </p:nvPicPr>
+        <p:blipFill>
+          <a:blip r:embed="rId4" cstate="print">
+            <a:extLst>
+              <a:ext uri="{28A0092B-C50C-407E-A947-70E740481C1C}">
+                <a14:useLocalDpi xmlns:a14="http://schemas.microsoft.com/office/drawing/2010/main" val="0"/>
+              </a:ext>
+            </a:extLst>
+          </a:blip>
+          <a:stretch>
+            <a:fillRect/>
+          </a:stretch>
+        </p:blipFill>
+        <p:spPr>
+          <a:xfrm>
+            <a:off x="1552522" y="3365327"/>
+            <a:ext cx="2926671" cy="1951114"/>
+          </a:xfrm>
+          <a:prstGeom prst="rect">
+            <a:avLst/>
+          </a:prstGeom>
+        </p:spPr>
+      </p:pic>
+      <p:pic>
+        <p:nvPicPr>
+          <p:cNvPr id="29" name="Picture 28"/>
+          <p:cNvPicPr>
+            <a:picLocks noChangeAspect="1"/>
+          </p:cNvPicPr>
+          <p:nvPr/>
+        </p:nvPicPr>
+        <p:blipFill>
+          <a:blip r:embed="rId5" cstate="print">
+            <a:extLst>
+              <a:ext uri="{28A0092B-C50C-407E-A947-70E740481C1C}">
+                <a14:useLocalDpi xmlns:a14="http://schemas.microsoft.com/office/drawing/2010/main" val="0"/>
+              </a:ext>
+            </a:extLst>
+          </a:blip>
+          <a:stretch>
+            <a:fillRect/>
+          </a:stretch>
+        </p:blipFill>
+        <p:spPr>
+          <a:xfrm>
+            <a:off x="6121319" y="3604191"/>
+            <a:ext cx="2375877" cy="1473386"/>
+          </a:xfrm>
+          <a:prstGeom prst="rect">
+            <a:avLst/>
+          </a:prstGeom>
+        </p:spPr>
+      </p:pic>
+      <p:pic>
+        <p:nvPicPr>
+          <p:cNvPr id="30" name="Picture 29"/>
+          <p:cNvPicPr>
+            <a:picLocks noChangeAspect="1"/>
+          </p:cNvPicPr>
+          <p:nvPr/>
+        </p:nvPicPr>
+        <p:blipFill>
+          <a:blip r:embed="rId6">
+            <a:extLst>
+              <a:ext uri="{28A0092B-C50C-407E-A947-70E740481C1C}">
+                <a14:useLocalDpi xmlns:a14="http://schemas.microsoft.com/office/drawing/2010/main" val="0"/>
+              </a:ext>
+            </a:extLst>
+          </a:blip>
+          <a:stretch>
+            <a:fillRect/>
+          </a:stretch>
+        </p:blipFill>
+        <p:spPr>
+          <a:xfrm>
+            <a:off x="4792884" y="3794296"/>
+            <a:ext cx="1093176" cy="1093176"/>
+          </a:xfrm>
+          <a:prstGeom prst="rect">
+            <a:avLst/>
+          </a:prstGeom>
+        </p:spPr>
+      </p:pic>
+      <p:pic>
+        <p:nvPicPr>
+          <p:cNvPr id="35" name="Picture 34"/>
+          <p:cNvPicPr>
+            <a:picLocks noChangeAspect="1"/>
+          </p:cNvPicPr>
+          <p:nvPr/>
+        </p:nvPicPr>
+        <p:blipFill>
+          <a:blip r:embed="rId7" cstate="print">
+            <a:extLst>
+              <a:ext uri="{28A0092B-C50C-407E-A947-70E740481C1C}">
+                <a14:useLocalDpi xmlns:a14="http://schemas.microsoft.com/office/drawing/2010/main" val="0"/>
+              </a:ext>
+            </a:extLst>
+          </a:blip>
+          <a:stretch>
+            <a:fillRect/>
+          </a:stretch>
+        </p:blipFill>
+        <p:spPr>
+          <a:xfrm>
+            <a:off x="10567592" y="125044"/>
+            <a:ext cx="1132283" cy="689053"/>
+          </a:xfrm>
+          <a:prstGeom prst="rect">
+            <a:avLst/>
+          </a:prstGeom>
+        </p:spPr>
+      </p:pic>
+      <p:sp>
+        <p:nvSpPr>
+          <p:cNvPr id="41" name="Rectangle 40"/>
+          <p:cNvSpPr/>
+          <p:nvPr/>
+        </p:nvSpPr>
+        <p:spPr>
+          <a:xfrm>
+            <a:off x="11792694" y="672289"/>
+            <a:ext cx="399295" cy="103566"/>
+          </a:xfrm>
+          <a:prstGeom prst="rect">
+            <a:avLst/>
+          </a:prstGeom>
+          <a:solidFill>
+            <a:srgbClr val="6E4B90"/>
+          </a:solidFill>
+          <a:ln>
+            <a:noFill/>
+          </a:ln>
+          <a:effectLst>
+            <a:outerShdw blurRad="50800" dist="38100" dir="2700000" algn="tl" rotWithShape="0">
+              <a:prstClr val="black">
+                <a:alpha val="40000"/>
+              </a:prstClr>
+            </a:outerShdw>
+          </a:effectLst>
+        </p:spPr>
+        <p:style>
+          <a:lnRef idx="0">
+            <a:schemeClr val="accent3"/>
+          </a:lnRef>
+          <a:fillRef idx="3">
+            <a:schemeClr val="accent3"/>
+          </a:fillRef>
+          <a:effectRef idx="3">
+            <a:schemeClr val="accent3"/>
+          </a:effectRef>
+          <a:fontRef idx="minor">
+            <a:schemeClr val="lt1"/>
+          </a:fontRef>
+        </p:style>
+        <p:txBody>
+          <a:bodyPr rtlCol="0" anchor="ctr"/>
+          <a:lstStyle/>
+          <a:p>
+            <a:pPr algn="ctr"/>
+            <a:endParaRPr lang="en-SG"/>
+          </a:p>
+        </p:txBody>
+      </p:sp>
+      <p:sp>
+        <p:nvSpPr>
+          <p:cNvPr id="42" name="Rectangle 41"/>
+          <p:cNvSpPr/>
+          <p:nvPr/>
+        </p:nvSpPr>
+        <p:spPr>
+          <a:xfrm>
+            <a:off x="11792705" y="539809"/>
+            <a:ext cx="399295" cy="103759"/>
+          </a:xfrm>
+          <a:prstGeom prst="rect">
+            <a:avLst/>
+          </a:prstGeom>
+          <a:solidFill>
+            <a:srgbClr val="946DA7"/>
+          </a:solidFill>
+          <a:ln>
+            <a:noFill/>
+          </a:ln>
+          <a:effectLst>
+            <a:outerShdw blurRad="50800" dist="38100" dir="2700000" algn="tl" rotWithShape="0">
+              <a:prstClr val="black">
+                <a:alpha val="40000"/>
+              </a:prstClr>
+            </a:outerShdw>
+          </a:effectLst>
+        </p:spPr>
+        <p:style>
+          <a:lnRef idx="0">
+            <a:schemeClr val="accent3"/>
+          </a:lnRef>
+          <a:fillRef idx="3">
+            <a:schemeClr val="accent3"/>
+          </a:fillRef>
+          <a:effectRef idx="3">
+            <a:schemeClr val="accent3"/>
+          </a:effectRef>
+          <a:fontRef idx="minor">
+            <a:schemeClr val="lt1"/>
+          </a:fontRef>
+        </p:style>
+        <p:txBody>
+          <a:bodyPr rtlCol="0" anchor="ctr"/>
+          <a:lstStyle/>
+          <a:p>
+            <a:pPr algn="ctr"/>
+            <a:endParaRPr lang="en-SG"/>
+          </a:p>
+        </p:txBody>
+      </p:sp>
+      <p:sp>
+        <p:nvSpPr>
+          <p:cNvPr id="43" name="Rectangle 42"/>
+          <p:cNvSpPr/>
+          <p:nvPr/>
+        </p:nvSpPr>
+        <p:spPr>
+          <a:xfrm>
+            <a:off x="11792693" y="409618"/>
+            <a:ext cx="399295" cy="101470"/>
+          </a:xfrm>
+          <a:prstGeom prst="rect">
+            <a:avLst/>
+          </a:prstGeom>
+          <a:solidFill>
+            <a:srgbClr val="6E4B90"/>
+          </a:solidFill>
+          <a:ln>
+            <a:noFill/>
+          </a:ln>
+          <a:effectLst>
+            <a:outerShdw blurRad="50800" dist="38100" dir="2700000" algn="tl" rotWithShape="0">
+              <a:prstClr val="black">
+                <a:alpha val="40000"/>
+              </a:prstClr>
+            </a:outerShdw>
+          </a:effectLst>
+        </p:spPr>
+        <p:style>
+          <a:lnRef idx="0">
+            <a:schemeClr val="accent3"/>
+          </a:lnRef>
+          <a:fillRef idx="3">
+            <a:schemeClr val="accent3"/>
+          </a:fillRef>
+          <a:effectRef idx="3">
+            <a:schemeClr val="accent3"/>
+          </a:effectRef>
+          <a:fontRef idx="minor">
+            <a:schemeClr val="lt1"/>
+          </a:fontRef>
+        </p:style>
+        <p:txBody>
+          <a:bodyPr rtlCol="0" anchor="ctr"/>
+          <a:lstStyle/>
+          <a:p>
+            <a:pPr algn="ctr"/>
+            <a:endParaRPr lang="en-SG"/>
+          </a:p>
+        </p:txBody>
+      </p:sp>
+      <p:sp>
+        <p:nvSpPr>
+          <p:cNvPr id="44" name="Rectangle 43"/>
+          <p:cNvSpPr/>
+          <p:nvPr/>
+        </p:nvSpPr>
+        <p:spPr>
+          <a:xfrm>
+            <a:off x="11792693" y="272283"/>
+            <a:ext cx="399295" cy="108614"/>
+          </a:xfrm>
+          <a:prstGeom prst="rect">
+            <a:avLst/>
+          </a:prstGeom>
+          <a:solidFill>
+            <a:srgbClr val="946DA7"/>
+          </a:solidFill>
+          <a:ln>
+            <a:noFill/>
+          </a:ln>
+          <a:effectLst>
+            <a:outerShdw blurRad="50800" dist="38100" dir="2700000" algn="tl" rotWithShape="0">
+              <a:prstClr val="black">
+                <a:alpha val="40000"/>
+              </a:prstClr>
+            </a:outerShdw>
+          </a:effectLst>
+        </p:spPr>
+        <p:style>
+          <a:lnRef idx="0">
+            <a:schemeClr val="accent3"/>
+          </a:lnRef>
+          <a:fillRef idx="3">
+            <a:schemeClr val="accent3"/>
+          </a:fillRef>
+          <a:effectRef idx="3">
+            <a:schemeClr val="accent3"/>
+          </a:effectRef>
+          <a:fontRef idx="minor">
+            <a:schemeClr val="lt1"/>
+          </a:fontRef>
+        </p:style>
+        <p:txBody>
+          <a:bodyPr rtlCol="0" anchor="ctr"/>
+          <a:lstStyle/>
+          <a:p>
+            <a:pPr algn="ctr"/>
+            <a:endParaRPr lang="en-SG"/>
+          </a:p>
+        </p:txBody>
+      </p:sp>
+      <p:sp>
+        <p:nvSpPr>
+          <p:cNvPr id="45" name="Rectangle 44"/>
+          <p:cNvSpPr/>
+          <p:nvPr/>
+        </p:nvSpPr>
+        <p:spPr>
+          <a:xfrm>
+            <a:off x="11792692" y="125933"/>
+            <a:ext cx="399295" cy="108614"/>
+          </a:xfrm>
+          <a:prstGeom prst="rect">
+            <a:avLst/>
+          </a:prstGeom>
+          <a:solidFill>
+            <a:srgbClr val="6E4B90"/>
+          </a:solidFill>
+          <a:ln>
+            <a:noFill/>
+          </a:ln>
+          <a:effectLst>
+            <a:outerShdw blurRad="50800" dist="38100" dir="2700000" algn="tl" rotWithShape="0">
+              <a:prstClr val="black">
+                <a:alpha val="40000"/>
+              </a:prstClr>
+            </a:outerShdw>
+          </a:effectLst>
+        </p:spPr>
+        <p:style>
+          <a:lnRef idx="0">
+            <a:schemeClr val="accent3"/>
+          </a:lnRef>
+          <a:fillRef idx="3">
+            <a:schemeClr val="accent3"/>
+          </a:fillRef>
+          <a:effectRef idx="3">
+            <a:schemeClr val="accent3"/>
+          </a:effectRef>
+          <a:fontRef idx="minor">
+            <a:schemeClr val="lt1"/>
+          </a:fontRef>
+        </p:style>
+        <p:txBody>
+          <a:bodyPr rtlCol="0" anchor="ctr"/>
+          <a:lstStyle/>
+          <a:p>
+            <a:pPr algn="ctr"/>
+            <a:endParaRPr lang="en-SG"/>
+          </a:p>
+        </p:txBody>
+      </p:sp>
+    </p:spTree>
+    <p:extLst>
+      <p:ext uri="{BB962C8B-B14F-4D97-AF65-F5344CB8AC3E}">
+        <p14:creationId xmlns:p14="http://schemas.microsoft.com/office/powerpoint/2010/main" val="3348213331"/>
+      </p:ext>
+    </p:extLst>
+  </p:cSld>
+  <p:clrMapOvr>
+    <a:masterClrMapping/>
+  </p:clrMapOvr>
+  <p:timing>
+    <p:tnLst>
+      <p:par>
+        <p:cTn id="1" dur="indefinite" restart="never" nodeType="tmRoot"/>
+      </p:par>
+    </p:tnLst>
+  </p:timing>
+</p:sld>
+</file>
+
 <file path=ppt/slides/slide2.xml><?xml version="1.0" encoding="utf-8"?>
 <p:sld xmlns:a="http://schemas.openxmlformats.org/drawingml/2006/main" xmlns:r="http://schemas.openxmlformats.org/officeDocument/2006/relationships" xmlns:p="http://schemas.openxmlformats.org/presentationml/2006/main">
   <p:cSld>

--- a/NeurIPS L2D.pptx
+++ b/NeurIPS L2D.pptx
@@ -15884,7 +15884,7 @@
         <p:spPr>
           <a:xfrm>
             <a:off x="5601065" y="4203321"/>
-            <a:ext cx="1229631" cy="0"/>
+            <a:ext cx="1229631" cy="11895"/>
           </a:xfrm>
           <a:prstGeom prst="straightConnector1">
             <a:avLst/>
@@ -15929,7 +15929,7 @@
             <p:spPr>
               <a:xfrm>
                 <a:off x="6830696" y="4018655"/>
-                <a:ext cx="1553630" cy="369332"/>
+                <a:ext cx="2217017" cy="393121"/>
               </a:xfrm>
               <a:prstGeom prst="rect">
                 <a:avLst/>
@@ -16019,18 +16019,41 @@
                               <a:ea typeface="Cambria Math" panose="02040503050406030204" pitchFamily="18" charset="0"/>
                               <a:cs typeface="Arial" panose="020B0604020202020204" pitchFamily="34" charset="0"/>
                             </a:rPr>
-                            <m:t>𝑒𝑚𝑏𝑑</m:t>
+                            <m:t>𝑒𝑚𝑏𝑒𝑑𝑑𝑖𝑛𝑔</m:t>
                           </m:r>
                         </m:e>
                         <m:sub>
-                          <m:r>
-                            <a:rPr lang="en-US" b="0" i="1" dirty="0" smtClean="0">
-                              <a:latin typeface="Cambria Math" panose="02040503050406030204" pitchFamily="18" charset="0"/>
-                              <a:ea typeface="Cambria Math" panose="02040503050406030204" pitchFamily="18" charset="0"/>
-                              <a:cs typeface="Arial" panose="020B0604020202020204" pitchFamily="34" charset="0"/>
-                            </a:rPr>
-                            <m:t>4</m:t>
-                          </m:r>
+                          <m:sSub>
+                            <m:sSubPr>
+                              <m:ctrlPr>
+                                <a:rPr lang="en-US" b="0" i="1" dirty="0" smtClean="0">
+                                  <a:latin typeface="Cambria Math" panose="02040503050406030204" pitchFamily="18" charset="0"/>
+                                  <a:ea typeface="Cambria Math" panose="02040503050406030204" pitchFamily="18" charset="0"/>
+                                  <a:cs typeface="Arial" panose="020B0604020202020204" pitchFamily="34" charset="0"/>
+                                </a:rPr>
+                              </m:ctrlPr>
+                            </m:sSubPr>
+                            <m:e>
+                              <m:r>
+                                <a:rPr lang="en-US" b="0" i="1" dirty="0" smtClean="0">
+                                  <a:latin typeface="Cambria Math" panose="02040503050406030204" pitchFamily="18" charset="0"/>
+                                  <a:ea typeface="Cambria Math" panose="02040503050406030204" pitchFamily="18" charset="0"/>
+                                  <a:cs typeface="Arial" panose="020B0604020202020204" pitchFamily="34" charset="0"/>
+                                </a:rPr>
+                                <m:t>𝑆</m:t>
+                              </m:r>
+                            </m:e>
+                            <m:sub>
+                              <m:r>
+                                <a:rPr lang="en-US" altLang="zh-CN" i="1" dirty="0">
+                                  <a:latin typeface="Cambria Math" panose="02040503050406030204" pitchFamily="18" charset="0"/>
+                                  <a:ea typeface="Cambria Math" panose="02040503050406030204" pitchFamily="18" charset="0"/>
+                                  <a:cs typeface="Arial" panose="020B0604020202020204" pitchFamily="34" charset="0"/>
+                                </a:rPr>
+                                <m:t>4</m:t>
+                              </m:r>
+                            </m:sub>
+                          </m:sSub>
                         </m:sub>
                       </m:sSub>
                       <m:r>
@@ -16061,7 +16084,7 @@
             <p:spPr>
               <a:xfrm>
                 <a:off x="6830696" y="4018655"/>
-                <a:ext cx="1553630" cy="369332"/>
+                <a:ext cx="2217017" cy="393121"/>
               </a:xfrm>
               <a:prstGeom prst="rect">
                 <a:avLst/>
@@ -16069,7 +16092,7 @@
               <a:blipFill>
                 <a:blip r:embed="rId8"/>
                 <a:stretch>
-                  <a:fillRect b="-13115"/>
+                  <a:fillRect b="-7692"/>
                 </a:stretch>
               </a:blipFill>
             </p:spPr>
@@ -16098,7 +16121,7 @@
             </p:nvSpPr>
             <p:spPr>
               <a:xfrm>
-                <a:off x="9613958" y="4018655"/>
+                <a:off x="10179268" y="4018655"/>
                 <a:ext cx="473142" cy="369332"/>
               </a:xfrm>
               <a:prstGeom prst="rect">
@@ -16162,7 +16185,7 @@
             </p:nvSpPr>
             <p:spPr>
               <a:xfrm>
-                <a:off x="9613958" y="4018655"/>
+                <a:off x="10179268" y="4018655"/>
                 <a:ext cx="473142" cy="369332"/>
               </a:xfrm>
               <a:prstGeom prst="rect">
@@ -16200,9 +16223,9 @@
           <p:nvPr/>
         </p:nvCxnSpPr>
         <p:spPr>
-          <a:xfrm>
-            <a:off x="8384326" y="4203321"/>
-            <a:ext cx="1229632" cy="0"/>
+          <a:xfrm flipV="1">
+            <a:off x="9047713" y="4203321"/>
+            <a:ext cx="1131555" cy="11895"/>
           </a:xfrm>
           <a:prstGeom prst="straightConnector1">
             <a:avLst/>
@@ -16236,6 +16259,42 @@
           </a:fontRef>
         </p:style>
       </p:cxnSp>
+      <p:sp>
+        <p:nvSpPr>
+          <p:cNvPr id="54" name="TextBox 53"/>
+          <p:cNvSpPr txBox="1"/>
+          <p:nvPr/>
+        </p:nvSpPr>
+        <p:spPr>
+          <a:xfrm>
+            <a:off x="9021009" y="3818600"/>
+            <a:ext cx="1158259" cy="400110"/>
+          </a:xfrm>
+          <a:prstGeom prst="rect">
+            <a:avLst/>
+          </a:prstGeom>
+          <a:noFill/>
+        </p:spPr>
+        <p:txBody>
+          <a:bodyPr wrap="square" rtlCol="0">
+            <a:spAutoFit/>
+          </a:bodyPr>
+          <a:lstStyle/>
+          <a:p>
+            <a:r>
+              <a:rPr lang="en-US" altLang="zh-CN" sz="2000" dirty="0" smtClean="0">
+                <a:latin typeface="Arial" panose="020B0604020202020204" pitchFamily="34" charset="0"/>
+                <a:cs typeface="Arial" panose="020B0604020202020204" pitchFamily="34" charset="0"/>
+              </a:rPr>
+              <a:t>sample</a:t>
+            </a:r>
+            <a:endParaRPr lang="en-SG" sz="2000" dirty="0">
+              <a:latin typeface="Arial" panose="020B0604020202020204" pitchFamily="34" charset="0"/>
+              <a:cs typeface="Arial" panose="020B0604020202020204" pitchFamily="34" charset="0"/>
+            </a:endParaRPr>
+          </a:p>
+        </p:txBody>
+      </p:sp>
     </p:spTree>
     <p:extLst>
       <p:ext uri="{BB962C8B-B14F-4D97-AF65-F5344CB8AC3E}">
